--- a/images/theory_analysis/Kubernetes_OpenStack_Octavia/Kubernetes_OpenStack_Octavia.pptx
+++ b/images/theory_analysis/Kubernetes_OpenStack_Octavia/Kubernetes_OpenStack_Octavia.pptx
@@ -213,7 +213,7 @@
           <a:p>
             <a:fld id="{6CD5550B-26C4-49A9-A5BA-636EF7BE6CE9}" type="datetimeFigureOut">
               <a:rPr lang="ko-KR" altLang="en-US" smtClean="0"/>
-              <a:t>2019-08-03</a:t>
+              <a:t>2019-08-04</a:t>
             </a:fld>
             <a:endParaRPr lang="ko-KR" altLang="en-US"/>
           </a:p>
@@ -743,7 +743,7 @@
           <a:p>
             <a:fld id="{FB30EDBD-1C2D-4C1E-B459-B60219FAB484}" type="datetimeFigureOut">
               <a:rPr lang="ko-KR" altLang="en-US" smtClean="0"/>
-              <a:t>2019-08-03</a:t>
+              <a:t>2019-08-04</a:t>
             </a:fld>
             <a:endParaRPr lang="ko-KR" altLang="en-US"/>
           </a:p>
@@ -906,7 +906,7 @@
           <a:p>
             <a:fld id="{FB30EDBD-1C2D-4C1E-B459-B60219FAB484}" type="datetimeFigureOut">
               <a:rPr lang="ko-KR" altLang="en-US" smtClean="0"/>
-              <a:t>2019-08-03</a:t>
+              <a:t>2019-08-04</a:t>
             </a:fld>
             <a:endParaRPr lang="ko-KR" altLang="en-US"/>
           </a:p>
@@ -1079,7 +1079,7 @@
           <a:p>
             <a:fld id="{FB30EDBD-1C2D-4C1E-B459-B60219FAB484}" type="datetimeFigureOut">
               <a:rPr lang="ko-KR" altLang="en-US" smtClean="0"/>
-              <a:t>2019-08-03</a:t>
+              <a:t>2019-08-04</a:t>
             </a:fld>
             <a:endParaRPr lang="ko-KR" altLang="en-US"/>
           </a:p>
@@ -1242,7 +1242,7 @@
           <a:p>
             <a:fld id="{FB30EDBD-1C2D-4C1E-B459-B60219FAB484}" type="datetimeFigureOut">
               <a:rPr lang="ko-KR" altLang="en-US" smtClean="0"/>
-              <a:t>2019-08-03</a:t>
+              <a:t>2019-08-04</a:t>
             </a:fld>
             <a:endParaRPr lang="ko-KR" altLang="en-US"/>
           </a:p>
@@ -1482,7 +1482,7 @@
           <a:p>
             <a:fld id="{FB30EDBD-1C2D-4C1E-B459-B60219FAB484}" type="datetimeFigureOut">
               <a:rPr lang="ko-KR" altLang="en-US" smtClean="0"/>
-              <a:t>2019-08-03</a:t>
+              <a:t>2019-08-04</a:t>
             </a:fld>
             <a:endParaRPr lang="ko-KR" altLang="en-US"/>
           </a:p>
@@ -1762,7 +1762,7 @@
           <a:p>
             <a:fld id="{FB30EDBD-1C2D-4C1E-B459-B60219FAB484}" type="datetimeFigureOut">
               <a:rPr lang="ko-KR" altLang="en-US" smtClean="0"/>
-              <a:t>2019-08-03</a:t>
+              <a:t>2019-08-04</a:t>
             </a:fld>
             <a:endParaRPr lang="ko-KR" altLang="en-US"/>
           </a:p>
@@ -2176,7 +2176,7 @@
           <a:p>
             <a:fld id="{FB30EDBD-1C2D-4C1E-B459-B60219FAB484}" type="datetimeFigureOut">
               <a:rPr lang="ko-KR" altLang="en-US" smtClean="0"/>
-              <a:t>2019-08-03</a:t>
+              <a:t>2019-08-04</a:t>
             </a:fld>
             <a:endParaRPr lang="ko-KR" altLang="en-US"/>
           </a:p>
@@ -2288,7 +2288,7 @@
           <a:p>
             <a:fld id="{FB30EDBD-1C2D-4C1E-B459-B60219FAB484}" type="datetimeFigureOut">
               <a:rPr lang="ko-KR" altLang="en-US" smtClean="0"/>
-              <a:t>2019-08-03</a:t>
+              <a:t>2019-08-04</a:t>
             </a:fld>
             <a:endParaRPr lang="ko-KR" altLang="en-US"/>
           </a:p>
@@ -2378,7 +2378,7 @@
           <a:p>
             <a:fld id="{FB30EDBD-1C2D-4C1E-B459-B60219FAB484}" type="datetimeFigureOut">
               <a:rPr lang="ko-KR" altLang="en-US" smtClean="0"/>
-              <a:t>2019-08-03</a:t>
+              <a:t>2019-08-04</a:t>
             </a:fld>
             <a:endParaRPr lang="ko-KR" altLang="en-US"/>
           </a:p>
@@ -2648,7 +2648,7 @@
           <a:p>
             <a:fld id="{FB30EDBD-1C2D-4C1E-B459-B60219FAB484}" type="datetimeFigureOut">
               <a:rPr lang="ko-KR" altLang="en-US" smtClean="0"/>
-              <a:t>2019-08-03</a:t>
+              <a:t>2019-08-04</a:t>
             </a:fld>
             <a:endParaRPr lang="ko-KR" altLang="en-US"/>
           </a:p>
@@ -2895,7 +2895,7 @@
           <a:p>
             <a:fld id="{FB30EDBD-1C2D-4C1E-B459-B60219FAB484}" type="datetimeFigureOut">
               <a:rPr lang="ko-KR" altLang="en-US" smtClean="0"/>
-              <a:t>2019-08-03</a:t>
+              <a:t>2019-08-04</a:t>
             </a:fld>
             <a:endParaRPr lang="ko-KR" altLang="en-US"/>
           </a:p>
@@ -3101,7 +3101,7 @@
           <a:p>
             <a:fld id="{FB30EDBD-1C2D-4C1E-B459-B60219FAB484}" type="datetimeFigureOut">
               <a:rPr lang="ko-KR" altLang="en-US" smtClean="0"/>
-              <a:t>2019-08-03</a:t>
+              <a:t>2019-08-04</a:t>
             </a:fld>
             <a:endParaRPr lang="ko-KR" altLang="en-US"/>
           </a:p>
@@ -3483,7 +3483,7 @@
         </p:nvSpPr>
         <p:spPr>
           <a:xfrm>
-            <a:off x="457200" y="-380578"/>
+            <a:off x="457200" y="-812626"/>
             <a:ext cx="8229600" cy="857250"/>
           </a:xfrm>
         </p:spPr>
@@ -3623,12 +3623,12 @@
         </p:nvSpPr>
         <p:spPr>
           <a:xfrm>
-            <a:off x="996416" y="2920865"/>
-            <a:ext cx="1605622" cy="1750196"/>
+            <a:off x="996416" y="2920864"/>
+            <a:ext cx="1605622" cy="1710075"/>
           </a:xfrm>
           <a:prstGeom prst="roundRect">
             <a:avLst>
-              <a:gd name="adj" fmla="val 6281"/>
+              <a:gd name="adj" fmla="val 4140"/>
             </a:avLst>
           </a:prstGeom>
           <a:noFill/>
@@ -3681,7 +3681,7 @@
         <p:spPr>
           <a:xfrm>
             <a:off x="1111567" y="3435846"/>
-            <a:ext cx="1375319" cy="1133132"/>
+            <a:ext cx="1375319" cy="1097953"/>
           </a:xfrm>
           <a:prstGeom prst="roundRect">
             <a:avLst>
@@ -5544,7 +5544,7 @@
         <p:spPr>
           <a:xfrm>
             <a:off x="1798777" y="2013298"/>
-            <a:ext cx="449" cy="907567"/>
+            <a:ext cx="450" cy="907566"/>
           </a:xfrm>
           <a:prstGeom prst="line">
             <a:avLst/>
@@ -5642,6 +5642,7 @@
             <a:solidFill>
               <a:schemeClr val="tx1"/>
             </a:solidFill>
+            <a:prstDash val="solid"/>
             <a:headEnd type="arrow" w="med" len="med"/>
             <a:tailEnd type="none" w="med" len="med"/>
           </a:ln>
@@ -5715,14 +5716,14 @@
           <p:cNvCxnSpPr>
             <a:cxnSpLocks/>
             <a:stCxn id="98" idx="0"/>
-            <a:endCxn id="74" idx="2"/>
+            <a:endCxn id="287" idx="2"/>
           </p:cNvCxnSpPr>
           <p:nvPr/>
         </p:nvCxnSpPr>
         <p:spPr>
           <a:xfrm flipH="1" flipV="1">
-            <a:off x="3530744" y="2701662"/>
-            <a:ext cx="1467044" cy="291554"/>
+            <a:off x="3527109" y="2629310"/>
+            <a:ext cx="1470679" cy="363906"/>
           </a:xfrm>
           <a:prstGeom prst="straightConnector1">
             <a:avLst/>
@@ -5764,14 +5765,14 @@
           <p:cNvCxnSpPr>
             <a:cxnSpLocks/>
             <a:stCxn id="103" idx="0"/>
-            <a:endCxn id="74" idx="2"/>
+            <a:endCxn id="287" idx="2"/>
           </p:cNvCxnSpPr>
           <p:nvPr/>
         </p:nvCxnSpPr>
         <p:spPr>
           <a:xfrm flipH="1" flipV="1">
-            <a:off x="3530744" y="2701662"/>
-            <a:ext cx="3182010" cy="291554"/>
+            <a:off x="3527109" y="2629310"/>
+            <a:ext cx="3185645" cy="363906"/>
           </a:xfrm>
           <a:prstGeom prst="straightConnector1">
             <a:avLst/>
@@ -5813,14 +5814,14 @@
           <p:cNvCxnSpPr>
             <a:cxnSpLocks/>
             <a:stCxn id="106" idx="0"/>
-            <a:endCxn id="74" idx="2"/>
+            <a:endCxn id="287" idx="2"/>
           </p:cNvCxnSpPr>
           <p:nvPr/>
         </p:nvCxnSpPr>
         <p:spPr>
           <a:xfrm flipH="1" flipV="1">
-            <a:off x="3530744" y="2701662"/>
-            <a:ext cx="4649054" cy="291554"/>
+            <a:off x="3527109" y="2629310"/>
+            <a:ext cx="4652689" cy="363906"/>
           </a:xfrm>
           <a:prstGeom prst="straightConnector1">
             <a:avLst/>
@@ -5862,14 +5863,14 @@
           <p:cNvCxnSpPr>
             <a:cxnSpLocks/>
             <a:stCxn id="98" idx="0"/>
-            <a:endCxn id="107" idx="2"/>
+            <a:endCxn id="296" idx="2"/>
           </p:cNvCxnSpPr>
           <p:nvPr/>
         </p:nvCxnSpPr>
         <p:spPr>
           <a:xfrm flipV="1">
-            <a:off x="4997788" y="2701662"/>
-            <a:ext cx="3182009" cy="291554"/>
+            <a:off x="4997788" y="2629311"/>
+            <a:ext cx="3182008" cy="363905"/>
           </a:xfrm>
           <a:prstGeom prst="straightConnector1">
             <a:avLst/>
@@ -5911,14 +5912,14 @@
           <p:cNvCxnSpPr>
             <a:cxnSpLocks/>
             <a:stCxn id="103" idx="0"/>
-            <a:endCxn id="107" idx="2"/>
+            <a:endCxn id="296" idx="2"/>
           </p:cNvCxnSpPr>
           <p:nvPr/>
         </p:nvCxnSpPr>
         <p:spPr>
           <a:xfrm flipV="1">
-            <a:off x="6712754" y="2701662"/>
-            <a:ext cx="1467043" cy="291554"/>
+            <a:off x="6712754" y="2629311"/>
+            <a:ext cx="1467042" cy="363905"/>
           </a:xfrm>
           <a:prstGeom prst="straightConnector1">
             <a:avLst/>
@@ -5960,14 +5961,14 @@
           <p:cNvCxnSpPr>
             <a:cxnSpLocks/>
             <a:stCxn id="106" idx="0"/>
-            <a:endCxn id="107" idx="2"/>
+            <a:endCxn id="296" idx="2"/>
           </p:cNvCxnSpPr>
           <p:nvPr/>
         </p:nvCxnSpPr>
         <p:spPr>
           <a:xfrm flipH="1" flipV="1">
-            <a:off x="8179797" y="2701662"/>
-            <a:ext cx="1" cy="291554"/>
+            <a:off x="8179796" y="2629311"/>
+            <a:ext cx="2" cy="363905"/>
           </a:xfrm>
           <a:prstGeom prst="straightConnector1">
             <a:avLst/>
@@ -6008,15 +6009,15 @@
           </p:cNvPr>
           <p:cNvCxnSpPr>
             <a:cxnSpLocks/>
-            <a:stCxn id="74" idx="2"/>
-            <a:endCxn id="54" idx="0"/>
+            <a:stCxn id="287" idx="2"/>
+            <a:endCxn id="55" idx="0"/>
           </p:cNvCxnSpPr>
           <p:nvPr/>
         </p:nvCxnSpPr>
         <p:spPr>
           <a:xfrm flipH="1">
-            <a:off x="1799227" y="2701662"/>
-            <a:ext cx="1731518" cy="219203"/>
+            <a:off x="1799227" y="2629310"/>
+            <a:ext cx="1727882" cy="806536"/>
           </a:xfrm>
           <a:prstGeom prst="straightConnector1">
             <a:avLst/>
@@ -6057,15 +6058,15 @@
           </p:cNvPr>
           <p:cNvCxnSpPr>
             <a:cxnSpLocks/>
-            <a:stCxn id="107" idx="2"/>
-            <a:endCxn id="54" idx="0"/>
+            <a:stCxn id="296" idx="2"/>
+            <a:endCxn id="55" idx="0"/>
           </p:cNvCxnSpPr>
           <p:nvPr/>
         </p:nvCxnSpPr>
         <p:spPr>
           <a:xfrm flipH="1">
-            <a:off x="1799227" y="2701662"/>
-            <a:ext cx="6380571" cy="219203"/>
+            <a:off x="1799227" y="2629311"/>
+            <a:ext cx="6380569" cy="806535"/>
           </a:xfrm>
           <a:prstGeom prst="straightConnector1">
             <a:avLst/>
@@ -6109,8 +6110,8 @@
         </p:nvSpPr>
         <p:spPr>
           <a:xfrm>
-            <a:off x="4434465" y="1851669"/>
-            <a:ext cx="1120351" cy="777642"/>
+            <a:off x="4434465" y="2073205"/>
+            <a:ext cx="1120351" cy="556106"/>
           </a:xfrm>
           <a:prstGeom prst="roundRect">
             <a:avLst>
@@ -6159,8 +6160,8 @@
         </p:nvSpPr>
         <p:spPr>
           <a:xfrm>
-            <a:off x="2966933" y="1851669"/>
-            <a:ext cx="1120351" cy="777642"/>
+            <a:off x="2966933" y="2073205"/>
+            <a:ext cx="1120351" cy="556105"/>
           </a:xfrm>
           <a:prstGeom prst="roundRect">
             <a:avLst>
@@ -6184,7 +6185,7 @@
           </a:fontRef>
         </p:style>
         <p:txBody>
-          <a:bodyPr rtlCol="0" anchor="t"/>
+          <a:bodyPr rtlCol="0" anchor="ctr"/>
           <a:lstStyle/>
           <a:p>
             <a:pPr algn="ctr"/>
@@ -6192,10 +6193,6 @@
               <a:rPr lang="en-US" altLang="ko-KR" sz="1100"/>
               <a:t>HAProxy</a:t>
             </a:r>
-          </a:p>
-          <a:p>
-            <a:pPr algn="ctr"/>
-            <a:endParaRPr lang="en-US" altLang="ko-KR" sz="1100"/>
           </a:p>
           <a:p>
             <a:pPr algn="just"/>
@@ -6213,10 +6210,6 @@
               <a:t> Slave:31000</a:t>
             </a:r>
             <a:endParaRPr lang="en-US" altLang="ko-KR" sz="1050"/>
-          </a:p>
-          <a:p>
-            <a:pPr algn="ctr"/>
-            <a:endParaRPr lang="en-US" altLang="ko-KR" sz="1100" dirty="0"/>
           </a:p>
         </p:txBody>
       </p:sp>
@@ -6234,8 +6227,8 @@
         </p:nvSpPr>
         <p:spPr>
           <a:xfrm>
-            <a:off x="6144345" y="1851669"/>
-            <a:ext cx="1120351" cy="777642"/>
+            <a:off x="6144345" y="2073205"/>
+            <a:ext cx="1120351" cy="556106"/>
           </a:xfrm>
           <a:prstGeom prst="roundRect">
             <a:avLst>
@@ -6284,8 +6277,8 @@
         </p:nvSpPr>
         <p:spPr>
           <a:xfrm>
-            <a:off x="7619620" y="1851669"/>
-            <a:ext cx="1120351" cy="777642"/>
+            <a:off x="7619620" y="2073205"/>
+            <a:ext cx="1120351" cy="556106"/>
           </a:xfrm>
           <a:prstGeom prst="roundRect">
             <a:avLst>
@@ -6309,7 +6302,7 @@
           </a:fontRef>
         </p:style>
         <p:txBody>
-          <a:bodyPr rtlCol="0" anchor="t"/>
+          <a:bodyPr rtlCol="0" anchor="ctr"/>
           <a:lstStyle/>
           <a:p>
             <a:pPr algn="ctr"/>
@@ -6317,10 +6310,6 @@
               <a:rPr lang="en-US" altLang="ko-KR" sz="1100"/>
               <a:t>HAProxy</a:t>
             </a:r>
-          </a:p>
-          <a:p>
-            <a:pPr algn="ctr"/>
-            <a:endParaRPr lang="en-US" altLang="ko-KR" sz="1100"/>
           </a:p>
           <a:p>
             <a:pPr algn="just"/>
@@ -6338,10 +6327,6 @@
               <a:t> Slave:32000</a:t>
             </a:r>
             <a:endParaRPr lang="en-US" altLang="ko-KR" sz="1050"/>
-          </a:p>
-          <a:p>
-            <a:pPr algn="ctr"/>
-            <a:endParaRPr lang="en-US" altLang="ko-KR" sz="1100" dirty="0"/>
           </a:p>
         </p:txBody>
       </p:sp>
@@ -6361,8 +6346,8 @@
         </p:nvCxnSpPr>
         <p:spPr>
           <a:xfrm flipH="1" flipV="1">
-            <a:off x="467544" y="2752725"/>
-            <a:ext cx="949113" cy="168140"/>
+            <a:off x="683568" y="2752725"/>
+            <a:ext cx="949113" cy="683121"/>
           </a:xfrm>
           <a:prstGeom prst="straightConnector1">
             <a:avLst/>
@@ -6403,7 +6388,7 @@
           </p:cNvPr>
           <p:cNvCxnSpPr>
             <a:cxnSpLocks/>
-            <a:stCxn id="54" idx="0"/>
+            <a:stCxn id="55" idx="0"/>
             <a:endCxn id="148" idx="2"/>
           </p:cNvCxnSpPr>
           <p:nvPr/>
@@ -6411,7 +6396,7 @@
         <p:spPr>
           <a:xfrm flipH="1" flipV="1">
             <a:off x="850114" y="2752725"/>
-            <a:ext cx="949113" cy="168140"/>
+            <a:ext cx="949113" cy="683121"/>
           </a:xfrm>
           <a:prstGeom prst="straightConnector1">
             <a:avLst/>
@@ -6518,6 +6503,402 @@
             </a:solidFill>
             <a:headEnd type="arrow" w="med" len="med"/>
             <a:tailEnd type="none" w="med" len="med"/>
+          </a:ln>
+        </p:spPr>
+        <p:style>
+          <a:lnRef idx="1">
+            <a:schemeClr val="accent1"/>
+          </a:lnRef>
+          <a:fillRef idx="0">
+            <a:schemeClr val="accent1"/>
+          </a:fillRef>
+          <a:effectRef idx="0">
+            <a:schemeClr val="accent1"/>
+          </a:effectRef>
+          <a:fontRef idx="minor">
+            <a:schemeClr val="tx1"/>
+          </a:fontRef>
+        </p:style>
+      </p:cxnSp>
+      <p:sp>
+        <p:nvSpPr>
+          <p:cNvPr id="64" name="모서리가 둥근 직사각형 18">
+            <a:extLst>
+              <a:ext uri="{FF2B5EF4-FFF2-40B4-BE49-F238E27FC236}">
+                <a16:creationId xmlns:a16="http://schemas.microsoft.com/office/drawing/2014/main" id="{B8EAEBA2-C282-4679-956B-9A9B2BDC28EC}"/>
+              </a:ext>
+            </a:extLst>
+          </p:cNvPr>
+          <p:cNvSpPr/>
+          <p:nvPr/>
+        </p:nvSpPr>
+        <p:spPr>
+          <a:xfrm>
+            <a:off x="2966933" y="1852352"/>
+            <a:ext cx="1120351" cy="222217"/>
+          </a:xfrm>
+          <a:prstGeom prst="roundRect">
+            <a:avLst>
+              <a:gd name="adj" fmla="val 20279"/>
+            </a:avLst>
+          </a:prstGeom>
+          <a:noFill/>
+        </p:spPr>
+        <p:style>
+          <a:lnRef idx="2">
+            <a:schemeClr val="dk1"/>
+          </a:lnRef>
+          <a:fillRef idx="1">
+            <a:schemeClr val="lt1"/>
+          </a:fillRef>
+          <a:effectRef idx="0">
+            <a:schemeClr val="dk1"/>
+          </a:effectRef>
+          <a:fontRef idx="minor">
+            <a:schemeClr val="dk1"/>
+          </a:fontRef>
+        </p:style>
+        <p:txBody>
+          <a:bodyPr rtlCol="0" anchor="ctr"/>
+          <a:lstStyle/>
+          <a:p>
+            <a:pPr algn="ctr"/>
+            <a:r>
+              <a:rPr lang="en-US" altLang="ko-KR" sz="1100"/>
+              <a:t>Agent</a:t>
+            </a:r>
+            <a:endParaRPr lang="en-US" altLang="ko-KR" sz="1100" dirty="0"/>
+          </a:p>
+        </p:txBody>
+      </p:sp>
+      <p:sp>
+        <p:nvSpPr>
+          <p:cNvPr id="75" name="모서리가 둥근 직사각형 18">
+            <a:extLst>
+              <a:ext uri="{FF2B5EF4-FFF2-40B4-BE49-F238E27FC236}">
+                <a16:creationId xmlns:a16="http://schemas.microsoft.com/office/drawing/2014/main" id="{F8864180-73C1-4361-98EA-41DE19048D0F}"/>
+              </a:ext>
+            </a:extLst>
+          </p:cNvPr>
+          <p:cNvSpPr/>
+          <p:nvPr/>
+        </p:nvSpPr>
+        <p:spPr>
+          <a:xfrm>
+            <a:off x="4434465" y="1852352"/>
+            <a:ext cx="1125480" cy="222217"/>
+          </a:xfrm>
+          <a:prstGeom prst="roundRect">
+            <a:avLst>
+              <a:gd name="adj" fmla="val 20279"/>
+            </a:avLst>
+          </a:prstGeom>
+          <a:noFill/>
+        </p:spPr>
+        <p:style>
+          <a:lnRef idx="2">
+            <a:schemeClr val="dk1"/>
+          </a:lnRef>
+          <a:fillRef idx="1">
+            <a:schemeClr val="lt1"/>
+          </a:fillRef>
+          <a:effectRef idx="0">
+            <a:schemeClr val="dk1"/>
+          </a:effectRef>
+          <a:fontRef idx="minor">
+            <a:schemeClr val="dk1"/>
+          </a:fontRef>
+        </p:style>
+        <p:txBody>
+          <a:bodyPr rtlCol="0" anchor="ctr"/>
+          <a:lstStyle/>
+          <a:p>
+            <a:pPr algn="ctr"/>
+            <a:r>
+              <a:rPr lang="en-US" altLang="ko-KR" sz="1100"/>
+              <a:t>Agent</a:t>
+            </a:r>
+            <a:endParaRPr lang="en-US" altLang="ko-KR" sz="1100" dirty="0"/>
+          </a:p>
+        </p:txBody>
+      </p:sp>
+      <p:sp>
+        <p:nvSpPr>
+          <p:cNvPr id="76" name="모서리가 둥근 직사각형 18">
+            <a:extLst>
+              <a:ext uri="{FF2B5EF4-FFF2-40B4-BE49-F238E27FC236}">
+                <a16:creationId xmlns:a16="http://schemas.microsoft.com/office/drawing/2014/main" id="{C2578D8A-679E-4493-82F9-2C371AAD9C8E}"/>
+              </a:ext>
+            </a:extLst>
+          </p:cNvPr>
+          <p:cNvSpPr/>
+          <p:nvPr/>
+        </p:nvSpPr>
+        <p:spPr>
+          <a:xfrm>
+            <a:off x="6144345" y="1852352"/>
+            <a:ext cx="1120352" cy="222217"/>
+          </a:xfrm>
+          <a:prstGeom prst="roundRect">
+            <a:avLst>
+              <a:gd name="adj" fmla="val 20279"/>
+            </a:avLst>
+          </a:prstGeom>
+          <a:noFill/>
+        </p:spPr>
+        <p:style>
+          <a:lnRef idx="2">
+            <a:schemeClr val="dk1"/>
+          </a:lnRef>
+          <a:fillRef idx="1">
+            <a:schemeClr val="lt1"/>
+          </a:fillRef>
+          <a:effectRef idx="0">
+            <a:schemeClr val="dk1"/>
+          </a:effectRef>
+          <a:fontRef idx="minor">
+            <a:schemeClr val="dk1"/>
+          </a:fontRef>
+        </p:style>
+        <p:txBody>
+          <a:bodyPr rtlCol="0" anchor="ctr"/>
+          <a:lstStyle/>
+          <a:p>
+            <a:pPr algn="ctr"/>
+            <a:r>
+              <a:rPr lang="en-US" altLang="ko-KR" sz="1100"/>
+              <a:t>Agent</a:t>
+            </a:r>
+            <a:endParaRPr lang="en-US" altLang="ko-KR" sz="1100" dirty="0"/>
+          </a:p>
+        </p:txBody>
+      </p:sp>
+      <p:sp>
+        <p:nvSpPr>
+          <p:cNvPr id="77" name="모서리가 둥근 직사각형 18">
+            <a:extLst>
+              <a:ext uri="{FF2B5EF4-FFF2-40B4-BE49-F238E27FC236}">
+                <a16:creationId xmlns:a16="http://schemas.microsoft.com/office/drawing/2014/main" id="{F6D2D722-0983-4259-97E0-F5BEE423FF9A}"/>
+              </a:ext>
+            </a:extLst>
+          </p:cNvPr>
+          <p:cNvSpPr/>
+          <p:nvPr/>
+        </p:nvSpPr>
+        <p:spPr>
+          <a:xfrm>
+            <a:off x="7619619" y="1852352"/>
+            <a:ext cx="1120352" cy="222217"/>
+          </a:xfrm>
+          <a:prstGeom prst="roundRect">
+            <a:avLst>
+              <a:gd name="adj" fmla="val 20279"/>
+            </a:avLst>
+          </a:prstGeom>
+          <a:noFill/>
+        </p:spPr>
+        <p:style>
+          <a:lnRef idx="2">
+            <a:schemeClr val="dk1"/>
+          </a:lnRef>
+          <a:fillRef idx="1">
+            <a:schemeClr val="lt1"/>
+          </a:fillRef>
+          <a:effectRef idx="0">
+            <a:schemeClr val="dk1"/>
+          </a:effectRef>
+          <a:fontRef idx="minor">
+            <a:schemeClr val="dk1"/>
+          </a:fontRef>
+        </p:style>
+        <p:txBody>
+          <a:bodyPr rtlCol="0" anchor="ctr"/>
+          <a:lstStyle/>
+          <a:p>
+            <a:pPr algn="ctr"/>
+            <a:r>
+              <a:rPr lang="en-US" altLang="ko-KR" sz="1100"/>
+              <a:t>Agent</a:t>
+            </a:r>
+            <a:endParaRPr lang="en-US" altLang="ko-KR" sz="1100" dirty="0"/>
+          </a:p>
+        </p:txBody>
+      </p:sp>
+      <p:cxnSp>
+        <p:nvCxnSpPr>
+          <p:cNvPr id="80" name="직선 화살표 연결선 79">
+            <a:extLst>
+              <a:ext uri="{FF2B5EF4-FFF2-40B4-BE49-F238E27FC236}">
+                <a16:creationId xmlns:a16="http://schemas.microsoft.com/office/drawing/2014/main" id="{ACEDF290-7870-40EE-86F3-A73045AD2026}"/>
+              </a:ext>
+            </a:extLst>
+          </p:cNvPr>
+          <p:cNvCxnSpPr>
+            <a:cxnSpLocks/>
+            <a:stCxn id="52" idx="3"/>
+            <a:endCxn id="64" idx="1"/>
+          </p:cNvCxnSpPr>
+          <p:nvPr/>
+        </p:nvCxnSpPr>
+        <p:spPr>
+          <a:xfrm>
+            <a:off x="2486437" y="1729519"/>
+            <a:ext cx="480496" cy="233942"/>
+          </a:xfrm>
+          <a:prstGeom prst="straightConnector1">
+            <a:avLst/>
+          </a:prstGeom>
+          <a:ln w="28575">
+            <a:solidFill>
+              <a:schemeClr val="tx1"/>
+            </a:solidFill>
+            <a:prstDash val="solid"/>
+            <a:headEnd type="arrow" w="med" len="med"/>
+            <a:tailEnd type="arrow" w="med" len="med"/>
+          </a:ln>
+        </p:spPr>
+        <p:style>
+          <a:lnRef idx="1">
+            <a:schemeClr val="accent1"/>
+          </a:lnRef>
+          <a:fillRef idx="0">
+            <a:schemeClr val="accent1"/>
+          </a:fillRef>
+          <a:effectRef idx="0">
+            <a:schemeClr val="accent1"/>
+          </a:effectRef>
+          <a:fontRef idx="minor">
+            <a:schemeClr val="tx1"/>
+          </a:fontRef>
+        </p:style>
+      </p:cxnSp>
+      <p:cxnSp>
+        <p:nvCxnSpPr>
+          <p:cNvPr id="147" name="직선 화살표 연결선 146">
+            <a:extLst>
+              <a:ext uri="{FF2B5EF4-FFF2-40B4-BE49-F238E27FC236}">
+                <a16:creationId xmlns:a16="http://schemas.microsoft.com/office/drawing/2014/main" id="{D226386E-B07C-4EBC-8F80-7DFD0DCD9912}"/>
+              </a:ext>
+            </a:extLst>
+          </p:cNvPr>
+          <p:cNvCxnSpPr>
+            <a:cxnSpLocks/>
+            <a:stCxn id="52" idx="3"/>
+            <a:endCxn id="75" idx="1"/>
+          </p:cNvCxnSpPr>
+          <p:nvPr/>
+        </p:nvCxnSpPr>
+        <p:spPr>
+          <a:xfrm>
+            <a:off x="2486437" y="1729519"/>
+            <a:ext cx="1948028" cy="233942"/>
+          </a:xfrm>
+          <a:prstGeom prst="straightConnector1">
+            <a:avLst/>
+          </a:prstGeom>
+          <a:ln w="28575">
+            <a:solidFill>
+              <a:schemeClr val="tx1"/>
+            </a:solidFill>
+            <a:prstDash val="solid"/>
+            <a:headEnd type="arrow" w="med" len="med"/>
+            <a:tailEnd type="arrow" w="med" len="med"/>
+          </a:ln>
+        </p:spPr>
+        <p:style>
+          <a:lnRef idx="1">
+            <a:schemeClr val="accent1"/>
+          </a:lnRef>
+          <a:fillRef idx="0">
+            <a:schemeClr val="accent1"/>
+          </a:fillRef>
+          <a:effectRef idx="0">
+            <a:schemeClr val="accent1"/>
+          </a:effectRef>
+          <a:fontRef idx="minor">
+            <a:schemeClr val="tx1"/>
+          </a:fontRef>
+        </p:style>
+      </p:cxnSp>
+      <p:cxnSp>
+        <p:nvCxnSpPr>
+          <p:cNvPr id="151" name="직선 화살표 연결선 150">
+            <a:extLst>
+              <a:ext uri="{FF2B5EF4-FFF2-40B4-BE49-F238E27FC236}">
+                <a16:creationId xmlns:a16="http://schemas.microsoft.com/office/drawing/2014/main" id="{404E71DA-162A-4FD8-B2F2-99ED78BBFEA9}"/>
+              </a:ext>
+            </a:extLst>
+          </p:cNvPr>
+          <p:cNvCxnSpPr>
+            <a:cxnSpLocks/>
+            <a:stCxn id="52" idx="3"/>
+            <a:endCxn id="76" idx="1"/>
+          </p:cNvCxnSpPr>
+          <p:nvPr/>
+        </p:nvCxnSpPr>
+        <p:spPr>
+          <a:xfrm>
+            <a:off x="2486437" y="1729519"/>
+            <a:ext cx="3657908" cy="233942"/>
+          </a:xfrm>
+          <a:prstGeom prst="straightConnector1">
+            <a:avLst/>
+          </a:prstGeom>
+          <a:ln w="28575">
+            <a:solidFill>
+              <a:schemeClr val="tx1"/>
+            </a:solidFill>
+            <a:prstDash val="solid"/>
+            <a:headEnd type="arrow" w="med" len="med"/>
+            <a:tailEnd type="arrow" w="med" len="med"/>
+          </a:ln>
+        </p:spPr>
+        <p:style>
+          <a:lnRef idx="1">
+            <a:schemeClr val="accent1"/>
+          </a:lnRef>
+          <a:fillRef idx="0">
+            <a:schemeClr val="accent1"/>
+          </a:fillRef>
+          <a:effectRef idx="0">
+            <a:schemeClr val="accent1"/>
+          </a:effectRef>
+          <a:fontRef idx="minor">
+            <a:schemeClr val="tx1"/>
+          </a:fontRef>
+        </p:style>
+      </p:cxnSp>
+      <p:cxnSp>
+        <p:nvCxnSpPr>
+          <p:cNvPr id="154" name="직선 화살표 연결선 153">
+            <a:extLst>
+              <a:ext uri="{FF2B5EF4-FFF2-40B4-BE49-F238E27FC236}">
+                <a16:creationId xmlns:a16="http://schemas.microsoft.com/office/drawing/2014/main" id="{D40C5972-9F0B-4470-B8E7-50B8191A846E}"/>
+              </a:ext>
+            </a:extLst>
+          </p:cNvPr>
+          <p:cNvCxnSpPr>
+            <a:cxnSpLocks/>
+            <a:stCxn id="52" idx="3"/>
+            <a:endCxn id="77" idx="1"/>
+          </p:cNvCxnSpPr>
+          <p:nvPr/>
+        </p:nvCxnSpPr>
+        <p:spPr>
+          <a:xfrm>
+            <a:off x="2486437" y="1729519"/>
+            <a:ext cx="5133182" cy="233942"/>
+          </a:xfrm>
+          <a:prstGeom prst="straightConnector1">
+            <a:avLst/>
+          </a:prstGeom>
+          <a:ln w="28575">
+            <a:solidFill>
+              <a:schemeClr val="tx1"/>
+            </a:solidFill>
+            <a:prstDash val="solid"/>
+            <a:headEnd type="arrow" w="med" len="med"/>
+            <a:tailEnd type="arrow" w="med" len="med"/>
           </a:ln>
         </p:spPr>
         <p:style>

--- a/images/theory_analysis/Kubernetes_OpenStack_Octavia/Kubernetes_OpenStack_Octavia.pptx
+++ b/images/theory_analysis/Kubernetes_OpenStack_Octavia/Kubernetes_OpenStack_Octavia.pptx
@@ -5,10 +5,11 @@
     <p:sldMasterId id="2147483648" r:id="rId1"/>
   </p:sldMasterIdLst>
   <p:notesMasterIdLst>
-    <p:notesMasterId r:id="rId3"/>
+    <p:notesMasterId r:id="rId4"/>
   </p:notesMasterIdLst>
   <p:sldIdLst>
-    <p:sldId id="393" r:id="rId2"/>
+    <p:sldId id="394" r:id="rId2"/>
+    <p:sldId id="393" r:id="rId3"/>
   </p:sldIdLst>
   <p:sldSz cx="9144000" cy="5143500" type="screen16x9"/>
   <p:notesSz cx="6858000" cy="9144000"/>
@@ -213,7 +214,7 @@
           <a:p>
             <a:fld id="{6CD5550B-26C4-49A9-A5BA-636EF7BE6CE9}" type="datetimeFigureOut">
               <a:rPr lang="ko-KR" altLang="en-US" smtClean="0"/>
-              <a:t>2019-08-04</a:t>
+              <a:t>2019-08-21</a:t>
             </a:fld>
             <a:endParaRPr lang="ko-KR" altLang="en-US"/>
           </a:p>
@@ -554,6 +555,90 @@
     </p:spTree>
     <p:extLst>
       <p:ext uri="{BB962C8B-B14F-4D97-AF65-F5344CB8AC3E}">
+        <p14:creationId xmlns:p14="http://schemas.microsoft.com/office/powerpoint/2010/main" val="2066676774"/>
+      </p:ext>
+    </p:extLst>
+  </p:cSld>
+  <p:clrMapOvr>
+    <a:masterClrMapping/>
+  </p:clrMapOvr>
+</p:notes>
+</file>
+
+<file path=ppt/notesSlides/notesSlide2.xml><?xml version="1.0" encoding="utf-8"?>
+<p:notes xmlns:a="http://schemas.openxmlformats.org/drawingml/2006/main" xmlns:r="http://schemas.openxmlformats.org/officeDocument/2006/relationships" xmlns:p="http://schemas.openxmlformats.org/presentationml/2006/main">
+  <p:cSld>
+    <p:spTree>
+      <p:nvGrpSpPr>
+        <p:cNvPr id="1" name=""/>
+        <p:cNvGrpSpPr/>
+        <p:nvPr/>
+      </p:nvGrpSpPr>
+      <p:grpSpPr>
+        <a:xfrm>
+          <a:off x="0" y="0"/>
+          <a:ext cx="0" cy="0"/>
+          <a:chOff x="0" y="0"/>
+          <a:chExt cx="0" cy="0"/>
+        </a:xfrm>
+      </p:grpSpPr>
+      <p:sp>
+        <p:nvSpPr>
+          <p:cNvPr id="2" name="슬라이드 이미지 개체 틀 1"/>
+          <p:cNvSpPr>
+            <a:spLocks noGrp="1" noRot="1" noChangeAspect="1"/>
+          </p:cNvSpPr>
+          <p:nvPr>
+            <p:ph type="sldImg"/>
+          </p:nvPr>
+        </p:nvSpPr>
+        <p:spPr/>
+      </p:sp>
+      <p:sp>
+        <p:nvSpPr>
+          <p:cNvPr id="3" name="슬라이드 노트 개체 틀 2"/>
+          <p:cNvSpPr>
+            <a:spLocks noGrp="1"/>
+          </p:cNvSpPr>
+          <p:nvPr>
+            <p:ph type="body" idx="1"/>
+          </p:nvPr>
+        </p:nvSpPr>
+        <p:spPr/>
+        <p:txBody>
+          <a:bodyPr/>
+          <a:lstStyle/>
+          <a:p>
+            <a:endParaRPr lang="ko-KR" altLang="en-US" dirty="0"/>
+          </a:p>
+        </p:txBody>
+      </p:sp>
+      <p:sp>
+        <p:nvSpPr>
+          <p:cNvPr id="4" name="슬라이드 번호 개체 틀 3"/>
+          <p:cNvSpPr>
+            <a:spLocks noGrp="1"/>
+          </p:cNvSpPr>
+          <p:nvPr>
+            <p:ph type="sldNum" sz="quarter" idx="10"/>
+          </p:nvPr>
+        </p:nvSpPr>
+        <p:spPr/>
+        <p:txBody>
+          <a:bodyPr/>
+          <a:lstStyle/>
+          <a:p>
+            <a:fld id="{BA5DFA43-8D57-47FB-BC46-057616015C3B}" type="slidenum">
+              <a:rPr lang="ko-KR" altLang="en-US" smtClean="0"/>
+              <a:t>2</a:t>
+            </a:fld>
+            <a:endParaRPr lang="ko-KR" altLang="en-US"/>
+          </a:p>
+        </p:txBody>
+      </p:sp>
+    </p:spTree>
+    <p:extLst>
+      <p:ext uri="{BB962C8B-B14F-4D97-AF65-F5344CB8AC3E}">
         <p14:creationId xmlns:p14="http://schemas.microsoft.com/office/powerpoint/2010/main" val="2594285705"/>
       </p:ext>
     </p:extLst>
@@ -743,7 +828,7 @@
           <a:p>
             <a:fld id="{FB30EDBD-1C2D-4C1E-B459-B60219FAB484}" type="datetimeFigureOut">
               <a:rPr lang="ko-KR" altLang="en-US" smtClean="0"/>
-              <a:t>2019-08-04</a:t>
+              <a:t>2019-08-21</a:t>
             </a:fld>
             <a:endParaRPr lang="ko-KR" altLang="en-US"/>
           </a:p>
@@ -906,7 +991,7 @@
           <a:p>
             <a:fld id="{FB30EDBD-1C2D-4C1E-B459-B60219FAB484}" type="datetimeFigureOut">
               <a:rPr lang="ko-KR" altLang="en-US" smtClean="0"/>
-              <a:t>2019-08-04</a:t>
+              <a:t>2019-08-21</a:t>
             </a:fld>
             <a:endParaRPr lang="ko-KR" altLang="en-US"/>
           </a:p>
@@ -1079,7 +1164,7 @@
           <a:p>
             <a:fld id="{FB30EDBD-1C2D-4C1E-B459-B60219FAB484}" type="datetimeFigureOut">
               <a:rPr lang="ko-KR" altLang="en-US" smtClean="0"/>
-              <a:t>2019-08-04</a:t>
+              <a:t>2019-08-21</a:t>
             </a:fld>
             <a:endParaRPr lang="ko-KR" altLang="en-US"/>
           </a:p>
@@ -1242,7 +1327,7 @@
           <a:p>
             <a:fld id="{FB30EDBD-1C2D-4C1E-B459-B60219FAB484}" type="datetimeFigureOut">
               <a:rPr lang="ko-KR" altLang="en-US" smtClean="0"/>
-              <a:t>2019-08-04</a:t>
+              <a:t>2019-08-21</a:t>
             </a:fld>
             <a:endParaRPr lang="ko-KR" altLang="en-US"/>
           </a:p>
@@ -1482,7 +1567,7 @@
           <a:p>
             <a:fld id="{FB30EDBD-1C2D-4C1E-B459-B60219FAB484}" type="datetimeFigureOut">
               <a:rPr lang="ko-KR" altLang="en-US" smtClean="0"/>
-              <a:t>2019-08-04</a:t>
+              <a:t>2019-08-21</a:t>
             </a:fld>
             <a:endParaRPr lang="ko-KR" altLang="en-US"/>
           </a:p>
@@ -1762,7 +1847,7 @@
           <a:p>
             <a:fld id="{FB30EDBD-1C2D-4C1E-B459-B60219FAB484}" type="datetimeFigureOut">
               <a:rPr lang="ko-KR" altLang="en-US" smtClean="0"/>
-              <a:t>2019-08-04</a:t>
+              <a:t>2019-08-21</a:t>
             </a:fld>
             <a:endParaRPr lang="ko-KR" altLang="en-US"/>
           </a:p>
@@ -2176,7 +2261,7 @@
           <a:p>
             <a:fld id="{FB30EDBD-1C2D-4C1E-B459-B60219FAB484}" type="datetimeFigureOut">
               <a:rPr lang="ko-KR" altLang="en-US" smtClean="0"/>
-              <a:t>2019-08-04</a:t>
+              <a:t>2019-08-21</a:t>
             </a:fld>
             <a:endParaRPr lang="ko-KR" altLang="en-US"/>
           </a:p>
@@ -2288,7 +2373,7 @@
           <a:p>
             <a:fld id="{FB30EDBD-1C2D-4C1E-B459-B60219FAB484}" type="datetimeFigureOut">
               <a:rPr lang="ko-KR" altLang="en-US" smtClean="0"/>
-              <a:t>2019-08-04</a:t>
+              <a:t>2019-08-21</a:t>
             </a:fld>
             <a:endParaRPr lang="ko-KR" altLang="en-US"/>
           </a:p>
@@ -2378,7 +2463,7 @@
           <a:p>
             <a:fld id="{FB30EDBD-1C2D-4C1E-B459-B60219FAB484}" type="datetimeFigureOut">
               <a:rPr lang="ko-KR" altLang="en-US" smtClean="0"/>
-              <a:t>2019-08-04</a:t>
+              <a:t>2019-08-21</a:t>
             </a:fld>
             <a:endParaRPr lang="ko-KR" altLang="en-US"/>
           </a:p>
@@ -2648,7 +2733,7 @@
           <a:p>
             <a:fld id="{FB30EDBD-1C2D-4C1E-B459-B60219FAB484}" type="datetimeFigureOut">
               <a:rPr lang="ko-KR" altLang="en-US" smtClean="0"/>
-              <a:t>2019-08-04</a:t>
+              <a:t>2019-08-21</a:t>
             </a:fld>
             <a:endParaRPr lang="ko-KR" altLang="en-US"/>
           </a:p>
@@ -2895,7 +2980,7 @@
           <a:p>
             <a:fld id="{FB30EDBD-1C2D-4C1E-B459-B60219FAB484}" type="datetimeFigureOut">
               <a:rPr lang="ko-KR" altLang="en-US" smtClean="0"/>
-              <a:t>2019-08-04</a:t>
+              <a:t>2019-08-21</a:t>
             </a:fld>
             <a:endParaRPr lang="ko-KR" altLang="en-US"/>
           </a:p>
@@ -3101,7 +3186,7 @@
           <a:p>
             <a:fld id="{FB30EDBD-1C2D-4C1E-B459-B60219FAB484}" type="datetimeFigureOut">
               <a:rPr lang="ko-KR" altLang="en-US" smtClean="0"/>
-              <a:t>2019-08-04</a:t>
+              <a:t>2019-08-21</a:t>
             </a:fld>
             <a:endParaRPr lang="ko-KR" altLang="en-US"/>
           </a:p>
@@ -3455,6 +3540,4853 @@
 </file>
 
 <file path=ppt/slides/slide1.xml><?xml version="1.0" encoding="utf-8"?>
+<p:sld xmlns:a="http://schemas.openxmlformats.org/drawingml/2006/main" xmlns:r="http://schemas.openxmlformats.org/officeDocument/2006/relationships" xmlns:p="http://schemas.openxmlformats.org/presentationml/2006/main">
+  <p:cSld>
+    <p:spTree>
+      <p:nvGrpSpPr>
+        <p:cNvPr id="1" name=""/>
+        <p:cNvGrpSpPr/>
+        <p:nvPr/>
+      </p:nvGrpSpPr>
+      <p:grpSpPr>
+        <a:xfrm>
+          <a:off x="0" y="0"/>
+          <a:ext cx="0" cy="0"/>
+          <a:chOff x="0" y="0"/>
+          <a:chExt cx="0" cy="0"/>
+        </a:xfrm>
+      </p:grpSpPr>
+      <p:sp>
+        <p:nvSpPr>
+          <p:cNvPr id="6" name="제목 1"/>
+          <p:cNvSpPr>
+            <a:spLocks noGrp="1"/>
+          </p:cNvSpPr>
+          <p:nvPr>
+            <p:ph type="title"/>
+          </p:nvPr>
+        </p:nvSpPr>
+        <p:spPr>
+          <a:xfrm>
+            <a:off x="457200" y="-812626"/>
+            <a:ext cx="8229600" cy="857250"/>
+          </a:xfrm>
+        </p:spPr>
+        <p:txBody>
+          <a:bodyPr>
+            <a:normAutofit/>
+          </a:bodyPr>
+          <a:lstStyle/>
+          <a:p>
+            <a:r>
+              <a:rPr lang="en-US" altLang="ko-KR"/>
+              <a:t>Environment</a:t>
+            </a:r>
+            <a:endParaRPr lang="ko-KR" altLang="en-US" dirty="0"/>
+          </a:p>
+        </p:txBody>
+      </p:sp>
+      <p:sp>
+        <p:nvSpPr>
+          <p:cNvPr id="45" name="모서리가 둥근 직사각형 13">
+            <a:extLst>
+              <a:ext uri="{FF2B5EF4-FFF2-40B4-BE49-F238E27FC236}">
+                <a16:creationId xmlns:a16="http://schemas.microsoft.com/office/drawing/2014/main" id="{210C5000-1377-4456-BA5A-F63E2F8B087D}"/>
+              </a:ext>
+            </a:extLst>
+          </p:cNvPr>
+          <p:cNvSpPr/>
+          <p:nvPr/>
+        </p:nvSpPr>
+        <p:spPr>
+          <a:xfrm>
+            <a:off x="995966" y="1251819"/>
+            <a:ext cx="1605622" cy="972092"/>
+          </a:xfrm>
+          <a:prstGeom prst="roundRect">
+            <a:avLst>
+              <a:gd name="adj" fmla="val 6281"/>
+            </a:avLst>
+          </a:prstGeom>
+          <a:noFill/>
+        </p:spPr>
+        <p:style>
+          <a:lnRef idx="2">
+            <a:schemeClr val="dk1"/>
+          </a:lnRef>
+          <a:fillRef idx="1">
+            <a:schemeClr val="lt1"/>
+          </a:fillRef>
+          <a:effectRef idx="0">
+            <a:schemeClr val="dk1"/>
+          </a:effectRef>
+          <a:fontRef idx="minor">
+            <a:schemeClr val="dk1"/>
+          </a:fontRef>
+        </p:style>
+        <p:txBody>
+          <a:bodyPr rtlCol="0" anchor="t"/>
+          <a:lstStyle/>
+          <a:p>
+            <a:pPr algn="ctr"/>
+            <a:r>
+              <a:rPr lang="en-US" altLang="ko-KR" sz="1200"/>
+              <a:t>OpenStack</a:t>
+            </a:r>
+          </a:p>
+          <a:p>
+            <a:pPr algn="ctr"/>
+            <a:r>
+              <a:rPr lang="en-US" altLang="ko-KR" sz="1200"/>
+              <a:t>Controller Node</a:t>
+            </a:r>
+          </a:p>
+        </p:txBody>
+      </p:sp>
+      <p:sp>
+        <p:nvSpPr>
+          <p:cNvPr id="52" name="모서리가 둥근 직사각형 18">
+            <a:extLst>
+              <a:ext uri="{FF2B5EF4-FFF2-40B4-BE49-F238E27FC236}">
+                <a16:creationId xmlns:a16="http://schemas.microsoft.com/office/drawing/2014/main" id="{F3F1B3F4-8EE2-4A76-8ED5-81E5821FF84D}"/>
+              </a:ext>
+            </a:extLst>
+          </p:cNvPr>
+          <p:cNvSpPr/>
+          <p:nvPr/>
+        </p:nvSpPr>
+        <p:spPr>
+          <a:xfrm>
+            <a:off x="1111118" y="1745972"/>
+            <a:ext cx="1375319" cy="388319"/>
+          </a:xfrm>
+          <a:prstGeom prst="roundRect">
+            <a:avLst>
+              <a:gd name="adj" fmla="val 11578"/>
+            </a:avLst>
+          </a:prstGeom>
+          <a:noFill/>
+        </p:spPr>
+        <p:style>
+          <a:lnRef idx="2">
+            <a:schemeClr val="dk1"/>
+          </a:lnRef>
+          <a:fillRef idx="1">
+            <a:schemeClr val="lt1"/>
+          </a:fillRef>
+          <a:effectRef idx="0">
+            <a:schemeClr val="dk1"/>
+          </a:effectRef>
+          <a:fontRef idx="minor">
+            <a:schemeClr val="dk1"/>
+          </a:fontRef>
+        </p:style>
+        <p:txBody>
+          <a:bodyPr rtlCol="0" anchor="ctr"/>
+          <a:lstStyle/>
+          <a:p>
+            <a:pPr algn="ctr"/>
+            <a:r>
+              <a:rPr lang="en-US" altLang="ko-KR" sz="1100" b="1"/>
+              <a:t>Octavia Service</a:t>
+            </a:r>
+            <a:endParaRPr lang="en-US" altLang="ko-KR" sz="1100" b="1" dirty="0"/>
+          </a:p>
+        </p:txBody>
+      </p:sp>
+      <p:sp>
+        <p:nvSpPr>
+          <p:cNvPr id="54" name="모서리가 둥근 직사각형 13">
+            <a:extLst>
+              <a:ext uri="{FF2B5EF4-FFF2-40B4-BE49-F238E27FC236}">
+                <a16:creationId xmlns:a16="http://schemas.microsoft.com/office/drawing/2014/main" id="{31C72FB5-D72F-4EC2-86F0-27BA759406F6}"/>
+              </a:ext>
+            </a:extLst>
+          </p:cNvPr>
+          <p:cNvSpPr/>
+          <p:nvPr/>
+        </p:nvSpPr>
+        <p:spPr>
+          <a:xfrm>
+            <a:off x="996416" y="3131477"/>
+            <a:ext cx="1605622" cy="1710075"/>
+          </a:xfrm>
+          <a:prstGeom prst="roundRect">
+            <a:avLst>
+              <a:gd name="adj" fmla="val 4140"/>
+            </a:avLst>
+          </a:prstGeom>
+          <a:noFill/>
+        </p:spPr>
+        <p:style>
+          <a:lnRef idx="2">
+            <a:schemeClr val="dk1"/>
+          </a:lnRef>
+          <a:fillRef idx="1">
+            <a:schemeClr val="lt1"/>
+          </a:fillRef>
+          <a:effectRef idx="0">
+            <a:schemeClr val="dk1"/>
+          </a:effectRef>
+          <a:fontRef idx="minor">
+            <a:schemeClr val="dk1"/>
+          </a:fontRef>
+        </p:style>
+        <p:txBody>
+          <a:bodyPr rtlCol="0" anchor="t"/>
+          <a:lstStyle/>
+          <a:p>
+            <a:pPr algn="ctr"/>
+            <a:r>
+              <a:rPr lang="en-US" altLang="ko-KR" sz="1200"/>
+              <a:t>OpenStack</a:t>
+            </a:r>
+          </a:p>
+          <a:p>
+            <a:pPr algn="ctr"/>
+            <a:r>
+              <a:rPr lang="en-US" altLang="ko-KR" sz="1200"/>
+              <a:t>Network Node</a:t>
+            </a:r>
+          </a:p>
+        </p:txBody>
+      </p:sp>
+      <p:sp>
+        <p:nvSpPr>
+          <p:cNvPr id="55" name="모서리가 둥근 직사각형 18">
+            <a:extLst>
+              <a:ext uri="{FF2B5EF4-FFF2-40B4-BE49-F238E27FC236}">
+                <a16:creationId xmlns:a16="http://schemas.microsoft.com/office/drawing/2014/main" id="{770426C7-3B6B-42D8-AE43-B677E531741D}"/>
+              </a:ext>
+            </a:extLst>
+          </p:cNvPr>
+          <p:cNvSpPr/>
+          <p:nvPr/>
+        </p:nvSpPr>
+        <p:spPr>
+          <a:xfrm>
+            <a:off x="1111567" y="3646459"/>
+            <a:ext cx="1375319" cy="1097953"/>
+          </a:xfrm>
+          <a:prstGeom prst="roundRect">
+            <a:avLst>
+              <a:gd name="adj" fmla="val 4208"/>
+            </a:avLst>
+          </a:prstGeom>
+          <a:noFill/>
+        </p:spPr>
+        <p:style>
+          <a:lnRef idx="2">
+            <a:schemeClr val="dk1"/>
+          </a:lnRef>
+          <a:fillRef idx="1">
+            <a:schemeClr val="lt1"/>
+          </a:fillRef>
+          <a:effectRef idx="0">
+            <a:schemeClr val="dk1"/>
+          </a:effectRef>
+          <a:fontRef idx="minor">
+            <a:schemeClr val="dk1"/>
+          </a:fontRef>
+        </p:style>
+        <p:txBody>
+          <a:bodyPr rtlCol="0" anchor="t"/>
+          <a:lstStyle/>
+          <a:p>
+            <a:pPr algn="ctr"/>
+            <a:r>
+              <a:rPr lang="en-US" altLang="ko-KR" sz="1100"/>
+              <a:t>Virtual Router</a:t>
+            </a:r>
+          </a:p>
+          <a:p>
+            <a:pPr algn="ctr"/>
+            <a:endParaRPr lang="en-US" altLang="ko-KR" sz="1100"/>
+          </a:p>
+          <a:p>
+            <a:pPr algn="just"/>
+            <a:r>
+              <a:rPr lang="en-US" altLang="ko-KR" sz="1100"/>
+              <a:t>192.168.0.100 </a:t>
+            </a:r>
+          </a:p>
+          <a:p>
+            <a:pPr algn="just"/>
+            <a:r>
+              <a:rPr lang="en-US" altLang="ko-KR" sz="1100">
+                <a:sym typeface="Wingdings" panose="05000000000000000000" pitchFamily="2" charset="2"/>
+              </a:rPr>
+              <a:t> 30.0.0.10</a:t>
+            </a:r>
+          </a:p>
+          <a:p>
+            <a:pPr algn="just"/>
+            <a:r>
+              <a:rPr lang="en-US" altLang="ko-KR" sz="1100">
+                <a:sym typeface="Wingdings" panose="05000000000000000000" pitchFamily="2" charset="2"/>
+              </a:rPr>
+              <a:t>192.168.0.200</a:t>
+            </a:r>
+          </a:p>
+          <a:p>
+            <a:pPr algn="just"/>
+            <a:r>
+              <a:rPr lang="en-US" altLang="ko-KR" sz="1100">
+                <a:sym typeface="Wingdings" panose="05000000000000000000" pitchFamily="2" charset="2"/>
+              </a:rPr>
+              <a:t> 30.0.0.20</a:t>
+            </a:r>
+            <a:endParaRPr lang="en-US" altLang="ko-KR" sz="1100" dirty="0"/>
+          </a:p>
+        </p:txBody>
+      </p:sp>
+      <p:sp>
+        <p:nvSpPr>
+          <p:cNvPr id="59" name="모서리가 둥근 직사각형 13">
+            <a:extLst>
+              <a:ext uri="{FF2B5EF4-FFF2-40B4-BE49-F238E27FC236}">
+                <a16:creationId xmlns:a16="http://schemas.microsoft.com/office/drawing/2014/main" id="{5B7A05C4-F75D-4B06-A30C-6239CE2A3D1D}"/>
+              </a:ext>
+            </a:extLst>
+          </p:cNvPr>
+          <p:cNvSpPr/>
+          <p:nvPr/>
+        </p:nvSpPr>
+        <p:spPr>
+          <a:xfrm>
+            <a:off x="2773208" y="1223322"/>
+            <a:ext cx="2984226" cy="3264593"/>
+          </a:xfrm>
+          <a:prstGeom prst="roundRect">
+            <a:avLst>
+              <a:gd name="adj" fmla="val 3761"/>
+            </a:avLst>
+          </a:prstGeom>
+          <a:noFill/>
+        </p:spPr>
+        <p:style>
+          <a:lnRef idx="2">
+            <a:schemeClr val="dk1"/>
+          </a:lnRef>
+          <a:fillRef idx="1">
+            <a:schemeClr val="lt1"/>
+          </a:fillRef>
+          <a:effectRef idx="0">
+            <a:schemeClr val="dk1"/>
+          </a:effectRef>
+          <a:fontRef idx="minor">
+            <a:schemeClr val="dk1"/>
+          </a:fontRef>
+        </p:style>
+        <p:txBody>
+          <a:bodyPr rtlCol="0" anchor="t"/>
+          <a:lstStyle/>
+          <a:p>
+            <a:pPr algn="ctr"/>
+            <a:r>
+              <a:rPr lang="en-US" altLang="ko-KR" sz="1200"/>
+              <a:t>OpenStack Compute Node</a:t>
+            </a:r>
+          </a:p>
+        </p:txBody>
+      </p:sp>
+      <p:sp>
+        <p:nvSpPr>
+          <p:cNvPr id="66" name="모서리가 둥근 직사각형 47">
+            <a:extLst>
+              <a:ext uri="{FF2B5EF4-FFF2-40B4-BE49-F238E27FC236}">
+                <a16:creationId xmlns:a16="http://schemas.microsoft.com/office/drawing/2014/main" id="{313B8210-A277-447D-9003-18A244192E63}"/>
+              </a:ext>
+            </a:extLst>
+          </p:cNvPr>
+          <p:cNvSpPr/>
+          <p:nvPr/>
+        </p:nvSpPr>
+        <p:spPr>
+          <a:xfrm>
+            <a:off x="2870069" y="3203829"/>
+            <a:ext cx="1321349" cy="1164956"/>
+          </a:xfrm>
+          <a:prstGeom prst="roundRect">
+            <a:avLst>
+              <a:gd name="adj" fmla="val 7625"/>
+            </a:avLst>
+          </a:prstGeom>
+          <a:noFill/>
+        </p:spPr>
+        <p:style>
+          <a:lnRef idx="2">
+            <a:schemeClr val="dk1"/>
+          </a:lnRef>
+          <a:fillRef idx="1">
+            <a:schemeClr val="lt1"/>
+          </a:fillRef>
+          <a:effectRef idx="0">
+            <a:schemeClr val="dk1"/>
+          </a:effectRef>
+          <a:fontRef idx="minor">
+            <a:schemeClr val="dk1"/>
+          </a:fontRef>
+        </p:style>
+        <p:txBody>
+          <a:bodyPr rtlCol="0" anchor="t"/>
+          <a:lstStyle/>
+          <a:p>
+            <a:pPr algn="ctr"/>
+            <a:r>
+              <a:rPr lang="en-US" altLang="ko-KR" sz="1200"/>
+              <a:t>K8s Master VM</a:t>
+            </a:r>
+            <a:endParaRPr lang="en-US" altLang="ko-KR" sz="1200" dirty="0"/>
+          </a:p>
+        </p:txBody>
+      </p:sp>
+      <p:sp>
+        <p:nvSpPr>
+          <p:cNvPr id="72" name="모서리가 둥근 직사각형 47">
+            <a:extLst>
+              <a:ext uri="{FF2B5EF4-FFF2-40B4-BE49-F238E27FC236}">
+                <a16:creationId xmlns:a16="http://schemas.microsoft.com/office/drawing/2014/main" id="{CF9CBD64-24D5-48B5-9044-CC2D8E40AA2E}"/>
+              </a:ext>
+            </a:extLst>
+          </p:cNvPr>
+          <p:cNvSpPr/>
+          <p:nvPr/>
+        </p:nvSpPr>
+        <p:spPr>
+          <a:xfrm>
+            <a:off x="5907384" y="4699022"/>
+            <a:ext cx="1611736" cy="393008"/>
+          </a:xfrm>
+          <a:prstGeom prst="roundRect">
+            <a:avLst>
+              <a:gd name="adj" fmla="val 11578"/>
+            </a:avLst>
+          </a:prstGeom>
+          <a:noFill/>
+          <a:ln>
+            <a:solidFill>
+              <a:schemeClr val="tx2"/>
+            </a:solidFill>
+          </a:ln>
+        </p:spPr>
+        <p:style>
+          <a:lnRef idx="2">
+            <a:schemeClr val="dk1"/>
+          </a:lnRef>
+          <a:fillRef idx="1">
+            <a:schemeClr val="lt1"/>
+          </a:fillRef>
+          <a:effectRef idx="0">
+            <a:schemeClr val="dk1"/>
+          </a:effectRef>
+          <a:fontRef idx="minor">
+            <a:schemeClr val="dk1"/>
+          </a:fontRef>
+        </p:style>
+        <p:txBody>
+          <a:bodyPr rtlCol="0" anchor="ctr"/>
+          <a:lstStyle/>
+          <a:p>
+            <a:pPr algn="ctr"/>
+            <a:r>
+              <a:rPr lang="en-US" altLang="ko-KR" sz="1100"/>
+              <a:t>K8s / Tenant Network</a:t>
+            </a:r>
+          </a:p>
+          <a:p>
+            <a:pPr algn="ctr"/>
+            <a:r>
+              <a:rPr lang="en-US" altLang="ko-KR" sz="1100"/>
+              <a:t>30.0.0.0/24</a:t>
+            </a:r>
+            <a:endParaRPr lang="en-US" altLang="ko-KR" sz="1100" dirty="0"/>
+          </a:p>
+        </p:txBody>
+      </p:sp>
+      <p:sp>
+        <p:nvSpPr>
+          <p:cNvPr id="73" name="모서리가 둥근 직사각형 47">
+            <a:extLst>
+              <a:ext uri="{FF2B5EF4-FFF2-40B4-BE49-F238E27FC236}">
+                <a16:creationId xmlns:a16="http://schemas.microsoft.com/office/drawing/2014/main" id="{3F1D792C-5DB4-42CA-844B-8A011B64D29B}"/>
+              </a:ext>
+            </a:extLst>
+          </p:cNvPr>
+          <p:cNvSpPr/>
+          <p:nvPr/>
+        </p:nvSpPr>
+        <p:spPr>
+          <a:xfrm>
+            <a:off x="5906385" y="632653"/>
+            <a:ext cx="1612736" cy="404137"/>
+          </a:xfrm>
+          <a:prstGeom prst="roundRect">
+            <a:avLst>
+              <a:gd name="adj" fmla="val 11578"/>
+            </a:avLst>
+          </a:prstGeom>
+          <a:noFill/>
+          <a:ln>
+            <a:solidFill>
+              <a:schemeClr val="accent3">
+                <a:lumMod val="50000"/>
+              </a:schemeClr>
+            </a:solidFill>
+          </a:ln>
+        </p:spPr>
+        <p:style>
+          <a:lnRef idx="2">
+            <a:schemeClr val="dk1"/>
+          </a:lnRef>
+          <a:fillRef idx="1">
+            <a:schemeClr val="lt1"/>
+          </a:fillRef>
+          <a:effectRef idx="0">
+            <a:schemeClr val="dk1"/>
+          </a:effectRef>
+          <a:fontRef idx="minor">
+            <a:schemeClr val="dk1"/>
+          </a:fontRef>
+        </p:style>
+        <p:txBody>
+          <a:bodyPr rtlCol="0" anchor="ctr"/>
+          <a:lstStyle/>
+          <a:p>
+            <a:pPr algn="ctr"/>
+            <a:r>
+              <a:rPr lang="en-US" altLang="ko-KR" sz="1100"/>
+              <a:t>Octavia / Provider Network</a:t>
+            </a:r>
+            <a:endParaRPr lang="en-US" altLang="ko-KR" sz="1100" dirty="0"/>
+          </a:p>
+        </p:txBody>
+      </p:sp>
+      <p:sp>
+        <p:nvSpPr>
+          <p:cNvPr id="74" name="모서리가 둥근 직사각형 47">
+            <a:extLst>
+              <a:ext uri="{FF2B5EF4-FFF2-40B4-BE49-F238E27FC236}">
+                <a16:creationId xmlns:a16="http://schemas.microsoft.com/office/drawing/2014/main" id="{B0B151DF-F60F-4678-968C-2389ECFC74E5}"/>
+              </a:ext>
+            </a:extLst>
+          </p:cNvPr>
+          <p:cNvSpPr/>
+          <p:nvPr/>
+        </p:nvSpPr>
+        <p:spPr>
+          <a:xfrm>
+            <a:off x="2870069" y="1558226"/>
+            <a:ext cx="1321349" cy="1354049"/>
+          </a:xfrm>
+          <a:prstGeom prst="roundRect">
+            <a:avLst>
+              <a:gd name="adj" fmla="val 7625"/>
+            </a:avLst>
+          </a:prstGeom>
+          <a:noFill/>
+        </p:spPr>
+        <p:style>
+          <a:lnRef idx="2">
+            <a:schemeClr val="dk1"/>
+          </a:lnRef>
+          <a:fillRef idx="1">
+            <a:schemeClr val="lt1"/>
+          </a:fillRef>
+          <a:effectRef idx="0">
+            <a:schemeClr val="dk1"/>
+          </a:effectRef>
+          <a:fontRef idx="minor">
+            <a:schemeClr val="dk1"/>
+          </a:fontRef>
+        </p:style>
+        <p:txBody>
+          <a:bodyPr rtlCol="0" anchor="t"/>
+          <a:lstStyle/>
+          <a:p>
+            <a:pPr algn="ctr"/>
+            <a:r>
+              <a:rPr lang="en-US" altLang="ko-KR" sz="1200" b="1"/>
+              <a:t>Service A LB VM (Active)</a:t>
+            </a:r>
+          </a:p>
+        </p:txBody>
+      </p:sp>
+      <p:sp>
+        <p:nvSpPr>
+          <p:cNvPr id="97" name="모서리가 둥근 직사각형 18">
+            <a:extLst>
+              <a:ext uri="{FF2B5EF4-FFF2-40B4-BE49-F238E27FC236}">
+                <a16:creationId xmlns:a16="http://schemas.microsoft.com/office/drawing/2014/main" id="{727B44F5-660E-43A3-813A-6335BDD49A1A}"/>
+              </a:ext>
+            </a:extLst>
+          </p:cNvPr>
+          <p:cNvSpPr/>
+          <p:nvPr/>
+        </p:nvSpPr>
+        <p:spPr>
+          <a:xfrm>
+            <a:off x="2973083" y="4015273"/>
+            <a:ext cx="1120351" cy="254999"/>
+          </a:xfrm>
+          <a:prstGeom prst="roundRect">
+            <a:avLst>
+              <a:gd name="adj" fmla="val 11578"/>
+            </a:avLst>
+          </a:prstGeom>
+          <a:noFill/>
+        </p:spPr>
+        <p:style>
+          <a:lnRef idx="2">
+            <a:schemeClr val="dk1"/>
+          </a:lnRef>
+          <a:fillRef idx="1">
+            <a:schemeClr val="lt1"/>
+          </a:fillRef>
+          <a:effectRef idx="0">
+            <a:schemeClr val="dk1"/>
+          </a:effectRef>
+          <a:fontRef idx="minor">
+            <a:schemeClr val="dk1"/>
+          </a:fontRef>
+        </p:style>
+        <p:txBody>
+          <a:bodyPr rtlCol="0" anchor="ctr"/>
+          <a:lstStyle/>
+          <a:p>
+            <a:pPr algn="ctr"/>
+            <a:r>
+              <a:rPr lang="en-US" altLang="ko-KR" sz="1100" b="1"/>
+              <a:t>cloud_conf</a:t>
+            </a:r>
+            <a:endParaRPr lang="en-US" altLang="ko-KR" sz="1100" b="1" dirty="0"/>
+          </a:p>
+        </p:txBody>
+      </p:sp>
+      <p:sp>
+        <p:nvSpPr>
+          <p:cNvPr id="98" name="모서리가 둥근 직사각형 47">
+            <a:extLst>
+              <a:ext uri="{FF2B5EF4-FFF2-40B4-BE49-F238E27FC236}">
+                <a16:creationId xmlns:a16="http://schemas.microsoft.com/office/drawing/2014/main" id="{5147F989-153D-42C5-9CE0-159B402D03EC}"/>
+              </a:ext>
+            </a:extLst>
+          </p:cNvPr>
+          <p:cNvSpPr/>
+          <p:nvPr/>
+        </p:nvSpPr>
+        <p:spPr>
+          <a:xfrm>
+            <a:off x="4337113" y="3203829"/>
+            <a:ext cx="1321349" cy="1164956"/>
+          </a:xfrm>
+          <a:prstGeom prst="roundRect">
+            <a:avLst>
+              <a:gd name="adj" fmla="val 7625"/>
+            </a:avLst>
+          </a:prstGeom>
+          <a:noFill/>
+        </p:spPr>
+        <p:style>
+          <a:lnRef idx="2">
+            <a:schemeClr val="dk1"/>
+          </a:lnRef>
+          <a:fillRef idx="1">
+            <a:schemeClr val="lt1"/>
+          </a:fillRef>
+          <a:effectRef idx="0">
+            <a:schemeClr val="dk1"/>
+          </a:effectRef>
+          <a:fontRef idx="minor">
+            <a:schemeClr val="dk1"/>
+          </a:fontRef>
+        </p:style>
+        <p:txBody>
+          <a:bodyPr rtlCol="0" anchor="ctr"/>
+          <a:lstStyle/>
+          <a:p>
+            <a:pPr algn="ctr"/>
+            <a:r>
+              <a:rPr lang="en-US" altLang="ko-KR" sz="1200"/>
+              <a:t>K8s Slave VM</a:t>
+            </a:r>
+          </a:p>
+          <a:p>
+            <a:pPr algn="ctr"/>
+            <a:endParaRPr lang="en-US" altLang="ko-KR" sz="1200"/>
+          </a:p>
+          <a:p>
+            <a:pPr algn="just"/>
+            <a:r>
+              <a:rPr lang="en-US" altLang="ko-KR" sz="1200"/>
+              <a:t>Port 31000 </a:t>
+            </a:r>
+          </a:p>
+          <a:p>
+            <a:pPr marL="171450" indent="-171450" algn="just">
+              <a:buFont typeface="Wingdings" panose="05000000000000000000" pitchFamily="2" charset="2"/>
+              <a:buChar char="à"/>
+            </a:pPr>
+            <a:r>
+              <a:rPr lang="en-US" altLang="ko-KR" sz="1200">
+                <a:sym typeface="Wingdings" panose="05000000000000000000" pitchFamily="2" charset="2"/>
+              </a:rPr>
+              <a:t>Service A</a:t>
+            </a:r>
+          </a:p>
+          <a:p>
+            <a:pPr algn="just"/>
+            <a:r>
+              <a:rPr lang="en-US" altLang="ko-KR" sz="1200">
+                <a:sym typeface="Wingdings" panose="05000000000000000000" pitchFamily="2" charset="2"/>
+              </a:rPr>
+              <a:t>Port 32000</a:t>
+            </a:r>
+          </a:p>
+          <a:p>
+            <a:pPr algn="just"/>
+            <a:r>
+              <a:rPr lang="en-US" altLang="ko-KR" sz="1200">
+                <a:sym typeface="Wingdings" panose="05000000000000000000" pitchFamily="2" charset="2"/>
+              </a:rPr>
+              <a:t> Service B</a:t>
+            </a:r>
+          </a:p>
+        </p:txBody>
+      </p:sp>
+      <p:sp>
+        <p:nvSpPr>
+          <p:cNvPr id="101" name="모서리가 둥근 직사각형 47">
+            <a:extLst>
+              <a:ext uri="{FF2B5EF4-FFF2-40B4-BE49-F238E27FC236}">
+                <a16:creationId xmlns:a16="http://schemas.microsoft.com/office/drawing/2014/main" id="{FE42E197-B60B-431D-919F-ADCC3748D4F7}"/>
+              </a:ext>
+            </a:extLst>
+          </p:cNvPr>
+          <p:cNvSpPr/>
+          <p:nvPr/>
+        </p:nvSpPr>
+        <p:spPr>
+          <a:xfrm>
+            <a:off x="4337112" y="1558226"/>
+            <a:ext cx="1321349" cy="1354049"/>
+          </a:xfrm>
+          <a:prstGeom prst="roundRect">
+            <a:avLst>
+              <a:gd name="adj" fmla="val 7625"/>
+            </a:avLst>
+          </a:prstGeom>
+          <a:noFill/>
+        </p:spPr>
+        <p:style>
+          <a:lnRef idx="2">
+            <a:schemeClr val="dk1"/>
+          </a:lnRef>
+          <a:fillRef idx="1">
+            <a:schemeClr val="lt1"/>
+          </a:fillRef>
+          <a:effectRef idx="0">
+            <a:schemeClr val="dk1"/>
+          </a:effectRef>
+          <a:fontRef idx="minor">
+            <a:schemeClr val="dk1"/>
+          </a:fontRef>
+        </p:style>
+        <p:txBody>
+          <a:bodyPr rtlCol="0" anchor="t"/>
+          <a:lstStyle/>
+          <a:p>
+            <a:pPr algn="ctr"/>
+            <a:r>
+              <a:rPr lang="en-US" altLang="ko-KR" sz="1200" b="1"/>
+              <a:t>Service B LB VM (Standby)</a:t>
+            </a:r>
+          </a:p>
+          <a:p>
+            <a:pPr algn="ctr"/>
+            <a:endParaRPr lang="en-US" altLang="ko-KR" sz="1200" b="1"/>
+          </a:p>
+          <a:p>
+            <a:pPr algn="ctr"/>
+            <a:endParaRPr lang="en-US" altLang="ko-KR" sz="1200"/>
+          </a:p>
+        </p:txBody>
+      </p:sp>
+      <p:sp>
+        <p:nvSpPr>
+          <p:cNvPr id="102" name="모서리가 둥근 직사각형 13">
+            <a:extLst>
+              <a:ext uri="{FF2B5EF4-FFF2-40B4-BE49-F238E27FC236}">
+                <a16:creationId xmlns:a16="http://schemas.microsoft.com/office/drawing/2014/main" id="{6364AEFA-61DA-4435-B56C-0133B6B9700C}"/>
+              </a:ext>
+            </a:extLst>
+          </p:cNvPr>
+          <p:cNvSpPr/>
+          <p:nvPr/>
+        </p:nvSpPr>
+        <p:spPr>
+          <a:xfrm>
+            <a:off x="5955217" y="1223322"/>
+            <a:ext cx="2984226" cy="3264593"/>
+          </a:xfrm>
+          <a:prstGeom prst="roundRect">
+            <a:avLst>
+              <a:gd name="adj" fmla="val 3761"/>
+            </a:avLst>
+          </a:prstGeom>
+          <a:noFill/>
+        </p:spPr>
+        <p:style>
+          <a:lnRef idx="2">
+            <a:schemeClr val="dk1"/>
+          </a:lnRef>
+          <a:fillRef idx="1">
+            <a:schemeClr val="lt1"/>
+          </a:fillRef>
+          <a:effectRef idx="0">
+            <a:schemeClr val="dk1"/>
+          </a:effectRef>
+          <a:fontRef idx="minor">
+            <a:schemeClr val="dk1"/>
+          </a:fontRef>
+        </p:style>
+        <p:txBody>
+          <a:bodyPr rtlCol="0" anchor="t"/>
+          <a:lstStyle/>
+          <a:p>
+            <a:pPr algn="ctr"/>
+            <a:r>
+              <a:rPr lang="en-US" altLang="ko-KR" sz="1200"/>
+              <a:t>OpenStack Compute Node</a:t>
+            </a:r>
+          </a:p>
+        </p:txBody>
+      </p:sp>
+      <p:sp>
+        <p:nvSpPr>
+          <p:cNvPr id="103" name="모서리가 둥근 직사각형 47">
+            <a:extLst>
+              <a:ext uri="{FF2B5EF4-FFF2-40B4-BE49-F238E27FC236}">
+                <a16:creationId xmlns:a16="http://schemas.microsoft.com/office/drawing/2014/main" id="{09B01AA6-1F1F-4216-AAF2-D8D42FFBD7A0}"/>
+              </a:ext>
+            </a:extLst>
+          </p:cNvPr>
+          <p:cNvSpPr/>
+          <p:nvPr/>
+        </p:nvSpPr>
+        <p:spPr>
+          <a:xfrm>
+            <a:off x="6052079" y="3203829"/>
+            <a:ext cx="1321349" cy="1164956"/>
+          </a:xfrm>
+          <a:prstGeom prst="roundRect">
+            <a:avLst>
+              <a:gd name="adj" fmla="val 7625"/>
+            </a:avLst>
+          </a:prstGeom>
+          <a:noFill/>
+        </p:spPr>
+        <p:style>
+          <a:lnRef idx="2">
+            <a:schemeClr val="dk1"/>
+          </a:lnRef>
+          <a:fillRef idx="1">
+            <a:schemeClr val="lt1"/>
+          </a:fillRef>
+          <a:effectRef idx="0">
+            <a:schemeClr val="dk1"/>
+          </a:effectRef>
+          <a:fontRef idx="minor">
+            <a:schemeClr val="dk1"/>
+          </a:fontRef>
+        </p:style>
+        <p:txBody>
+          <a:bodyPr rtlCol="0" anchor="ctr"/>
+          <a:lstStyle/>
+          <a:p>
+            <a:pPr algn="ctr"/>
+            <a:r>
+              <a:rPr lang="en-US" altLang="ko-KR" sz="1200"/>
+              <a:t>K8s Slave VM</a:t>
+            </a:r>
+          </a:p>
+          <a:p>
+            <a:pPr algn="ctr"/>
+            <a:endParaRPr lang="en-US" altLang="ko-KR" sz="1200"/>
+          </a:p>
+          <a:p>
+            <a:pPr algn="just"/>
+            <a:r>
+              <a:rPr lang="en-US" altLang="ko-KR" sz="1200"/>
+              <a:t>Port 31000 </a:t>
+            </a:r>
+          </a:p>
+          <a:p>
+            <a:pPr marL="171450" indent="-171450" algn="just">
+              <a:buFont typeface="Wingdings" panose="05000000000000000000" pitchFamily="2" charset="2"/>
+              <a:buChar char="à"/>
+            </a:pPr>
+            <a:r>
+              <a:rPr lang="en-US" altLang="ko-KR" sz="1200">
+                <a:sym typeface="Wingdings" panose="05000000000000000000" pitchFamily="2" charset="2"/>
+              </a:rPr>
+              <a:t>Service A</a:t>
+            </a:r>
+          </a:p>
+          <a:p>
+            <a:pPr algn="just"/>
+            <a:r>
+              <a:rPr lang="en-US" altLang="ko-KR" sz="1200">
+                <a:sym typeface="Wingdings" panose="05000000000000000000" pitchFamily="2" charset="2"/>
+              </a:rPr>
+              <a:t>Port 32000</a:t>
+            </a:r>
+          </a:p>
+          <a:p>
+            <a:pPr algn="just"/>
+            <a:r>
+              <a:rPr lang="en-US" altLang="ko-KR" sz="1200">
+                <a:sym typeface="Wingdings" panose="05000000000000000000" pitchFamily="2" charset="2"/>
+              </a:rPr>
+              <a:t> Service B</a:t>
+            </a:r>
+          </a:p>
+        </p:txBody>
+      </p:sp>
+      <p:sp>
+        <p:nvSpPr>
+          <p:cNvPr id="104" name="모서리가 둥근 직사각형 47">
+            <a:extLst>
+              <a:ext uri="{FF2B5EF4-FFF2-40B4-BE49-F238E27FC236}">
+                <a16:creationId xmlns:a16="http://schemas.microsoft.com/office/drawing/2014/main" id="{2EA404A9-DEE0-4B88-BF54-58EC83A4097B}"/>
+              </a:ext>
+            </a:extLst>
+          </p:cNvPr>
+          <p:cNvSpPr/>
+          <p:nvPr/>
+        </p:nvSpPr>
+        <p:spPr>
+          <a:xfrm>
+            <a:off x="6052079" y="1558226"/>
+            <a:ext cx="1321349" cy="1354049"/>
+          </a:xfrm>
+          <a:prstGeom prst="roundRect">
+            <a:avLst>
+              <a:gd name="adj" fmla="val 7625"/>
+            </a:avLst>
+          </a:prstGeom>
+          <a:noFill/>
+        </p:spPr>
+        <p:style>
+          <a:lnRef idx="2">
+            <a:schemeClr val="dk1"/>
+          </a:lnRef>
+          <a:fillRef idx="1">
+            <a:schemeClr val="lt1"/>
+          </a:fillRef>
+          <a:effectRef idx="0">
+            <a:schemeClr val="dk1"/>
+          </a:effectRef>
+          <a:fontRef idx="minor">
+            <a:schemeClr val="dk1"/>
+          </a:fontRef>
+        </p:style>
+        <p:txBody>
+          <a:bodyPr rtlCol="0" anchor="t"/>
+          <a:lstStyle/>
+          <a:p>
+            <a:pPr algn="ctr"/>
+            <a:r>
+              <a:rPr lang="en-US" altLang="ko-KR" sz="1200" b="1"/>
+              <a:t>Service A LB VM (Standby)</a:t>
+            </a:r>
+          </a:p>
+        </p:txBody>
+      </p:sp>
+      <p:sp>
+        <p:nvSpPr>
+          <p:cNvPr id="106" name="모서리가 둥근 직사각형 47">
+            <a:extLst>
+              <a:ext uri="{FF2B5EF4-FFF2-40B4-BE49-F238E27FC236}">
+                <a16:creationId xmlns:a16="http://schemas.microsoft.com/office/drawing/2014/main" id="{3BD1FDE0-5D34-413D-A044-C90673357EB3}"/>
+              </a:ext>
+            </a:extLst>
+          </p:cNvPr>
+          <p:cNvSpPr/>
+          <p:nvPr/>
+        </p:nvSpPr>
+        <p:spPr>
+          <a:xfrm>
+            <a:off x="7519123" y="3203829"/>
+            <a:ext cx="1321349" cy="1164956"/>
+          </a:xfrm>
+          <a:prstGeom prst="roundRect">
+            <a:avLst>
+              <a:gd name="adj" fmla="val 7625"/>
+            </a:avLst>
+          </a:prstGeom>
+          <a:noFill/>
+        </p:spPr>
+        <p:style>
+          <a:lnRef idx="2">
+            <a:schemeClr val="dk1"/>
+          </a:lnRef>
+          <a:fillRef idx="1">
+            <a:schemeClr val="lt1"/>
+          </a:fillRef>
+          <a:effectRef idx="0">
+            <a:schemeClr val="dk1"/>
+          </a:effectRef>
+          <a:fontRef idx="minor">
+            <a:schemeClr val="dk1"/>
+          </a:fontRef>
+        </p:style>
+        <p:txBody>
+          <a:bodyPr rtlCol="0" anchor="ctr"/>
+          <a:lstStyle/>
+          <a:p>
+            <a:pPr algn="ctr"/>
+            <a:r>
+              <a:rPr lang="en-US" altLang="ko-KR" sz="1200"/>
+              <a:t>K8s Slave VM</a:t>
+            </a:r>
+          </a:p>
+          <a:p>
+            <a:pPr algn="ctr"/>
+            <a:endParaRPr lang="en-US" altLang="ko-KR" sz="1200"/>
+          </a:p>
+          <a:p>
+            <a:pPr algn="just"/>
+            <a:r>
+              <a:rPr lang="en-US" altLang="ko-KR" sz="1200"/>
+              <a:t>Port 31000 </a:t>
+            </a:r>
+          </a:p>
+          <a:p>
+            <a:pPr marL="171450" indent="-171450" algn="just">
+              <a:buFont typeface="Wingdings" panose="05000000000000000000" pitchFamily="2" charset="2"/>
+              <a:buChar char="à"/>
+            </a:pPr>
+            <a:r>
+              <a:rPr lang="en-US" altLang="ko-KR" sz="1200">
+                <a:sym typeface="Wingdings" panose="05000000000000000000" pitchFamily="2" charset="2"/>
+              </a:rPr>
+              <a:t>Service A</a:t>
+            </a:r>
+          </a:p>
+          <a:p>
+            <a:pPr algn="just"/>
+            <a:r>
+              <a:rPr lang="en-US" altLang="ko-KR" sz="1200">
+                <a:sym typeface="Wingdings" panose="05000000000000000000" pitchFamily="2" charset="2"/>
+              </a:rPr>
+              <a:t>Port 32000</a:t>
+            </a:r>
+          </a:p>
+          <a:p>
+            <a:pPr algn="just"/>
+            <a:r>
+              <a:rPr lang="en-US" altLang="ko-KR" sz="1200">
+                <a:sym typeface="Wingdings" panose="05000000000000000000" pitchFamily="2" charset="2"/>
+              </a:rPr>
+              <a:t> Service B</a:t>
+            </a:r>
+          </a:p>
+        </p:txBody>
+      </p:sp>
+      <p:sp>
+        <p:nvSpPr>
+          <p:cNvPr id="107" name="모서리가 둥근 직사각형 47">
+            <a:extLst>
+              <a:ext uri="{FF2B5EF4-FFF2-40B4-BE49-F238E27FC236}">
+                <a16:creationId xmlns:a16="http://schemas.microsoft.com/office/drawing/2014/main" id="{5F25847C-CBE0-4DCB-A486-E1BE3A7E10A9}"/>
+              </a:ext>
+            </a:extLst>
+          </p:cNvPr>
+          <p:cNvSpPr/>
+          <p:nvPr/>
+        </p:nvSpPr>
+        <p:spPr>
+          <a:xfrm>
+            <a:off x="7519122" y="1558226"/>
+            <a:ext cx="1321349" cy="1354049"/>
+          </a:xfrm>
+          <a:prstGeom prst="roundRect">
+            <a:avLst>
+              <a:gd name="adj" fmla="val 7625"/>
+            </a:avLst>
+          </a:prstGeom>
+          <a:noFill/>
+        </p:spPr>
+        <p:style>
+          <a:lnRef idx="2">
+            <a:schemeClr val="dk1"/>
+          </a:lnRef>
+          <a:fillRef idx="1">
+            <a:schemeClr val="lt1"/>
+          </a:fillRef>
+          <a:effectRef idx="0">
+            <a:schemeClr val="dk1"/>
+          </a:effectRef>
+          <a:fontRef idx="minor">
+            <a:schemeClr val="dk1"/>
+          </a:fontRef>
+        </p:style>
+        <p:txBody>
+          <a:bodyPr rtlCol="0" anchor="t"/>
+          <a:lstStyle/>
+          <a:p>
+            <a:pPr algn="ctr"/>
+            <a:r>
+              <a:rPr lang="en-US" altLang="ko-KR" sz="1200" b="1"/>
+              <a:t>Service B LB VM (Active)</a:t>
+            </a:r>
+            <a:endParaRPr lang="en-US" altLang="ko-KR" sz="1200"/>
+          </a:p>
+        </p:txBody>
+      </p:sp>
+      <p:cxnSp>
+        <p:nvCxnSpPr>
+          <p:cNvPr id="108" name="직선 연결선 107">
+            <a:extLst>
+              <a:ext uri="{FF2B5EF4-FFF2-40B4-BE49-F238E27FC236}">
+                <a16:creationId xmlns:a16="http://schemas.microsoft.com/office/drawing/2014/main" id="{822FA77F-B2B4-4FF3-93CA-81DCC208ED17}"/>
+              </a:ext>
+            </a:extLst>
+          </p:cNvPr>
+          <p:cNvCxnSpPr>
+            <a:cxnSpLocks/>
+          </p:cNvCxnSpPr>
+          <p:nvPr/>
+        </p:nvCxnSpPr>
+        <p:spPr>
+          <a:xfrm flipV="1">
+            <a:off x="2601588" y="4590120"/>
+            <a:ext cx="5578210" cy="1"/>
+          </a:xfrm>
+          <a:prstGeom prst="line">
+            <a:avLst/>
+          </a:prstGeom>
+          <a:ln w="28575">
+            <a:solidFill>
+              <a:schemeClr val="tx2"/>
+            </a:solidFill>
+          </a:ln>
+        </p:spPr>
+        <p:style>
+          <a:lnRef idx="1">
+            <a:schemeClr val="accent1"/>
+          </a:lnRef>
+          <a:fillRef idx="0">
+            <a:schemeClr val="accent1"/>
+          </a:fillRef>
+          <a:effectRef idx="0">
+            <a:schemeClr val="accent1"/>
+          </a:effectRef>
+          <a:fontRef idx="minor">
+            <a:schemeClr val="tx1"/>
+          </a:fontRef>
+        </p:style>
+      </p:cxnSp>
+      <p:cxnSp>
+        <p:nvCxnSpPr>
+          <p:cNvPr id="112" name="직선 연결선 111">
+            <a:extLst>
+              <a:ext uri="{FF2B5EF4-FFF2-40B4-BE49-F238E27FC236}">
+                <a16:creationId xmlns:a16="http://schemas.microsoft.com/office/drawing/2014/main" id="{28EA3E8B-F6BD-466C-8A4C-653CB96ECF05}"/>
+              </a:ext>
+            </a:extLst>
+          </p:cNvPr>
+          <p:cNvCxnSpPr>
+            <a:cxnSpLocks/>
+            <a:stCxn id="66" idx="2"/>
+          </p:cNvCxnSpPr>
+          <p:nvPr/>
+        </p:nvCxnSpPr>
+        <p:spPr>
+          <a:xfrm>
+            <a:off x="3530744" y="4368785"/>
+            <a:ext cx="0" cy="221335"/>
+          </a:xfrm>
+          <a:prstGeom prst="line">
+            <a:avLst/>
+          </a:prstGeom>
+          <a:ln w="28575">
+            <a:solidFill>
+              <a:schemeClr val="tx2"/>
+            </a:solidFill>
+          </a:ln>
+        </p:spPr>
+        <p:style>
+          <a:lnRef idx="1">
+            <a:schemeClr val="accent1"/>
+          </a:lnRef>
+          <a:fillRef idx="0">
+            <a:schemeClr val="accent1"/>
+          </a:fillRef>
+          <a:effectRef idx="0">
+            <a:schemeClr val="accent1"/>
+          </a:effectRef>
+          <a:fontRef idx="minor">
+            <a:schemeClr val="tx1"/>
+          </a:fontRef>
+        </p:style>
+      </p:cxnSp>
+      <p:cxnSp>
+        <p:nvCxnSpPr>
+          <p:cNvPr id="113" name="직선 연결선 112">
+            <a:extLst>
+              <a:ext uri="{FF2B5EF4-FFF2-40B4-BE49-F238E27FC236}">
+                <a16:creationId xmlns:a16="http://schemas.microsoft.com/office/drawing/2014/main" id="{2CBEBE54-2761-4993-BC8A-D655AAFFC3A9}"/>
+              </a:ext>
+            </a:extLst>
+          </p:cNvPr>
+          <p:cNvCxnSpPr>
+            <a:cxnSpLocks/>
+            <a:stCxn id="98" idx="2"/>
+          </p:cNvCxnSpPr>
+          <p:nvPr/>
+        </p:nvCxnSpPr>
+        <p:spPr>
+          <a:xfrm>
+            <a:off x="4997788" y="4368785"/>
+            <a:ext cx="0" cy="221335"/>
+          </a:xfrm>
+          <a:prstGeom prst="line">
+            <a:avLst/>
+          </a:prstGeom>
+          <a:ln w="28575">
+            <a:solidFill>
+              <a:schemeClr val="tx2"/>
+            </a:solidFill>
+          </a:ln>
+        </p:spPr>
+        <p:style>
+          <a:lnRef idx="1">
+            <a:schemeClr val="accent1"/>
+          </a:lnRef>
+          <a:fillRef idx="0">
+            <a:schemeClr val="accent1"/>
+          </a:fillRef>
+          <a:effectRef idx="0">
+            <a:schemeClr val="accent1"/>
+          </a:effectRef>
+          <a:fontRef idx="minor">
+            <a:schemeClr val="tx1"/>
+          </a:fontRef>
+        </p:style>
+      </p:cxnSp>
+      <p:cxnSp>
+        <p:nvCxnSpPr>
+          <p:cNvPr id="114" name="직선 연결선 113">
+            <a:extLst>
+              <a:ext uri="{FF2B5EF4-FFF2-40B4-BE49-F238E27FC236}">
+                <a16:creationId xmlns:a16="http://schemas.microsoft.com/office/drawing/2014/main" id="{115D509A-F5D1-4FA8-B7F4-70ECDEC532A7}"/>
+              </a:ext>
+            </a:extLst>
+          </p:cNvPr>
+          <p:cNvCxnSpPr>
+            <a:cxnSpLocks/>
+          </p:cNvCxnSpPr>
+          <p:nvPr/>
+        </p:nvCxnSpPr>
+        <p:spPr>
+          <a:xfrm>
+            <a:off x="4093741" y="2912275"/>
+            <a:ext cx="0" cy="1677845"/>
+          </a:xfrm>
+          <a:prstGeom prst="line">
+            <a:avLst/>
+          </a:prstGeom>
+          <a:ln w="28575">
+            <a:solidFill>
+              <a:schemeClr val="tx2"/>
+            </a:solidFill>
+          </a:ln>
+        </p:spPr>
+        <p:style>
+          <a:lnRef idx="1">
+            <a:schemeClr val="accent1"/>
+          </a:lnRef>
+          <a:fillRef idx="0">
+            <a:schemeClr val="accent1"/>
+          </a:fillRef>
+          <a:effectRef idx="0">
+            <a:schemeClr val="accent1"/>
+          </a:effectRef>
+          <a:fontRef idx="minor">
+            <a:schemeClr val="tx1"/>
+          </a:fontRef>
+        </p:style>
+      </p:cxnSp>
+      <p:sp>
+        <p:nvSpPr>
+          <p:cNvPr id="31" name="사각형: 둥근 모서리 30">
+            <a:extLst>
+              <a:ext uri="{FF2B5EF4-FFF2-40B4-BE49-F238E27FC236}">
+                <a16:creationId xmlns:a16="http://schemas.microsoft.com/office/drawing/2014/main" id="{EE4CF3C4-5BF2-4FE0-B2A9-2A7524480ABF}"/>
+              </a:ext>
+            </a:extLst>
+          </p:cNvPr>
+          <p:cNvSpPr/>
+          <p:nvPr/>
+        </p:nvSpPr>
+        <p:spPr>
+          <a:xfrm>
+            <a:off x="4281581" y="3139862"/>
+            <a:ext cx="4613394" cy="1276062"/>
+          </a:xfrm>
+          <a:prstGeom prst="roundRect">
+            <a:avLst>
+              <a:gd name="adj" fmla="val 8886"/>
+            </a:avLst>
+          </a:prstGeom>
+          <a:noFill/>
+          <a:ln w="28575">
+            <a:solidFill>
+              <a:schemeClr val="tx1"/>
+            </a:solidFill>
+            <a:prstDash val="dash"/>
+          </a:ln>
+        </p:spPr>
+        <p:style>
+          <a:lnRef idx="2">
+            <a:schemeClr val="accent1">
+              <a:shade val="50000"/>
+            </a:schemeClr>
+          </a:lnRef>
+          <a:fillRef idx="1">
+            <a:schemeClr val="accent1"/>
+          </a:fillRef>
+          <a:effectRef idx="0">
+            <a:schemeClr val="accent1"/>
+          </a:effectRef>
+          <a:fontRef idx="minor">
+            <a:schemeClr val="lt1"/>
+          </a:fontRef>
+        </p:style>
+        <p:txBody>
+          <a:bodyPr rtlCol="0" anchor="ctr"/>
+          <a:lstStyle/>
+          <a:p>
+            <a:pPr algn="ctr"/>
+            <a:endParaRPr lang="ko-KR" altLang="en-US"/>
+          </a:p>
+        </p:txBody>
+      </p:sp>
+      <p:sp>
+        <p:nvSpPr>
+          <p:cNvPr id="115" name="모서리가 둥근 직사각형 18">
+            <a:extLst>
+              <a:ext uri="{FF2B5EF4-FFF2-40B4-BE49-F238E27FC236}">
+                <a16:creationId xmlns:a16="http://schemas.microsoft.com/office/drawing/2014/main" id="{9A712BD7-8CC1-464D-9B07-EE0D0BF0A203}"/>
+              </a:ext>
+            </a:extLst>
+          </p:cNvPr>
+          <p:cNvSpPr/>
+          <p:nvPr/>
+        </p:nvSpPr>
+        <p:spPr>
+          <a:xfrm>
+            <a:off x="8074776" y="4533226"/>
+            <a:ext cx="1033728" cy="310655"/>
+          </a:xfrm>
+          <a:prstGeom prst="roundRect">
+            <a:avLst>
+              <a:gd name="adj" fmla="val 11578"/>
+            </a:avLst>
+          </a:prstGeom>
+          <a:noFill/>
+          <a:ln>
+            <a:noFill/>
+          </a:ln>
+        </p:spPr>
+        <p:style>
+          <a:lnRef idx="2">
+            <a:schemeClr val="dk1"/>
+          </a:lnRef>
+          <a:fillRef idx="1">
+            <a:schemeClr val="lt1"/>
+          </a:fillRef>
+          <a:effectRef idx="0">
+            <a:schemeClr val="dk1"/>
+          </a:effectRef>
+          <a:fontRef idx="minor">
+            <a:schemeClr val="dk1"/>
+          </a:fontRef>
+        </p:style>
+        <p:txBody>
+          <a:bodyPr rtlCol="0" anchor="ctr"/>
+          <a:lstStyle/>
+          <a:p>
+            <a:pPr algn="ctr"/>
+            <a:r>
+              <a:rPr lang="en-US" altLang="ko-KR" sz="1200" b="1">
+                <a:solidFill>
+                  <a:schemeClr val="tx1"/>
+                </a:solidFill>
+              </a:rPr>
+              <a:t>Octavia </a:t>
+            </a:r>
+          </a:p>
+          <a:p>
+            <a:pPr algn="ctr"/>
+            <a:r>
+              <a:rPr lang="en-US" altLang="ko-KR" sz="1200" b="1">
+                <a:solidFill>
+                  <a:schemeClr val="tx1"/>
+                </a:solidFill>
+              </a:rPr>
+              <a:t>Member</a:t>
+            </a:r>
+            <a:endParaRPr lang="en-US" altLang="ko-KR" sz="1200" b="1" dirty="0">
+              <a:solidFill>
+                <a:schemeClr val="tx1"/>
+              </a:solidFill>
+            </a:endParaRPr>
+          </a:p>
+        </p:txBody>
+      </p:sp>
+      <p:cxnSp>
+        <p:nvCxnSpPr>
+          <p:cNvPr id="116" name="직선 연결선 115">
+            <a:extLst>
+              <a:ext uri="{FF2B5EF4-FFF2-40B4-BE49-F238E27FC236}">
+                <a16:creationId xmlns:a16="http://schemas.microsoft.com/office/drawing/2014/main" id="{9306D56B-46FD-4720-BD7D-7659D1687111}"/>
+              </a:ext>
+            </a:extLst>
+          </p:cNvPr>
+          <p:cNvCxnSpPr>
+            <a:cxnSpLocks/>
+            <a:stCxn id="103" idx="2"/>
+          </p:cNvCxnSpPr>
+          <p:nvPr/>
+        </p:nvCxnSpPr>
+        <p:spPr>
+          <a:xfrm flipH="1">
+            <a:off x="6712753" y="4368785"/>
+            <a:ext cx="1" cy="324353"/>
+          </a:xfrm>
+          <a:prstGeom prst="line">
+            <a:avLst/>
+          </a:prstGeom>
+          <a:ln w="28575">
+            <a:solidFill>
+              <a:schemeClr val="tx2"/>
+            </a:solidFill>
+          </a:ln>
+        </p:spPr>
+        <p:style>
+          <a:lnRef idx="1">
+            <a:schemeClr val="accent1"/>
+          </a:lnRef>
+          <a:fillRef idx="0">
+            <a:schemeClr val="accent1"/>
+          </a:fillRef>
+          <a:effectRef idx="0">
+            <a:schemeClr val="accent1"/>
+          </a:effectRef>
+          <a:fontRef idx="minor">
+            <a:schemeClr val="tx1"/>
+          </a:fontRef>
+        </p:style>
+      </p:cxnSp>
+      <p:cxnSp>
+        <p:nvCxnSpPr>
+          <p:cNvPr id="120" name="직선 연결선 119">
+            <a:extLst>
+              <a:ext uri="{FF2B5EF4-FFF2-40B4-BE49-F238E27FC236}">
+                <a16:creationId xmlns:a16="http://schemas.microsoft.com/office/drawing/2014/main" id="{8A828730-B353-4053-8C10-218D6FEBCFD4}"/>
+              </a:ext>
+            </a:extLst>
+          </p:cNvPr>
+          <p:cNvCxnSpPr>
+            <a:cxnSpLocks/>
+            <a:stCxn id="106" idx="2"/>
+          </p:cNvCxnSpPr>
+          <p:nvPr/>
+        </p:nvCxnSpPr>
+        <p:spPr>
+          <a:xfrm flipH="1">
+            <a:off x="8179796" y="4368785"/>
+            <a:ext cx="2" cy="221335"/>
+          </a:xfrm>
+          <a:prstGeom prst="line">
+            <a:avLst/>
+          </a:prstGeom>
+          <a:ln w="28575">
+            <a:solidFill>
+              <a:schemeClr val="tx2"/>
+            </a:solidFill>
+          </a:ln>
+        </p:spPr>
+        <p:style>
+          <a:lnRef idx="1">
+            <a:schemeClr val="accent1"/>
+          </a:lnRef>
+          <a:fillRef idx="0">
+            <a:schemeClr val="accent1"/>
+          </a:fillRef>
+          <a:effectRef idx="0">
+            <a:schemeClr val="accent1"/>
+          </a:effectRef>
+          <a:fontRef idx="minor">
+            <a:schemeClr val="tx1"/>
+          </a:fontRef>
+        </p:style>
+      </p:cxnSp>
+      <p:cxnSp>
+        <p:nvCxnSpPr>
+          <p:cNvPr id="121" name="직선 연결선 120">
+            <a:extLst>
+              <a:ext uri="{FF2B5EF4-FFF2-40B4-BE49-F238E27FC236}">
+                <a16:creationId xmlns:a16="http://schemas.microsoft.com/office/drawing/2014/main" id="{8E9A7E44-01CC-4715-A865-3FB4769109F0}"/>
+              </a:ext>
+            </a:extLst>
+          </p:cNvPr>
+          <p:cNvCxnSpPr>
+            <a:cxnSpLocks/>
+          </p:cNvCxnSpPr>
+          <p:nvPr/>
+        </p:nvCxnSpPr>
+        <p:spPr>
+          <a:xfrm>
+            <a:off x="5561657" y="2912275"/>
+            <a:ext cx="0" cy="1677845"/>
+          </a:xfrm>
+          <a:prstGeom prst="line">
+            <a:avLst/>
+          </a:prstGeom>
+          <a:ln w="28575">
+            <a:solidFill>
+              <a:schemeClr val="tx2"/>
+            </a:solidFill>
+          </a:ln>
+        </p:spPr>
+        <p:style>
+          <a:lnRef idx="1">
+            <a:schemeClr val="accent1"/>
+          </a:lnRef>
+          <a:fillRef idx="0">
+            <a:schemeClr val="accent1"/>
+          </a:fillRef>
+          <a:effectRef idx="0">
+            <a:schemeClr val="accent1"/>
+          </a:effectRef>
+          <a:fontRef idx="minor">
+            <a:schemeClr val="tx1"/>
+          </a:fontRef>
+        </p:style>
+      </p:cxnSp>
+      <p:cxnSp>
+        <p:nvCxnSpPr>
+          <p:cNvPr id="122" name="직선 연결선 121">
+            <a:extLst>
+              <a:ext uri="{FF2B5EF4-FFF2-40B4-BE49-F238E27FC236}">
+                <a16:creationId xmlns:a16="http://schemas.microsoft.com/office/drawing/2014/main" id="{38BDB153-68B7-4BDC-B5EC-1328740D5F22}"/>
+              </a:ext>
+            </a:extLst>
+          </p:cNvPr>
+          <p:cNvCxnSpPr>
+            <a:cxnSpLocks/>
+          </p:cNvCxnSpPr>
+          <p:nvPr/>
+        </p:nvCxnSpPr>
+        <p:spPr>
+          <a:xfrm>
+            <a:off x="7273609" y="2912275"/>
+            <a:ext cx="0" cy="1677845"/>
+          </a:xfrm>
+          <a:prstGeom prst="line">
+            <a:avLst/>
+          </a:prstGeom>
+          <a:ln w="28575">
+            <a:solidFill>
+              <a:schemeClr val="tx2"/>
+            </a:solidFill>
+          </a:ln>
+        </p:spPr>
+        <p:style>
+          <a:lnRef idx="1">
+            <a:schemeClr val="accent1"/>
+          </a:lnRef>
+          <a:fillRef idx="0">
+            <a:schemeClr val="accent1"/>
+          </a:fillRef>
+          <a:effectRef idx="0">
+            <a:schemeClr val="accent1"/>
+          </a:effectRef>
+          <a:fontRef idx="minor">
+            <a:schemeClr val="tx1"/>
+          </a:fontRef>
+        </p:style>
+      </p:cxnSp>
+      <p:cxnSp>
+        <p:nvCxnSpPr>
+          <p:cNvPr id="123" name="직선 연결선 122">
+            <a:extLst>
+              <a:ext uri="{FF2B5EF4-FFF2-40B4-BE49-F238E27FC236}">
+                <a16:creationId xmlns:a16="http://schemas.microsoft.com/office/drawing/2014/main" id="{1FE7D2B4-497E-4592-B256-9D321F6605F8}"/>
+              </a:ext>
+            </a:extLst>
+          </p:cNvPr>
+          <p:cNvCxnSpPr>
+            <a:cxnSpLocks/>
+          </p:cNvCxnSpPr>
+          <p:nvPr/>
+        </p:nvCxnSpPr>
+        <p:spPr>
+          <a:xfrm>
+            <a:off x="7624621" y="2912275"/>
+            <a:ext cx="0" cy="1677845"/>
+          </a:xfrm>
+          <a:prstGeom prst="line">
+            <a:avLst/>
+          </a:prstGeom>
+          <a:ln w="28575">
+            <a:solidFill>
+              <a:schemeClr val="tx2"/>
+            </a:solidFill>
+          </a:ln>
+        </p:spPr>
+        <p:style>
+          <a:lnRef idx="1">
+            <a:schemeClr val="accent1"/>
+          </a:lnRef>
+          <a:fillRef idx="0">
+            <a:schemeClr val="accent1"/>
+          </a:fillRef>
+          <a:effectRef idx="0">
+            <a:schemeClr val="accent1"/>
+          </a:effectRef>
+          <a:fontRef idx="minor">
+            <a:schemeClr val="tx1"/>
+          </a:fontRef>
+        </p:style>
+      </p:cxnSp>
+      <p:cxnSp>
+        <p:nvCxnSpPr>
+          <p:cNvPr id="124" name="직선 연결선 123">
+            <a:extLst>
+              <a:ext uri="{FF2B5EF4-FFF2-40B4-BE49-F238E27FC236}">
+                <a16:creationId xmlns:a16="http://schemas.microsoft.com/office/drawing/2014/main" id="{7BE7D098-C5E0-4EF1-9A03-4FA8E54FBDF9}"/>
+              </a:ext>
+            </a:extLst>
+          </p:cNvPr>
+          <p:cNvCxnSpPr>
+            <a:cxnSpLocks/>
+            <a:endCxn id="72" idx="0"/>
+          </p:cNvCxnSpPr>
+          <p:nvPr/>
+        </p:nvCxnSpPr>
+        <p:spPr>
+          <a:xfrm>
+            <a:off x="6713252" y="4442994"/>
+            <a:ext cx="0" cy="256028"/>
+          </a:xfrm>
+          <a:prstGeom prst="line">
+            <a:avLst/>
+          </a:prstGeom>
+          <a:ln w="28575">
+            <a:solidFill>
+              <a:schemeClr val="tx2"/>
+            </a:solidFill>
+          </a:ln>
+        </p:spPr>
+        <p:style>
+          <a:lnRef idx="1">
+            <a:schemeClr val="accent1"/>
+          </a:lnRef>
+          <a:fillRef idx="0">
+            <a:schemeClr val="accent1"/>
+          </a:fillRef>
+          <a:effectRef idx="0">
+            <a:schemeClr val="accent1"/>
+          </a:effectRef>
+          <a:fontRef idx="minor">
+            <a:schemeClr val="tx1"/>
+          </a:fontRef>
+        </p:style>
+      </p:cxnSp>
+      <p:cxnSp>
+        <p:nvCxnSpPr>
+          <p:cNvPr id="127" name="직선 연결선 126">
+            <a:extLst>
+              <a:ext uri="{FF2B5EF4-FFF2-40B4-BE49-F238E27FC236}">
+                <a16:creationId xmlns:a16="http://schemas.microsoft.com/office/drawing/2014/main" id="{13E4E582-61EE-4E0A-9D10-F05DFA8824F9}"/>
+              </a:ext>
+            </a:extLst>
+          </p:cNvPr>
+          <p:cNvCxnSpPr>
+            <a:cxnSpLocks/>
+          </p:cNvCxnSpPr>
+          <p:nvPr/>
+        </p:nvCxnSpPr>
+        <p:spPr>
+          <a:xfrm>
+            <a:off x="2521872" y="1126179"/>
+            <a:ext cx="5657924" cy="0"/>
+          </a:xfrm>
+          <a:prstGeom prst="line">
+            <a:avLst/>
+          </a:prstGeom>
+          <a:ln w="28575">
+            <a:solidFill>
+              <a:schemeClr val="accent3">
+                <a:lumMod val="50000"/>
+              </a:schemeClr>
+            </a:solidFill>
+          </a:ln>
+        </p:spPr>
+        <p:style>
+          <a:lnRef idx="1">
+            <a:schemeClr val="accent1"/>
+          </a:lnRef>
+          <a:fillRef idx="0">
+            <a:schemeClr val="accent1"/>
+          </a:fillRef>
+          <a:effectRef idx="0">
+            <a:schemeClr val="accent1"/>
+          </a:effectRef>
+          <a:fontRef idx="minor">
+            <a:schemeClr val="tx1"/>
+          </a:fontRef>
+        </p:style>
+      </p:cxnSp>
+      <p:cxnSp>
+        <p:nvCxnSpPr>
+          <p:cNvPr id="131" name="직선 연결선 130">
+            <a:extLst>
+              <a:ext uri="{FF2B5EF4-FFF2-40B4-BE49-F238E27FC236}">
+                <a16:creationId xmlns:a16="http://schemas.microsoft.com/office/drawing/2014/main" id="{8C1EB1EF-CD45-409D-9D58-3BF64AF7DD67}"/>
+              </a:ext>
+            </a:extLst>
+          </p:cNvPr>
+          <p:cNvCxnSpPr>
+            <a:cxnSpLocks/>
+          </p:cNvCxnSpPr>
+          <p:nvPr/>
+        </p:nvCxnSpPr>
+        <p:spPr>
+          <a:xfrm>
+            <a:off x="2526635" y="1124859"/>
+            <a:ext cx="0" cy="2006619"/>
+          </a:xfrm>
+          <a:prstGeom prst="line">
+            <a:avLst/>
+          </a:prstGeom>
+          <a:ln w="28575">
+            <a:solidFill>
+              <a:schemeClr val="accent3">
+                <a:lumMod val="50000"/>
+              </a:schemeClr>
+            </a:solidFill>
+          </a:ln>
+        </p:spPr>
+        <p:style>
+          <a:lnRef idx="1">
+            <a:schemeClr val="accent1"/>
+          </a:lnRef>
+          <a:fillRef idx="0">
+            <a:schemeClr val="accent1"/>
+          </a:fillRef>
+          <a:effectRef idx="0">
+            <a:schemeClr val="accent1"/>
+          </a:effectRef>
+          <a:fontRef idx="minor">
+            <a:schemeClr val="tx1"/>
+          </a:fontRef>
+        </p:style>
+      </p:cxnSp>
+      <p:cxnSp>
+        <p:nvCxnSpPr>
+          <p:cNvPr id="133" name="직선 연결선 132">
+            <a:extLst>
+              <a:ext uri="{FF2B5EF4-FFF2-40B4-BE49-F238E27FC236}">
+                <a16:creationId xmlns:a16="http://schemas.microsoft.com/office/drawing/2014/main" id="{3E205697-9CCE-40F2-9E4F-0B314F8C175B}"/>
+              </a:ext>
+            </a:extLst>
+          </p:cNvPr>
+          <p:cNvCxnSpPr>
+            <a:cxnSpLocks/>
+            <a:endCxn id="74" idx="0"/>
+          </p:cNvCxnSpPr>
+          <p:nvPr/>
+        </p:nvCxnSpPr>
+        <p:spPr>
+          <a:xfrm>
+            <a:off x="3530744" y="1131230"/>
+            <a:ext cx="0" cy="426996"/>
+          </a:xfrm>
+          <a:prstGeom prst="line">
+            <a:avLst/>
+          </a:prstGeom>
+          <a:ln w="28575">
+            <a:solidFill>
+              <a:schemeClr val="accent3">
+                <a:lumMod val="50000"/>
+              </a:schemeClr>
+            </a:solidFill>
+          </a:ln>
+        </p:spPr>
+        <p:style>
+          <a:lnRef idx="1">
+            <a:schemeClr val="accent1"/>
+          </a:lnRef>
+          <a:fillRef idx="0">
+            <a:schemeClr val="accent1"/>
+          </a:fillRef>
+          <a:effectRef idx="0">
+            <a:schemeClr val="accent1"/>
+          </a:effectRef>
+          <a:fontRef idx="minor">
+            <a:schemeClr val="tx1"/>
+          </a:fontRef>
+        </p:style>
+      </p:cxnSp>
+      <p:cxnSp>
+        <p:nvCxnSpPr>
+          <p:cNvPr id="136" name="직선 연결선 135">
+            <a:extLst>
+              <a:ext uri="{FF2B5EF4-FFF2-40B4-BE49-F238E27FC236}">
+                <a16:creationId xmlns:a16="http://schemas.microsoft.com/office/drawing/2014/main" id="{F934E2CF-BEC7-43D1-881B-210F1A4BD6E4}"/>
+              </a:ext>
+            </a:extLst>
+          </p:cNvPr>
+          <p:cNvCxnSpPr>
+            <a:cxnSpLocks/>
+            <a:endCxn id="101" idx="0"/>
+          </p:cNvCxnSpPr>
+          <p:nvPr/>
+        </p:nvCxnSpPr>
+        <p:spPr>
+          <a:xfrm>
+            <a:off x="4991494" y="1124859"/>
+            <a:ext cx="6293" cy="433367"/>
+          </a:xfrm>
+          <a:prstGeom prst="line">
+            <a:avLst/>
+          </a:prstGeom>
+          <a:ln w="28575">
+            <a:solidFill>
+              <a:schemeClr val="accent3">
+                <a:lumMod val="50000"/>
+              </a:schemeClr>
+            </a:solidFill>
+          </a:ln>
+        </p:spPr>
+        <p:style>
+          <a:lnRef idx="1">
+            <a:schemeClr val="accent1"/>
+          </a:lnRef>
+          <a:fillRef idx="0">
+            <a:schemeClr val="accent1"/>
+          </a:fillRef>
+          <a:effectRef idx="0">
+            <a:schemeClr val="accent1"/>
+          </a:effectRef>
+          <a:fontRef idx="minor">
+            <a:schemeClr val="tx1"/>
+          </a:fontRef>
+        </p:style>
+      </p:cxnSp>
+      <p:cxnSp>
+        <p:nvCxnSpPr>
+          <p:cNvPr id="137" name="직선 연결선 136">
+            <a:extLst>
+              <a:ext uri="{FF2B5EF4-FFF2-40B4-BE49-F238E27FC236}">
+                <a16:creationId xmlns:a16="http://schemas.microsoft.com/office/drawing/2014/main" id="{AAC17380-F49F-4979-974D-88FEF79BC441}"/>
+              </a:ext>
+            </a:extLst>
+          </p:cNvPr>
+          <p:cNvCxnSpPr>
+            <a:cxnSpLocks/>
+            <a:stCxn id="73" idx="2"/>
+            <a:endCxn id="104" idx="0"/>
+          </p:cNvCxnSpPr>
+          <p:nvPr/>
+        </p:nvCxnSpPr>
+        <p:spPr>
+          <a:xfrm>
+            <a:off x="6712753" y="1036790"/>
+            <a:ext cx="1" cy="521436"/>
+          </a:xfrm>
+          <a:prstGeom prst="line">
+            <a:avLst/>
+          </a:prstGeom>
+          <a:ln w="28575">
+            <a:solidFill>
+              <a:schemeClr val="accent3">
+                <a:lumMod val="50000"/>
+              </a:schemeClr>
+            </a:solidFill>
+          </a:ln>
+        </p:spPr>
+        <p:style>
+          <a:lnRef idx="1">
+            <a:schemeClr val="accent1"/>
+          </a:lnRef>
+          <a:fillRef idx="0">
+            <a:schemeClr val="accent1"/>
+          </a:fillRef>
+          <a:effectRef idx="0">
+            <a:schemeClr val="accent1"/>
+          </a:effectRef>
+          <a:fontRef idx="minor">
+            <a:schemeClr val="tx1"/>
+          </a:fontRef>
+        </p:style>
+      </p:cxnSp>
+      <p:cxnSp>
+        <p:nvCxnSpPr>
+          <p:cNvPr id="138" name="직선 연결선 137">
+            <a:extLst>
+              <a:ext uri="{FF2B5EF4-FFF2-40B4-BE49-F238E27FC236}">
+                <a16:creationId xmlns:a16="http://schemas.microsoft.com/office/drawing/2014/main" id="{76F6FFD9-A481-4BF8-B6CA-A9A212AC3A5F}"/>
+              </a:ext>
+            </a:extLst>
+          </p:cNvPr>
+          <p:cNvCxnSpPr>
+            <a:cxnSpLocks/>
+            <a:endCxn id="107" idx="0"/>
+          </p:cNvCxnSpPr>
+          <p:nvPr/>
+        </p:nvCxnSpPr>
+        <p:spPr>
+          <a:xfrm>
+            <a:off x="8179796" y="1120732"/>
+            <a:ext cx="1" cy="437494"/>
+          </a:xfrm>
+          <a:prstGeom prst="line">
+            <a:avLst/>
+          </a:prstGeom>
+          <a:ln w="28575">
+            <a:solidFill>
+              <a:schemeClr val="accent3">
+                <a:lumMod val="50000"/>
+              </a:schemeClr>
+            </a:solidFill>
+          </a:ln>
+        </p:spPr>
+        <p:style>
+          <a:lnRef idx="1">
+            <a:schemeClr val="accent1"/>
+          </a:lnRef>
+          <a:fillRef idx="0">
+            <a:schemeClr val="accent1"/>
+          </a:fillRef>
+          <a:effectRef idx="0">
+            <a:schemeClr val="accent1"/>
+          </a:effectRef>
+          <a:fontRef idx="minor">
+            <a:schemeClr val="tx1"/>
+          </a:fontRef>
+        </p:style>
+      </p:cxnSp>
+      <p:sp>
+        <p:nvSpPr>
+          <p:cNvPr id="139" name="모서리가 둥근 직사각형 18">
+            <a:extLst>
+              <a:ext uri="{FF2B5EF4-FFF2-40B4-BE49-F238E27FC236}">
+                <a16:creationId xmlns:a16="http://schemas.microsoft.com/office/drawing/2014/main" id="{DEF99B74-A0A6-45F8-96F6-A7C2E720A7B4}"/>
+              </a:ext>
+            </a:extLst>
+          </p:cNvPr>
+          <p:cNvSpPr/>
+          <p:nvPr/>
+        </p:nvSpPr>
+        <p:spPr>
+          <a:xfrm>
+            <a:off x="2973083" y="3652540"/>
+            <a:ext cx="1120351" cy="361808"/>
+          </a:xfrm>
+          <a:prstGeom prst="roundRect">
+            <a:avLst>
+              <a:gd name="adj" fmla="val 11578"/>
+            </a:avLst>
+          </a:prstGeom>
+          <a:noFill/>
+        </p:spPr>
+        <p:style>
+          <a:lnRef idx="2">
+            <a:schemeClr val="dk1"/>
+          </a:lnRef>
+          <a:fillRef idx="1">
+            <a:schemeClr val="lt1"/>
+          </a:fillRef>
+          <a:effectRef idx="0">
+            <a:schemeClr val="dk1"/>
+          </a:effectRef>
+          <a:fontRef idx="minor">
+            <a:schemeClr val="dk1"/>
+          </a:fontRef>
+        </p:style>
+        <p:txBody>
+          <a:bodyPr rtlCol="0" anchor="ctr"/>
+          <a:lstStyle/>
+          <a:p>
+            <a:pPr algn="ctr"/>
+            <a:r>
+              <a:rPr lang="en-US" altLang="ko-KR" sz="1100" b="1"/>
+              <a:t>K8s API</a:t>
+            </a:r>
+          </a:p>
+          <a:p>
+            <a:pPr algn="ctr"/>
+            <a:r>
+              <a:rPr lang="en-US" altLang="ko-KR" sz="1100" b="1"/>
+              <a:t>Server</a:t>
+            </a:r>
+            <a:endParaRPr lang="en-US" altLang="ko-KR" sz="1100" b="1" dirty="0"/>
+          </a:p>
+        </p:txBody>
+      </p:sp>
+      <p:sp>
+        <p:nvSpPr>
+          <p:cNvPr id="148" name="모서리가 둥근 직사각형 47">
+            <a:extLst>
+              <a:ext uri="{FF2B5EF4-FFF2-40B4-BE49-F238E27FC236}">
+                <a16:creationId xmlns:a16="http://schemas.microsoft.com/office/drawing/2014/main" id="{433F6B70-5B0E-4836-9CBA-D898B363556F}"/>
+              </a:ext>
+            </a:extLst>
+          </p:cNvPr>
+          <p:cNvSpPr/>
+          <p:nvPr/>
+        </p:nvSpPr>
+        <p:spPr>
+          <a:xfrm>
+            <a:off x="64814" y="2385364"/>
+            <a:ext cx="1570600" cy="577974"/>
+          </a:xfrm>
+          <a:prstGeom prst="roundRect">
+            <a:avLst>
+              <a:gd name="adj" fmla="val 11578"/>
+            </a:avLst>
+          </a:prstGeom>
+          <a:noFill/>
+          <a:ln>
+            <a:solidFill>
+              <a:srgbClr val="C00000"/>
+            </a:solidFill>
+          </a:ln>
+        </p:spPr>
+        <p:style>
+          <a:lnRef idx="2">
+            <a:schemeClr val="dk1"/>
+          </a:lnRef>
+          <a:fillRef idx="1">
+            <a:schemeClr val="lt1"/>
+          </a:fillRef>
+          <a:effectRef idx="0">
+            <a:schemeClr val="dk1"/>
+          </a:effectRef>
+          <a:fontRef idx="minor">
+            <a:schemeClr val="dk1"/>
+          </a:fontRef>
+        </p:style>
+        <p:txBody>
+          <a:bodyPr rtlCol="0" anchor="ctr"/>
+          <a:lstStyle/>
+          <a:p>
+            <a:pPr algn="ctr"/>
+            <a:r>
+              <a:rPr lang="en-US" altLang="ko-KR" sz="1100"/>
+              <a:t>External / Provider </a:t>
+            </a:r>
+          </a:p>
+          <a:p>
+            <a:pPr algn="ctr"/>
+            <a:r>
+              <a:rPr lang="en-US" altLang="ko-KR" sz="1100"/>
+              <a:t>Network</a:t>
+            </a:r>
+          </a:p>
+          <a:p>
+            <a:pPr algn="ctr"/>
+            <a:r>
+              <a:rPr lang="en-US" altLang="ko-KR" sz="1100"/>
+              <a:t>192.168.0.0/24</a:t>
+            </a:r>
+          </a:p>
+        </p:txBody>
+      </p:sp>
+      <p:cxnSp>
+        <p:nvCxnSpPr>
+          <p:cNvPr id="150" name="직선 연결선 149">
+            <a:extLst>
+              <a:ext uri="{FF2B5EF4-FFF2-40B4-BE49-F238E27FC236}">
+                <a16:creationId xmlns:a16="http://schemas.microsoft.com/office/drawing/2014/main" id="{D255BB2A-E6BE-4E2A-95AB-8FFD4C3B99A2}"/>
+              </a:ext>
+            </a:extLst>
+          </p:cNvPr>
+          <p:cNvCxnSpPr>
+            <a:cxnSpLocks/>
+            <a:stCxn id="45" idx="2"/>
+            <a:endCxn id="54" idx="0"/>
+          </p:cNvCxnSpPr>
+          <p:nvPr/>
+        </p:nvCxnSpPr>
+        <p:spPr>
+          <a:xfrm>
+            <a:off x="1798777" y="2223911"/>
+            <a:ext cx="450" cy="907566"/>
+          </a:xfrm>
+          <a:prstGeom prst="line">
+            <a:avLst/>
+          </a:prstGeom>
+          <a:ln w="28575">
+            <a:solidFill>
+              <a:srgbClr val="C00000"/>
+            </a:solidFill>
+          </a:ln>
+        </p:spPr>
+        <p:style>
+          <a:lnRef idx="1">
+            <a:schemeClr val="accent1"/>
+          </a:lnRef>
+          <a:fillRef idx="0">
+            <a:schemeClr val="accent1"/>
+          </a:fillRef>
+          <a:effectRef idx="0">
+            <a:schemeClr val="accent1"/>
+          </a:effectRef>
+          <a:fontRef idx="minor">
+            <a:schemeClr val="tx1"/>
+          </a:fontRef>
+        </p:style>
+      </p:cxnSp>
+      <p:cxnSp>
+        <p:nvCxnSpPr>
+          <p:cNvPr id="153" name="직선 연결선 152">
+            <a:extLst>
+              <a:ext uri="{FF2B5EF4-FFF2-40B4-BE49-F238E27FC236}">
+                <a16:creationId xmlns:a16="http://schemas.microsoft.com/office/drawing/2014/main" id="{4A57C585-BAEC-492B-A83E-B27781F37F86}"/>
+              </a:ext>
+            </a:extLst>
+          </p:cNvPr>
+          <p:cNvCxnSpPr>
+            <a:cxnSpLocks/>
+            <a:stCxn id="148" idx="3"/>
+          </p:cNvCxnSpPr>
+          <p:nvPr/>
+        </p:nvCxnSpPr>
+        <p:spPr>
+          <a:xfrm>
+            <a:off x="1635414" y="2674351"/>
+            <a:ext cx="158553" cy="0"/>
+          </a:xfrm>
+          <a:prstGeom prst="line">
+            <a:avLst/>
+          </a:prstGeom>
+          <a:ln w="28575">
+            <a:solidFill>
+              <a:srgbClr val="C00000"/>
+            </a:solidFill>
+          </a:ln>
+        </p:spPr>
+        <p:style>
+          <a:lnRef idx="1">
+            <a:schemeClr val="accent1"/>
+          </a:lnRef>
+          <a:fillRef idx="0">
+            <a:schemeClr val="accent1"/>
+          </a:fillRef>
+          <a:effectRef idx="0">
+            <a:schemeClr val="accent1"/>
+          </a:effectRef>
+          <a:fontRef idx="minor">
+            <a:schemeClr val="tx1"/>
+          </a:fontRef>
+        </p:style>
+      </p:cxnSp>
+      <p:cxnSp>
+        <p:nvCxnSpPr>
+          <p:cNvPr id="160" name="직선 화살표 연결선 159">
+            <a:extLst>
+              <a:ext uri="{FF2B5EF4-FFF2-40B4-BE49-F238E27FC236}">
+                <a16:creationId xmlns:a16="http://schemas.microsoft.com/office/drawing/2014/main" id="{B49AE998-72F5-4407-B18A-A62DEE75497D}"/>
+              </a:ext>
+            </a:extLst>
+          </p:cNvPr>
+          <p:cNvCxnSpPr>
+            <a:cxnSpLocks/>
+            <a:stCxn id="52" idx="2"/>
+            <a:endCxn id="139" idx="1"/>
+          </p:cNvCxnSpPr>
+          <p:nvPr/>
+        </p:nvCxnSpPr>
+        <p:spPr>
+          <a:xfrm>
+            <a:off x="1798777" y="2134291"/>
+            <a:ext cx="1174305" cy="1699153"/>
+          </a:xfrm>
+          <a:prstGeom prst="straightConnector1">
+            <a:avLst/>
+          </a:prstGeom>
+          <a:ln w="28575">
+            <a:solidFill>
+              <a:schemeClr val="tx1"/>
+            </a:solidFill>
+            <a:prstDash val="solid"/>
+            <a:headEnd type="arrow" w="med" len="med"/>
+            <a:tailEnd type="none" w="med" len="med"/>
+          </a:ln>
+        </p:spPr>
+        <p:style>
+          <a:lnRef idx="1">
+            <a:schemeClr val="accent1"/>
+          </a:lnRef>
+          <a:fillRef idx="0">
+            <a:schemeClr val="accent1"/>
+          </a:fillRef>
+          <a:effectRef idx="0">
+            <a:schemeClr val="accent1"/>
+          </a:effectRef>
+          <a:fontRef idx="minor">
+            <a:schemeClr val="tx1"/>
+          </a:fontRef>
+        </p:style>
+      </p:cxnSp>
+      <p:sp>
+        <p:nvSpPr>
+          <p:cNvPr id="183" name="TextBox 182">
+            <a:extLst>
+              <a:ext uri="{FF2B5EF4-FFF2-40B4-BE49-F238E27FC236}">
+                <a16:creationId xmlns:a16="http://schemas.microsoft.com/office/drawing/2014/main" id="{6C6B1403-5F17-403A-8C34-23854B346701}"/>
+              </a:ext>
+            </a:extLst>
+          </p:cNvPr>
+          <p:cNvSpPr txBox="1"/>
+          <p:nvPr/>
+        </p:nvSpPr>
+        <p:spPr>
+          <a:xfrm>
+            <a:off x="395536" y="623284"/>
+            <a:ext cx="5526159" cy="261610"/>
+          </a:xfrm>
+          <a:prstGeom prst="rect">
+            <a:avLst/>
+          </a:prstGeom>
+          <a:noFill/>
+        </p:spPr>
+        <p:txBody>
+          <a:bodyPr wrap="square" rtlCol="0">
+            <a:spAutoFit/>
+          </a:bodyPr>
+          <a:lstStyle/>
+          <a:p>
+            <a:r>
+              <a:rPr lang="en-US" altLang="ko-KR" sz="1100" b="1"/>
+              <a:t>Service A - Service Port : 80 / NodePort : 31000 / External IP : 192.168.0.100</a:t>
+            </a:r>
+          </a:p>
+        </p:txBody>
+      </p:sp>
+      <p:sp>
+        <p:nvSpPr>
+          <p:cNvPr id="262" name="모서리가 둥근 직사각형 18">
+            <a:extLst>
+              <a:ext uri="{FF2B5EF4-FFF2-40B4-BE49-F238E27FC236}">
+                <a16:creationId xmlns:a16="http://schemas.microsoft.com/office/drawing/2014/main" id="{69C4E820-4285-4AA5-8411-01F91E017E21}"/>
+              </a:ext>
+            </a:extLst>
+          </p:cNvPr>
+          <p:cNvSpPr/>
+          <p:nvPr/>
+        </p:nvSpPr>
+        <p:spPr>
+          <a:xfrm>
+            <a:off x="4434465" y="2283818"/>
+            <a:ext cx="1120351" cy="556106"/>
+          </a:xfrm>
+          <a:prstGeom prst="roundRect">
+            <a:avLst>
+              <a:gd name="adj" fmla="val 7903"/>
+            </a:avLst>
+          </a:prstGeom>
+          <a:noFill/>
+        </p:spPr>
+        <p:style>
+          <a:lnRef idx="2">
+            <a:schemeClr val="dk1"/>
+          </a:lnRef>
+          <a:fillRef idx="1">
+            <a:schemeClr val="lt1"/>
+          </a:fillRef>
+          <a:effectRef idx="0">
+            <a:schemeClr val="dk1"/>
+          </a:effectRef>
+          <a:fontRef idx="minor">
+            <a:schemeClr val="dk1"/>
+          </a:fontRef>
+        </p:style>
+        <p:txBody>
+          <a:bodyPr rtlCol="0" anchor="ctr"/>
+          <a:lstStyle/>
+          <a:p>
+            <a:pPr algn="ctr"/>
+            <a:r>
+              <a:rPr lang="en-US" altLang="ko-KR" sz="1100"/>
+              <a:t>HAProxy</a:t>
+            </a:r>
+          </a:p>
+        </p:txBody>
+      </p:sp>
+      <p:sp>
+        <p:nvSpPr>
+          <p:cNvPr id="287" name="모서리가 둥근 직사각형 18">
+            <a:extLst>
+              <a:ext uri="{FF2B5EF4-FFF2-40B4-BE49-F238E27FC236}">
+                <a16:creationId xmlns:a16="http://schemas.microsoft.com/office/drawing/2014/main" id="{76734A72-1026-4223-BB57-91C1A9AF49DB}"/>
+              </a:ext>
+            </a:extLst>
+          </p:cNvPr>
+          <p:cNvSpPr/>
+          <p:nvPr/>
+        </p:nvSpPr>
+        <p:spPr>
+          <a:xfrm>
+            <a:off x="2966933" y="2283818"/>
+            <a:ext cx="1120351" cy="556105"/>
+          </a:xfrm>
+          <a:prstGeom prst="roundRect">
+            <a:avLst>
+              <a:gd name="adj" fmla="val 7903"/>
+            </a:avLst>
+          </a:prstGeom>
+          <a:noFill/>
+        </p:spPr>
+        <p:style>
+          <a:lnRef idx="2">
+            <a:schemeClr val="dk1"/>
+          </a:lnRef>
+          <a:fillRef idx="1">
+            <a:schemeClr val="lt1"/>
+          </a:fillRef>
+          <a:effectRef idx="0">
+            <a:schemeClr val="dk1"/>
+          </a:effectRef>
+          <a:fontRef idx="minor">
+            <a:schemeClr val="dk1"/>
+          </a:fontRef>
+        </p:style>
+        <p:txBody>
+          <a:bodyPr rtlCol="0" anchor="ctr"/>
+          <a:lstStyle/>
+          <a:p>
+            <a:pPr algn="ctr"/>
+            <a:r>
+              <a:rPr lang="en-US" altLang="ko-KR" sz="1100"/>
+              <a:t>HAProxy</a:t>
+            </a:r>
+          </a:p>
+          <a:p>
+            <a:pPr algn="just"/>
+            <a:r>
+              <a:rPr lang="en-US" altLang="ko-KR" sz="1050"/>
+              <a:t>30.0.0.10:80 </a:t>
+            </a:r>
+          </a:p>
+          <a:p>
+            <a:pPr algn="just"/>
+            <a:r>
+              <a:rPr lang="en-US" altLang="ko-KR" sz="1050">
+                <a:sym typeface="Wingdings" panose="05000000000000000000" pitchFamily="2" charset="2"/>
+              </a:rPr>
+              <a:t> Slave:31000</a:t>
+            </a:r>
+            <a:endParaRPr lang="en-US" altLang="ko-KR" sz="1050"/>
+          </a:p>
+        </p:txBody>
+      </p:sp>
+      <p:sp>
+        <p:nvSpPr>
+          <p:cNvPr id="288" name="모서리가 둥근 직사각형 18">
+            <a:extLst>
+              <a:ext uri="{FF2B5EF4-FFF2-40B4-BE49-F238E27FC236}">
+                <a16:creationId xmlns:a16="http://schemas.microsoft.com/office/drawing/2014/main" id="{E53A71B2-F598-4823-8D1A-AB8E99634DD9}"/>
+              </a:ext>
+            </a:extLst>
+          </p:cNvPr>
+          <p:cNvSpPr/>
+          <p:nvPr/>
+        </p:nvSpPr>
+        <p:spPr>
+          <a:xfrm>
+            <a:off x="6144345" y="2283818"/>
+            <a:ext cx="1120351" cy="556106"/>
+          </a:xfrm>
+          <a:prstGeom prst="roundRect">
+            <a:avLst>
+              <a:gd name="adj" fmla="val 7903"/>
+            </a:avLst>
+          </a:prstGeom>
+          <a:noFill/>
+        </p:spPr>
+        <p:style>
+          <a:lnRef idx="2">
+            <a:schemeClr val="dk1"/>
+          </a:lnRef>
+          <a:fillRef idx="1">
+            <a:schemeClr val="lt1"/>
+          </a:fillRef>
+          <a:effectRef idx="0">
+            <a:schemeClr val="dk1"/>
+          </a:effectRef>
+          <a:fontRef idx="minor">
+            <a:schemeClr val="dk1"/>
+          </a:fontRef>
+        </p:style>
+        <p:txBody>
+          <a:bodyPr rtlCol="0" anchor="ctr"/>
+          <a:lstStyle/>
+          <a:p>
+            <a:pPr algn="ctr"/>
+            <a:r>
+              <a:rPr lang="en-US" altLang="ko-KR" sz="1100"/>
+              <a:t>HAProxy</a:t>
+            </a:r>
+          </a:p>
+        </p:txBody>
+      </p:sp>
+      <p:sp>
+        <p:nvSpPr>
+          <p:cNvPr id="296" name="모서리가 둥근 직사각형 18">
+            <a:extLst>
+              <a:ext uri="{FF2B5EF4-FFF2-40B4-BE49-F238E27FC236}">
+                <a16:creationId xmlns:a16="http://schemas.microsoft.com/office/drawing/2014/main" id="{A91FBD67-50A3-4448-A099-808FD4A28D61}"/>
+              </a:ext>
+            </a:extLst>
+          </p:cNvPr>
+          <p:cNvSpPr/>
+          <p:nvPr/>
+        </p:nvSpPr>
+        <p:spPr>
+          <a:xfrm>
+            <a:off x="7619620" y="2283818"/>
+            <a:ext cx="1120351" cy="556106"/>
+          </a:xfrm>
+          <a:prstGeom prst="roundRect">
+            <a:avLst>
+              <a:gd name="adj" fmla="val 7903"/>
+            </a:avLst>
+          </a:prstGeom>
+          <a:noFill/>
+        </p:spPr>
+        <p:style>
+          <a:lnRef idx="2">
+            <a:schemeClr val="dk1"/>
+          </a:lnRef>
+          <a:fillRef idx="1">
+            <a:schemeClr val="lt1"/>
+          </a:fillRef>
+          <a:effectRef idx="0">
+            <a:schemeClr val="dk1"/>
+          </a:effectRef>
+          <a:fontRef idx="minor">
+            <a:schemeClr val="dk1"/>
+          </a:fontRef>
+        </p:style>
+        <p:txBody>
+          <a:bodyPr rtlCol="0" anchor="ctr"/>
+          <a:lstStyle/>
+          <a:p>
+            <a:pPr algn="ctr"/>
+            <a:r>
+              <a:rPr lang="en-US" altLang="ko-KR" sz="1100"/>
+              <a:t>HAProxy</a:t>
+            </a:r>
+          </a:p>
+          <a:p>
+            <a:pPr algn="just"/>
+            <a:r>
+              <a:rPr lang="en-US" altLang="ko-KR" sz="1050"/>
+              <a:t>30.0.0.20:443 </a:t>
+            </a:r>
+          </a:p>
+          <a:p>
+            <a:pPr algn="just"/>
+            <a:r>
+              <a:rPr lang="en-US" altLang="ko-KR" sz="1050">
+                <a:sym typeface="Wingdings" panose="05000000000000000000" pitchFamily="2" charset="2"/>
+              </a:rPr>
+              <a:t> Slave:32000</a:t>
+            </a:r>
+            <a:endParaRPr lang="en-US" altLang="ko-KR" sz="1050"/>
+          </a:p>
+        </p:txBody>
+      </p:sp>
+      <p:cxnSp>
+        <p:nvCxnSpPr>
+          <p:cNvPr id="300" name="직선 화살표 연결선 299">
+            <a:extLst>
+              <a:ext uri="{FF2B5EF4-FFF2-40B4-BE49-F238E27FC236}">
+                <a16:creationId xmlns:a16="http://schemas.microsoft.com/office/drawing/2014/main" id="{3288310F-B597-4716-9E0B-C9F16472356C}"/>
+              </a:ext>
+            </a:extLst>
+          </p:cNvPr>
+          <p:cNvCxnSpPr>
+            <a:cxnSpLocks/>
+          </p:cNvCxnSpPr>
+          <p:nvPr/>
+        </p:nvCxnSpPr>
+        <p:spPr>
+          <a:xfrm flipH="1" flipV="1">
+            <a:off x="683568" y="2963338"/>
+            <a:ext cx="949113" cy="683121"/>
+          </a:xfrm>
+          <a:prstGeom prst="straightConnector1">
+            <a:avLst/>
+          </a:prstGeom>
+          <a:ln w="28575">
+            <a:solidFill>
+              <a:schemeClr val="accent6">
+                <a:lumMod val="50000"/>
+              </a:schemeClr>
+            </a:solidFill>
+            <a:headEnd type="arrow" w="med" len="med"/>
+            <a:tailEnd type="none" w="med" len="med"/>
+          </a:ln>
+        </p:spPr>
+        <p:style>
+          <a:lnRef idx="1">
+            <a:schemeClr val="accent1"/>
+          </a:lnRef>
+          <a:fillRef idx="0">
+            <a:schemeClr val="accent1"/>
+          </a:fillRef>
+          <a:effectRef idx="0">
+            <a:schemeClr val="accent1"/>
+          </a:effectRef>
+          <a:fontRef idx="minor">
+            <a:schemeClr val="tx1"/>
+          </a:fontRef>
+        </p:style>
+      </p:cxnSp>
+      <p:cxnSp>
+        <p:nvCxnSpPr>
+          <p:cNvPr id="303" name="직선 화살표 연결선 302">
+            <a:extLst>
+              <a:ext uri="{FF2B5EF4-FFF2-40B4-BE49-F238E27FC236}">
+                <a16:creationId xmlns:a16="http://schemas.microsoft.com/office/drawing/2014/main" id="{0966784B-F385-4FCB-8FA7-53A3533F1779}"/>
+              </a:ext>
+            </a:extLst>
+          </p:cNvPr>
+          <p:cNvCxnSpPr>
+            <a:cxnSpLocks/>
+            <a:stCxn id="55" idx="0"/>
+            <a:endCxn id="148" idx="2"/>
+          </p:cNvCxnSpPr>
+          <p:nvPr/>
+        </p:nvCxnSpPr>
+        <p:spPr>
+          <a:xfrm flipH="1" flipV="1">
+            <a:off x="850114" y="2963338"/>
+            <a:ext cx="949113" cy="683121"/>
+          </a:xfrm>
+          <a:prstGeom prst="straightConnector1">
+            <a:avLst/>
+          </a:prstGeom>
+          <a:ln w="28575">
+            <a:solidFill>
+              <a:schemeClr val="accent6">
+                <a:lumMod val="75000"/>
+              </a:schemeClr>
+            </a:solidFill>
+            <a:headEnd type="arrow" w="med" len="med"/>
+            <a:tailEnd type="none" w="med" len="med"/>
+          </a:ln>
+        </p:spPr>
+        <p:style>
+          <a:lnRef idx="1">
+            <a:schemeClr val="accent1"/>
+          </a:lnRef>
+          <a:fillRef idx="0">
+            <a:schemeClr val="accent1"/>
+          </a:fillRef>
+          <a:effectRef idx="0">
+            <a:schemeClr val="accent1"/>
+          </a:effectRef>
+          <a:fontRef idx="minor">
+            <a:schemeClr val="tx1"/>
+          </a:fontRef>
+        </p:style>
+      </p:cxnSp>
+      <p:cxnSp>
+        <p:nvCxnSpPr>
+          <p:cNvPr id="308" name="직선 화살표 연결선 307">
+            <a:extLst>
+              <a:ext uri="{FF2B5EF4-FFF2-40B4-BE49-F238E27FC236}">
+                <a16:creationId xmlns:a16="http://schemas.microsoft.com/office/drawing/2014/main" id="{86B0B225-4ACF-4AE4-BCB8-FA3966C1D02B}"/>
+              </a:ext>
+            </a:extLst>
+          </p:cNvPr>
+          <p:cNvCxnSpPr>
+            <a:cxnSpLocks/>
+            <a:stCxn id="158" idx="1"/>
+          </p:cNvCxnSpPr>
+          <p:nvPr/>
+        </p:nvCxnSpPr>
+        <p:spPr>
+          <a:xfrm flipH="1">
+            <a:off x="137504" y="933270"/>
+            <a:ext cx="258032" cy="0"/>
+          </a:xfrm>
+          <a:prstGeom prst="straightConnector1">
+            <a:avLst/>
+          </a:prstGeom>
+          <a:ln w="28575">
+            <a:solidFill>
+              <a:schemeClr val="accent6">
+                <a:lumMod val="75000"/>
+              </a:schemeClr>
+            </a:solidFill>
+            <a:headEnd type="arrow" w="med" len="med"/>
+            <a:tailEnd type="none" w="med" len="med"/>
+          </a:ln>
+        </p:spPr>
+        <p:style>
+          <a:lnRef idx="1">
+            <a:schemeClr val="accent1"/>
+          </a:lnRef>
+          <a:fillRef idx="0">
+            <a:schemeClr val="accent1"/>
+          </a:fillRef>
+          <a:effectRef idx="0">
+            <a:schemeClr val="accent1"/>
+          </a:effectRef>
+          <a:fontRef idx="minor">
+            <a:schemeClr val="tx1"/>
+          </a:fontRef>
+        </p:style>
+      </p:cxnSp>
+      <p:cxnSp>
+        <p:nvCxnSpPr>
+          <p:cNvPr id="310" name="직선 화살표 연결선 309">
+            <a:extLst>
+              <a:ext uri="{FF2B5EF4-FFF2-40B4-BE49-F238E27FC236}">
+                <a16:creationId xmlns:a16="http://schemas.microsoft.com/office/drawing/2014/main" id="{4244BC9C-2F10-4F2F-9079-256E96DB87E5}"/>
+              </a:ext>
+            </a:extLst>
+          </p:cNvPr>
+          <p:cNvCxnSpPr>
+            <a:cxnSpLocks/>
+            <a:stCxn id="183" idx="1"/>
+          </p:cNvCxnSpPr>
+          <p:nvPr/>
+        </p:nvCxnSpPr>
+        <p:spPr>
+          <a:xfrm flipH="1" flipV="1">
+            <a:off x="137504" y="753753"/>
+            <a:ext cx="258032" cy="336"/>
+          </a:xfrm>
+          <a:prstGeom prst="straightConnector1">
+            <a:avLst/>
+          </a:prstGeom>
+          <a:ln w="28575">
+            <a:solidFill>
+              <a:schemeClr val="accent6">
+                <a:lumMod val="50000"/>
+              </a:schemeClr>
+            </a:solidFill>
+            <a:headEnd type="arrow" w="med" len="med"/>
+            <a:tailEnd type="none" w="med" len="med"/>
+          </a:ln>
+        </p:spPr>
+        <p:style>
+          <a:lnRef idx="1">
+            <a:schemeClr val="accent1"/>
+          </a:lnRef>
+          <a:fillRef idx="0">
+            <a:schemeClr val="accent1"/>
+          </a:fillRef>
+          <a:effectRef idx="0">
+            <a:schemeClr val="accent1"/>
+          </a:effectRef>
+          <a:fontRef idx="minor">
+            <a:schemeClr val="tx1"/>
+          </a:fontRef>
+        </p:style>
+      </p:cxnSp>
+      <p:sp>
+        <p:nvSpPr>
+          <p:cNvPr id="64" name="모서리가 둥근 직사각형 18">
+            <a:extLst>
+              <a:ext uri="{FF2B5EF4-FFF2-40B4-BE49-F238E27FC236}">
+                <a16:creationId xmlns:a16="http://schemas.microsoft.com/office/drawing/2014/main" id="{B8EAEBA2-C282-4679-956B-9A9B2BDC28EC}"/>
+              </a:ext>
+            </a:extLst>
+          </p:cNvPr>
+          <p:cNvSpPr/>
+          <p:nvPr/>
+        </p:nvSpPr>
+        <p:spPr>
+          <a:xfrm>
+            <a:off x="2966933" y="2062965"/>
+            <a:ext cx="1120351" cy="222217"/>
+          </a:xfrm>
+          <a:prstGeom prst="roundRect">
+            <a:avLst>
+              <a:gd name="adj" fmla="val 20279"/>
+            </a:avLst>
+          </a:prstGeom>
+          <a:noFill/>
+        </p:spPr>
+        <p:style>
+          <a:lnRef idx="2">
+            <a:schemeClr val="dk1"/>
+          </a:lnRef>
+          <a:fillRef idx="1">
+            <a:schemeClr val="lt1"/>
+          </a:fillRef>
+          <a:effectRef idx="0">
+            <a:schemeClr val="dk1"/>
+          </a:effectRef>
+          <a:fontRef idx="minor">
+            <a:schemeClr val="dk1"/>
+          </a:fontRef>
+        </p:style>
+        <p:txBody>
+          <a:bodyPr rtlCol="0" anchor="ctr"/>
+          <a:lstStyle/>
+          <a:p>
+            <a:pPr algn="ctr"/>
+            <a:r>
+              <a:rPr lang="en-US" altLang="ko-KR" sz="1100"/>
+              <a:t>Agent</a:t>
+            </a:r>
+            <a:endParaRPr lang="en-US" altLang="ko-KR" sz="1100" dirty="0"/>
+          </a:p>
+        </p:txBody>
+      </p:sp>
+      <p:sp>
+        <p:nvSpPr>
+          <p:cNvPr id="75" name="모서리가 둥근 직사각형 18">
+            <a:extLst>
+              <a:ext uri="{FF2B5EF4-FFF2-40B4-BE49-F238E27FC236}">
+                <a16:creationId xmlns:a16="http://schemas.microsoft.com/office/drawing/2014/main" id="{F8864180-73C1-4361-98EA-41DE19048D0F}"/>
+              </a:ext>
+            </a:extLst>
+          </p:cNvPr>
+          <p:cNvSpPr/>
+          <p:nvPr/>
+        </p:nvSpPr>
+        <p:spPr>
+          <a:xfrm>
+            <a:off x="4434465" y="2062965"/>
+            <a:ext cx="1125480" cy="222217"/>
+          </a:xfrm>
+          <a:prstGeom prst="roundRect">
+            <a:avLst>
+              <a:gd name="adj" fmla="val 20279"/>
+            </a:avLst>
+          </a:prstGeom>
+          <a:noFill/>
+        </p:spPr>
+        <p:style>
+          <a:lnRef idx="2">
+            <a:schemeClr val="dk1"/>
+          </a:lnRef>
+          <a:fillRef idx="1">
+            <a:schemeClr val="lt1"/>
+          </a:fillRef>
+          <a:effectRef idx="0">
+            <a:schemeClr val="dk1"/>
+          </a:effectRef>
+          <a:fontRef idx="minor">
+            <a:schemeClr val="dk1"/>
+          </a:fontRef>
+        </p:style>
+        <p:txBody>
+          <a:bodyPr rtlCol="0" anchor="ctr"/>
+          <a:lstStyle/>
+          <a:p>
+            <a:pPr algn="ctr"/>
+            <a:r>
+              <a:rPr lang="en-US" altLang="ko-KR" sz="1100"/>
+              <a:t>Agent</a:t>
+            </a:r>
+            <a:endParaRPr lang="en-US" altLang="ko-KR" sz="1100" dirty="0"/>
+          </a:p>
+        </p:txBody>
+      </p:sp>
+      <p:sp>
+        <p:nvSpPr>
+          <p:cNvPr id="76" name="모서리가 둥근 직사각형 18">
+            <a:extLst>
+              <a:ext uri="{FF2B5EF4-FFF2-40B4-BE49-F238E27FC236}">
+                <a16:creationId xmlns:a16="http://schemas.microsoft.com/office/drawing/2014/main" id="{C2578D8A-679E-4493-82F9-2C371AAD9C8E}"/>
+              </a:ext>
+            </a:extLst>
+          </p:cNvPr>
+          <p:cNvSpPr/>
+          <p:nvPr/>
+        </p:nvSpPr>
+        <p:spPr>
+          <a:xfrm>
+            <a:off x="6144345" y="2062965"/>
+            <a:ext cx="1120352" cy="222217"/>
+          </a:xfrm>
+          <a:prstGeom prst="roundRect">
+            <a:avLst>
+              <a:gd name="adj" fmla="val 20279"/>
+            </a:avLst>
+          </a:prstGeom>
+          <a:noFill/>
+        </p:spPr>
+        <p:style>
+          <a:lnRef idx="2">
+            <a:schemeClr val="dk1"/>
+          </a:lnRef>
+          <a:fillRef idx="1">
+            <a:schemeClr val="lt1"/>
+          </a:fillRef>
+          <a:effectRef idx="0">
+            <a:schemeClr val="dk1"/>
+          </a:effectRef>
+          <a:fontRef idx="minor">
+            <a:schemeClr val="dk1"/>
+          </a:fontRef>
+        </p:style>
+        <p:txBody>
+          <a:bodyPr rtlCol="0" anchor="ctr"/>
+          <a:lstStyle/>
+          <a:p>
+            <a:pPr algn="ctr"/>
+            <a:r>
+              <a:rPr lang="en-US" altLang="ko-KR" sz="1100"/>
+              <a:t>Agent</a:t>
+            </a:r>
+            <a:endParaRPr lang="en-US" altLang="ko-KR" sz="1100" dirty="0"/>
+          </a:p>
+        </p:txBody>
+      </p:sp>
+      <p:sp>
+        <p:nvSpPr>
+          <p:cNvPr id="77" name="모서리가 둥근 직사각형 18">
+            <a:extLst>
+              <a:ext uri="{FF2B5EF4-FFF2-40B4-BE49-F238E27FC236}">
+                <a16:creationId xmlns:a16="http://schemas.microsoft.com/office/drawing/2014/main" id="{F6D2D722-0983-4259-97E0-F5BEE423FF9A}"/>
+              </a:ext>
+            </a:extLst>
+          </p:cNvPr>
+          <p:cNvSpPr/>
+          <p:nvPr/>
+        </p:nvSpPr>
+        <p:spPr>
+          <a:xfrm>
+            <a:off x="7619619" y="2062965"/>
+            <a:ext cx="1120352" cy="222217"/>
+          </a:xfrm>
+          <a:prstGeom prst="roundRect">
+            <a:avLst>
+              <a:gd name="adj" fmla="val 20279"/>
+            </a:avLst>
+          </a:prstGeom>
+          <a:noFill/>
+        </p:spPr>
+        <p:style>
+          <a:lnRef idx="2">
+            <a:schemeClr val="dk1"/>
+          </a:lnRef>
+          <a:fillRef idx="1">
+            <a:schemeClr val="lt1"/>
+          </a:fillRef>
+          <a:effectRef idx="0">
+            <a:schemeClr val="dk1"/>
+          </a:effectRef>
+          <a:fontRef idx="minor">
+            <a:schemeClr val="dk1"/>
+          </a:fontRef>
+        </p:style>
+        <p:txBody>
+          <a:bodyPr rtlCol="0" anchor="ctr"/>
+          <a:lstStyle/>
+          <a:p>
+            <a:pPr algn="ctr"/>
+            <a:r>
+              <a:rPr lang="en-US" altLang="ko-KR" sz="1100"/>
+              <a:t>Agent</a:t>
+            </a:r>
+            <a:endParaRPr lang="en-US" altLang="ko-KR" sz="1100" dirty="0"/>
+          </a:p>
+        </p:txBody>
+      </p:sp>
+      <p:cxnSp>
+        <p:nvCxnSpPr>
+          <p:cNvPr id="68" name="직선 화살표 연결선 67">
+            <a:extLst>
+              <a:ext uri="{FF2B5EF4-FFF2-40B4-BE49-F238E27FC236}">
+                <a16:creationId xmlns:a16="http://schemas.microsoft.com/office/drawing/2014/main" id="{DB34E385-3BB6-4925-BB9D-13C266DF41D8}"/>
+              </a:ext>
+            </a:extLst>
+          </p:cNvPr>
+          <p:cNvCxnSpPr>
+            <a:cxnSpLocks/>
+            <a:stCxn id="296" idx="2"/>
+            <a:endCxn id="55" idx="0"/>
+          </p:cNvCxnSpPr>
+          <p:nvPr/>
+        </p:nvCxnSpPr>
+        <p:spPr>
+          <a:xfrm flipH="1">
+            <a:off x="1799227" y="2839924"/>
+            <a:ext cx="6380569" cy="806535"/>
+          </a:xfrm>
+          <a:prstGeom prst="straightConnector1">
+            <a:avLst/>
+          </a:prstGeom>
+          <a:ln w="28575">
+            <a:solidFill>
+              <a:schemeClr val="accent6">
+                <a:lumMod val="75000"/>
+              </a:schemeClr>
+            </a:solidFill>
+            <a:headEnd type="arrow" w="med" len="med"/>
+            <a:tailEnd type="none" w="med" len="med"/>
+          </a:ln>
+        </p:spPr>
+        <p:style>
+          <a:lnRef idx="1">
+            <a:schemeClr val="accent1"/>
+          </a:lnRef>
+          <a:fillRef idx="0">
+            <a:schemeClr val="accent1"/>
+          </a:fillRef>
+          <a:effectRef idx="0">
+            <a:schemeClr val="accent1"/>
+          </a:effectRef>
+          <a:fontRef idx="minor">
+            <a:schemeClr val="tx1"/>
+          </a:fontRef>
+        </p:style>
+      </p:cxnSp>
+      <p:cxnSp>
+        <p:nvCxnSpPr>
+          <p:cNvPr id="71" name="직선 화살표 연결선 70">
+            <a:extLst>
+              <a:ext uri="{FF2B5EF4-FFF2-40B4-BE49-F238E27FC236}">
+                <a16:creationId xmlns:a16="http://schemas.microsoft.com/office/drawing/2014/main" id="{52B5864A-90E7-498D-988B-EDF26C5329CF}"/>
+              </a:ext>
+            </a:extLst>
+          </p:cNvPr>
+          <p:cNvCxnSpPr>
+            <a:cxnSpLocks/>
+          </p:cNvCxnSpPr>
+          <p:nvPr/>
+        </p:nvCxnSpPr>
+        <p:spPr>
+          <a:xfrm flipV="1">
+            <a:off x="4637748" y="3048170"/>
+            <a:ext cx="0" cy="155660"/>
+          </a:xfrm>
+          <a:prstGeom prst="straightConnector1">
+            <a:avLst/>
+          </a:prstGeom>
+          <a:ln w="28575">
+            <a:solidFill>
+              <a:schemeClr val="accent6">
+                <a:lumMod val="50000"/>
+              </a:schemeClr>
+            </a:solidFill>
+            <a:headEnd type="arrow" w="med" len="med"/>
+            <a:tailEnd type="none" w="med" len="med"/>
+          </a:ln>
+        </p:spPr>
+        <p:style>
+          <a:lnRef idx="1">
+            <a:schemeClr val="accent1"/>
+          </a:lnRef>
+          <a:fillRef idx="0">
+            <a:schemeClr val="accent1"/>
+          </a:fillRef>
+          <a:effectRef idx="0">
+            <a:schemeClr val="accent1"/>
+          </a:effectRef>
+          <a:fontRef idx="minor">
+            <a:schemeClr val="tx1"/>
+          </a:fontRef>
+        </p:style>
+      </p:cxnSp>
+      <p:cxnSp>
+        <p:nvCxnSpPr>
+          <p:cNvPr id="79" name="직선 화살표 연결선 78">
+            <a:extLst>
+              <a:ext uri="{FF2B5EF4-FFF2-40B4-BE49-F238E27FC236}">
+                <a16:creationId xmlns:a16="http://schemas.microsoft.com/office/drawing/2014/main" id="{16DD3A40-9645-45A9-AB0F-ED7C9DC940AB}"/>
+              </a:ext>
+            </a:extLst>
+          </p:cNvPr>
+          <p:cNvCxnSpPr>
+            <a:cxnSpLocks/>
+          </p:cNvCxnSpPr>
+          <p:nvPr/>
+        </p:nvCxnSpPr>
+        <p:spPr>
+          <a:xfrm flipV="1">
+            <a:off x="6372200" y="3048170"/>
+            <a:ext cx="0" cy="155660"/>
+          </a:xfrm>
+          <a:prstGeom prst="straightConnector1">
+            <a:avLst/>
+          </a:prstGeom>
+          <a:ln w="28575">
+            <a:solidFill>
+              <a:schemeClr val="accent6">
+                <a:lumMod val="50000"/>
+              </a:schemeClr>
+            </a:solidFill>
+            <a:headEnd type="arrow" w="med" len="med"/>
+            <a:tailEnd type="none" w="med" len="med"/>
+          </a:ln>
+        </p:spPr>
+        <p:style>
+          <a:lnRef idx="1">
+            <a:schemeClr val="accent1"/>
+          </a:lnRef>
+          <a:fillRef idx="0">
+            <a:schemeClr val="accent1"/>
+          </a:fillRef>
+          <a:effectRef idx="0">
+            <a:schemeClr val="accent1"/>
+          </a:effectRef>
+          <a:fontRef idx="minor">
+            <a:schemeClr val="tx1"/>
+          </a:fontRef>
+        </p:style>
+      </p:cxnSp>
+      <p:cxnSp>
+        <p:nvCxnSpPr>
+          <p:cNvPr id="81" name="직선 화살표 연결선 80">
+            <a:extLst>
+              <a:ext uri="{FF2B5EF4-FFF2-40B4-BE49-F238E27FC236}">
+                <a16:creationId xmlns:a16="http://schemas.microsoft.com/office/drawing/2014/main" id="{32852052-08B4-44B6-84A9-BE1F59022109}"/>
+              </a:ext>
+            </a:extLst>
+          </p:cNvPr>
+          <p:cNvCxnSpPr>
+            <a:cxnSpLocks/>
+          </p:cNvCxnSpPr>
+          <p:nvPr/>
+        </p:nvCxnSpPr>
+        <p:spPr>
+          <a:xfrm flipV="1">
+            <a:off x="7884368" y="3048170"/>
+            <a:ext cx="0" cy="155660"/>
+          </a:xfrm>
+          <a:prstGeom prst="straightConnector1">
+            <a:avLst/>
+          </a:prstGeom>
+          <a:ln w="28575">
+            <a:solidFill>
+              <a:schemeClr val="accent6">
+                <a:lumMod val="50000"/>
+              </a:schemeClr>
+            </a:solidFill>
+            <a:headEnd type="arrow" w="med" len="med"/>
+            <a:tailEnd type="none" w="med" len="med"/>
+          </a:ln>
+        </p:spPr>
+        <p:style>
+          <a:lnRef idx="1">
+            <a:schemeClr val="accent1"/>
+          </a:lnRef>
+          <a:fillRef idx="0">
+            <a:schemeClr val="accent1"/>
+          </a:fillRef>
+          <a:effectRef idx="0">
+            <a:schemeClr val="accent1"/>
+          </a:effectRef>
+          <a:fontRef idx="minor">
+            <a:schemeClr val="tx1"/>
+          </a:fontRef>
+        </p:style>
+      </p:cxnSp>
+      <p:cxnSp>
+        <p:nvCxnSpPr>
+          <p:cNvPr id="12" name="직선 연결선 11">
+            <a:extLst>
+              <a:ext uri="{FF2B5EF4-FFF2-40B4-BE49-F238E27FC236}">
+                <a16:creationId xmlns:a16="http://schemas.microsoft.com/office/drawing/2014/main" id="{706BB454-2220-4F7B-BC7A-5B9CE8325837}"/>
+              </a:ext>
+            </a:extLst>
+          </p:cNvPr>
+          <p:cNvCxnSpPr>
+            <a:cxnSpLocks/>
+          </p:cNvCxnSpPr>
+          <p:nvPr/>
+        </p:nvCxnSpPr>
+        <p:spPr>
+          <a:xfrm flipH="1">
+            <a:off x="3517902" y="3059406"/>
+            <a:ext cx="4378323" cy="0"/>
+          </a:xfrm>
+          <a:prstGeom prst="line">
+            <a:avLst/>
+          </a:prstGeom>
+          <a:ln w="28575">
+            <a:solidFill>
+              <a:schemeClr val="accent6">
+                <a:lumMod val="50000"/>
+              </a:schemeClr>
+            </a:solidFill>
+          </a:ln>
+        </p:spPr>
+        <p:style>
+          <a:lnRef idx="1">
+            <a:schemeClr val="accent1"/>
+          </a:lnRef>
+          <a:fillRef idx="0">
+            <a:schemeClr val="accent1"/>
+          </a:fillRef>
+          <a:effectRef idx="0">
+            <a:schemeClr val="accent1"/>
+          </a:effectRef>
+          <a:fontRef idx="minor">
+            <a:schemeClr val="tx1"/>
+          </a:fontRef>
+        </p:style>
+      </p:cxnSp>
+      <p:cxnSp>
+        <p:nvCxnSpPr>
+          <p:cNvPr id="85" name="직선 연결선 84">
+            <a:extLst>
+              <a:ext uri="{FF2B5EF4-FFF2-40B4-BE49-F238E27FC236}">
+                <a16:creationId xmlns:a16="http://schemas.microsoft.com/office/drawing/2014/main" id="{3FA01052-D40E-4AFD-A559-B4C48996D065}"/>
+              </a:ext>
+            </a:extLst>
+          </p:cNvPr>
+          <p:cNvCxnSpPr>
+            <a:cxnSpLocks/>
+            <a:endCxn id="287" idx="2"/>
+          </p:cNvCxnSpPr>
+          <p:nvPr/>
+        </p:nvCxnSpPr>
+        <p:spPr>
+          <a:xfrm flipV="1">
+            <a:off x="3527109" y="2839923"/>
+            <a:ext cx="0" cy="228190"/>
+          </a:xfrm>
+          <a:prstGeom prst="line">
+            <a:avLst/>
+          </a:prstGeom>
+          <a:ln w="28575">
+            <a:solidFill>
+              <a:schemeClr val="accent6">
+                <a:lumMod val="50000"/>
+              </a:schemeClr>
+            </a:solidFill>
+          </a:ln>
+        </p:spPr>
+        <p:style>
+          <a:lnRef idx="1">
+            <a:schemeClr val="accent1"/>
+          </a:lnRef>
+          <a:fillRef idx="0">
+            <a:schemeClr val="accent1"/>
+          </a:fillRef>
+          <a:effectRef idx="0">
+            <a:schemeClr val="accent1"/>
+          </a:effectRef>
+          <a:fontRef idx="minor">
+            <a:schemeClr val="tx1"/>
+          </a:fontRef>
+        </p:style>
+      </p:cxnSp>
+      <p:cxnSp>
+        <p:nvCxnSpPr>
+          <p:cNvPr id="100" name="직선 화살표 연결선 99">
+            <a:extLst>
+              <a:ext uri="{FF2B5EF4-FFF2-40B4-BE49-F238E27FC236}">
+                <a16:creationId xmlns:a16="http://schemas.microsoft.com/office/drawing/2014/main" id="{47210A37-4BD6-4477-9913-937F64D1B87A}"/>
+              </a:ext>
+            </a:extLst>
+          </p:cNvPr>
+          <p:cNvCxnSpPr>
+            <a:cxnSpLocks/>
+          </p:cNvCxnSpPr>
+          <p:nvPr/>
+        </p:nvCxnSpPr>
+        <p:spPr>
+          <a:xfrm flipV="1">
+            <a:off x="4997788" y="2983867"/>
+            <a:ext cx="0" cy="219963"/>
+          </a:xfrm>
+          <a:prstGeom prst="straightConnector1">
+            <a:avLst/>
+          </a:prstGeom>
+          <a:ln w="28575">
+            <a:solidFill>
+              <a:schemeClr val="accent6">
+                <a:lumMod val="75000"/>
+              </a:schemeClr>
+            </a:solidFill>
+            <a:headEnd type="arrow" w="med" len="med"/>
+            <a:tailEnd type="none" w="med" len="med"/>
+          </a:ln>
+        </p:spPr>
+        <p:style>
+          <a:lnRef idx="1">
+            <a:schemeClr val="accent1"/>
+          </a:lnRef>
+          <a:fillRef idx="0">
+            <a:schemeClr val="accent1"/>
+          </a:fillRef>
+          <a:effectRef idx="0">
+            <a:schemeClr val="accent1"/>
+          </a:effectRef>
+          <a:fontRef idx="minor">
+            <a:schemeClr val="tx1"/>
+          </a:fontRef>
+        </p:style>
+      </p:cxnSp>
+      <p:cxnSp>
+        <p:nvCxnSpPr>
+          <p:cNvPr id="105" name="직선 화살표 연결선 104">
+            <a:extLst>
+              <a:ext uri="{FF2B5EF4-FFF2-40B4-BE49-F238E27FC236}">
+                <a16:creationId xmlns:a16="http://schemas.microsoft.com/office/drawing/2014/main" id="{2D3BEB7A-F227-4CF9-B68A-7F4129786EFA}"/>
+              </a:ext>
+            </a:extLst>
+          </p:cNvPr>
+          <p:cNvCxnSpPr>
+            <a:cxnSpLocks/>
+          </p:cNvCxnSpPr>
+          <p:nvPr/>
+        </p:nvCxnSpPr>
+        <p:spPr>
+          <a:xfrm flipV="1">
+            <a:off x="6732240" y="2983867"/>
+            <a:ext cx="0" cy="219963"/>
+          </a:xfrm>
+          <a:prstGeom prst="straightConnector1">
+            <a:avLst/>
+          </a:prstGeom>
+          <a:ln w="28575">
+            <a:solidFill>
+              <a:schemeClr val="accent6">
+                <a:lumMod val="75000"/>
+              </a:schemeClr>
+            </a:solidFill>
+            <a:headEnd type="arrow" w="med" len="med"/>
+            <a:tailEnd type="none" w="med" len="med"/>
+          </a:ln>
+        </p:spPr>
+        <p:style>
+          <a:lnRef idx="1">
+            <a:schemeClr val="accent1"/>
+          </a:lnRef>
+          <a:fillRef idx="0">
+            <a:schemeClr val="accent1"/>
+          </a:fillRef>
+          <a:effectRef idx="0">
+            <a:schemeClr val="accent1"/>
+          </a:effectRef>
+          <a:fontRef idx="minor">
+            <a:schemeClr val="tx1"/>
+          </a:fontRef>
+        </p:style>
+      </p:cxnSp>
+      <p:cxnSp>
+        <p:nvCxnSpPr>
+          <p:cNvPr id="109" name="직선 화살표 연결선 108">
+            <a:extLst>
+              <a:ext uri="{FF2B5EF4-FFF2-40B4-BE49-F238E27FC236}">
+                <a16:creationId xmlns:a16="http://schemas.microsoft.com/office/drawing/2014/main" id="{387BD2EF-8AF0-4A16-902D-B918BB76B91D}"/>
+              </a:ext>
+            </a:extLst>
+          </p:cNvPr>
+          <p:cNvCxnSpPr>
+            <a:cxnSpLocks/>
+          </p:cNvCxnSpPr>
+          <p:nvPr/>
+        </p:nvCxnSpPr>
+        <p:spPr>
+          <a:xfrm flipV="1">
+            <a:off x="8244408" y="2983867"/>
+            <a:ext cx="0" cy="219963"/>
+          </a:xfrm>
+          <a:prstGeom prst="straightConnector1">
+            <a:avLst/>
+          </a:prstGeom>
+          <a:ln w="28575">
+            <a:solidFill>
+              <a:schemeClr val="accent6">
+                <a:lumMod val="75000"/>
+              </a:schemeClr>
+            </a:solidFill>
+            <a:headEnd type="arrow" w="med" len="med"/>
+            <a:tailEnd type="none" w="med" len="med"/>
+          </a:ln>
+        </p:spPr>
+        <p:style>
+          <a:lnRef idx="1">
+            <a:schemeClr val="accent1"/>
+          </a:lnRef>
+          <a:fillRef idx="0">
+            <a:schemeClr val="accent1"/>
+          </a:fillRef>
+          <a:effectRef idx="0">
+            <a:schemeClr val="accent1"/>
+          </a:effectRef>
+          <a:fontRef idx="minor">
+            <a:schemeClr val="tx1"/>
+          </a:fontRef>
+        </p:style>
+      </p:cxnSp>
+      <p:cxnSp>
+        <p:nvCxnSpPr>
+          <p:cNvPr id="110" name="직선 연결선 109">
+            <a:extLst>
+              <a:ext uri="{FF2B5EF4-FFF2-40B4-BE49-F238E27FC236}">
+                <a16:creationId xmlns:a16="http://schemas.microsoft.com/office/drawing/2014/main" id="{88CD330A-F91B-4B3C-9D8D-5B182D99BA72}"/>
+              </a:ext>
+            </a:extLst>
+          </p:cNvPr>
+          <p:cNvCxnSpPr>
+            <a:cxnSpLocks/>
+          </p:cNvCxnSpPr>
+          <p:nvPr/>
+        </p:nvCxnSpPr>
+        <p:spPr>
+          <a:xfrm flipH="1">
+            <a:off x="4991100" y="2998387"/>
+            <a:ext cx="3263900" cy="0"/>
+          </a:xfrm>
+          <a:prstGeom prst="line">
+            <a:avLst/>
+          </a:prstGeom>
+          <a:ln w="28575">
+            <a:solidFill>
+              <a:schemeClr val="accent6">
+                <a:lumMod val="75000"/>
+              </a:schemeClr>
+            </a:solidFill>
+          </a:ln>
+        </p:spPr>
+        <p:style>
+          <a:lnRef idx="1">
+            <a:schemeClr val="accent1"/>
+          </a:lnRef>
+          <a:fillRef idx="0">
+            <a:schemeClr val="accent1"/>
+          </a:fillRef>
+          <a:effectRef idx="0">
+            <a:schemeClr val="accent1"/>
+          </a:effectRef>
+          <a:fontRef idx="minor">
+            <a:schemeClr val="tx1"/>
+          </a:fontRef>
+        </p:style>
+      </p:cxnSp>
+      <p:cxnSp>
+        <p:nvCxnSpPr>
+          <p:cNvPr id="111" name="직선 연결선 110">
+            <a:extLst>
+              <a:ext uri="{FF2B5EF4-FFF2-40B4-BE49-F238E27FC236}">
+                <a16:creationId xmlns:a16="http://schemas.microsoft.com/office/drawing/2014/main" id="{3440DF58-9AF5-4B90-A9C5-029095684E56}"/>
+              </a:ext>
+            </a:extLst>
+          </p:cNvPr>
+          <p:cNvCxnSpPr>
+            <a:cxnSpLocks/>
+            <a:endCxn id="296" idx="2"/>
+          </p:cNvCxnSpPr>
+          <p:nvPr/>
+        </p:nvCxnSpPr>
+        <p:spPr>
+          <a:xfrm flipV="1">
+            <a:off x="8179796" y="2839924"/>
+            <a:ext cx="0" cy="149969"/>
+          </a:xfrm>
+          <a:prstGeom prst="line">
+            <a:avLst/>
+          </a:prstGeom>
+          <a:ln w="28575">
+            <a:solidFill>
+              <a:schemeClr val="accent6">
+                <a:lumMod val="75000"/>
+              </a:schemeClr>
+            </a:solidFill>
+          </a:ln>
+        </p:spPr>
+        <p:style>
+          <a:lnRef idx="1">
+            <a:schemeClr val="accent1"/>
+          </a:lnRef>
+          <a:fillRef idx="0">
+            <a:schemeClr val="accent1"/>
+          </a:fillRef>
+          <a:effectRef idx="0">
+            <a:schemeClr val="accent1"/>
+          </a:effectRef>
+          <a:fontRef idx="minor">
+            <a:schemeClr val="tx1"/>
+          </a:fontRef>
+        </p:style>
+      </p:cxnSp>
+      <p:cxnSp>
+        <p:nvCxnSpPr>
+          <p:cNvPr id="118" name="직선 화살표 연결선 117">
+            <a:extLst>
+              <a:ext uri="{FF2B5EF4-FFF2-40B4-BE49-F238E27FC236}">
+                <a16:creationId xmlns:a16="http://schemas.microsoft.com/office/drawing/2014/main" id="{281CFEB4-011B-4BC4-A0CB-6D8D1493B664}"/>
+              </a:ext>
+            </a:extLst>
+          </p:cNvPr>
+          <p:cNvCxnSpPr>
+            <a:cxnSpLocks/>
+          </p:cNvCxnSpPr>
+          <p:nvPr/>
+        </p:nvCxnSpPr>
+        <p:spPr>
+          <a:xfrm flipV="1">
+            <a:off x="2486437" y="1789276"/>
+            <a:ext cx="5228813" cy="10946"/>
+          </a:xfrm>
+          <a:prstGeom prst="straightConnector1">
+            <a:avLst/>
+          </a:prstGeom>
+          <a:ln w="28575">
+            <a:solidFill>
+              <a:schemeClr val="accent4">
+                <a:lumMod val="75000"/>
+              </a:schemeClr>
+            </a:solidFill>
+            <a:prstDash val="solid"/>
+            <a:headEnd type="arrow" w="med" len="med"/>
+            <a:tailEnd type="none" w="med" len="med"/>
+          </a:ln>
+        </p:spPr>
+        <p:style>
+          <a:lnRef idx="1">
+            <a:schemeClr val="accent1"/>
+          </a:lnRef>
+          <a:fillRef idx="0">
+            <a:schemeClr val="accent1"/>
+          </a:fillRef>
+          <a:effectRef idx="0">
+            <a:schemeClr val="accent1"/>
+          </a:effectRef>
+          <a:fontRef idx="minor">
+            <a:schemeClr val="tx1"/>
+          </a:fontRef>
+        </p:style>
+      </p:cxnSp>
+      <p:cxnSp>
+        <p:nvCxnSpPr>
+          <p:cNvPr id="119" name="직선 화살표 연결선 118">
+            <a:extLst>
+              <a:ext uri="{FF2B5EF4-FFF2-40B4-BE49-F238E27FC236}">
+                <a16:creationId xmlns:a16="http://schemas.microsoft.com/office/drawing/2014/main" id="{FC595AB5-A2BB-4151-A088-4AB1911964DE}"/>
+              </a:ext>
+            </a:extLst>
+          </p:cNvPr>
+          <p:cNvCxnSpPr>
+            <a:cxnSpLocks/>
+          </p:cNvCxnSpPr>
+          <p:nvPr/>
+        </p:nvCxnSpPr>
+        <p:spPr>
+          <a:xfrm flipV="1">
+            <a:off x="3059832" y="1821519"/>
+            <a:ext cx="0" cy="241446"/>
+          </a:xfrm>
+          <a:prstGeom prst="straightConnector1">
+            <a:avLst/>
+          </a:prstGeom>
+          <a:ln w="28575">
+            <a:solidFill>
+              <a:schemeClr val="accent4">
+                <a:lumMod val="75000"/>
+              </a:schemeClr>
+            </a:solidFill>
+            <a:prstDash val="solid"/>
+            <a:headEnd type="none" w="med" len="med"/>
+            <a:tailEnd type="none" w="med" len="med"/>
+          </a:ln>
+        </p:spPr>
+        <p:style>
+          <a:lnRef idx="1">
+            <a:schemeClr val="accent1"/>
+          </a:lnRef>
+          <a:fillRef idx="0">
+            <a:schemeClr val="accent1"/>
+          </a:fillRef>
+          <a:effectRef idx="0">
+            <a:schemeClr val="accent1"/>
+          </a:effectRef>
+          <a:fontRef idx="minor">
+            <a:schemeClr val="tx1"/>
+          </a:fontRef>
+        </p:style>
+      </p:cxnSp>
+      <p:cxnSp>
+        <p:nvCxnSpPr>
+          <p:cNvPr id="125" name="직선 화살표 연결선 124">
+            <a:extLst>
+              <a:ext uri="{FF2B5EF4-FFF2-40B4-BE49-F238E27FC236}">
+                <a16:creationId xmlns:a16="http://schemas.microsoft.com/office/drawing/2014/main" id="{5D769F89-C426-4541-B014-DB59A1A4BF92}"/>
+              </a:ext>
+            </a:extLst>
+          </p:cNvPr>
+          <p:cNvCxnSpPr>
+            <a:cxnSpLocks/>
+          </p:cNvCxnSpPr>
+          <p:nvPr/>
+        </p:nvCxnSpPr>
+        <p:spPr>
+          <a:xfrm flipV="1">
+            <a:off x="4508955" y="1821519"/>
+            <a:ext cx="0" cy="241446"/>
+          </a:xfrm>
+          <a:prstGeom prst="straightConnector1">
+            <a:avLst/>
+          </a:prstGeom>
+          <a:ln w="28575">
+            <a:solidFill>
+              <a:schemeClr val="accent4">
+                <a:lumMod val="75000"/>
+              </a:schemeClr>
+            </a:solidFill>
+            <a:prstDash val="solid"/>
+            <a:headEnd type="none" w="med" len="med"/>
+            <a:tailEnd type="none" w="med" len="med"/>
+          </a:ln>
+        </p:spPr>
+        <p:style>
+          <a:lnRef idx="1">
+            <a:schemeClr val="accent1"/>
+          </a:lnRef>
+          <a:fillRef idx="0">
+            <a:schemeClr val="accent1"/>
+          </a:fillRef>
+          <a:effectRef idx="0">
+            <a:schemeClr val="accent1"/>
+          </a:effectRef>
+          <a:fontRef idx="minor">
+            <a:schemeClr val="tx1"/>
+          </a:fontRef>
+        </p:style>
+      </p:cxnSp>
+      <p:cxnSp>
+        <p:nvCxnSpPr>
+          <p:cNvPr id="126" name="직선 화살표 연결선 125">
+            <a:extLst>
+              <a:ext uri="{FF2B5EF4-FFF2-40B4-BE49-F238E27FC236}">
+                <a16:creationId xmlns:a16="http://schemas.microsoft.com/office/drawing/2014/main" id="{4329C6E2-F129-4190-85C8-781CCAC9843C}"/>
+              </a:ext>
+            </a:extLst>
+          </p:cNvPr>
+          <p:cNvCxnSpPr>
+            <a:cxnSpLocks/>
+          </p:cNvCxnSpPr>
+          <p:nvPr/>
+        </p:nvCxnSpPr>
+        <p:spPr>
+          <a:xfrm flipV="1">
+            <a:off x="6218095" y="1821519"/>
+            <a:ext cx="0" cy="241446"/>
+          </a:xfrm>
+          <a:prstGeom prst="straightConnector1">
+            <a:avLst/>
+          </a:prstGeom>
+          <a:ln w="28575">
+            <a:solidFill>
+              <a:schemeClr val="accent4">
+                <a:lumMod val="75000"/>
+              </a:schemeClr>
+            </a:solidFill>
+            <a:prstDash val="solid"/>
+            <a:headEnd type="none" w="med" len="med"/>
+            <a:tailEnd type="none" w="med" len="med"/>
+          </a:ln>
+        </p:spPr>
+        <p:style>
+          <a:lnRef idx="1">
+            <a:schemeClr val="accent1"/>
+          </a:lnRef>
+          <a:fillRef idx="0">
+            <a:schemeClr val="accent1"/>
+          </a:fillRef>
+          <a:effectRef idx="0">
+            <a:schemeClr val="accent1"/>
+          </a:effectRef>
+          <a:fontRef idx="minor">
+            <a:schemeClr val="tx1"/>
+          </a:fontRef>
+        </p:style>
+      </p:cxnSp>
+      <p:cxnSp>
+        <p:nvCxnSpPr>
+          <p:cNvPr id="128" name="직선 화살표 연결선 127">
+            <a:extLst>
+              <a:ext uri="{FF2B5EF4-FFF2-40B4-BE49-F238E27FC236}">
+                <a16:creationId xmlns:a16="http://schemas.microsoft.com/office/drawing/2014/main" id="{CF5B679D-F4AF-499A-B2D7-CAD670FC95F7}"/>
+              </a:ext>
+            </a:extLst>
+          </p:cNvPr>
+          <p:cNvCxnSpPr>
+            <a:cxnSpLocks/>
+          </p:cNvCxnSpPr>
+          <p:nvPr/>
+        </p:nvCxnSpPr>
+        <p:spPr>
+          <a:xfrm flipV="1">
+            <a:off x="7706448" y="1821519"/>
+            <a:ext cx="0" cy="241446"/>
+          </a:xfrm>
+          <a:prstGeom prst="straightConnector1">
+            <a:avLst/>
+          </a:prstGeom>
+          <a:ln w="28575">
+            <a:solidFill>
+              <a:schemeClr val="accent4">
+                <a:lumMod val="75000"/>
+              </a:schemeClr>
+            </a:solidFill>
+            <a:prstDash val="solid"/>
+            <a:headEnd type="none" w="med" len="med"/>
+            <a:tailEnd type="none" w="med" len="med"/>
+          </a:ln>
+        </p:spPr>
+        <p:style>
+          <a:lnRef idx="1">
+            <a:schemeClr val="accent1"/>
+          </a:lnRef>
+          <a:fillRef idx="0">
+            <a:schemeClr val="accent1"/>
+          </a:fillRef>
+          <a:effectRef idx="0">
+            <a:schemeClr val="accent1"/>
+          </a:effectRef>
+          <a:fontRef idx="minor">
+            <a:schemeClr val="tx1"/>
+          </a:fontRef>
+        </p:style>
+      </p:cxnSp>
+      <p:cxnSp>
+        <p:nvCxnSpPr>
+          <p:cNvPr id="135" name="직선 화살표 연결선 134">
+            <a:extLst>
+              <a:ext uri="{FF2B5EF4-FFF2-40B4-BE49-F238E27FC236}">
+                <a16:creationId xmlns:a16="http://schemas.microsoft.com/office/drawing/2014/main" id="{3E5A0C61-A25A-4EBB-BA45-66872575E911}"/>
+              </a:ext>
+            </a:extLst>
+          </p:cNvPr>
+          <p:cNvCxnSpPr>
+            <a:cxnSpLocks/>
+          </p:cNvCxnSpPr>
+          <p:nvPr/>
+        </p:nvCxnSpPr>
+        <p:spPr>
+          <a:xfrm>
+            <a:off x="4232275" y="2939075"/>
+            <a:ext cx="4664075" cy="0"/>
+          </a:xfrm>
+          <a:prstGeom prst="straightConnector1">
+            <a:avLst/>
+          </a:prstGeom>
+          <a:ln w="28575">
+            <a:solidFill>
+              <a:schemeClr val="accent5">
+                <a:lumMod val="50000"/>
+              </a:schemeClr>
+            </a:solidFill>
+            <a:prstDash val="solid"/>
+            <a:headEnd type="none" w="med" len="med"/>
+            <a:tailEnd type="none" w="med" len="med"/>
+          </a:ln>
+        </p:spPr>
+        <p:style>
+          <a:lnRef idx="1">
+            <a:schemeClr val="accent1"/>
+          </a:lnRef>
+          <a:fillRef idx="0">
+            <a:schemeClr val="accent1"/>
+          </a:fillRef>
+          <a:effectRef idx="0">
+            <a:schemeClr val="accent1"/>
+          </a:effectRef>
+          <a:fontRef idx="minor">
+            <a:schemeClr val="tx1"/>
+          </a:fontRef>
+        </p:style>
+      </p:cxnSp>
+      <p:cxnSp>
+        <p:nvCxnSpPr>
+          <p:cNvPr id="140" name="직선 화살표 연결선 139">
+            <a:extLst>
+              <a:ext uri="{FF2B5EF4-FFF2-40B4-BE49-F238E27FC236}">
+                <a16:creationId xmlns:a16="http://schemas.microsoft.com/office/drawing/2014/main" id="{31A99E58-9420-49CE-BD37-B5B4A970CCA0}"/>
+              </a:ext>
+            </a:extLst>
+          </p:cNvPr>
+          <p:cNvCxnSpPr>
+            <a:cxnSpLocks/>
+          </p:cNvCxnSpPr>
+          <p:nvPr/>
+        </p:nvCxnSpPr>
+        <p:spPr>
+          <a:xfrm flipV="1">
+            <a:off x="8600206" y="2929835"/>
+            <a:ext cx="2025" cy="273997"/>
+          </a:xfrm>
+          <a:prstGeom prst="straightConnector1">
+            <a:avLst/>
+          </a:prstGeom>
+          <a:ln w="28575">
+            <a:solidFill>
+              <a:schemeClr val="accent5">
+                <a:lumMod val="50000"/>
+              </a:schemeClr>
+            </a:solidFill>
+            <a:headEnd type="none" w="med" len="med"/>
+            <a:tailEnd type="none" w="med" len="med"/>
+          </a:ln>
+        </p:spPr>
+        <p:style>
+          <a:lnRef idx="1">
+            <a:schemeClr val="accent1"/>
+          </a:lnRef>
+          <a:fillRef idx="0">
+            <a:schemeClr val="accent1"/>
+          </a:fillRef>
+          <a:effectRef idx="0">
+            <a:schemeClr val="accent1"/>
+          </a:effectRef>
+          <a:fontRef idx="minor">
+            <a:schemeClr val="tx1"/>
+          </a:fontRef>
+        </p:style>
+      </p:cxnSp>
+      <p:cxnSp>
+        <p:nvCxnSpPr>
+          <p:cNvPr id="141" name="직선 화살표 연결선 140">
+            <a:extLst>
+              <a:ext uri="{FF2B5EF4-FFF2-40B4-BE49-F238E27FC236}">
+                <a16:creationId xmlns:a16="http://schemas.microsoft.com/office/drawing/2014/main" id="{1076969E-9CE5-4724-92B6-2FB618433276}"/>
+              </a:ext>
+            </a:extLst>
+          </p:cNvPr>
+          <p:cNvCxnSpPr>
+            <a:cxnSpLocks/>
+          </p:cNvCxnSpPr>
+          <p:nvPr/>
+        </p:nvCxnSpPr>
+        <p:spPr>
+          <a:xfrm flipV="1">
+            <a:off x="7035368" y="2929835"/>
+            <a:ext cx="2025" cy="273997"/>
+          </a:xfrm>
+          <a:prstGeom prst="straightConnector1">
+            <a:avLst/>
+          </a:prstGeom>
+          <a:ln w="28575">
+            <a:solidFill>
+              <a:schemeClr val="accent5">
+                <a:lumMod val="50000"/>
+              </a:schemeClr>
+            </a:solidFill>
+            <a:headEnd type="none" w="med" len="med"/>
+            <a:tailEnd type="none" w="med" len="med"/>
+          </a:ln>
+        </p:spPr>
+        <p:style>
+          <a:lnRef idx="1">
+            <a:schemeClr val="accent1"/>
+          </a:lnRef>
+          <a:fillRef idx="0">
+            <a:schemeClr val="accent1"/>
+          </a:fillRef>
+          <a:effectRef idx="0">
+            <a:schemeClr val="accent1"/>
+          </a:effectRef>
+          <a:fontRef idx="minor">
+            <a:schemeClr val="tx1"/>
+          </a:fontRef>
+        </p:style>
+      </p:cxnSp>
+      <p:cxnSp>
+        <p:nvCxnSpPr>
+          <p:cNvPr id="142" name="직선 화살표 연결선 141">
+            <a:extLst>
+              <a:ext uri="{FF2B5EF4-FFF2-40B4-BE49-F238E27FC236}">
+                <a16:creationId xmlns:a16="http://schemas.microsoft.com/office/drawing/2014/main" id="{6F2C9AD5-F183-4C9D-9CB5-CBE9E89E460D}"/>
+              </a:ext>
+            </a:extLst>
+          </p:cNvPr>
+          <p:cNvCxnSpPr>
+            <a:cxnSpLocks/>
+          </p:cNvCxnSpPr>
+          <p:nvPr/>
+        </p:nvCxnSpPr>
+        <p:spPr>
+          <a:xfrm flipV="1">
+            <a:off x="5320959" y="2929835"/>
+            <a:ext cx="2025" cy="273997"/>
+          </a:xfrm>
+          <a:prstGeom prst="straightConnector1">
+            <a:avLst/>
+          </a:prstGeom>
+          <a:ln w="28575">
+            <a:solidFill>
+              <a:schemeClr val="accent5">
+                <a:lumMod val="50000"/>
+              </a:schemeClr>
+            </a:solidFill>
+            <a:headEnd type="none" w="med" len="med"/>
+            <a:tailEnd type="none" w="med" len="med"/>
+          </a:ln>
+        </p:spPr>
+        <p:style>
+          <a:lnRef idx="1">
+            <a:schemeClr val="accent1"/>
+          </a:lnRef>
+          <a:fillRef idx="0">
+            <a:schemeClr val="accent1"/>
+          </a:fillRef>
+          <a:effectRef idx="0">
+            <a:schemeClr val="accent1"/>
+          </a:effectRef>
+          <a:fontRef idx="minor">
+            <a:schemeClr val="tx1"/>
+          </a:fontRef>
+        </p:style>
+      </p:cxnSp>
+      <p:cxnSp>
+        <p:nvCxnSpPr>
+          <p:cNvPr id="240" name="직선 화살표 연결선 239">
+            <a:extLst>
+              <a:ext uri="{FF2B5EF4-FFF2-40B4-BE49-F238E27FC236}">
+                <a16:creationId xmlns:a16="http://schemas.microsoft.com/office/drawing/2014/main" id="{29C61F80-7642-4D87-8EF0-82074BD1916B}"/>
+              </a:ext>
+            </a:extLst>
+          </p:cNvPr>
+          <p:cNvCxnSpPr>
+            <a:cxnSpLocks/>
+            <a:stCxn id="287" idx="2"/>
+            <a:endCxn id="55" idx="0"/>
+          </p:cNvCxnSpPr>
+          <p:nvPr/>
+        </p:nvCxnSpPr>
+        <p:spPr>
+          <a:xfrm flipH="1">
+            <a:off x="1799227" y="2839923"/>
+            <a:ext cx="1727882" cy="806536"/>
+          </a:xfrm>
+          <a:prstGeom prst="straightConnector1">
+            <a:avLst/>
+          </a:prstGeom>
+          <a:ln w="28575">
+            <a:solidFill>
+              <a:schemeClr val="accent6">
+                <a:lumMod val="50000"/>
+              </a:schemeClr>
+            </a:solidFill>
+            <a:headEnd type="arrow" w="med" len="med"/>
+            <a:tailEnd type="none" w="med" len="med"/>
+          </a:ln>
+        </p:spPr>
+        <p:style>
+          <a:lnRef idx="1">
+            <a:schemeClr val="accent1"/>
+          </a:lnRef>
+          <a:fillRef idx="0">
+            <a:schemeClr val="accent1"/>
+          </a:fillRef>
+          <a:effectRef idx="0">
+            <a:schemeClr val="accent1"/>
+          </a:effectRef>
+          <a:fontRef idx="minor">
+            <a:schemeClr val="tx1"/>
+          </a:fontRef>
+        </p:style>
+      </p:cxnSp>
+      <p:sp>
+        <p:nvSpPr>
+          <p:cNvPr id="149" name="자유형: 도형 148">
+            <a:extLst>
+              <a:ext uri="{FF2B5EF4-FFF2-40B4-BE49-F238E27FC236}">
+                <a16:creationId xmlns:a16="http://schemas.microsoft.com/office/drawing/2014/main" id="{648E10C7-111C-43D8-A28A-C2AC8B554E24}"/>
+              </a:ext>
+            </a:extLst>
+          </p:cNvPr>
+          <p:cNvSpPr/>
+          <p:nvPr/>
+        </p:nvSpPr>
+        <p:spPr>
+          <a:xfrm>
+            <a:off x="5554967" y="2166897"/>
+            <a:ext cx="154258" cy="771249"/>
+          </a:xfrm>
+          <a:custGeom>
+            <a:avLst/>
+            <a:gdLst>
+              <a:gd name="connsiteX0" fmla="*/ 0 w 204788"/>
+              <a:gd name="connsiteY0" fmla="*/ 0 h 495300"/>
+              <a:gd name="connsiteX1" fmla="*/ 204788 w 204788"/>
+              <a:gd name="connsiteY1" fmla="*/ 0 h 495300"/>
+              <a:gd name="connsiteX2" fmla="*/ 204788 w 204788"/>
+              <a:gd name="connsiteY2" fmla="*/ 495300 h 495300"/>
+            </a:gdLst>
+            <a:ahLst/>
+            <a:cxnLst>
+              <a:cxn ang="0">
+                <a:pos x="connsiteX0" y="connsiteY0"/>
+              </a:cxn>
+              <a:cxn ang="0">
+                <a:pos x="connsiteX1" y="connsiteY1"/>
+              </a:cxn>
+              <a:cxn ang="0">
+                <a:pos x="connsiteX2" y="connsiteY2"/>
+              </a:cxn>
+            </a:cxnLst>
+            <a:rect l="l" t="t" r="r" b="b"/>
+            <a:pathLst>
+              <a:path w="204788" h="495300">
+                <a:moveTo>
+                  <a:pt x="0" y="0"/>
+                </a:moveTo>
+                <a:lnTo>
+                  <a:pt x="204788" y="0"/>
+                </a:lnTo>
+                <a:lnTo>
+                  <a:pt x="204788" y="495300"/>
+                </a:lnTo>
+              </a:path>
+            </a:pathLst>
+          </a:custGeom>
+          <a:noFill/>
+          <a:ln w="28575">
+            <a:solidFill>
+              <a:schemeClr val="accent5">
+                <a:lumMod val="50000"/>
+              </a:schemeClr>
+            </a:solidFill>
+            <a:headEnd type="arrow" w="med" len="med"/>
+            <a:tailEnd type="none" w="med" len="med"/>
+          </a:ln>
+        </p:spPr>
+        <p:style>
+          <a:lnRef idx="2">
+            <a:schemeClr val="accent1">
+              <a:shade val="50000"/>
+            </a:schemeClr>
+          </a:lnRef>
+          <a:fillRef idx="1">
+            <a:schemeClr val="accent1"/>
+          </a:fillRef>
+          <a:effectRef idx="0">
+            <a:schemeClr val="accent1"/>
+          </a:effectRef>
+          <a:fontRef idx="minor">
+            <a:schemeClr val="lt1"/>
+          </a:fontRef>
+        </p:style>
+        <p:txBody>
+          <a:bodyPr rtlCol="0" anchor="ctr"/>
+          <a:lstStyle/>
+          <a:p>
+            <a:pPr algn="ctr"/>
+            <a:endParaRPr lang="ko-KR" altLang="en-US"/>
+          </a:p>
+        </p:txBody>
+      </p:sp>
+      <p:sp>
+        <p:nvSpPr>
+          <p:cNvPr id="152" name="자유형: 도형 151">
+            <a:extLst>
+              <a:ext uri="{FF2B5EF4-FFF2-40B4-BE49-F238E27FC236}">
+                <a16:creationId xmlns:a16="http://schemas.microsoft.com/office/drawing/2014/main" id="{64E4F8B2-842F-448C-8F9C-E291B86DC696}"/>
+              </a:ext>
+            </a:extLst>
+          </p:cNvPr>
+          <p:cNvSpPr/>
+          <p:nvPr/>
+        </p:nvSpPr>
+        <p:spPr>
+          <a:xfrm>
+            <a:off x="8738957" y="2166897"/>
+            <a:ext cx="154258" cy="771249"/>
+          </a:xfrm>
+          <a:custGeom>
+            <a:avLst/>
+            <a:gdLst>
+              <a:gd name="connsiteX0" fmla="*/ 0 w 204788"/>
+              <a:gd name="connsiteY0" fmla="*/ 0 h 495300"/>
+              <a:gd name="connsiteX1" fmla="*/ 204788 w 204788"/>
+              <a:gd name="connsiteY1" fmla="*/ 0 h 495300"/>
+              <a:gd name="connsiteX2" fmla="*/ 204788 w 204788"/>
+              <a:gd name="connsiteY2" fmla="*/ 495300 h 495300"/>
+            </a:gdLst>
+            <a:ahLst/>
+            <a:cxnLst>
+              <a:cxn ang="0">
+                <a:pos x="connsiteX0" y="connsiteY0"/>
+              </a:cxn>
+              <a:cxn ang="0">
+                <a:pos x="connsiteX1" y="connsiteY1"/>
+              </a:cxn>
+              <a:cxn ang="0">
+                <a:pos x="connsiteX2" y="connsiteY2"/>
+              </a:cxn>
+            </a:cxnLst>
+            <a:rect l="l" t="t" r="r" b="b"/>
+            <a:pathLst>
+              <a:path w="204788" h="495300">
+                <a:moveTo>
+                  <a:pt x="0" y="0"/>
+                </a:moveTo>
+                <a:lnTo>
+                  <a:pt x="204788" y="0"/>
+                </a:lnTo>
+                <a:lnTo>
+                  <a:pt x="204788" y="495300"/>
+                </a:lnTo>
+              </a:path>
+            </a:pathLst>
+          </a:custGeom>
+          <a:noFill/>
+          <a:ln w="28575">
+            <a:solidFill>
+              <a:schemeClr val="accent5">
+                <a:lumMod val="50000"/>
+              </a:schemeClr>
+            </a:solidFill>
+            <a:headEnd type="arrow" w="med" len="med"/>
+            <a:tailEnd type="none" w="med" len="med"/>
+          </a:ln>
+        </p:spPr>
+        <p:style>
+          <a:lnRef idx="2">
+            <a:schemeClr val="accent1">
+              <a:shade val="50000"/>
+            </a:schemeClr>
+          </a:lnRef>
+          <a:fillRef idx="1">
+            <a:schemeClr val="accent1"/>
+          </a:fillRef>
+          <a:effectRef idx="0">
+            <a:schemeClr val="accent1"/>
+          </a:effectRef>
+          <a:fontRef idx="minor">
+            <a:schemeClr val="lt1"/>
+          </a:fontRef>
+        </p:style>
+        <p:txBody>
+          <a:bodyPr rtlCol="0" anchor="ctr"/>
+          <a:lstStyle/>
+          <a:p>
+            <a:pPr algn="ctr"/>
+            <a:endParaRPr lang="ko-KR" altLang="en-US"/>
+          </a:p>
+        </p:txBody>
+      </p:sp>
+      <p:sp>
+        <p:nvSpPr>
+          <p:cNvPr id="155" name="자유형: 도형 154">
+            <a:extLst>
+              <a:ext uri="{FF2B5EF4-FFF2-40B4-BE49-F238E27FC236}">
+                <a16:creationId xmlns:a16="http://schemas.microsoft.com/office/drawing/2014/main" id="{5505429F-6DF5-4F2F-8141-114E294E4214}"/>
+              </a:ext>
+            </a:extLst>
+          </p:cNvPr>
+          <p:cNvSpPr/>
+          <p:nvPr/>
+        </p:nvSpPr>
+        <p:spPr>
+          <a:xfrm>
+            <a:off x="7266255" y="2166897"/>
+            <a:ext cx="154258" cy="771249"/>
+          </a:xfrm>
+          <a:custGeom>
+            <a:avLst/>
+            <a:gdLst>
+              <a:gd name="connsiteX0" fmla="*/ 0 w 204788"/>
+              <a:gd name="connsiteY0" fmla="*/ 0 h 495300"/>
+              <a:gd name="connsiteX1" fmla="*/ 204788 w 204788"/>
+              <a:gd name="connsiteY1" fmla="*/ 0 h 495300"/>
+              <a:gd name="connsiteX2" fmla="*/ 204788 w 204788"/>
+              <a:gd name="connsiteY2" fmla="*/ 495300 h 495300"/>
+            </a:gdLst>
+            <a:ahLst/>
+            <a:cxnLst>
+              <a:cxn ang="0">
+                <a:pos x="connsiteX0" y="connsiteY0"/>
+              </a:cxn>
+              <a:cxn ang="0">
+                <a:pos x="connsiteX1" y="connsiteY1"/>
+              </a:cxn>
+              <a:cxn ang="0">
+                <a:pos x="connsiteX2" y="connsiteY2"/>
+              </a:cxn>
+            </a:cxnLst>
+            <a:rect l="l" t="t" r="r" b="b"/>
+            <a:pathLst>
+              <a:path w="204788" h="495300">
+                <a:moveTo>
+                  <a:pt x="0" y="0"/>
+                </a:moveTo>
+                <a:lnTo>
+                  <a:pt x="204788" y="0"/>
+                </a:lnTo>
+                <a:lnTo>
+                  <a:pt x="204788" y="495300"/>
+                </a:lnTo>
+              </a:path>
+            </a:pathLst>
+          </a:custGeom>
+          <a:noFill/>
+          <a:ln w="28575">
+            <a:solidFill>
+              <a:schemeClr val="accent5">
+                <a:lumMod val="50000"/>
+              </a:schemeClr>
+            </a:solidFill>
+            <a:headEnd type="arrow" w="med" len="med"/>
+            <a:tailEnd type="none" w="med" len="med"/>
+          </a:ln>
+        </p:spPr>
+        <p:style>
+          <a:lnRef idx="2">
+            <a:schemeClr val="accent1">
+              <a:shade val="50000"/>
+            </a:schemeClr>
+          </a:lnRef>
+          <a:fillRef idx="1">
+            <a:schemeClr val="accent1"/>
+          </a:fillRef>
+          <a:effectRef idx="0">
+            <a:schemeClr val="accent1"/>
+          </a:effectRef>
+          <a:fontRef idx="minor">
+            <a:schemeClr val="lt1"/>
+          </a:fontRef>
+        </p:style>
+        <p:txBody>
+          <a:bodyPr rtlCol="0" anchor="ctr"/>
+          <a:lstStyle/>
+          <a:p>
+            <a:pPr algn="ctr"/>
+            <a:endParaRPr lang="ko-KR" altLang="en-US"/>
+          </a:p>
+        </p:txBody>
+      </p:sp>
+      <p:sp>
+        <p:nvSpPr>
+          <p:cNvPr id="156" name="자유형: 도형 155">
+            <a:extLst>
+              <a:ext uri="{FF2B5EF4-FFF2-40B4-BE49-F238E27FC236}">
+                <a16:creationId xmlns:a16="http://schemas.microsoft.com/office/drawing/2014/main" id="{E20E4952-E0B2-48A9-A890-7BDC17CC80EE}"/>
+              </a:ext>
+            </a:extLst>
+          </p:cNvPr>
+          <p:cNvSpPr/>
+          <p:nvPr/>
+        </p:nvSpPr>
+        <p:spPr>
+          <a:xfrm>
+            <a:off x="4082085" y="2166897"/>
+            <a:ext cx="154258" cy="771249"/>
+          </a:xfrm>
+          <a:custGeom>
+            <a:avLst/>
+            <a:gdLst>
+              <a:gd name="connsiteX0" fmla="*/ 0 w 204788"/>
+              <a:gd name="connsiteY0" fmla="*/ 0 h 495300"/>
+              <a:gd name="connsiteX1" fmla="*/ 204788 w 204788"/>
+              <a:gd name="connsiteY1" fmla="*/ 0 h 495300"/>
+              <a:gd name="connsiteX2" fmla="*/ 204788 w 204788"/>
+              <a:gd name="connsiteY2" fmla="*/ 495300 h 495300"/>
+            </a:gdLst>
+            <a:ahLst/>
+            <a:cxnLst>
+              <a:cxn ang="0">
+                <a:pos x="connsiteX0" y="connsiteY0"/>
+              </a:cxn>
+              <a:cxn ang="0">
+                <a:pos x="connsiteX1" y="connsiteY1"/>
+              </a:cxn>
+              <a:cxn ang="0">
+                <a:pos x="connsiteX2" y="connsiteY2"/>
+              </a:cxn>
+            </a:cxnLst>
+            <a:rect l="l" t="t" r="r" b="b"/>
+            <a:pathLst>
+              <a:path w="204788" h="495300">
+                <a:moveTo>
+                  <a:pt x="0" y="0"/>
+                </a:moveTo>
+                <a:lnTo>
+                  <a:pt x="204788" y="0"/>
+                </a:lnTo>
+                <a:lnTo>
+                  <a:pt x="204788" y="495300"/>
+                </a:lnTo>
+              </a:path>
+            </a:pathLst>
+          </a:custGeom>
+          <a:noFill/>
+          <a:ln w="28575">
+            <a:solidFill>
+              <a:schemeClr val="accent5">
+                <a:lumMod val="50000"/>
+              </a:schemeClr>
+            </a:solidFill>
+            <a:headEnd type="arrow" w="med" len="med"/>
+            <a:tailEnd type="none" w="med" len="med"/>
+          </a:ln>
+        </p:spPr>
+        <p:style>
+          <a:lnRef idx="2">
+            <a:schemeClr val="accent1">
+              <a:shade val="50000"/>
+            </a:schemeClr>
+          </a:lnRef>
+          <a:fillRef idx="1">
+            <a:schemeClr val="accent1"/>
+          </a:fillRef>
+          <a:effectRef idx="0">
+            <a:schemeClr val="accent1"/>
+          </a:effectRef>
+          <a:fontRef idx="minor">
+            <a:schemeClr val="lt1"/>
+          </a:fontRef>
+        </p:style>
+        <p:txBody>
+          <a:bodyPr rtlCol="0" anchor="ctr"/>
+          <a:lstStyle/>
+          <a:p>
+            <a:pPr algn="ctr"/>
+            <a:endParaRPr lang="ko-KR" altLang="en-US"/>
+          </a:p>
+        </p:txBody>
+      </p:sp>
+      <p:sp>
+        <p:nvSpPr>
+          <p:cNvPr id="158" name="TextBox 157">
+            <a:extLst>
+              <a:ext uri="{FF2B5EF4-FFF2-40B4-BE49-F238E27FC236}">
+                <a16:creationId xmlns:a16="http://schemas.microsoft.com/office/drawing/2014/main" id="{258386D0-E681-434C-923B-314708AFFB77}"/>
+              </a:ext>
+            </a:extLst>
+          </p:cNvPr>
+          <p:cNvSpPr txBox="1"/>
+          <p:nvPr/>
+        </p:nvSpPr>
+        <p:spPr>
+          <a:xfrm>
+            <a:off x="395536" y="802465"/>
+            <a:ext cx="5526159" cy="261610"/>
+          </a:xfrm>
+          <a:prstGeom prst="rect">
+            <a:avLst/>
+          </a:prstGeom>
+          <a:noFill/>
+        </p:spPr>
+        <p:txBody>
+          <a:bodyPr wrap="square" rtlCol="0">
+            <a:spAutoFit/>
+          </a:bodyPr>
+          <a:lstStyle/>
+          <a:p>
+            <a:r>
+              <a:rPr lang="en-US" altLang="ko-KR" sz="1100" b="1"/>
+              <a:t>Service B - Service Port : 443 / NodePort : 32000 / External IP : 192.168.0.200</a:t>
+            </a:r>
+            <a:endParaRPr lang="ko-KR" altLang="en-US" sz="1100" b="1"/>
+          </a:p>
+        </p:txBody>
+      </p:sp>
+      <p:sp>
+        <p:nvSpPr>
+          <p:cNvPr id="159" name="TextBox 158">
+            <a:extLst>
+              <a:ext uri="{FF2B5EF4-FFF2-40B4-BE49-F238E27FC236}">
+                <a16:creationId xmlns:a16="http://schemas.microsoft.com/office/drawing/2014/main" id="{64A58627-27DF-4FDC-BC0F-C9B80AE283C0}"/>
+              </a:ext>
+            </a:extLst>
+          </p:cNvPr>
+          <p:cNvSpPr txBox="1"/>
+          <p:nvPr/>
+        </p:nvSpPr>
+        <p:spPr>
+          <a:xfrm>
+            <a:off x="395536" y="439873"/>
+            <a:ext cx="5526159" cy="261610"/>
+          </a:xfrm>
+          <a:prstGeom prst="rect">
+            <a:avLst/>
+          </a:prstGeom>
+          <a:noFill/>
+        </p:spPr>
+        <p:txBody>
+          <a:bodyPr wrap="square" rtlCol="0">
+            <a:spAutoFit/>
+          </a:bodyPr>
+          <a:lstStyle/>
+          <a:p>
+            <a:r>
+              <a:rPr lang="en-US" altLang="ko-KR" sz="1100" b="1"/>
+              <a:t>Octavia Member Health</a:t>
+            </a:r>
+          </a:p>
+        </p:txBody>
+      </p:sp>
+      <p:cxnSp>
+        <p:nvCxnSpPr>
+          <p:cNvPr id="161" name="직선 화살표 연결선 160">
+            <a:extLst>
+              <a:ext uri="{FF2B5EF4-FFF2-40B4-BE49-F238E27FC236}">
+                <a16:creationId xmlns:a16="http://schemas.microsoft.com/office/drawing/2014/main" id="{823CB693-2A20-4E82-83BF-F620E443B710}"/>
+              </a:ext>
+            </a:extLst>
+          </p:cNvPr>
+          <p:cNvCxnSpPr>
+            <a:cxnSpLocks/>
+            <a:stCxn id="159" idx="1"/>
+          </p:cNvCxnSpPr>
+          <p:nvPr/>
+        </p:nvCxnSpPr>
+        <p:spPr>
+          <a:xfrm flipH="1" flipV="1">
+            <a:off x="137504" y="570342"/>
+            <a:ext cx="258032" cy="336"/>
+          </a:xfrm>
+          <a:prstGeom prst="straightConnector1">
+            <a:avLst/>
+          </a:prstGeom>
+          <a:ln w="28575">
+            <a:solidFill>
+              <a:schemeClr val="accent5">
+                <a:lumMod val="50000"/>
+              </a:schemeClr>
+            </a:solidFill>
+            <a:headEnd type="arrow" w="med" len="med"/>
+            <a:tailEnd type="none" w="med" len="med"/>
+          </a:ln>
+        </p:spPr>
+        <p:style>
+          <a:lnRef idx="1">
+            <a:schemeClr val="accent1"/>
+          </a:lnRef>
+          <a:fillRef idx="0">
+            <a:schemeClr val="accent1"/>
+          </a:fillRef>
+          <a:effectRef idx="0">
+            <a:schemeClr val="accent1"/>
+          </a:effectRef>
+          <a:fontRef idx="minor">
+            <a:schemeClr val="tx1"/>
+          </a:fontRef>
+        </p:style>
+      </p:cxnSp>
+      <p:sp>
+        <p:nvSpPr>
+          <p:cNvPr id="162" name="TextBox 161">
+            <a:extLst>
+              <a:ext uri="{FF2B5EF4-FFF2-40B4-BE49-F238E27FC236}">
+                <a16:creationId xmlns:a16="http://schemas.microsoft.com/office/drawing/2014/main" id="{58AC4D1D-B939-4588-9C3E-7F19913C2CB9}"/>
+              </a:ext>
+            </a:extLst>
+          </p:cNvPr>
+          <p:cNvSpPr txBox="1"/>
+          <p:nvPr/>
+        </p:nvSpPr>
+        <p:spPr>
+          <a:xfrm>
+            <a:off x="395536" y="261825"/>
+            <a:ext cx="5526159" cy="261610"/>
+          </a:xfrm>
+          <a:prstGeom prst="rect">
+            <a:avLst/>
+          </a:prstGeom>
+          <a:noFill/>
+        </p:spPr>
+        <p:txBody>
+          <a:bodyPr wrap="square" rtlCol="0">
+            <a:spAutoFit/>
+          </a:bodyPr>
+          <a:lstStyle/>
+          <a:p>
+            <a:r>
+              <a:rPr lang="en-US" altLang="ko-KR" sz="1100" b="1"/>
+              <a:t>HAProxy (LB VM) Health, Octavia Member Health</a:t>
+            </a:r>
+          </a:p>
+        </p:txBody>
+      </p:sp>
+      <p:cxnSp>
+        <p:nvCxnSpPr>
+          <p:cNvPr id="163" name="직선 화살표 연결선 162">
+            <a:extLst>
+              <a:ext uri="{FF2B5EF4-FFF2-40B4-BE49-F238E27FC236}">
+                <a16:creationId xmlns:a16="http://schemas.microsoft.com/office/drawing/2014/main" id="{42D55D90-FF89-4404-8E63-75C5E282D261}"/>
+              </a:ext>
+            </a:extLst>
+          </p:cNvPr>
+          <p:cNvCxnSpPr>
+            <a:cxnSpLocks/>
+            <a:stCxn id="162" idx="1"/>
+          </p:cNvCxnSpPr>
+          <p:nvPr/>
+        </p:nvCxnSpPr>
+        <p:spPr>
+          <a:xfrm flipH="1" flipV="1">
+            <a:off x="137505" y="392295"/>
+            <a:ext cx="258032" cy="335"/>
+          </a:xfrm>
+          <a:prstGeom prst="straightConnector1">
+            <a:avLst/>
+          </a:prstGeom>
+          <a:ln w="28575">
+            <a:solidFill>
+              <a:schemeClr val="accent4"/>
+            </a:solidFill>
+            <a:headEnd type="arrow" w="med" len="med"/>
+            <a:tailEnd type="none" w="med" len="med"/>
+          </a:ln>
+        </p:spPr>
+        <p:style>
+          <a:lnRef idx="1">
+            <a:schemeClr val="accent1"/>
+          </a:lnRef>
+          <a:fillRef idx="0">
+            <a:schemeClr val="accent1"/>
+          </a:fillRef>
+          <a:effectRef idx="0">
+            <a:schemeClr val="accent1"/>
+          </a:effectRef>
+          <a:fontRef idx="minor">
+            <a:schemeClr val="tx1"/>
+          </a:fontRef>
+        </p:style>
+      </p:cxnSp>
+      <p:sp>
+        <p:nvSpPr>
+          <p:cNvPr id="164" name="TextBox 163">
+            <a:extLst>
+              <a:ext uri="{FF2B5EF4-FFF2-40B4-BE49-F238E27FC236}">
+                <a16:creationId xmlns:a16="http://schemas.microsoft.com/office/drawing/2014/main" id="{DD5A43F8-0227-4905-B00A-5ED5FCE7DA0A}"/>
+              </a:ext>
+            </a:extLst>
+          </p:cNvPr>
+          <p:cNvSpPr txBox="1"/>
+          <p:nvPr/>
+        </p:nvSpPr>
+        <p:spPr>
+          <a:xfrm>
+            <a:off x="395537" y="77154"/>
+            <a:ext cx="936104" cy="261610"/>
+          </a:xfrm>
+          <a:prstGeom prst="rect">
+            <a:avLst/>
+          </a:prstGeom>
+          <a:noFill/>
+        </p:spPr>
+        <p:txBody>
+          <a:bodyPr wrap="square" rtlCol="0">
+            <a:spAutoFit/>
+          </a:bodyPr>
+          <a:lstStyle/>
+          <a:p>
+            <a:r>
+              <a:rPr lang="en-US" altLang="ko-KR" sz="1100" b="1"/>
+              <a:t>Request LB</a:t>
+            </a:r>
+          </a:p>
+        </p:txBody>
+      </p:sp>
+      <p:cxnSp>
+        <p:nvCxnSpPr>
+          <p:cNvPr id="165" name="직선 화살표 연결선 164">
+            <a:extLst>
+              <a:ext uri="{FF2B5EF4-FFF2-40B4-BE49-F238E27FC236}">
+                <a16:creationId xmlns:a16="http://schemas.microsoft.com/office/drawing/2014/main" id="{66607690-5D2D-468E-A5BD-42173AD64EE2}"/>
+              </a:ext>
+            </a:extLst>
+          </p:cNvPr>
+          <p:cNvCxnSpPr>
+            <a:cxnSpLocks/>
+            <a:stCxn id="164" idx="1"/>
+          </p:cNvCxnSpPr>
+          <p:nvPr/>
+        </p:nvCxnSpPr>
+        <p:spPr>
+          <a:xfrm flipH="1" flipV="1">
+            <a:off x="137505" y="207623"/>
+            <a:ext cx="258032" cy="336"/>
+          </a:xfrm>
+          <a:prstGeom prst="straightConnector1">
+            <a:avLst/>
+          </a:prstGeom>
+          <a:ln w="28575">
+            <a:solidFill>
+              <a:schemeClr val="tx1"/>
+            </a:solidFill>
+            <a:headEnd type="arrow" w="med" len="med"/>
+            <a:tailEnd type="none" w="med" len="med"/>
+          </a:ln>
+        </p:spPr>
+        <p:style>
+          <a:lnRef idx="1">
+            <a:schemeClr val="accent1"/>
+          </a:lnRef>
+          <a:fillRef idx="0">
+            <a:schemeClr val="accent1"/>
+          </a:fillRef>
+          <a:effectRef idx="0">
+            <a:schemeClr val="accent1"/>
+          </a:effectRef>
+          <a:fontRef idx="minor">
+            <a:schemeClr val="tx1"/>
+          </a:fontRef>
+        </p:style>
+      </p:cxnSp>
+      <p:sp>
+        <p:nvSpPr>
+          <p:cNvPr id="93" name="TextBox 92">
+            <a:extLst>
+              <a:ext uri="{FF2B5EF4-FFF2-40B4-BE49-F238E27FC236}">
+                <a16:creationId xmlns:a16="http://schemas.microsoft.com/office/drawing/2014/main" id="{B47B6F5B-53F9-423D-B492-7EE2D5922437}"/>
+              </a:ext>
+            </a:extLst>
+          </p:cNvPr>
+          <p:cNvSpPr txBox="1"/>
+          <p:nvPr/>
+        </p:nvSpPr>
+        <p:spPr>
+          <a:xfrm>
+            <a:off x="1589673" y="77154"/>
+            <a:ext cx="1280396" cy="261610"/>
+          </a:xfrm>
+          <a:prstGeom prst="rect">
+            <a:avLst/>
+          </a:prstGeom>
+          <a:noFill/>
+        </p:spPr>
+        <p:txBody>
+          <a:bodyPr wrap="square" rtlCol="0">
+            <a:spAutoFit/>
+          </a:bodyPr>
+          <a:lstStyle/>
+          <a:p>
+            <a:r>
+              <a:rPr lang="en-US" altLang="ko-KR" sz="1100" b="1"/>
+              <a:t>HAProxy Config</a:t>
+            </a:r>
+          </a:p>
+        </p:txBody>
+      </p:sp>
+      <p:cxnSp>
+        <p:nvCxnSpPr>
+          <p:cNvPr id="94" name="직선 화살표 연결선 93">
+            <a:extLst>
+              <a:ext uri="{FF2B5EF4-FFF2-40B4-BE49-F238E27FC236}">
+                <a16:creationId xmlns:a16="http://schemas.microsoft.com/office/drawing/2014/main" id="{16016B57-0ACE-43BE-9314-61930ADA6A86}"/>
+              </a:ext>
+            </a:extLst>
+          </p:cNvPr>
+          <p:cNvCxnSpPr>
+            <a:cxnSpLocks/>
+            <a:stCxn id="93" idx="1"/>
+          </p:cNvCxnSpPr>
+          <p:nvPr/>
+        </p:nvCxnSpPr>
+        <p:spPr>
+          <a:xfrm flipH="1" flipV="1">
+            <a:off x="1331641" y="207625"/>
+            <a:ext cx="258032" cy="334"/>
+          </a:xfrm>
+          <a:prstGeom prst="straightConnector1">
+            <a:avLst/>
+          </a:prstGeom>
+          <a:ln w="28575">
+            <a:solidFill>
+              <a:schemeClr val="accent4">
+                <a:lumMod val="60000"/>
+                <a:lumOff val="40000"/>
+              </a:schemeClr>
+            </a:solidFill>
+            <a:headEnd type="arrow" w="med" len="med"/>
+            <a:tailEnd type="none" w="med" len="med"/>
+          </a:ln>
+        </p:spPr>
+        <p:style>
+          <a:lnRef idx="1">
+            <a:schemeClr val="accent1"/>
+          </a:lnRef>
+          <a:fillRef idx="0">
+            <a:schemeClr val="accent1"/>
+          </a:fillRef>
+          <a:effectRef idx="0">
+            <a:schemeClr val="accent1"/>
+          </a:effectRef>
+          <a:fontRef idx="minor">
+            <a:schemeClr val="tx1"/>
+          </a:fontRef>
+        </p:style>
+      </p:cxnSp>
+      <p:cxnSp>
+        <p:nvCxnSpPr>
+          <p:cNvPr id="117" name="직선 화살표 연결선 116">
+            <a:extLst>
+              <a:ext uri="{FF2B5EF4-FFF2-40B4-BE49-F238E27FC236}">
+                <a16:creationId xmlns:a16="http://schemas.microsoft.com/office/drawing/2014/main" id="{F86C8A18-92DB-42A5-A92B-2878A1C3FF9B}"/>
+              </a:ext>
+            </a:extLst>
+          </p:cNvPr>
+          <p:cNvCxnSpPr>
+            <a:cxnSpLocks/>
+          </p:cNvCxnSpPr>
+          <p:nvPr/>
+        </p:nvCxnSpPr>
+        <p:spPr>
+          <a:xfrm flipV="1">
+            <a:off x="2486437" y="1816485"/>
+            <a:ext cx="6190838" cy="12961"/>
+          </a:xfrm>
+          <a:prstGeom prst="straightConnector1">
+            <a:avLst/>
+          </a:prstGeom>
+          <a:ln w="28575">
+            <a:solidFill>
+              <a:schemeClr val="accent4">
+                <a:lumMod val="60000"/>
+                <a:lumOff val="40000"/>
+              </a:schemeClr>
+            </a:solidFill>
+            <a:prstDash val="solid"/>
+            <a:headEnd type="none" w="med" len="med"/>
+            <a:tailEnd type="none" w="med" len="med"/>
+          </a:ln>
+        </p:spPr>
+        <p:style>
+          <a:lnRef idx="1">
+            <a:schemeClr val="accent1"/>
+          </a:lnRef>
+          <a:fillRef idx="0">
+            <a:schemeClr val="accent1"/>
+          </a:fillRef>
+          <a:effectRef idx="0">
+            <a:schemeClr val="accent1"/>
+          </a:effectRef>
+          <a:fontRef idx="minor">
+            <a:schemeClr val="tx1"/>
+          </a:fontRef>
+        </p:style>
+      </p:cxnSp>
+      <p:cxnSp>
+        <p:nvCxnSpPr>
+          <p:cNvPr id="129" name="직선 화살표 연결선 128">
+            <a:extLst>
+              <a:ext uri="{FF2B5EF4-FFF2-40B4-BE49-F238E27FC236}">
+                <a16:creationId xmlns:a16="http://schemas.microsoft.com/office/drawing/2014/main" id="{5BB829A0-19A4-4CD4-A5BF-D737FA1FDF24}"/>
+              </a:ext>
+            </a:extLst>
+          </p:cNvPr>
+          <p:cNvCxnSpPr>
+            <a:cxnSpLocks/>
+          </p:cNvCxnSpPr>
+          <p:nvPr/>
+        </p:nvCxnSpPr>
+        <p:spPr>
+          <a:xfrm flipV="1">
+            <a:off x="3995936" y="1829445"/>
+            <a:ext cx="0" cy="233521"/>
+          </a:xfrm>
+          <a:prstGeom prst="straightConnector1">
+            <a:avLst/>
+          </a:prstGeom>
+          <a:ln w="28575">
+            <a:solidFill>
+              <a:schemeClr val="accent4">
+                <a:lumMod val="60000"/>
+                <a:lumOff val="40000"/>
+              </a:schemeClr>
+            </a:solidFill>
+            <a:prstDash val="solid"/>
+            <a:headEnd type="arrow" w="med" len="med"/>
+            <a:tailEnd type="none" w="med" len="med"/>
+          </a:ln>
+        </p:spPr>
+        <p:style>
+          <a:lnRef idx="1">
+            <a:schemeClr val="accent1"/>
+          </a:lnRef>
+          <a:fillRef idx="0">
+            <a:schemeClr val="accent1"/>
+          </a:fillRef>
+          <a:effectRef idx="0">
+            <a:schemeClr val="accent1"/>
+          </a:effectRef>
+          <a:fontRef idx="minor">
+            <a:schemeClr val="tx1"/>
+          </a:fontRef>
+        </p:style>
+      </p:cxnSp>
+      <p:cxnSp>
+        <p:nvCxnSpPr>
+          <p:cNvPr id="130" name="직선 화살표 연결선 129">
+            <a:extLst>
+              <a:ext uri="{FF2B5EF4-FFF2-40B4-BE49-F238E27FC236}">
+                <a16:creationId xmlns:a16="http://schemas.microsoft.com/office/drawing/2014/main" id="{2A248476-0AAD-4B51-B9AE-F5FFB823D3D7}"/>
+              </a:ext>
+            </a:extLst>
+          </p:cNvPr>
+          <p:cNvCxnSpPr>
+            <a:cxnSpLocks/>
+          </p:cNvCxnSpPr>
+          <p:nvPr/>
+        </p:nvCxnSpPr>
+        <p:spPr>
+          <a:xfrm flipV="1">
+            <a:off x="5508104" y="1829445"/>
+            <a:ext cx="0" cy="233521"/>
+          </a:xfrm>
+          <a:prstGeom prst="straightConnector1">
+            <a:avLst/>
+          </a:prstGeom>
+          <a:ln w="28575">
+            <a:solidFill>
+              <a:schemeClr val="accent4">
+                <a:lumMod val="60000"/>
+                <a:lumOff val="40000"/>
+              </a:schemeClr>
+            </a:solidFill>
+            <a:prstDash val="solid"/>
+            <a:headEnd type="arrow" w="med" len="med"/>
+            <a:tailEnd type="none" w="med" len="med"/>
+          </a:ln>
+        </p:spPr>
+        <p:style>
+          <a:lnRef idx="1">
+            <a:schemeClr val="accent1"/>
+          </a:lnRef>
+          <a:fillRef idx="0">
+            <a:schemeClr val="accent1"/>
+          </a:fillRef>
+          <a:effectRef idx="0">
+            <a:schemeClr val="accent1"/>
+          </a:effectRef>
+          <a:fontRef idx="minor">
+            <a:schemeClr val="tx1"/>
+          </a:fontRef>
+        </p:style>
+      </p:cxnSp>
+      <p:cxnSp>
+        <p:nvCxnSpPr>
+          <p:cNvPr id="132" name="직선 화살표 연결선 131">
+            <a:extLst>
+              <a:ext uri="{FF2B5EF4-FFF2-40B4-BE49-F238E27FC236}">
+                <a16:creationId xmlns:a16="http://schemas.microsoft.com/office/drawing/2014/main" id="{67BFB328-D722-4AAA-AFA3-50DE6A2C2F57}"/>
+              </a:ext>
+            </a:extLst>
+          </p:cNvPr>
+          <p:cNvCxnSpPr>
+            <a:cxnSpLocks/>
+          </p:cNvCxnSpPr>
+          <p:nvPr/>
+        </p:nvCxnSpPr>
+        <p:spPr>
+          <a:xfrm flipV="1">
+            <a:off x="7209904" y="1829445"/>
+            <a:ext cx="0" cy="233521"/>
+          </a:xfrm>
+          <a:prstGeom prst="straightConnector1">
+            <a:avLst/>
+          </a:prstGeom>
+          <a:ln w="28575">
+            <a:solidFill>
+              <a:schemeClr val="accent4">
+                <a:lumMod val="60000"/>
+                <a:lumOff val="40000"/>
+              </a:schemeClr>
+            </a:solidFill>
+            <a:prstDash val="solid"/>
+            <a:headEnd type="arrow" w="med" len="med"/>
+            <a:tailEnd type="none" w="med" len="med"/>
+          </a:ln>
+        </p:spPr>
+        <p:style>
+          <a:lnRef idx="1">
+            <a:schemeClr val="accent1"/>
+          </a:lnRef>
+          <a:fillRef idx="0">
+            <a:schemeClr val="accent1"/>
+          </a:fillRef>
+          <a:effectRef idx="0">
+            <a:schemeClr val="accent1"/>
+          </a:effectRef>
+          <a:fontRef idx="minor">
+            <a:schemeClr val="tx1"/>
+          </a:fontRef>
+        </p:style>
+      </p:cxnSp>
+      <p:cxnSp>
+        <p:nvCxnSpPr>
+          <p:cNvPr id="134" name="직선 화살표 연결선 133">
+            <a:extLst>
+              <a:ext uri="{FF2B5EF4-FFF2-40B4-BE49-F238E27FC236}">
+                <a16:creationId xmlns:a16="http://schemas.microsoft.com/office/drawing/2014/main" id="{B3ACF72A-FC96-4D6A-8E3C-4DEC429EB410}"/>
+              </a:ext>
+            </a:extLst>
+          </p:cNvPr>
+          <p:cNvCxnSpPr>
+            <a:cxnSpLocks/>
+          </p:cNvCxnSpPr>
+          <p:nvPr/>
+        </p:nvCxnSpPr>
+        <p:spPr>
+          <a:xfrm flipV="1">
+            <a:off x="8667229" y="1829445"/>
+            <a:ext cx="0" cy="233521"/>
+          </a:xfrm>
+          <a:prstGeom prst="straightConnector1">
+            <a:avLst/>
+          </a:prstGeom>
+          <a:ln w="28575">
+            <a:solidFill>
+              <a:schemeClr val="accent4">
+                <a:lumMod val="60000"/>
+                <a:lumOff val="40000"/>
+              </a:schemeClr>
+            </a:solidFill>
+            <a:prstDash val="solid"/>
+            <a:headEnd type="arrow" w="med" len="med"/>
+            <a:tailEnd type="none" w="med" len="med"/>
+          </a:ln>
+        </p:spPr>
+        <p:style>
+          <a:lnRef idx="1">
+            <a:schemeClr val="accent1"/>
+          </a:lnRef>
+          <a:fillRef idx="0">
+            <a:schemeClr val="accent1"/>
+          </a:fillRef>
+          <a:effectRef idx="0">
+            <a:schemeClr val="accent1"/>
+          </a:effectRef>
+          <a:fontRef idx="minor">
+            <a:schemeClr val="tx1"/>
+          </a:fontRef>
+        </p:style>
+      </p:cxnSp>
+    </p:spTree>
+    <p:extLst>
+      <p:ext uri="{BB962C8B-B14F-4D97-AF65-F5344CB8AC3E}">
+        <p14:creationId xmlns:p14="http://schemas.microsoft.com/office/powerpoint/2010/main" val="1063652891"/>
+      </p:ext>
+    </p:extLst>
+  </p:cSld>
+  <p:clrMapOvr>
+    <a:masterClrMapping/>
+  </p:clrMapOvr>
+</p:sld>
+</file>
+
+<file path=ppt/slides/slide2.xml><?xml version="1.0" encoding="utf-8"?>
 <p:sld xmlns:a="http://schemas.openxmlformats.org/drawingml/2006/main" xmlns:r="http://schemas.openxmlformats.org/officeDocument/2006/relationships" xmlns:p="http://schemas.openxmlformats.org/presentationml/2006/main">
   <p:cSld>
     <p:spTree>

--- a/images/theory_analysis/Kubernetes_OpenStack_Octavia/Kubernetes_OpenStack_Octavia.pptx
+++ b/images/theory_analysis/Kubernetes_OpenStack_Octavia/Kubernetes_OpenStack_Octavia.pptx
@@ -5,11 +5,13 @@
     <p:sldMasterId id="2147483648" r:id="rId1"/>
   </p:sldMasterIdLst>
   <p:notesMasterIdLst>
-    <p:notesMasterId r:id="rId4"/>
+    <p:notesMasterId r:id="rId6"/>
   </p:notesMasterIdLst>
   <p:sldIdLst>
     <p:sldId id="394" r:id="rId2"/>
-    <p:sldId id="393" r:id="rId3"/>
+    <p:sldId id="395" r:id="rId3"/>
+    <p:sldId id="396" r:id="rId4"/>
+    <p:sldId id="393" r:id="rId5"/>
   </p:sldIdLst>
   <p:sldSz cx="9144000" cy="5143500" type="screen16x9"/>
   <p:notesSz cx="6858000" cy="9144000"/>
@@ -214,7 +216,7 @@
           <a:p>
             <a:fld id="{6CD5550B-26C4-49A9-A5BA-636EF7BE6CE9}" type="datetimeFigureOut">
               <a:rPr lang="ko-KR" altLang="en-US" smtClean="0"/>
-              <a:t>2019-08-21</a:t>
+              <a:t>2019-10-13</a:t>
             </a:fld>
             <a:endParaRPr lang="ko-KR" altLang="en-US"/>
           </a:p>
@@ -639,6 +641,90 @@
     </p:spTree>
     <p:extLst>
       <p:ext uri="{BB962C8B-B14F-4D97-AF65-F5344CB8AC3E}">
+        <p14:creationId xmlns:p14="http://schemas.microsoft.com/office/powerpoint/2010/main" val="3418648585"/>
+      </p:ext>
+    </p:extLst>
+  </p:cSld>
+  <p:clrMapOvr>
+    <a:masterClrMapping/>
+  </p:clrMapOvr>
+</p:notes>
+</file>
+
+<file path=ppt/notesSlides/notesSlide3.xml><?xml version="1.0" encoding="utf-8"?>
+<p:notes xmlns:a="http://schemas.openxmlformats.org/drawingml/2006/main" xmlns:r="http://schemas.openxmlformats.org/officeDocument/2006/relationships" xmlns:p="http://schemas.openxmlformats.org/presentationml/2006/main">
+  <p:cSld>
+    <p:spTree>
+      <p:nvGrpSpPr>
+        <p:cNvPr id="1" name=""/>
+        <p:cNvGrpSpPr/>
+        <p:nvPr/>
+      </p:nvGrpSpPr>
+      <p:grpSpPr>
+        <a:xfrm>
+          <a:off x="0" y="0"/>
+          <a:ext cx="0" cy="0"/>
+          <a:chOff x="0" y="0"/>
+          <a:chExt cx="0" cy="0"/>
+        </a:xfrm>
+      </p:grpSpPr>
+      <p:sp>
+        <p:nvSpPr>
+          <p:cNvPr id="2" name="슬라이드 이미지 개체 틀 1"/>
+          <p:cNvSpPr>
+            <a:spLocks noGrp="1" noRot="1" noChangeAspect="1"/>
+          </p:cNvSpPr>
+          <p:nvPr>
+            <p:ph type="sldImg"/>
+          </p:nvPr>
+        </p:nvSpPr>
+        <p:spPr/>
+      </p:sp>
+      <p:sp>
+        <p:nvSpPr>
+          <p:cNvPr id="3" name="슬라이드 노트 개체 틀 2"/>
+          <p:cNvSpPr>
+            <a:spLocks noGrp="1"/>
+          </p:cNvSpPr>
+          <p:nvPr>
+            <p:ph type="body" idx="1"/>
+          </p:nvPr>
+        </p:nvSpPr>
+        <p:spPr/>
+        <p:txBody>
+          <a:bodyPr/>
+          <a:lstStyle/>
+          <a:p>
+            <a:endParaRPr lang="ko-KR" altLang="en-US" dirty="0"/>
+          </a:p>
+        </p:txBody>
+      </p:sp>
+      <p:sp>
+        <p:nvSpPr>
+          <p:cNvPr id="4" name="슬라이드 번호 개체 틀 3"/>
+          <p:cNvSpPr>
+            <a:spLocks noGrp="1"/>
+          </p:cNvSpPr>
+          <p:nvPr>
+            <p:ph type="sldNum" sz="quarter" idx="10"/>
+          </p:nvPr>
+        </p:nvSpPr>
+        <p:spPr/>
+        <p:txBody>
+          <a:bodyPr/>
+          <a:lstStyle/>
+          <a:p>
+            <a:fld id="{BA5DFA43-8D57-47FB-BC46-057616015C3B}" type="slidenum">
+              <a:rPr lang="ko-KR" altLang="en-US" smtClean="0"/>
+              <a:t>4</a:t>
+            </a:fld>
+            <a:endParaRPr lang="ko-KR" altLang="en-US"/>
+          </a:p>
+        </p:txBody>
+      </p:sp>
+    </p:spTree>
+    <p:extLst>
+      <p:ext uri="{BB962C8B-B14F-4D97-AF65-F5344CB8AC3E}">
         <p14:creationId xmlns:p14="http://schemas.microsoft.com/office/powerpoint/2010/main" val="2594285705"/>
       </p:ext>
     </p:extLst>
@@ -828,7 +914,7 @@
           <a:p>
             <a:fld id="{FB30EDBD-1C2D-4C1E-B459-B60219FAB484}" type="datetimeFigureOut">
               <a:rPr lang="ko-KR" altLang="en-US" smtClean="0"/>
-              <a:t>2019-08-21</a:t>
+              <a:t>2019-10-13</a:t>
             </a:fld>
             <a:endParaRPr lang="ko-KR" altLang="en-US"/>
           </a:p>
@@ -991,7 +1077,7 @@
           <a:p>
             <a:fld id="{FB30EDBD-1C2D-4C1E-B459-B60219FAB484}" type="datetimeFigureOut">
               <a:rPr lang="ko-KR" altLang="en-US" smtClean="0"/>
-              <a:t>2019-08-21</a:t>
+              <a:t>2019-10-13</a:t>
             </a:fld>
             <a:endParaRPr lang="ko-KR" altLang="en-US"/>
           </a:p>
@@ -1164,7 +1250,7 @@
           <a:p>
             <a:fld id="{FB30EDBD-1C2D-4C1E-B459-B60219FAB484}" type="datetimeFigureOut">
               <a:rPr lang="ko-KR" altLang="en-US" smtClean="0"/>
-              <a:t>2019-08-21</a:t>
+              <a:t>2019-10-13</a:t>
             </a:fld>
             <a:endParaRPr lang="ko-KR" altLang="en-US"/>
           </a:p>
@@ -1327,7 +1413,7 @@
           <a:p>
             <a:fld id="{FB30EDBD-1C2D-4C1E-B459-B60219FAB484}" type="datetimeFigureOut">
               <a:rPr lang="ko-KR" altLang="en-US" smtClean="0"/>
-              <a:t>2019-08-21</a:t>
+              <a:t>2019-10-13</a:t>
             </a:fld>
             <a:endParaRPr lang="ko-KR" altLang="en-US"/>
           </a:p>
@@ -1567,7 +1653,7 @@
           <a:p>
             <a:fld id="{FB30EDBD-1C2D-4C1E-B459-B60219FAB484}" type="datetimeFigureOut">
               <a:rPr lang="ko-KR" altLang="en-US" smtClean="0"/>
-              <a:t>2019-08-21</a:t>
+              <a:t>2019-10-13</a:t>
             </a:fld>
             <a:endParaRPr lang="ko-KR" altLang="en-US"/>
           </a:p>
@@ -1847,7 +1933,7 @@
           <a:p>
             <a:fld id="{FB30EDBD-1C2D-4C1E-B459-B60219FAB484}" type="datetimeFigureOut">
               <a:rPr lang="ko-KR" altLang="en-US" smtClean="0"/>
-              <a:t>2019-08-21</a:t>
+              <a:t>2019-10-13</a:t>
             </a:fld>
             <a:endParaRPr lang="ko-KR" altLang="en-US"/>
           </a:p>
@@ -2261,7 +2347,7 @@
           <a:p>
             <a:fld id="{FB30EDBD-1C2D-4C1E-B459-B60219FAB484}" type="datetimeFigureOut">
               <a:rPr lang="ko-KR" altLang="en-US" smtClean="0"/>
-              <a:t>2019-08-21</a:t>
+              <a:t>2019-10-13</a:t>
             </a:fld>
             <a:endParaRPr lang="ko-KR" altLang="en-US"/>
           </a:p>
@@ -2373,7 +2459,7 @@
           <a:p>
             <a:fld id="{FB30EDBD-1C2D-4C1E-B459-B60219FAB484}" type="datetimeFigureOut">
               <a:rPr lang="ko-KR" altLang="en-US" smtClean="0"/>
-              <a:t>2019-08-21</a:t>
+              <a:t>2019-10-13</a:t>
             </a:fld>
             <a:endParaRPr lang="ko-KR" altLang="en-US"/>
           </a:p>
@@ -2463,7 +2549,7 @@
           <a:p>
             <a:fld id="{FB30EDBD-1C2D-4C1E-B459-B60219FAB484}" type="datetimeFigureOut">
               <a:rPr lang="ko-KR" altLang="en-US" smtClean="0"/>
-              <a:t>2019-08-21</a:t>
+              <a:t>2019-10-13</a:t>
             </a:fld>
             <a:endParaRPr lang="ko-KR" altLang="en-US"/>
           </a:p>
@@ -2733,7 +2819,7 @@
           <a:p>
             <a:fld id="{FB30EDBD-1C2D-4C1E-B459-B60219FAB484}" type="datetimeFigureOut">
               <a:rPr lang="ko-KR" altLang="en-US" smtClean="0"/>
-              <a:t>2019-08-21</a:t>
+              <a:t>2019-10-13</a:t>
             </a:fld>
             <a:endParaRPr lang="ko-KR" altLang="en-US"/>
           </a:p>
@@ -2980,7 +3066,7 @@
           <a:p>
             <a:fld id="{FB30EDBD-1C2D-4C1E-B459-B60219FAB484}" type="datetimeFigureOut">
               <a:rPr lang="ko-KR" altLang="en-US" smtClean="0"/>
-              <a:t>2019-08-21</a:t>
+              <a:t>2019-10-13</a:t>
             </a:fld>
             <a:endParaRPr lang="ko-KR" altLang="en-US"/>
           </a:p>
@@ -3186,7 +3272,7 @@
           <a:p>
             <a:fld id="{FB30EDBD-1C2D-4C1E-B459-B60219FAB484}" type="datetimeFigureOut">
               <a:rPr lang="ko-KR" altLang="en-US" smtClean="0"/>
-              <a:t>2019-08-21</a:t>
+              <a:t>2019-10-13</a:t>
             </a:fld>
             <a:endParaRPr lang="ko-KR" altLang="en-US"/>
           </a:p>
@@ -8387,6 +8473,4869 @@
 </file>
 
 <file path=ppt/slides/slide2.xml><?xml version="1.0" encoding="utf-8"?>
+<p:sld xmlns:a="http://schemas.openxmlformats.org/drawingml/2006/main" xmlns:r="http://schemas.openxmlformats.org/officeDocument/2006/relationships" xmlns:p="http://schemas.openxmlformats.org/presentationml/2006/main">
+  <p:cSld>
+    <p:spTree>
+      <p:nvGrpSpPr>
+        <p:cNvPr id="1" name=""/>
+        <p:cNvGrpSpPr/>
+        <p:nvPr/>
+      </p:nvGrpSpPr>
+      <p:grpSpPr>
+        <a:xfrm>
+          <a:off x="0" y="0"/>
+          <a:ext cx="0" cy="0"/>
+          <a:chOff x="0" y="0"/>
+          <a:chExt cx="0" cy="0"/>
+        </a:xfrm>
+      </p:grpSpPr>
+      <p:sp>
+        <p:nvSpPr>
+          <p:cNvPr id="6" name="제목 1"/>
+          <p:cNvSpPr>
+            <a:spLocks noGrp="1"/>
+          </p:cNvSpPr>
+          <p:nvPr>
+            <p:ph type="title"/>
+          </p:nvPr>
+        </p:nvSpPr>
+        <p:spPr>
+          <a:xfrm>
+            <a:off x="457200" y="-812626"/>
+            <a:ext cx="8229600" cy="857250"/>
+          </a:xfrm>
+        </p:spPr>
+        <p:txBody>
+          <a:bodyPr>
+            <a:normAutofit/>
+          </a:bodyPr>
+          <a:lstStyle/>
+          <a:p>
+            <a:r>
+              <a:rPr lang="en-US" altLang="ko-KR"/>
+              <a:t>Environment</a:t>
+            </a:r>
+            <a:endParaRPr lang="ko-KR" altLang="en-US" dirty="0"/>
+          </a:p>
+        </p:txBody>
+      </p:sp>
+      <p:sp>
+        <p:nvSpPr>
+          <p:cNvPr id="45" name="모서리가 둥근 직사각형 13">
+            <a:extLst>
+              <a:ext uri="{FF2B5EF4-FFF2-40B4-BE49-F238E27FC236}">
+                <a16:creationId xmlns:a16="http://schemas.microsoft.com/office/drawing/2014/main" id="{210C5000-1377-4456-BA5A-F63E2F8B087D}"/>
+              </a:ext>
+            </a:extLst>
+          </p:cNvPr>
+          <p:cNvSpPr/>
+          <p:nvPr/>
+        </p:nvSpPr>
+        <p:spPr>
+          <a:xfrm>
+            <a:off x="995966" y="1251819"/>
+            <a:ext cx="1605622" cy="972092"/>
+          </a:xfrm>
+          <a:prstGeom prst="roundRect">
+            <a:avLst>
+              <a:gd name="adj" fmla="val 6281"/>
+            </a:avLst>
+          </a:prstGeom>
+          <a:noFill/>
+        </p:spPr>
+        <p:style>
+          <a:lnRef idx="2">
+            <a:schemeClr val="dk1"/>
+          </a:lnRef>
+          <a:fillRef idx="1">
+            <a:schemeClr val="lt1"/>
+          </a:fillRef>
+          <a:effectRef idx="0">
+            <a:schemeClr val="dk1"/>
+          </a:effectRef>
+          <a:fontRef idx="minor">
+            <a:schemeClr val="dk1"/>
+          </a:fontRef>
+        </p:style>
+        <p:txBody>
+          <a:bodyPr rtlCol="0" anchor="t"/>
+          <a:lstStyle/>
+          <a:p>
+            <a:pPr algn="ctr"/>
+            <a:r>
+              <a:rPr lang="en-US" altLang="ko-KR" sz="1200"/>
+              <a:t>OpenStack</a:t>
+            </a:r>
+          </a:p>
+          <a:p>
+            <a:pPr algn="ctr"/>
+            <a:r>
+              <a:rPr lang="en-US" altLang="ko-KR" sz="1200"/>
+              <a:t>Controller Node</a:t>
+            </a:r>
+          </a:p>
+        </p:txBody>
+      </p:sp>
+      <p:sp>
+        <p:nvSpPr>
+          <p:cNvPr id="52" name="모서리가 둥근 직사각형 18">
+            <a:extLst>
+              <a:ext uri="{FF2B5EF4-FFF2-40B4-BE49-F238E27FC236}">
+                <a16:creationId xmlns:a16="http://schemas.microsoft.com/office/drawing/2014/main" id="{F3F1B3F4-8EE2-4A76-8ED5-81E5821FF84D}"/>
+              </a:ext>
+            </a:extLst>
+          </p:cNvPr>
+          <p:cNvSpPr/>
+          <p:nvPr/>
+        </p:nvSpPr>
+        <p:spPr>
+          <a:xfrm>
+            <a:off x="1111118" y="1745972"/>
+            <a:ext cx="1375319" cy="388319"/>
+          </a:xfrm>
+          <a:prstGeom prst="roundRect">
+            <a:avLst>
+              <a:gd name="adj" fmla="val 11578"/>
+            </a:avLst>
+          </a:prstGeom>
+          <a:noFill/>
+        </p:spPr>
+        <p:style>
+          <a:lnRef idx="2">
+            <a:schemeClr val="dk1"/>
+          </a:lnRef>
+          <a:fillRef idx="1">
+            <a:schemeClr val="lt1"/>
+          </a:fillRef>
+          <a:effectRef idx="0">
+            <a:schemeClr val="dk1"/>
+          </a:effectRef>
+          <a:fontRef idx="minor">
+            <a:schemeClr val="dk1"/>
+          </a:fontRef>
+        </p:style>
+        <p:txBody>
+          <a:bodyPr rtlCol="0" anchor="ctr"/>
+          <a:lstStyle/>
+          <a:p>
+            <a:pPr algn="ctr"/>
+            <a:r>
+              <a:rPr lang="en-US" altLang="ko-KR" sz="1100" b="1"/>
+              <a:t>Octavia Service</a:t>
+            </a:r>
+            <a:endParaRPr lang="en-US" altLang="ko-KR" sz="1100" b="1" dirty="0"/>
+          </a:p>
+        </p:txBody>
+      </p:sp>
+      <p:sp>
+        <p:nvSpPr>
+          <p:cNvPr id="54" name="모서리가 둥근 직사각형 13">
+            <a:extLst>
+              <a:ext uri="{FF2B5EF4-FFF2-40B4-BE49-F238E27FC236}">
+                <a16:creationId xmlns:a16="http://schemas.microsoft.com/office/drawing/2014/main" id="{31C72FB5-D72F-4EC2-86F0-27BA759406F6}"/>
+              </a:ext>
+            </a:extLst>
+          </p:cNvPr>
+          <p:cNvSpPr/>
+          <p:nvPr/>
+        </p:nvSpPr>
+        <p:spPr>
+          <a:xfrm>
+            <a:off x="996416" y="3131477"/>
+            <a:ext cx="1605622" cy="1710075"/>
+          </a:xfrm>
+          <a:prstGeom prst="roundRect">
+            <a:avLst>
+              <a:gd name="adj" fmla="val 4140"/>
+            </a:avLst>
+          </a:prstGeom>
+          <a:noFill/>
+        </p:spPr>
+        <p:style>
+          <a:lnRef idx="2">
+            <a:schemeClr val="dk1"/>
+          </a:lnRef>
+          <a:fillRef idx="1">
+            <a:schemeClr val="lt1"/>
+          </a:fillRef>
+          <a:effectRef idx="0">
+            <a:schemeClr val="dk1"/>
+          </a:effectRef>
+          <a:fontRef idx="minor">
+            <a:schemeClr val="dk1"/>
+          </a:fontRef>
+        </p:style>
+        <p:txBody>
+          <a:bodyPr rtlCol="0" anchor="t"/>
+          <a:lstStyle/>
+          <a:p>
+            <a:pPr algn="ctr"/>
+            <a:r>
+              <a:rPr lang="en-US" altLang="ko-KR" sz="1200"/>
+              <a:t>OpenStack</a:t>
+            </a:r>
+          </a:p>
+          <a:p>
+            <a:pPr algn="ctr"/>
+            <a:r>
+              <a:rPr lang="en-US" altLang="ko-KR" sz="1200"/>
+              <a:t>Network Node</a:t>
+            </a:r>
+          </a:p>
+        </p:txBody>
+      </p:sp>
+      <p:sp>
+        <p:nvSpPr>
+          <p:cNvPr id="55" name="모서리가 둥근 직사각형 18">
+            <a:extLst>
+              <a:ext uri="{FF2B5EF4-FFF2-40B4-BE49-F238E27FC236}">
+                <a16:creationId xmlns:a16="http://schemas.microsoft.com/office/drawing/2014/main" id="{770426C7-3B6B-42D8-AE43-B677E531741D}"/>
+              </a:ext>
+            </a:extLst>
+          </p:cNvPr>
+          <p:cNvSpPr/>
+          <p:nvPr/>
+        </p:nvSpPr>
+        <p:spPr>
+          <a:xfrm>
+            <a:off x="1111567" y="3646459"/>
+            <a:ext cx="1375319" cy="1097953"/>
+          </a:xfrm>
+          <a:prstGeom prst="roundRect">
+            <a:avLst>
+              <a:gd name="adj" fmla="val 4208"/>
+            </a:avLst>
+          </a:prstGeom>
+          <a:noFill/>
+        </p:spPr>
+        <p:style>
+          <a:lnRef idx="2">
+            <a:schemeClr val="dk1"/>
+          </a:lnRef>
+          <a:fillRef idx="1">
+            <a:schemeClr val="lt1"/>
+          </a:fillRef>
+          <a:effectRef idx="0">
+            <a:schemeClr val="dk1"/>
+          </a:effectRef>
+          <a:fontRef idx="minor">
+            <a:schemeClr val="dk1"/>
+          </a:fontRef>
+        </p:style>
+        <p:txBody>
+          <a:bodyPr rtlCol="0" anchor="t"/>
+          <a:lstStyle/>
+          <a:p>
+            <a:pPr algn="ctr"/>
+            <a:r>
+              <a:rPr lang="en-US" altLang="ko-KR" sz="1100"/>
+              <a:t>Virtual Router</a:t>
+            </a:r>
+          </a:p>
+          <a:p>
+            <a:pPr algn="ctr"/>
+            <a:endParaRPr lang="en-US" altLang="ko-KR" sz="1100"/>
+          </a:p>
+          <a:p>
+            <a:pPr algn="just"/>
+            <a:r>
+              <a:rPr lang="en-US" altLang="ko-KR" sz="1100"/>
+              <a:t>192.168.0.100 </a:t>
+            </a:r>
+          </a:p>
+          <a:p>
+            <a:pPr algn="just"/>
+            <a:r>
+              <a:rPr lang="en-US" altLang="ko-KR" sz="1100">
+                <a:sym typeface="Wingdings" panose="05000000000000000000" pitchFamily="2" charset="2"/>
+              </a:rPr>
+              <a:t> 30.0.0.10</a:t>
+            </a:r>
+          </a:p>
+          <a:p>
+            <a:pPr algn="just"/>
+            <a:r>
+              <a:rPr lang="en-US" altLang="ko-KR" sz="1100">
+                <a:sym typeface="Wingdings" panose="05000000000000000000" pitchFamily="2" charset="2"/>
+              </a:rPr>
+              <a:t>192.168.0.200</a:t>
+            </a:r>
+          </a:p>
+          <a:p>
+            <a:pPr algn="just"/>
+            <a:r>
+              <a:rPr lang="en-US" altLang="ko-KR" sz="1100">
+                <a:sym typeface="Wingdings" panose="05000000000000000000" pitchFamily="2" charset="2"/>
+              </a:rPr>
+              <a:t> 30.0.0.20</a:t>
+            </a:r>
+            <a:endParaRPr lang="en-US" altLang="ko-KR" sz="1100" dirty="0"/>
+          </a:p>
+        </p:txBody>
+      </p:sp>
+      <p:sp>
+        <p:nvSpPr>
+          <p:cNvPr id="59" name="모서리가 둥근 직사각형 13">
+            <a:extLst>
+              <a:ext uri="{FF2B5EF4-FFF2-40B4-BE49-F238E27FC236}">
+                <a16:creationId xmlns:a16="http://schemas.microsoft.com/office/drawing/2014/main" id="{5B7A05C4-F75D-4B06-A30C-6239CE2A3D1D}"/>
+              </a:ext>
+            </a:extLst>
+          </p:cNvPr>
+          <p:cNvSpPr/>
+          <p:nvPr/>
+        </p:nvSpPr>
+        <p:spPr>
+          <a:xfrm>
+            <a:off x="2773208" y="1223322"/>
+            <a:ext cx="2984226" cy="3264593"/>
+          </a:xfrm>
+          <a:prstGeom prst="roundRect">
+            <a:avLst>
+              <a:gd name="adj" fmla="val 3761"/>
+            </a:avLst>
+          </a:prstGeom>
+          <a:noFill/>
+        </p:spPr>
+        <p:style>
+          <a:lnRef idx="2">
+            <a:schemeClr val="dk1"/>
+          </a:lnRef>
+          <a:fillRef idx="1">
+            <a:schemeClr val="lt1"/>
+          </a:fillRef>
+          <a:effectRef idx="0">
+            <a:schemeClr val="dk1"/>
+          </a:effectRef>
+          <a:fontRef idx="minor">
+            <a:schemeClr val="dk1"/>
+          </a:fontRef>
+        </p:style>
+        <p:txBody>
+          <a:bodyPr rtlCol="0" anchor="t"/>
+          <a:lstStyle/>
+          <a:p>
+            <a:pPr algn="ctr"/>
+            <a:r>
+              <a:rPr lang="en-US" altLang="ko-KR" sz="1200"/>
+              <a:t>OpenStack Compute Node</a:t>
+            </a:r>
+          </a:p>
+        </p:txBody>
+      </p:sp>
+      <p:sp>
+        <p:nvSpPr>
+          <p:cNvPr id="72" name="모서리가 둥근 직사각형 47">
+            <a:extLst>
+              <a:ext uri="{FF2B5EF4-FFF2-40B4-BE49-F238E27FC236}">
+                <a16:creationId xmlns:a16="http://schemas.microsoft.com/office/drawing/2014/main" id="{CF9CBD64-24D5-48B5-9044-CC2D8E40AA2E}"/>
+              </a:ext>
+            </a:extLst>
+          </p:cNvPr>
+          <p:cNvSpPr/>
+          <p:nvPr/>
+        </p:nvSpPr>
+        <p:spPr>
+          <a:xfrm>
+            <a:off x="5907384" y="4699022"/>
+            <a:ext cx="1611736" cy="393008"/>
+          </a:xfrm>
+          <a:prstGeom prst="roundRect">
+            <a:avLst>
+              <a:gd name="adj" fmla="val 11578"/>
+            </a:avLst>
+          </a:prstGeom>
+          <a:noFill/>
+          <a:ln>
+            <a:solidFill>
+              <a:schemeClr val="tx2"/>
+            </a:solidFill>
+          </a:ln>
+        </p:spPr>
+        <p:style>
+          <a:lnRef idx="2">
+            <a:schemeClr val="dk1"/>
+          </a:lnRef>
+          <a:fillRef idx="1">
+            <a:schemeClr val="lt1"/>
+          </a:fillRef>
+          <a:effectRef idx="0">
+            <a:schemeClr val="dk1"/>
+          </a:effectRef>
+          <a:fontRef idx="minor">
+            <a:schemeClr val="dk1"/>
+          </a:fontRef>
+        </p:style>
+        <p:txBody>
+          <a:bodyPr rtlCol="0" anchor="ctr"/>
+          <a:lstStyle/>
+          <a:p>
+            <a:pPr algn="ctr"/>
+            <a:r>
+              <a:rPr lang="en-US" altLang="ko-KR" sz="1100"/>
+              <a:t>K8s / Tenant Network</a:t>
+            </a:r>
+          </a:p>
+          <a:p>
+            <a:pPr algn="ctr"/>
+            <a:r>
+              <a:rPr lang="en-US" altLang="ko-KR" sz="1100"/>
+              <a:t>30.0.0.0/24</a:t>
+            </a:r>
+            <a:endParaRPr lang="en-US" altLang="ko-KR" sz="1100" dirty="0"/>
+          </a:p>
+        </p:txBody>
+      </p:sp>
+      <p:sp>
+        <p:nvSpPr>
+          <p:cNvPr id="73" name="모서리가 둥근 직사각형 47">
+            <a:extLst>
+              <a:ext uri="{FF2B5EF4-FFF2-40B4-BE49-F238E27FC236}">
+                <a16:creationId xmlns:a16="http://schemas.microsoft.com/office/drawing/2014/main" id="{3F1D792C-5DB4-42CA-844B-8A011B64D29B}"/>
+              </a:ext>
+            </a:extLst>
+          </p:cNvPr>
+          <p:cNvSpPr/>
+          <p:nvPr/>
+        </p:nvSpPr>
+        <p:spPr>
+          <a:xfrm>
+            <a:off x="5906385" y="632653"/>
+            <a:ext cx="1612736" cy="404137"/>
+          </a:xfrm>
+          <a:prstGeom prst="roundRect">
+            <a:avLst>
+              <a:gd name="adj" fmla="val 11578"/>
+            </a:avLst>
+          </a:prstGeom>
+          <a:noFill/>
+          <a:ln>
+            <a:solidFill>
+              <a:schemeClr val="accent3">
+                <a:lumMod val="50000"/>
+              </a:schemeClr>
+            </a:solidFill>
+          </a:ln>
+        </p:spPr>
+        <p:style>
+          <a:lnRef idx="2">
+            <a:schemeClr val="dk1"/>
+          </a:lnRef>
+          <a:fillRef idx="1">
+            <a:schemeClr val="lt1"/>
+          </a:fillRef>
+          <a:effectRef idx="0">
+            <a:schemeClr val="dk1"/>
+          </a:effectRef>
+          <a:fontRef idx="minor">
+            <a:schemeClr val="dk1"/>
+          </a:fontRef>
+        </p:style>
+        <p:txBody>
+          <a:bodyPr rtlCol="0" anchor="ctr"/>
+          <a:lstStyle/>
+          <a:p>
+            <a:pPr algn="ctr"/>
+            <a:r>
+              <a:rPr lang="en-US" altLang="ko-KR" sz="1100"/>
+              <a:t>Octavia / Provider Network</a:t>
+            </a:r>
+            <a:endParaRPr lang="en-US" altLang="ko-KR" sz="1100" dirty="0"/>
+          </a:p>
+        </p:txBody>
+      </p:sp>
+      <p:sp>
+        <p:nvSpPr>
+          <p:cNvPr id="74" name="모서리가 둥근 직사각형 47">
+            <a:extLst>
+              <a:ext uri="{FF2B5EF4-FFF2-40B4-BE49-F238E27FC236}">
+                <a16:creationId xmlns:a16="http://schemas.microsoft.com/office/drawing/2014/main" id="{B0B151DF-F60F-4678-968C-2389ECFC74E5}"/>
+              </a:ext>
+            </a:extLst>
+          </p:cNvPr>
+          <p:cNvSpPr/>
+          <p:nvPr/>
+        </p:nvSpPr>
+        <p:spPr>
+          <a:xfrm>
+            <a:off x="2870069" y="1558226"/>
+            <a:ext cx="1321349" cy="1354049"/>
+          </a:xfrm>
+          <a:prstGeom prst="roundRect">
+            <a:avLst>
+              <a:gd name="adj" fmla="val 7625"/>
+            </a:avLst>
+          </a:prstGeom>
+          <a:noFill/>
+        </p:spPr>
+        <p:style>
+          <a:lnRef idx="2">
+            <a:schemeClr val="dk1"/>
+          </a:lnRef>
+          <a:fillRef idx="1">
+            <a:schemeClr val="lt1"/>
+          </a:fillRef>
+          <a:effectRef idx="0">
+            <a:schemeClr val="dk1"/>
+          </a:effectRef>
+          <a:fontRef idx="minor">
+            <a:schemeClr val="dk1"/>
+          </a:fontRef>
+        </p:style>
+        <p:txBody>
+          <a:bodyPr rtlCol="0" anchor="t"/>
+          <a:lstStyle/>
+          <a:p>
+            <a:pPr algn="ctr"/>
+            <a:r>
+              <a:rPr lang="en-US" altLang="ko-KR" sz="1200" b="1"/>
+              <a:t>Service A LB VM (Active)</a:t>
+            </a:r>
+          </a:p>
+        </p:txBody>
+      </p:sp>
+      <p:sp>
+        <p:nvSpPr>
+          <p:cNvPr id="98" name="모서리가 둥근 직사각형 47">
+            <a:extLst>
+              <a:ext uri="{FF2B5EF4-FFF2-40B4-BE49-F238E27FC236}">
+                <a16:creationId xmlns:a16="http://schemas.microsoft.com/office/drawing/2014/main" id="{5147F989-153D-42C5-9CE0-159B402D03EC}"/>
+              </a:ext>
+            </a:extLst>
+          </p:cNvPr>
+          <p:cNvSpPr/>
+          <p:nvPr/>
+        </p:nvSpPr>
+        <p:spPr>
+          <a:xfrm>
+            <a:off x="2966933" y="3203829"/>
+            <a:ext cx="2691529" cy="1164956"/>
+          </a:xfrm>
+          <a:prstGeom prst="roundRect">
+            <a:avLst>
+              <a:gd name="adj" fmla="val 7625"/>
+            </a:avLst>
+          </a:prstGeom>
+          <a:noFill/>
+        </p:spPr>
+        <p:style>
+          <a:lnRef idx="2">
+            <a:schemeClr val="dk1"/>
+          </a:lnRef>
+          <a:fillRef idx="1">
+            <a:schemeClr val="lt1"/>
+          </a:fillRef>
+          <a:effectRef idx="0">
+            <a:schemeClr val="dk1"/>
+          </a:effectRef>
+          <a:fontRef idx="minor">
+            <a:schemeClr val="dk1"/>
+          </a:fontRef>
+        </p:style>
+        <p:txBody>
+          <a:bodyPr rtlCol="0" anchor="ctr"/>
+          <a:lstStyle/>
+          <a:p>
+            <a:pPr algn="ctr"/>
+            <a:r>
+              <a:rPr lang="en-US" altLang="ko-KR" sz="1200"/>
+              <a:t>K8s Slave VM</a:t>
+            </a:r>
+          </a:p>
+          <a:p>
+            <a:pPr algn="ctr"/>
+            <a:endParaRPr lang="en-US" altLang="ko-KR" sz="1200"/>
+          </a:p>
+          <a:p>
+            <a:pPr algn="ctr"/>
+            <a:endParaRPr lang="en-US" altLang="ko-KR" sz="1200"/>
+          </a:p>
+          <a:p>
+            <a:pPr algn="ctr"/>
+            <a:endParaRPr lang="en-US" altLang="ko-KR" sz="1200"/>
+          </a:p>
+          <a:p>
+            <a:pPr algn="ctr"/>
+            <a:endParaRPr lang="en-US" altLang="ko-KR" sz="1200"/>
+          </a:p>
+          <a:p>
+            <a:pPr algn="ctr"/>
+            <a:endParaRPr lang="en-US" altLang="ko-KR" sz="1200"/>
+          </a:p>
+        </p:txBody>
+      </p:sp>
+      <p:sp>
+        <p:nvSpPr>
+          <p:cNvPr id="101" name="모서리가 둥근 직사각형 47">
+            <a:extLst>
+              <a:ext uri="{FF2B5EF4-FFF2-40B4-BE49-F238E27FC236}">
+                <a16:creationId xmlns:a16="http://schemas.microsoft.com/office/drawing/2014/main" id="{FE42E197-B60B-431D-919F-ADCC3748D4F7}"/>
+              </a:ext>
+            </a:extLst>
+          </p:cNvPr>
+          <p:cNvSpPr/>
+          <p:nvPr/>
+        </p:nvSpPr>
+        <p:spPr>
+          <a:xfrm>
+            <a:off x="4337112" y="1558226"/>
+            <a:ext cx="1321349" cy="1354049"/>
+          </a:xfrm>
+          <a:prstGeom prst="roundRect">
+            <a:avLst>
+              <a:gd name="adj" fmla="val 7625"/>
+            </a:avLst>
+          </a:prstGeom>
+          <a:noFill/>
+        </p:spPr>
+        <p:style>
+          <a:lnRef idx="2">
+            <a:schemeClr val="dk1"/>
+          </a:lnRef>
+          <a:fillRef idx="1">
+            <a:schemeClr val="lt1"/>
+          </a:fillRef>
+          <a:effectRef idx="0">
+            <a:schemeClr val="dk1"/>
+          </a:effectRef>
+          <a:fontRef idx="minor">
+            <a:schemeClr val="dk1"/>
+          </a:fontRef>
+        </p:style>
+        <p:txBody>
+          <a:bodyPr rtlCol="0" anchor="t"/>
+          <a:lstStyle/>
+          <a:p>
+            <a:pPr algn="ctr"/>
+            <a:r>
+              <a:rPr lang="en-US" altLang="ko-KR" sz="1200" b="1"/>
+              <a:t>Service B LB VM (Standby)</a:t>
+            </a:r>
+          </a:p>
+          <a:p>
+            <a:pPr algn="ctr"/>
+            <a:endParaRPr lang="en-US" altLang="ko-KR" sz="1200" b="1"/>
+          </a:p>
+          <a:p>
+            <a:pPr algn="ctr"/>
+            <a:endParaRPr lang="en-US" altLang="ko-KR" sz="1200"/>
+          </a:p>
+        </p:txBody>
+      </p:sp>
+      <p:sp>
+        <p:nvSpPr>
+          <p:cNvPr id="102" name="모서리가 둥근 직사각형 13">
+            <a:extLst>
+              <a:ext uri="{FF2B5EF4-FFF2-40B4-BE49-F238E27FC236}">
+                <a16:creationId xmlns:a16="http://schemas.microsoft.com/office/drawing/2014/main" id="{6364AEFA-61DA-4435-B56C-0133B6B9700C}"/>
+              </a:ext>
+            </a:extLst>
+          </p:cNvPr>
+          <p:cNvSpPr/>
+          <p:nvPr/>
+        </p:nvSpPr>
+        <p:spPr>
+          <a:xfrm>
+            <a:off x="5955217" y="1223322"/>
+            <a:ext cx="2984226" cy="3264593"/>
+          </a:xfrm>
+          <a:prstGeom prst="roundRect">
+            <a:avLst>
+              <a:gd name="adj" fmla="val 3761"/>
+            </a:avLst>
+          </a:prstGeom>
+          <a:noFill/>
+        </p:spPr>
+        <p:style>
+          <a:lnRef idx="2">
+            <a:schemeClr val="dk1"/>
+          </a:lnRef>
+          <a:fillRef idx="1">
+            <a:schemeClr val="lt1"/>
+          </a:fillRef>
+          <a:effectRef idx="0">
+            <a:schemeClr val="dk1"/>
+          </a:effectRef>
+          <a:fontRef idx="minor">
+            <a:schemeClr val="dk1"/>
+          </a:fontRef>
+        </p:style>
+        <p:txBody>
+          <a:bodyPr rtlCol="0" anchor="t"/>
+          <a:lstStyle/>
+          <a:p>
+            <a:pPr algn="ctr"/>
+            <a:r>
+              <a:rPr lang="en-US" altLang="ko-KR" sz="1200"/>
+              <a:t>OpenStack Compute Node</a:t>
+            </a:r>
+          </a:p>
+        </p:txBody>
+      </p:sp>
+      <p:sp>
+        <p:nvSpPr>
+          <p:cNvPr id="103" name="모서리가 둥근 직사각형 47">
+            <a:extLst>
+              <a:ext uri="{FF2B5EF4-FFF2-40B4-BE49-F238E27FC236}">
+                <a16:creationId xmlns:a16="http://schemas.microsoft.com/office/drawing/2014/main" id="{09B01AA6-1F1F-4216-AAF2-D8D42FFBD7A0}"/>
+              </a:ext>
+            </a:extLst>
+          </p:cNvPr>
+          <p:cNvSpPr/>
+          <p:nvPr/>
+        </p:nvSpPr>
+        <p:spPr>
+          <a:xfrm>
+            <a:off x="6052079" y="3203829"/>
+            <a:ext cx="1321349" cy="1164956"/>
+          </a:xfrm>
+          <a:prstGeom prst="roundRect">
+            <a:avLst>
+              <a:gd name="adj" fmla="val 7625"/>
+            </a:avLst>
+          </a:prstGeom>
+          <a:noFill/>
+        </p:spPr>
+        <p:style>
+          <a:lnRef idx="2">
+            <a:schemeClr val="dk1"/>
+          </a:lnRef>
+          <a:fillRef idx="1">
+            <a:schemeClr val="lt1"/>
+          </a:fillRef>
+          <a:effectRef idx="0">
+            <a:schemeClr val="dk1"/>
+          </a:effectRef>
+          <a:fontRef idx="minor">
+            <a:schemeClr val="dk1"/>
+          </a:fontRef>
+        </p:style>
+        <p:txBody>
+          <a:bodyPr rtlCol="0" anchor="ctr"/>
+          <a:lstStyle/>
+          <a:p>
+            <a:pPr algn="ctr"/>
+            <a:r>
+              <a:rPr lang="en-US" altLang="ko-KR" sz="1200"/>
+              <a:t>K8s Slave VM</a:t>
+            </a:r>
+          </a:p>
+          <a:p>
+            <a:pPr algn="ctr"/>
+            <a:endParaRPr lang="en-US" altLang="ko-KR" sz="1200"/>
+          </a:p>
+          <a:p>
+            <a:pPr algn="just"/>
+            <a:r>
+              <a:rPr lang="en-US" altLang="ko-KR" sz="1200"/>
+              <a:t>Port 31000 </a:t>
+            </a:r>
+          </a:p>
+          <a:p>
+            <a:pPr marL="171450" indent="-171450" algn="just">
+              <a:buFont typeface="Wingdings" panose="05000000000000000000" pitchFamily="2" charset="2"/>
+              <a:buChar char="à"/>
+            </a:pPr>
+            <a:r>
+              <a:rPr lang="en-US" altLang="ko-KR" sz="1200">
+                <a:sym typeface="Wingdings" panose="05000000000000000000" pitchFamily="2" charset="2"/>
+              </a:rPr>
+              <a:t>Service A</a:t>
+            </a:r>
+          </a:p>
+          <a:p>
+            <a:pPr algn="just"/>
+            <a:r>
+              <a:rPr lang="en-US" altLang="ko-KR" sz="1200">
+                <a:sym typeface="Wingdings" panose="05000000000000000000" pitchFamily="2" charset="2"/>
+              </a:rPr>
+              <a:t>Port 32000</a:t>
+            </a:r>
+          </a:p>
+          <a:p>
+            <a:pPr algn="just"/>
+            <a:r>
+              <a:rPr lang="en-US" altLang="ko-KR" sz="1200">
+                <a:sym typeface="Wingdings" panose="05000000000000000000" pitchFamily="2" charset="2"/>
+              </a:rPr>
+              <a:t> Service B</a:t>
+            </a:r>
+          </a:p>
+        </p:txBody>
+      </p:sp>
+      <p:sp>
+        <p:nvSpPr>
+          <p:cNvPr id="104" name="모서리가 둥근 직사각형 47">
+            <a:extLst>
+              <a:ext uri="{FF2B5EF4-FFF2-40B4-BE49-F238E27FC236}">
+                <a16:creationId xmlns:a16="http://schemas.microsoft.com/office/drawing/2014/main" id="{2EA404A9-DEE0-4B88-BF54-58EC83A4097B}"/>
+              </a:ext>
+            </a:extLst>
+          </p:cNvPr>
+          <p:cNvSpPr/>
+          <p:nvPr/>
+        </p:nvSpPr>
+        <p:spPr>
+          <a:xfrm>
+            <a:off x="6052079" y="1558226"/>
+            <a:ext cx="1321349" cy="1354049"/>
+          </a:xfrm>
+          <a:prstGeom prst="roundRect">
+            <a:avLst>
+              <a:gd name="adj" fmla="val 7625"/>
+            </a:avLst>
+          </a:prstGeom>
+          <a:noFill/>
+        </p:spPr>
+        <p:style>
+          <a:lnRef idx="2">
+            <a:schemeClr val="dk1"/>
+          </a:lnRef>
+          <a:fillRef idx="1">
+            <a:schemeClr val="lt1"/>
+          </a:fillRef>
+          <a:effectRef idx="0">
+            <a:schemeClr val="dk1"/>
+          </a:effectRef>
+          <a:fontRef idx="minor">
+            <a:schemeClr val="dk1"/>
+          </a:fontRef>
+        </p:style>
+        <p:txBody>
+          <a:bodyPr rtlCol="0" anchor="t"/>
+          <a:lstStyle/>
+          <a:p>
+            <a:pPr algn="ctr"/>
+            <a:r>
+              <a:rPr lang="en-US" altLang="ko-KR" sz="1200" b="1"/>
+              <a:t>Service A LB VM (Standby)</a:t>
+            </a:r>
+          </a:p>
+        </p:txBody>
+      </p:sp>
+      <p:sp>
+        <p:nvSpPr>
+          <p:cNvPr id="106" name="모서리가 둥근 직사각형 47">
+            <a:extLst>
+              <a:ext uri="{FF2B5EF4-FFF2-40B4-BE49-F238E27FC236}">
+                <a16:creationId xmlns:a16="http://schemas.microsoft.com/office/drawing/2014/main" id="{3BD1FDE0-5D34-413D-A044-C90673357EB3}"/>
+              </a:ext>
+            </a:extLst>
+          </p:cNvPr>
+          <p:cNvSpPr/>
+          <p:nvPr/>
+        </p:nvSpPr>
+        <p:spPr>
+          <a:xfrm>
+            <a:off x="7519123" y="3203829"/>
+            <a:ext cx="1321349" cy="1164956"/>
+          </a:xfrm>
+          <a:prstGeom prst="roundRect">
+            <a:avLst>
+              <a:gd name="adj" fmla="val 7625"/>
+            </a:avLst>
+          </a:prstGeom>
+          <a:noFill/>
+        </p:spPr>
+        <p:style>
+          <a:lnRef idx="2">
+            <a:schemeClr val="dk1"/>
+          </a:lnRef>
+          <a:fillRef idx="1">
+            <a:schemeClr val="lt1"/>
+          </a:fillRef>
+          <a:effectRef idx="0">
+            <a:schemeClr val="dk1"/>
+          </a:effectRef>
+          <a:fontRef idx="minor">
+            <a:schemeClr val="dk1"/>
+          </a:fontRef>
+        </p:style>
+        <p:txBody>
+          <a:bodyPr rtlCol="0" anchor="ctr"/>
+          <a:lstStyle/>
+          <a:p>
+            <a:pPr algn="ctr"/>
+            <a:r>
+              <a:rPr lang="en-US" altLang="ko-KR" sz="1200"/>
+              <a:t>K8s Slave VM</a:t>
+            </a:r>
+          </a:p>
+          <a:p>
+            <a:pPr algn="ctr"/>
+            <a:endParaRPr lang="en-US" altLang="ko-KR" sz="1200"/>
+          </a:p>
+          <a:p>
+            <a:pPr algn="just"/>
+            <a:r>
+              <a:rPr lang="en-US" altLang="ko-KR" sz="1200"/>
+              <a:t>Port 31000 </a:t>
+            </a:r>
+          </a:p>
+          <a:p>
+            <a:pPr marL="171450" indent="-171450" algn="just">
+              <a:buFont typeface="Wingdings" panose="05000000000000000000" pitchFamily="2" charset="2"/>
+              <a:buChar char="à"/>
+            </a:pPr>
+            <a:r>
+              <a:rPr lang="en-US" altLang="ko-KR" sz="1200">
+                <a:sym typeface="Wingdings" panose="05000000000000000000" pitchFamily="2" charset="2"/>
+              </a:rPr>
+              <a:t>Service A</a:t>
+            </a:r>
+          </a:p>
+          <a:p>
+            <a:pPr algn="just"/>
+            <a:r>
+              <a:rPr lang="en-US" altLang="ko-KR" sz="1200">
+                <a:sym typeface="Wingdings" panose="05000000000000000000" pitchFamily="2" charset="2"/>
+              </a:rPr>
+              <a:t>Port 32000</a:t>
+            </a:r>
+          </a:p>
+          <a:p>
+            <a:pPr algn="just"/>
+            <a:r>
+              <a:rPr lang="en-US" altLang="ko-KR" sz="1200">
+                <a:sym typeface="Wingdings" panose="05000000000000000000" pitchFamily="2" charset="2"/>
+              </a:rPr>
+              <a:t> Service B</a:t>
+            </a:r>
+          </a:p>
+        </p:txBody>
+      </p:sp>
+      <p:sp>
+        <p:nvSpPr>
+          <p:cNvPr id="107" name="모서리가 둥근 직사각형 47">
+            <a:extLst>
+              <a:ext uri="{FF2B5EF4-FFF2-40B4-BE49-F238E27FC236}">
+                <a16:creationId xmlns:a16="http://schemas.microsoft.com/office/drawing/2014/main" id="{5F25847C-CBE0-4DCB-A486-E1BE3A7E10A9}"/>
+              </a:ext>
+            </a:extLst>
+          </p:cNvPr>
+          <p:cNvSpPr/>
+          <p:nvPr/>
+        </p:nvSpPr>
+        <p:spPr>
+          <a:xfrm>
+            <a:off x="7519122" y="1558226"/>
+            <a:ext cx="1321349" cy="1354049"/>
+          </a:xfrm>
+          <a:prstGeom prst="roundRect">
+            <a:avLst>
+              <a:gd name="adj" fmla="val 7625"/>
+            </a:avLst>
+          </a:prstGeom>
+          <a:noFill/>
+        </p:spPr>
+        <p:style>
+          <a:lnRef idx="2">
+            <a:schemeClr val="dk1"/>
+          </a:lnRef>
+          <a:fillRef idx="1">
+            <a:schemeClr val="lt1"/>
+          </a:fillRef>
+          <a:effectRef idx="0">
+            <a:schemeClr val="dk1"/>
+          </a:effectRef>
+          <a:fontRef idx="minor">
+            <a:schemeClr val="dk1"/>
+          </a:fontRef>
+        </p:style>
+        <p:txBody>
+          <a:bodyPr rtlCol="0" anchor="t"/>
+          <a:lstStyle/>
+          <a:p>
+            <a:pPr algn="ctr"/>
+            <a:r>
+              <a:rPr lang="en-US" altLang="ko-KR" sz="1200" b="1"/>
+              <a:t>Service B LB VM (Active)</a:t>
+            </a:r>
+            <a:endParaRPr lang="en-US" altLang="ko-KR" sz="1200"/>
+          </a:p>
+        </p:txBody>
+      </p:sp>
+      <p:cxnSp>
+        <p:nvCxnSpPr>
+          <p:cNvPr id="108" name="직선 연결선 107">
+            <a:extLst>
+              <a:ext uri="{FF2B5EF4-FFF2-40B4-BE49-F238E27FC236}">
+                <a16:creationId xmlns:a16="http://schemas.microsoft.com/office/drawing/2014/main" id="{822FA77F-B2B4-4FF3-93CA-81DCC208ED17}"/>
+              </a:ext>
+            </a:extLst>
+          </p:cNvPr>
+          <p:cNvCxnSpPr>
+            <a:cxnSpLocks/>
+          </p:cNvCxnSpPr>
+          <p:nvPr/>
+        </p:nvCxnSpPr>
+        <p:spPr>
+          <a:xfrm flipV="1">
+            <a:off x="2601588" y="4590120"/>
+            <a:ext cx="5578210" cy="1"/>
+          </a:xfrm>
+          <a:prstGeom prst="line">
+            <a:avLst/>
+          </a:prstGeom>
+          <a:ln w="28575">
+            <a:solidFill>
+              <a:schemeClr val="tx2"/>
+            </a:solidFill>
+          </a:ln>
+        </p:spPr>
+        <p:style>
+          <a:lnRef idx="1">
+            <a:schemeClr val="accent1"/>
+          </a:lnRef>
+          <a:fillRef idx="0">
+            <a:schemeClr val="accent1"/>
+          </a:fillRef>
+          <a:effectRef idx="0">
+            <a:schemeClr val="accent1"/>
+          </a:effectRef>
+          <a:fontRef idx="minor">
+            <a:schemeClr val="tx1"/>
+          </a:fontRef>
+        </p:style>
+      </p:cxnSp>
+      <p:cxnSp>
+        <p:nvCxnSpPr>
+          <p:cNvPr id="112" name="직선 연결선 111">
+            <a:extLst>
+              <a:ext uri="{FF2B5EF4-FFF2-40B4-BE49-F238E27FC236}">
+                <a16:creationId xmlns:a16="http://schemas.microsoft.com/office/drawing/2014/main" id="{28EA3E8B-F6BD-466C-8A4C-653CB96ECF05}"/>
+              </a:ext>
+            </a:extLst>
+          </p:cNvPr>
+          <p:cNvCxnSpPr>
+            <a:cxnSpLocks/>
+          </p:cNvCxnSpPr>
+          <p:nvPr/>
+        </p:nvCxnSpPr>
+        <p:spPr>
+          <a:xfrm>
+            <a:off x="3530744" y="4368785"/>
+            <a:ext cx="0" cy="221335"/>
+          </a:xfrm>
+          <a:prstGeom prst="line">
+            <a:avLst/>
+          </a:prstGeom>
+          <a:ln w="28575">
+            <a:solidFill>
+              <a:schemeClr val="tx2"/>
+            </a:solidFill>
+          </a:ln>
+        </p:spPr>
+        <p:style>
+          <a:lnRef idx="1">
+            <a:schemeClr val="accent1"/>
+          </a:lnRef>
+          <a:fillRef idx="0">
+            <a:schemeClr val="accent1"/>
+          </a:fillRef>
+          <a:effectRef idx="0">
+            <a:schemeClr val="accent1"/>
+          </a:effectRef>
+          <a:fontRef idx="minor">
+            <a:schemeClr val="tx1"/>
+          </a:fontRef>
+        </p:style>
+      </p:cxnSp>
+      <p:cxnSp>
+        <p:nvCxnSpPr>
+          <p:cNvPr id="113" name="직선 연결선 112">
+            <a:extLst>
+              <a:ext uri="{FF2B5EF4-FFF2-40B4-BE49-F238E27FC236}">
+                <a16:creationId xmlns:a16="http://schemas.microsoft.com/office/drawing/2014/main" id="{2CBEBE54-2761-4993-BC8A-D655AAFFC3A9}"/>
+              </a:ext>
+            </a:extLst>
+          </p:cNvPr>
+          <p:cNvCxnSpPr>
+            <a:cxnSpLocks/>
+            <a:stCxn id="98" idx="2"/>
+          </p:cNvCxnSpPr>
+          <p:nvPr/>
+        </p:nvCxnSpPr>
+        <p:spPr>
+          <a:xfrm>
+            <a:off x="4312698" y="4368785"/>
+            <a:ext cx="685090" cy="221335"/>
+          </a:xfrm>
+          <a:prstGeom prst="line">
+            <a:avLst/>
+          </a:prstGeom>
+          <a:ln w="28575">
+            <a:solidFill>
+              <a:schemeClr val="tx2"/>
+            </a:solidFill>
+          </a:ln>
+        </p:spPr>
+        <p:style>
+          <a:lnRef idx="1">
+            <a:schemeClr val="accent1"/>
+          </a:lnRef>
+          <a:fillRef idx="0">
+            <a:schemeClr val="accent1"/>
+          </a:fillRef>
+          <a:effectRef idx="0">
+            <a:schemeClr val="accent1"/>
+          </a:effectRef>
+          <a:fontRef idx="minor">
+            <a:schemeClr val="tx1"/>
+          </a:fontRef>
+        </p:style>
+      </p:cxnSp>
+      <p:cxnSp>
+        <p:nvCxnSpPr>
+          <p:cNvPr id="114" name="직선 연결선 113">
+            <a:extLst>
+              <a:ext uri="{FF2B5EF4-FFF2-40B4-BE49-F238E27FC236}">
+                <a16:creationId xmlns:a16="http://schemas.microsoft.com/office/drawing/2014/main" id="{115D509A-F5D1-4FA8-B7F4-70ECDEC532A7}"/>
+              </a:ext>
+            </a:extLst>
+          </p:cNvPr>
+          <p:cNvCxnSpPr>
+            <a:cxnSpLocks/>
+          </p:cNvCxnSpPr>
+          <p:nvPr/>
+        </p:nvCxnSpPr>
+        <p:spPr>
+          <a:xfrm>
+            <a:off x="4093741" y="2912275"/>
+            <a:ext cx="0" cy="1677845"/>
+          </a:xfrm>
+          <a:prstGeom prst="line">
+            <a:avLst/>
+          </a:prstGeom>
+          <a:ln w="28575">
+            <a:solidFill>
+              <a:schemeClr val="tx2"/>
+            </a:solidFill>
+          </a:ln>
+        </p:spPr>
+        <p:style>
+          <a:lnRef idx="1">
+            <a:schemeClr val="accent1"/>
+          </a:lnRef>
+          <a:fillRef idx="0">
+            <a:schemeClr val="accent1"/>
+          </a:fillRef>
+          <a:effectRef idx="0">
+            <a:schemeClr val="accent1"/>
+          </a:effectRef>
+          <a:fontRef idx="minor">
+            <a:schemeClr val="tx1"/>
+          </a:fontRef>
+        </p:style>
+      </p:cxnSp>
+      <p:sp>
+        <p:nvSpPr>
+          <p:cNvPr id="31" name="사각형: 둥근 모서리 30">
+            <a:extLst>
+              <a:ext uri="{FF2B5EF4-FFF2-40B4-BE49-F238E27FC236}">
+                <a16:creationId xmlns:a16="http://schemas.microsoft.com/office/drawing/2014/main" id="{EE4CF3C4-5BF2-4FE0-B2A9-2A7524480ABF}"/>
+              </a:ext>
+            </a:extLst>
+          </p:cNvPr>
+          <p:cNvSpPr/>
+          <p:nvPr/>
+        </p:nvSpPr>
+        <p:spPr>
+          <a:xfrm>
+            <a:off x="2914886" y="3139862"/>
+            <a:ext cx="5980089" cy="1276062"/>
+          </a:xfrm>
+          <a:prstGeom prst="roundRect">
+            <a:avLst>
+              <a:gd name="adj" fmla="val 7808"/>
+            </a:avLst>
+          </a:prstGeom>
+          <a:noFill/>
+          <a:ln w="28575">
+            <a:solidFill>
+              <a:schemeClr val="tx1"/>
+            </a:solidFill>
+            <a:prstDash val="dash"/>
+          </a:ln>
+        </p:spPr>
+        <p:style>
+          <a:lnRef idx="2">
+            <a:schemeClr val="accent1">
+              <a:shade val="50000"/>
+            </a:schemeClr>
+          </a:lnRef>
+          <a:fillRef idx="1">
+            <a:schemeClr val="accent1"/>
+          </a:fillRef>
+          <a:effectRef idx="0">
+            <a:schemeClr val="accent1"/>
+          </a:effectRef>
+          <a:fontRef idx="minor">
+            <a:schemeClr val="lt1"/>
+          </a:fontRef>
+        </p:style>
+        <p:txBody>
+          <a:bodyPr rtlCol="0" anchor="ctr"/>
+          <a:lstStyle/>
+          <a:p>
+            <a:pPr algn="ctr"/>
+            <a:endParaRPr lang="ko-KR" altLang="en-US"/>
+          </a:p>
+        </p:txBody>
+      </p:sp>
+      <p:sp>
+        <p:nvSpPr>
+          <p:cNvPr id="115" name="모서리가 둥근 직사각형 18">
+            <a:extLst>
+              <a:ext uri="{FF2B5EF4-FFF2-40B4-BE49-F238E27FC236}">
+                <a16:creationId xmlns:a16="http://schemas.microsoft.com/office/drawing/2014/main" id="{9A712BD7-8CC1-464D-9B07-EE0D0BF0A203}"/>
+              </a:ext>
+            </a:extLst>
+          </p:cNvPr>
+          <p:cNvSpPr/>
+          <p:nvPr/>
+        </p:nvSpPr>
+        <p:spPr>
+          <a:xfrm>
+            <a:off x="8074776" y="4533226"/>
+            <a:ext cx="1033728" cy="310655"/>
+          </a:xfrm>
+          <a:prstGeom prst="roundRect">
+            <a:avLst>
+              <a:gd name="adj" fmla="val 11578"/>
+            </a:avLst>
+          </a:prstGeom>
+          <a:noFill/>
+          <a:ln>
+            <a:noFill/>
+          </a:ln>
+        </p:spPr>
+        <p:style>
+          <a:lnRef idx="2">
+            <a:schemeClr val="dk1"/>
+          </a:lnRef>
+          <a:fillRef idx="1">
+            <a:schemeClr val="lt1"/>
+          </a:fillRef>
+          <a:effectRef idx="0">
+            <a:schemeClr val="dk1"/>
+          </a:effectRef>
+          <a:fontRef idx="minor">
+            <a:schemeClr val="dk1"/>
+          </a:fontRef>
+        </p:style>
+        <p:txBody>
+          <a:bodyPr rtlCol="0" anchor="ctr"/>
+          <a:lstStyle/>
+          <a:p>
+            <a:pPr algn="ctr"/>
+            <a:r>
+              <a:rPr lang="en-US" altLang="ko-KR" sz="1200" b="1">
+                <a:solidFill>
+                  <a:schemeClr val="tx1"/>
+                </a:solidFill>
+              </a:rPr>
+              <a:t>Octavia </a:t>
+            </a:r>
+          </a:p>
+          <a:p>
+            <a:pPr algn="ctr"/>
+            <a:r>
+              <a:rPr lang="en-US" altLang="ko-KR" sz="1200" b="1">
+                <a:solidFill>
+                  <a:schemeClr val="tx1"/>
+                </a:solidFill>
+              </a:rPr>
+              <a:t>Member</a:t>
+            </a:r>
+            <a:endParaRPr lang="en-US" altLang="ko-KR" sz="1200" b="1" dirty="0">
+              <a:solidFill>
+                <a:schemeClr val="tx1"/>
+              </a:solidFill>
+            </a:endParaRPr>
+          </a:p>
+        </p:txBody>
+      </p:sp>
+      <p:cxnSp>
+        <p:nvCxnSpPr>
+          <p:cNvPr id="116" name="직선 연결선 115">
+            <a:extLst>
+              <a:ext uri="{FF2B5EF4-FFF2-40B4-BE49-F238E27FC236}">
+                <a16:creationId xmlns:a16="http://schemas.microsoft.com/office/drawing/2014/main" id="{9306D56B-46FD-4720-BD7D-7659D1687111}"/>
+              </a:ext>
+            </a:extLst>
+          </p:cNvPr>
+          <p:cNvCxnSpPr>
+            <a:cxnSpLocks/>
+            <a:stCxn id="103" idx="2"/>
+          </p:cNvCxnSpPr>
+          <p:nvPr/>
+        </p:nvCxnSpPr>
+        <p:spPr>
+          <a:xfrm flipH="1">
+            <a:off x="6712753" y="4368785"/>
+            <a:ext cx="1" cy="324353"/>
+          </a:xfrm>
+          <a:prstGeom prst="line">
+            <a:avLst/>
+          </a:prstGeom>
+          <a:ln w="28575">
+            <a:solidFill>
+              <a:schemeClr val="tx2"/>
+            </a:solidFill>
+          </a:ln>
+        </p:spPr>
+        <p:style>
+          <a:lnRef idx="1">
+            <a:schemeClr val="accent1"/>
+          </a:lnRef>
+          <a:fillRef idx="0">
+            <a:schemeClr val="accent1"/>
+          </a:fillRef>
+          <a:effectRef idx="0">
+            <a:schemeClr val="accent1"/>
+          </a:effectRef>
+          <a:fontRef idx="minor">
+            <a:schemeClr val="tx1"/>
+          </a:fontRef>
+        </p:style>
+      </p:cxnSp>
+      <p:cxnSp>
+        <p:nvCxnSpPr>
+          <p:cNvPr id="120" name="직선 연결선 119">
+            <a:extLst>
+              <a:ext uri="{FF2B5EF4-FFF2-40B4-BE49-F238E27FC236}">
+                <a16:creationId xmlns:a16="http://schemas.microsoft.com/office/drawing/2014/main" id="{8A828730-B353-4053-8C10-218D6FEBCFD4}"/>
+              </a:ext>
+            </a:extLst>
+          </p:cNvPr>
+          <p:cNvCxnSpPr>
+            <a:cxnSpLocks/>
+            <a:stCxn id="106" idx="2"/>
+          </p:cNvCxnSpPr>
+          <p:nvPr/>
+        </p:nvCxnSpPr>
+        <p:spPr>
+          <a:xfrm flipH="1">
+            <a:off x="8179796" y="4368785"/>
+            <a:ext cx="2" cy="221335"/>
+          </a:xfrm>
+          <a:prstGeom prst="line">
+            <a:avLst/>
+          </a:prstGeom>
+          <a:ln w="28575">
+            <a:solidFill>
+              <a:schemeClr val="tx2"/>
+            </a:solidFill>
+          </a:ln>
+        </p:spPr>
+        <p:style>
+          <a:lnRef idx="1">
+            <a:schemeClr val="accent1"/>
+          </a:lnRef>
+          <a:fillRef idx="0">
+            <a:schemeClr val="accent1"/>
+          </a:fillRef>
+          <a:effectRef idx="0">
+            <a:schemeClr val="accent1"/>
+          </a:effectRef>
+          <a:fontRef idx="minor">
+            <a:schemeClr val="tx1"/>
+          </a:fontRef>
+        </p:style>
+      </p:cxnSp>
+      <p:cxnSp>
+        <p:nvCxnSpPr>
+          <p:cNvPr id="121" name="직선 연결선 120">
+            <a:extLst>
+              <a:ext uri="{FF2B5EF4-FFF2-40B4-BE49-F238E27FC236}">
+                <a16:creationId xmlns:a16="http://schemas.microsoft.com/office/drawing/2014/main" id="{8E9A7E44-01CC-4715-A865-3FB4769109F0}"/>
+              </a:ext>
+            </a:extLst>
+          </p:cNvPr>
+          <p:cNvCxnSpPr>
+            <a:cxnSpLocks/>
+          </p:cNvCxnSpPr>
+          <p:nvPr/>
+        </p:nvCxnSpPr>
+        <p:spPr>
+          <a:xfrm>
+            <a:off x="5561657" y="2912275"/>
+            <a:ext cx="0" cy="1677845"/>
+          </a:xfrm>
+          <a:prstGeom prst="line">
+            <a:avLst/>
+          </a:prstGeom>
+          <a:ln w="28575">
+            <a:solidFill>
+              <a:schemeClr val="tx2"/>
+            </a:solidFill>
+          </a:ln>
+        </p:spPr>
+        <p:style>
+          <a:lnRef idx="1">
+            <a:schemeClr val="accent1"/>
+          </a:lnRef>
+          <a:fillRef idx="0">
+            <a:schemeClr val="accent1"/>
+          </a:fillRef>
+          <a:effectRef idx="0">
+            <a:schemeClr val="accent1"/>
+          </a:effectRef>
+          <a:fontRef idx="minor">
+            <a:schemeClr val="tx1"/>
+          </a:fontRef>
+        </p:style>
+      </p:cxnSp>
+      <p:cxnSp>
+        <p:nvCxnSpPr>
+          <p:cNvPr id="122" name="직선 연결선 121">
+            <a:extLst>
+              <a:ext uri="{FF2B5EF4-FFF2-40B4-BE49-F238E27FC236}">
+                <a16:creationId xmlns:a16="http://schemas.microsoft.com/office/drawing/2014/main" id="{38BDB153-68B7-4BDC-B5EC-1328740D5F22}"/>
+              </a:ext>
+            </a:extLst>
+          </p:cNvPr>
+          <p:cNvCxnSpPr>
+            <a:cxnSpLocks/>
+          </p:cNvCxnSpPr>
+          <p:nvPr/>
+        </p:nvCxnSpPr>
+        <p:spPr>
+          <a:xfrm>
+            <a:off x="7273609" y="2912275"/>
+            <a:ext cx="0" cy="1677845"/>
+          </a:xfrm>
+          <a:prstGeom prst="line">
+            <a:avLst/>
+          </a:prstGeom>
+          <a:ln w="28575">
+            <a:solidFill>
+              <a:schemeClr val="tx2"/>
+            </a:solidFill>
+          </a:ln>
+        </p:spPr>
+        <p:style>
+          <a:lnRef idx="1">
+            <a:schemeClr val="accent1"/>
+          </a:lnRef>
+          <a:fillRef idx="0">
+            <a:schemeClr val="accent1"/>
+          </a:fillRef>
+          <a:effectRef idx="0">
+            <a:schemeClr val="accent1"/>
+          </a:effectRef>
+          <a:fontRef idx="minor">
+            <a:schemeClr val="tx1"/>
+          </a:fontRef>
+        </p:style>
+      </p:cxnSp>
+      <p:cxnSp>
+        <p:nvCxnSpPr>
+          <p:cNvPr id="123" name="직선 연결선 122">
+            <a:extLst>
+              <a:ext uri="{FF2B5EF4-FFF2-40B4-BE49-F238E27FC236}">
+                <a16:creationId xmlns:a16="http://schemas.microsoft.com/office/drawing/2014/main" id="{1FE7D2B4-497E-4592-B256-9D321F6605F8}"/>
+              </a:ext>
+            </a:extLst>
+          </p:cNvPr>
+          <p:cNvCxnSpPr>
+            <a:cxnSpLocks/>
+          </p:cNvCxnSpPr>
+          <p:nvPr/>
+        </p:nvCxnSpPr>
+        <p:spPr>
+          <a:xfrm>
+            <a:off x="7624621" y="2912275"/>
+            <a:ext cx="0" cy="1677845"/>
+          </a:xfrm>
+          <a:prstGeom prst="line">
+            <a:avLst/>
+          </a:prstGeom>
+          <a:ln w="28575">
+            <a:solidFill>
+              <a:schemeClr val="tx2"/>
+            </a:solidFill>
+          </a:ln>
+        </p:spPr>
+        <p:style>
+          <a:lnRef idx="1">
+            <a:schemeClr val="accent1"/>
+          </a:lnRef>
+          <a:fillRef idx="0">
+            <a:schemeClr val="accent1"/>
+          </a:fillRef>
+          <a:effectRef idx="0">
+            <a:schemeClr val="accent1"/>
+          </a:effectRef>
+          <a:fontRef idx="minor">
+            <a:schemeClr val="tx1"/>
+          </a:fontRef>
+        </p:style>
+      </p:cxnSp>
+      <p:cxnSp>
+        <p:nvCxnSpPr>
+          <p:cNvPr id="124" name="직선 연결선 123">
+            <a:extLst>
+              <a:ext uri="{FF2B5EF4-FFF2-40B4-BE49-F238E27FC236}">
+                <a16:creationId xmlns:a16="http://schemas.microsoft.com/office/drawing/2014/main" id="{7BE7D098-C5E0-4EF1-9A03-4FA8E54FBDF9}"/>
+              </a:ext>
+            </a:extLst>
+          </p:cNvPr>
+          <p:cNvCxnSpPr>
+            <a:cxnSpLocks/>
+            <a:endCxn id="72" idx="0"/>
+          </p:cNvCxnSpPr>
+          <p:nvPr/>
+        </p:nvCxnSpPr>
+        <p:spPr>
+          <a:xfrm>
+            <a:off x="6713252" y="4442994"/>
+            <a:ext cx="0" cy="256028"/>
+          </a:xfrm>
+          <a:prstGeom prst="line">
+            <a:avLst/>
+          </a:prstGeom>
+          <a:ln w="28575">
+            <a:solidFill>
+              <a:schemeClr val="tx2"/>
+            </a:solidFill>
+          </a:ln>
+        </p:spPr>
+        <p:style>
+          <a:lnRef idx="1">
+            <a:schemeClr val="accent1"/>
+          </a:lnRef>
+          <a:fillRef idx="0">
+            <a:schemeClr val="accent1"/>
+          </a:fillRef>
+          <a:effectRef idx="0">
+            <a:schemeClr val="accent1"/>
+          </a:effectRef>
+          <a:fontRef idx="minor">
+            <a:schemeClr val="tx1"/>
+          </a:fontRef>
+        </p:style>
+      </p:cxnSp>
+      <p:cxnSp>
+        <p:nvCxnSpPr>
+          <p:cNvPr id="127" name="직선 연결선 126">
+            <a:extLst>
+              <a:ext uri="{FF2B5EF4-FFF2-40B4-BE49-F238E27FC236}">
+                <a16:creationId xmlns:a16="http://schemas.microsoft.com/office/drawing/2014/main" id="{13E4E582-61EE-4E0A-9D10-F05DFA8824F9}"/>
+              </a:ext>
+            </a:extLst>
+          </p:cNvPr>
+          <p:cNvCxnSpPr>
+            <a:cxnSpLocks/>
+          </p:cNvCxnSpPr>
+          <p:nvPr/>
+        </p:nvCxnSpPr>
+        <p:spPr>
+          <a:xfrm>
+            <a:off x="2521872" y="1126179"/>
+            <a:ext cx="5657924" cy="0"/>
+          </a:xfrm>
+          <a:prstGeom prst="line">
+            <a:avLst/>
+          </a:prstGeom>
+          <a:ln w="28575">
+            <a:solidFill>
+              <a:schemeClr val="accent3">
+                <a:lumMod val="50000"/>
+              </a:schemeClr>
+            </a:solidFill>
+          </a:ln>
+        </p:spPr>
+        <p:style>
+          <a:lnRef idx="1">
+            <a:schemeClr val="accent1"/>
+          </a:lnRef>
+          <a:fillRef idx="0">
+            <a:schemeClr val="accent1"/>
+          </a:fillRef>
+          <a:effectRef idx="0">
+            <a:schemeClr val="accent1"/>
+          </a:effectRef>
+          <a:fontRef idx="minor">
+            <a:schemeClr val="tx1"/>
+          </a:fontRef>
+        </p:style>
+      </p:cxnSp>
+      <p:cxnSp>
+        <p:nvCxnSpPr>
+          <p:cNvPr id="131" name="직선 연결선 130">
+            <a:extLst>
+              <a:ext uri="{FF2B5EF4-FFF2-40B4-BE49-F238E27FC236}">
+                <a16:creationId xmlns:a16="http://schemas.microsoft.com/office/drawing/2014/main" id="{8C1EB1EF-CD45-409D-9D58-3BF64AF7DD67}"/>
+              </a:ext>
+            </a:extLst>
+          </p:cNvPr>
+          <p:cNvCxnSpPr>
+            <a:cxnSpLocks/>
+          </p:cNvCxnSpPr>
+          <p:nvPr/>
+        </p:nvCxnSpPr>
+        <p:spPr>
+          <a:xfrm>
+            <a:off x="2526635" y="1124859"/>
+            <a:ext cx="0" cy="2006619"/>
+          </a:xfrm>
+          <a:prstGeom prst="line">
+            <a:avLst/>
+          </a:prstGeom>
+          <a:ln w="28575">
+            <a:solidFill>
+              <a:schemeClr val="accent3">
+                <a:lumMod val="50000"/>
+              </a:schemeClr>
+            </a:solidFill>
+          </a:ln>
+        </p:spPr>
+        <p:style>
+          <a:lnRef idx="1">
+            <a:schemeClr val="accent1"/>
+          </a:lnRef>
+          <a:fillRef idx="0">
+            <a:schemeClr val="accent1"/>
+          </a:fillRef>
+          <a:effectRef idx="0">
+            <a:schemeClr val="accent1"/>
+          </a:effectRef>
+          <a:fontRef idx="minor">
+            <a:schemeClr val="tx1"/>
+          </a:fontRef>
+        </p:style>
+      </p:cxnSp>
+      <p:cxnSp>
+        <p:nvCxnSpPr>
+          <p:cNvPr id="133" name="직선 연결선 132">
+            <a:extLst>
+              <a:ext uri="{FF2B5EF4-FFF2-40B4-BE49-F238E27FC236}">
+                <a16:creationId xmlns:a16="http://schemas.microsoft.com/office/drawing/2014/main" id="{3E205697-9CCE-40F2-9E4F-0B314F8C175B}"/>
+              </a:ext>
+            </a:extLst>
+          </p:cNvPr>
+          <p:cNvCxnSpPr>
+            <a:cxnSpLocks/>
+            <a:endCxn id="74" idx="0"/>
+          </p:cNvCxnSpPr>
+          <p:nvPr/>
+        </p:nvCxnSpPr>
+        <p:spPr>
+          <a:xfrm>
+            <a:off x="3530744" y="1131230"/>
+            <a:ext cx="0" cy="426996"/>
+          </a:xfrm>
+          <a:prstGeom prst="line">
+            <a:avLst/>
+          </a:prstGeom>
+          <a:ln w="28575">
+            <a:solidFill>
+              <a:schemeClr val="accent3">
+                <a:lumMod val="50000"/>
+              </a:schemeClr>
+            </a:solidFill>
+          </a:ln>
+        </p:spPr>
+        <p:style>
+          <a:lnRef idx="1">
+            <a:schemeClr val="accent1"/>
+          </a:lnRef>
+          <a:fillRef idx="0">
+            <a:schemeClr val="accent1"/>
+          </a:fillRef>
+          <a:effectRef idx="0">
+            <a:schemeClr val="accent1"/>
+          </a:effectRef>
+          <a:fontRef idx="minor">
+            <a:schemeClr val="tx1"/>
+          </a:fontRef>
+        </p:style>
+      </p:cxnSp>
+      <p:cxnSp>
+        <p:nvCxnSpPr>
+          <p:cNvPr id="136" name="직선 연결선 135">
+            <a:extLst>
+              <a:ext uri="{FF2B5EF4-FFF2-40B4-BE49-F238E27FC236}">
+                <a16:creationId xmlns:a16="http://schemas.microsoft.com/office/drawing/2014/main" id="{F934E2CF-BEC7-43D1-881B-210F1A4BD6E4}"/>
+              </a:ext>
+            </a:extLst>
+          </p:cNvPr>
+          <p:cNvCxnSpPr>
+            <a:cxnSpLocks/>
+            <a:endCxn id="101" idx="0"/>
+          </p:cNvCxnSpPr>
+          <p:nvPr/>
+        </p:nvCxnSpPr>
+        <p:spPr>
+          <a:xfrm>
+            <a:off x="4991494" y="1124859"/>
+            <a:ext cx="6293" cy="433367"/>
+          </a:xfrm>
+          <a:prstGeom prst="line">
+            <a:avLst/>
+          </a:prstGeom>
+          <a:ln w="28575">
+            <a:solidFill>
+              <a:schemeClr val="accent3">
+                <a:lumMod val="50000"/>
+              </a:schemeClr>
+            </a:solidFill>
+          </a:ln>
+        </p:spPr>
+        <p:style>
+          <a:lnRef idx="1">
+            <a:schemeClr val="accent1"/>
+          </a:lnRef>
+          <a:fillRef idx="0">
+            <a:schemeClr val="accent1"/>
+          </a:fillRef>
+          <a:effectRef idx="0">
+            <a:schemeClr val="accent1"/>
+          </a:effectRef>
+          <a:fontRef idx="minor">
+            <a:schemeClr val="tx1"/>
+          </a:fontRef>
+        </p:style>
+      </p:cxnSp>
+      <p:cxnSp>
+        <p:nvCxnSpPr>
+          <p:cNvPr id="137" name="직선 연결선 136">
+            <a:extLst>
+              <a:ext uri="{FF2B5EF4-FFF2-40B4-BE49-F238E27FC236}">
+                <a16:creationId xmlns:a16="http://schemas.microsoft.com/office/drawing/2014/main" id="{AAC17380-F49F-4979-974D-88FEF79BC441}"/>
+              </a:ext>
+            </a:extLst>
+          </p:cNvPr>
+          <p:cNvCxnSpPr>
+            <a:cxnSpLocks/>
+            <a:stCxn id="73" idx="2"/>
+            <a:endCxn id="104" idx="0"/>
+          </p:cNvCxnSpPr>
+          <p:nvPr/>
+        </p:nvCxnSpPr>
+        <p:spPr>
+          <a:xfrm>
+            <a:off x="6712753" y="1036790"/>
+            <a:ext cx="1" cy="521436"/>
+          </a:xfrm>
+          <a:prstGeom prst="line">
+            <a:avLst/>
+          </a:prstGeom>
+          <a:ln w="28575">
+            <a:solidFill>
+              <a:schemeClr val="accent3">
+                <a:lumMod val="50000"/>
+              </a:schemeClr>
+            </a:solidFill>
+          </a:ln>
+        </p:spPr>
+        <p:style>
+          <a:lnRef idx="1">
+            <a:schemeClr val="accent1"/>
+          </a:lnRef>
+          <a:fillRef idx="0">
+            <a:schemeClr val="accent1"/>
+          </a:fillRef>
+          <a:effectRef idx="0">
+            <a:schemeClr val="accent1"/>
+          </a:effectRef>
+          <a:fontRef idx="minor">
+            <a:schemeClr val="tx1"/>
+          </a:fontRef>
+        </p:style>
+      </p:cxnSp>
+      <p:cxnSp>
+        <p:nvCxnSpPr>
+          <p:cNvPr id="138" name="직선 연결선 137">
+            <a:extLst>
+              <a:ext uri="{FF2B5EF4-FFF2-40B4-BE49-F238E27FC236}">
+                <a16:creationId xmlns:a16="http://schemas.microsoft.com/office/drawing/2014/main" id="{76F6FFD9-A481-4BF8-B6CA-A9A212AC3A5F}"/>
+              </a:ext>
+            </a:extLst>
+          </p:cNvPr>
+          <p:cNvCxnSpPr>
+            <a:cxnSpLocks/>
+            <a:endCxn id="107" idx="0"/>
+          </p:cNvCxnSpPr>
+          <p:nvPr/>
+        </p:nvCxnSpPr>
+        <p:spPr>
+          <a:xfrm>
+            <a:off x="8179796" y="1120732"/>
+            <a:ext cx="1" cy="437494"/>
+          </a:xfrm>
+          <a:prstGeom prst="line">
+            <a:avLst/>
+          </a:prstGeom>
+          <a:ln w="28575">
+            <a:solidFill>
+              <a:schemeClr val="accent3">
+                <a:lumMod val="50000"/>
+              </a:schemeClr>
+            </a:solidFill>
+          </a:ln>
+        </p:spPr>
+        <p:style>
+          <a:lnRef idx="1">
+            <a:schemeClr val="accent1"/>
+          </a:lnRef>
+          <a:fillRef idx="0">
+            <a:schemeClr val="accent1"/>
+          </a:fillRef>
+          <a:effectRef idx="0">
+            <a:schemeClr val="accent1"/>
+          </a:effectRef>
+          <a:fontRef idx="minor">
+            <a:schemeClr val="tx1"/>
+          </a:fontRef>
+        </p:style>
+      </p:cxnSp>
+      <p:sp>
+        <p:nvSpPr>
+          <p:cNvPr id="148" name="모서리가 둥근 직사각형 47">
+            <a:extLst>
+              <a:ext uri="{FF2B5EF4-FFF2-40B4-BE49-F238E27FC236}">
+                <a16:creationId xmlns:a16="http://schemas.microsoft.com/office/drawing/2014/main" id="{433F6B70-5B0E-4836-9CBA-D898B363556F}"/>
+              </a:ext>
+            </a:extLst>
+          </p:cNvPr>
+          <p:cNvSpPr/>
+          <p:nvPr/>
+        </p:nvSpPr>
+        <p:spPr>
+          <a:xfrm>
+            <a:off x="64814" y="2385364"/>
+            <a:ext cx="1570600" cy="577974"/>
+          </a:xfrm>
+          <a:prstGeom prst="roundRect">
+            <a:avLst>
+              <a:gd name="adj" fmla="val 11578"/>
+            </a:avLst>
+          </a:prstGeom>
+          <a:noFill/>
+          <a:ln>
+            <a:solidFill>
+              <a:srgbClr val="C00000"/>
+            </a:solidFill>
+          </a:ln>
+        </p:spPr>
+        <p:style>
+          <a:lnRef idx="2">
+            <a:schemeClr val="dk1"/>
+          </a:lnRef>
+          <a:fillRef idx="1">
+            <a:schemeClr val="lt1"/>
+          </a:fillRef>
+          <a:effectRef idx="0">
+            <a:schemeClr val="dk1"/>
+          </a:effectRef>
+          <a:fontRef idx="minor">
+            <a:schemeClr val="dk1"/>
+          </a:fontRef>
+        </p:style>
+        <p:txBody>
+          <a:bodyPr rtlCol="0" anchor="ctr"/>
+          <a:lstStyle/>
+          <a:p>
+            <a:pPr algn="ctr"/>
+            <a:r>
+              <a:rPr lang="en-US" altLang="ko-KR" sz="1100"/>
+              <a:t>External / Provider </a:t>
+            </a:r>
+          </a:p>
+          <a:p>
+            <a:pPr algn="ctr"/>
+            <a:r>
+              <a:rPr lang="en-US" altLang="ko-KR" sz="1100"/>
+              <a:t>Network</a:t>
+            </a:r>
+          </a:p>
+          <a:p>
+            <a:pPr algn="ctr"/>
+            <a:r>
+              <a:rPr lang="en-US" altLang="ko-KR" sz="1100"/>
+              <a:t>192.168.0.0/24</a:t>
+            </a:r>
+          </a:p>
+        </p:txBody>
+      </p:sp>
+      <p:cxnSp>
+        <p:nvCxnSpPr>
+          <p:cNvPr id="150" name="직선 연결선 149">
+            <a:extLst>
+              <a:ext uri="{FF2B5EF4-FFF2-40B4-BE49-F238E27FC236}">
+                <a16:creationId xmlns:a16="http://schemas.microsoft.com/office/drawing/2014/main" id="{D255BB2A-E6BE-4E2A-95AB-8FFD4C3B99A2}"/>
+              </a:ext>
+            </a:extLst>
+          </p:cNvPr>
+          <p:cNvCxnSpPr>
+            <a:cxnSpLocks/>
+            <a:stCxn id="45" idx="2"/>
+            <a:endCxn id="54" idx="0"/>
+          </p:cNvCxnSpPr>
+          <p:nvPr/>
+        </p:nvCxnSpPr>
+        <p:spPr>
+          <a:xfrm>
+            <a:off x="1798777" y="2223911"/>
+            <a:ext cx="450" cy="907566"/>
+          </a:xfrm>
+          <a:prstGeom prst="line">
+            <a:avLst/>
+          </a:prstGeom>
+          <a:ln w="28575">
+            <a:solidFill>
+              <a:srgbClr val="C00000"/>
+            </a:solidFill>
+          </a:ln>
+        </p:spPr>
+        <p:style>
+          <a:lnRef idx="1">
+            <a:schemeClr val="accent1"/>
+          </a:lnRef>
+          <a:fillRef idx="0">
+            <a:schemeClr val="accent1"/>
+          </a:fillRef>
+          <a:effectRef idx="0">
+            <a:schemeClr val="accent1"/>
+          </a:effectRef>
+          <a:fontRef idx="minor">
+            <a:schemeClr val="tx1"/>
+          </a:fontRef>
+        </p:style>
+      </p:cxnSp>
+      <p:cxnSp>
+        <p:nvCxnSpPr>
+          <p:cNvPr id="153" name="직선 연결선 152">
+            <a:extLst>
+              <a:ext uri="{FF2B5EF4-FFF2-40B4-BE49-F238E27FC236}">
+                <a16:creationId xmlns:a16="http://schemas.microsoft.com/office/drawing/2014/main" id="{4A57C585-BAEC-492B-A83E-B27781F37F86}"/>
+              </a:ext>
+            </a:extLst>
+          </p:cNvPr>
+          <p:cNvCxnSpPr>
+            <a:cxnSpLocks/>
+            <a:stCxn id="148" idx="3"/>
+          </p:cNvCxnSpPr>
+          <p:nvPr/>
+        </p:nvCxnSpPr>
+        <p:spPr>
+          <a:xfrm>
+            <a:off x="1635414" y="2674351"/>
+            <a:ext cx="158553" cy="0"/>
+          </a:xfrm>
+          <a:prstGeom prst="line">
+            <a:avLst/>
+          </a:prstGeom>
+          <a:ln w="28575">
+            <a:solidFill>
+              <a:srgbClr val="C00000"/>
+            </a:solidFill>
+          </a:ln>
+        </p:spPr>
+        <p:style>
+          <a:lnRef idx="1">
+            <a:schemeClr val="accent1"/>
+          </a:lnRef>
+          <a:fillRef idx="0">
+            <a:schemeClr val="accent1"/>
+          </a:fillRef>
+          <a:effectRef idx="0">
+            <a:schemeClr val="accent1"/>
+          </a:effectRef>
+          <a:fontRef idx="minor">
+            <a:schemeClr val="tx1"/>
+          </a:fontRef>
+        </p:style>
+      </p:cxnSp>
+      <p:cxnSp>
+        <p:nvCxnSpPr>
+          <p:cNvPr id="160" name="직선 화살표 연결선 159">
+            <a:extLst>
+              <a:ext uri="{FF2B5EF4-FFF2-40B4-BE49-F238E27FC236}">
+                <a16:creationId xmlns:a16="http://schemas.microsoft.com/office/drawing/2014/main" id="{B49AE998-72F5-4407-B18A-A62DEE75497D}"/>
+              </a:ext>
+            </a:extLst>
+          </p:cNvPr>
+          <p:cNvCxnSpPr>
+            <a:cxnSpLocks/>
+            <a:stCxn id="52" idx="2"/>
+            <a:endCxn id="145" idx="1"/>
+          </p:cNvCxnSpPr>
+          <p:nvPr/>
+        </p:nvCxnSpPr>
+        <p:spPr>
+          <a:xfrm>
+            <a:off x="1798778" y="2134291"/>
+            <a:ext cx="1261054" cy="1699153"/>
+          </a:xfrm>
+          <a:prstGeom prst="straightConnector1">
+            <a:avLst/>
+          </a:prstGeom>
+          <a:ln w="28575">
+            <a:solidFill>
+              <a:schemeClr val="tx1"/>
+            </a:solidFill>
+            <a:prstDash val="solid"/>
+            <a:headEnd type="arrow" w="med" len="med"/>
+            <a:tailEnd type="none" w="med" len="med"/>
+          </a:ln>
+        </p:spPr>
+        <p:style>
+          <a:lnRef idx="1">
+            <a:schemeClr val="accent1"/>
+          </a:lnRef>
+          <a:fillRef idx="0">
+            <a:schemeClr val="accent1"/>
+          </a:fillRef>
+          <a:effectRef idx="0">
+            <a:schemeClr val="accent1"/>
+          </a:effectRef>
+          <a:fontRef idx="minor">
+            <a:schemeClr val="tx1"/>
+          </a:fontRef>
+        </p:style>
+      </p:cxnSp>
+      <p:sp>
+        <p:nvSpPr>
+          <p:cNvPr id="183" name="TextBox 182">
+            <a:extLst>
+              <a:ext uri="{FF2B5EF4-FFF2-40B4-BE49-F238E27FC236}">
+                <a16:creationId xmlns:a16="http://schemas.microsoft.com/office/drawing/2014/main" id="{6C6B1403-5F17-403A-8C34-23854B346701}"/>
+              </a:ext>
+            </a:extLst>
+          </p:cNvPr>
+          <p:cNvSpPr txBox="1"/>
+          <p:nvPr/>
+        </p:nvSpPr>
+        <p:spPr>
+          <a:xfrm>
+            <a:off x="395536" y="623284"/>
+            <a:ext cx="5526159" cy="261610"/>
+          </a:xfrm>
+          <a:prstGeom prst="rect">
+            <a:avLst/>
+          </a:prstGeom>
+          <a:noFill/>
+        </p:spPr>
+        <p:txBody>
+          <a:bodyPr wrap="square" rtlCol="0">
+            <a:spAutoFit/>
+          </a:bodyPr>
+          <a:lstStyle/>
+          <a:p>
+            <a:r>
+              <a:rPr lang="en-US" altLang="ko-KR" sz="1100" b="1"/>
+              <a:t>Service A - Service Port : 80 / NodePort : 31000 / External IP : 192.168.0.100</a:t>
+            </a:r>
+          </a:p>
+        </p:txBody>
+      </p:sp>
+      <p:sp>
+        <p:nvSpPr>
+          <p:cNvPr id="262" name="모서리가 둥근 직사각형 18">
+            <a:extLst>
+              <a:ext uri="{FF2B5EF4-FFF2-40B4-BE49-F238E27FC236}">
+                <a16:creationId xmlns:a16="http://schemas.microsoft.com/office/drawing/2014/main" id="{69C4E820-4285-4AA5-8411-01F91E017E21}"/>
+              </a:ext>
+            </a:extLst>
+          </p:cNvPr>
+          <p:cNvSpPr/>
+          <p:nvPr/>
+        </p:nvSpPr>
+        <p:spPr>
+          <a:xfrm>
+            <a:off x="4434465" y="2283818"/>
+            <a:ext cx="1120351" cy="556106"/>
+          </a:xfrm>
+          <a:prstGeom prst="roundRect">
+            <a:avLst>
+              <a:gd name="adj" fmla="val 7903"/>
+            </a:avLst>
+          </a:prstGeom>
+          <a:noFill/>
+        </p:spPr>
+        <p:style>
+          <a:lnRef idx="2">
+            <a:schemeClr val="dk1"/>
+          </a:lnRef>
+          <a:fillRef idx="1">
+            <a:schemeClr val="lt1"/>
+          </a:fillRef>
+          <a:effectRef idx="0">
+            <a:schemeClr val="dk1"/>
+          </a:effectRef>
+          <a:fontRef idx="minor">
+            <a:schemeClr val="dk1"/>
+          </a:fontRef>
+        </p:style>
+        <p:txBody>
+          <a:bodyPr rtlCol="0" anchor="ctr"/>
+          <a:lstStyle/>
+          <a:p>
+            <a:pPr algn="ctr"/>
+            <a:r>
+              <a:rPr lang="en-US" altLang="ko-KR" sz="1100"/>
+              <a:t>HAProxy</a:t>
+            </a:r>
+          </a:p>
+        </p:txBody>
+      </p:sp>
+      <p:sp>
+        <p:nvSpPr>
+          <p:cNvPr id="287" name="모서리가 둥근 직사각형 18">
+            <a:extLst>
+              <a:ext uri="{FF2B5EF4-FFF2-40B4-BE49-F238E27FC236}">
+                <a16:creationId xmlns:a16="http://schemas.microsoft.com/office/drawing/2014/main" id="{76734A72-1026-4223-BB57-91C1A9AF49DB}"/>
+              </a:ext>
+            </a:extLst>
+          </p:cNvPr>
+          <p:cNvSpPr/>
+          <p:nvPr/>
+        </p:nvSpPr>
+        <p:spPr>
+          <a:xfrm>
+            <a:off x="2966933" y="2283818"/>
+            <a:ext cx="1120351" cy="556105"/>
+          </a:xfrm>
+          <a:prstGeom prst="roundRect">
+            <a:avLst>
+              <a:gd name="adj" fmla="val 7903"/>
+            </a:avLst>
+          </a:prstGeom>
+          <a:noFill/>
+        </p:spPr>
+        <p:style>
+          <a:lnRef idx="2">
+            <a:schemeClr val="dk1"/>
+          </a:lnRef>
+          <a:fillRef idx="1">
+            <a:schemeClr val="lt1"/>
+          </a:fillRef>
+          <a:effectRef idx="0">
+            <a:schemeClr val="dk1"/>
+          </a:effectRef>
+          <a:fontRef idx="minor">
+            <a:schemeClr val="dk1"/>
+          </a:fontRef>
+        </p:style>
+        <p:txBody>
+          <a:bodyPr rtlCol="0" anchor="ctr"/>
+          <a:lstStyle/>
+          <a:p>
+            <a:pPr algn="ctr"/>
+            <a:r>
+              <a:rPr lang="en-US" altLang="ko-KR" sz="1100"/>
+              <a:t>HAProxy</a:t>
+            </a:r>
+          </a:p>
+          <a:p>
+            <a:pPr algn="just"/>
+            <a:r>
+              <a:rPr lang="en-US" altLang="ko-KR" sz="1050"/>
+              <a:t>30.0.0.10:80 </a:t>
+            </a:r>
+          </a:p>
+          <a:p>
+            <a:pPr algn="just"/>
+            <a:r>
+              <a:rPr lang="en-US" altLang="ko-KR" sz="1050">
+                <a:sym typeface="Wingdings" panose="05000000000000000000" pitchFamily="2" charset="2"/>
+              </a:rPr>
+              <a:t> Slave:31000</a:t>
+            </a:r>
+            <a:endParaRPr lang="en-US" altLang="ko-KR" sz="1050"/>
+          </a:p>
+        </p:txBody>
+      </p:sp>
+      <p:sp>
+        <p:nvSpPr>
+          <p:cNvPr id="288" name="모서리가 둥근 직사각형 18">
+            <a:extLst>
+              <a:ext uri="{FF2B5EF4-FFF2-40B4-BE49-F238E27FC236}">
+                <a16:creationId xmlns:a16="http://schemas.microsoft.com/office/drawing/2014/main" id="{E53A71B2-F598-4823-8D1A-AB8E99634DD9}"/>
+              </a:ext>
+            </a:extLst>
+          </p:cNvPr>
+          <p:cNvSpPr/>
+          <p:nvPr/>
+        </p:nvSpPr>
+        <p:spPr>
+          <a:xfrm>
+            <a:off x="6144345" y="2283818"/>
+            <a:ext cx="1120351" cy="556106"/>
+          </a:xfrm>
+          <a:prstGeom prst="roundRect">
+            <a:avLst>
+              <a:gd name="adj" fmla="val 7903"/>
+            </a:avLst>
+          </a:prstGeom>
+          <a:noFill/>
+        </p:spPr>
+        <p:style>
+          <a:lnRef idx="2">
+            <a:schemeClr val="dk1"/>
+          </a:lnRef>
+          <a:fillRef idx="1">
+            <a:schemeClr val="lt1"/>
+          </a:fillRef>
+          <a:effectRef idx="0">
+            <a:schemeClr val="dk1"/>
+          </a:effectRef>
+          <a:fontRef idx="minor">
+            <a:schemeClr val="dk1"/>
+          </a:fontRef>
+        </p:style>
+        <p:txBody>
+          <a:bodyPr rtlCol="0" anchor="ctr"/>
+          <a:lstStyle/>
+          <a:p>
+            <a:pPr algn="ctr"/>
+            <a:r>
+              <a:rPr lang="en-US" altLang="ko-KR" sz="1100"/>
+              <a:t>HAProxy</a:t>
+            </a:r>
+          </a:p>
+        </p:txBody>
+      </p:sp>
+      <p:sp>
+        <p:nvSpPr>
+          <p:cNvPr id="296" name="모서리가 둥근 직사각형 18">
+            <a:extLst>
+              <a:ext uri="{FF2B5EF4-FFF2-40B4-BE49-F238E27FC236}">
+                <a16:creationId xmlns:a16="http://schemas.microsoft.com/office/drawing/2014/main" id="{A91FBD67-50A3-4448-A099-808FD4A28D61}"/>
+              </a:ext>
+            </a:extLst>
+          </p:cNvPr>
+          <p:cNvSpPr/>
+          <p:nvPr/>
+        </p:nvSpPr>
+        <p:spPr>
+          <a:xfrm>
+            <a:off x="7619620" y="2283818"/>
+            <a:ext cx="1120351" cy="556106"/>
+          </a:xfrm>
+          <a:prstGeom prst="roundRect">
+            <a:avLst>
+              <a:gd name="adj" fmla="val 7903"/>
+            </a:avLst>
+          </a:prstGeom>
+          <a:noFill/>
+        </p:spPr>
+        <p:style>
+          <a:lnRef idx="2">
+            <a:schemeClr val="dk1"/>
+          </a:lnRef>
+          <a:fillRef idx="1">
+            <a:schemeClr val="lt1"/>
+          </a:fillRef>
+          <a:effectRef idx="0">
+            <a:schemeClr val="dk1"/>
+          </a:effectRef>
+          <a:fontRef idx="minor">
+            <a:schemeClr val="dk1"/>
+          </a:fontRef>
+        </p:style>
+        <p:txBody>
+          <a:bodyPr rtlCol="0" anchor="ctr"/>
+          <a:lstStyle/>
+          <a:p>
+            <a:pPr algn="ctr"/>
+            <a:r>
+              <a:rPr lang="en-US" altLang="ko-KR" sz="1100"/>
+              <a:t>HAProxy</a:t>
+            </a:r>
+          </a:p>
+          <a:p>
+            <a:pPr algn="just"/>
+            <a:r>
+              <a:rPr lang="en-US" altLang="ko-KR" sz="1050"/>
+              <a:t>30.0.0.20:443 </a:t>
+            </a:r>
+          </a:p>
+          <a:p>
+            <a:pPr algn="just"/>
+            <a:r>
+              <a:rPr lang="en-US" altLang="ko-KR" sz="1050">
+                <a:sym typeface="Wingdings" panose="05000000000000000000" pitchFamily="2" charset="2"/>
+              </a:rPr>
+              <a:t> Slave:32000</a:t>
+            </a:r>
+            <a:endParaRPr lang="en-US" altLang="ko-KR" sz="1050"/>
+          </a:p>
+        </p:txBody>
+      </p:sp>
+      <p:cxnSp>
+        <p:nvCxnSpPr>
+          <p:cNvPr id="300" name="직선 화살표 연결선 299">
+            <a:extLst>
+              <a:ext uri="{FF2B5EF4-FFF2-40B4-BE49-F238E27FC236}">
+                <a16:creationId xmlns:a16="http://schemas.microsoft.com/office/drawing/2014/main" id="{3288310F-B597-4716-9E0B-C9F16472356C}"/>
+              </a:ext>
+            </a:extLst>
+          </p:cNvPr>
+          <p:cNvCxnSpPr>
+            <a:cxnSpLocks/>
+          </p:cNvCxnSpPr>
+          <p:nvPr/>
+        </p:nvCxnSpPr>
+        <p:spPr>
+          <a:xfrm flipH="1" flipV="1">
+            <a:off x="683568" y="2963338"/>
+            <a:ext cx="949113" cy="683121"/>
+          </a:xfrm>
+          <a:prstGeom prst="straightConnector1">
+            <a:avLst/>
+          </a:prstGeom>
+          <a:ln w="28575">
+            <a:solidFill>
+              <a:schemeClr val="accent6">
+                <a:lumMod val="50000"/>
+              </a:schemeClr>
+            </a:solidFill>
+            <a:headEnd type="arrow" w="med" len="med"/>
+            <a:tailEnd type="none" w="med" len="med"/>
+          </a:ln>
+        </p:spPr>
+        <p:style>
+          <a:lnRef idx="1">
+            <a:schemeClr val="accent1"/>
+          </a:lnRef>
+          <a:fillRef idx="0">
+            <a:schemeClr val="accent1"/>
+          </a:fillRef>
+          <a:effectRef idx="0">
+            <a:schemeClr val="accent1"/>
+          </a:effectRef>
+          <a:fontRef idx="minor">
+            <a:schemeClr val="tx1"/>
+          </a:fontRef>
+        </p:style>
+      </p:cxnSp>
+      <p:cxnSp>
+        <p:nvCxnSpPr>
+          <p:cNvPr id="303" name="직선 화살표 연결선 302">
+            <a:extLst>
+              <a:ext uri="{FF2B5EF4-FFF2-40B4-BE49-F238E27FC236}">
+                <a16:creationId xmlns:a16="http://schemas.microsoft.com/office/drawing/2014/main" id="{0966784B-F385-4FCB-8FA7-53A3533F1779}"/>
+              </a:ext>
+            </a:extLst>
+          </p:cNvPr>
+          <p:cNvCxnSpPr>
+            <a:cxnSpLocks/>
+            <a:stCxn id="55" idx="0"/>
+            <a:endCxn id="148" idx="2"/>
+          </p:cNvCxnSpPr>
+          <p:nvPr/>
+        </p:nvCxnSpPr>
+        <p:spPr>
+          <a:xfrm flipH="1" flipV="1">
+            <a:off x="850114" y="2963338"/>
+            <a:ext cx="949113" cy="683121"/>
+          </a:xfrm>
+          <a:prstGeom prst="straightConnector1">
+            <a:avLst/>
+          </a:prstGeom>
+          <a:ln w="28575">
+            <a:solidFill>
+              <a:schemeClr val="accent6">
+                <a:lumMod val="75000"/>
+              </a:schemeClr>
+            </a:solidFill>
+            <a:headEnd type="arrow" w="med" len="med"/>
+            <a:tailEnd type="none" w="med" len="med"/>
+          </a:ln>
+        </p:spPr>
+        <p:style>
+          <a:lnRef idx="1">
+            <a:schemeClr val="accent1"/>
+          </a:lnRef>
+          <a:fillRef idx="0">
+            <a:schemeClr val="accent1"/>
+          </a:fillRef>
+          <a:effectRef idx="0">
+            <a:schemeClr val="accent1"/>
+          </a:effectRef>
+          <a:fontRef idx="minor">
+            <a:schemeClr val="tx1"/>
+          </a:fontRef>
+        </p:style>
+      </p:cxnSp>
+      <p:cxnSp>
+        <p:nvCxnSpPr>
+          <p:cNvPr id="308" name="직선 화살표 연결선 307">
+            <a:extLst>
+              <a:ext uri="{FF2B5EF4-FFF2-40B4-BE49-F238E27FC236}">
+                <a16:creationId xmlns:a16="http://schemas.microsoft.com/office/drawing/2014/main" id="{86B0B225-4ACF-4AE4-BCB8-FA3966C1D02B}"/>
+              </a:ext>
+            </a:extLst>
+          </p:cNvPr>
+          <p:cNvCxnSpPr>
+            <a:cxnSpLocks/>
+            <a:stCxn id="158" idx="1"/>
+          </p:cNvCxnSpPr>
+          <p:nvPr/>
+        </p:nvCxnSpPr>
+        <p:spPr>
+          <a:xfrm flipH="1">
+            <a:off x="137504" y="933270"/>
+            <a:ext cx="258032" cy="0"/>
+          </a:xfrm>
+          <a:prstGeom prst="straightConnector1">
+            <a:avLst/>
+          </a:prstGeom>
+          <a:ln w="28575">
+            <a:solidFill>
+              <a:schemeClr val="accent6">
+                <a:lumMod val="75000"/>
+              </a:schemeClr>
+            </a:solidFill>
+            <a:headEnd type="arrow" w="med" len="med"/>
+            <a:tailEnd type="none" w="med" len="med"/>
+          </a:ln>
+        </p:spPr>
+        <p:style>
+          <a:lnRef idx="1">
+            <a:schemeClr val="accent1"/>
+          </a:lnRef>
+          <a:fillRef idx="0">
+            <a:schemeClr val="accent1"/>
+          </a:fillRef>
+          <a:effectRef idx="0">
+            <a:schemeClr val="accent1"/>
+          </a:effectRef>
+          <a:fontRef idx="minor">
+            <a:schemeClr val="tx1"/>
+          </a:fontRef>
+        </p:style>
+      </p:cxnSp>
+      <p:cxnSp>
+        <p:nvCxnSpPr>
+          <p:cNvPr id="310" name="직선 화살표 연결선 309">
+            <a:extLst>
+              <a:ext uri="{FF2B5EF4-FFF2-40B4-BE49-F238E27FC236}">
+                <a16:creationId xmlns:a16="http://schemas.microsoft.com/office/drawing/2014/main" id="{4244BC9C-2F10-4F2F-9079-256E96DB87E5}"/>
+              </a:ext>
+            </a:extLst>
+          </p:cNvPr>
+          <p:cNvCxnSpPr>
+            <a:cxnSpLocks/>
+            <a:stCxn id="183" idx="1"/>
+          </p:cNvCxnSpPr>
+          <p:nvPr/>
+        </p:nvCxnSpPr>
+        <p:spPr>
+          <a:xfrm flipH="1" flipV="1">
+            <a:off x="137504" y="753753"/>
+            <a:ext cx="258032" cy="336"/>
+          </a:xfrm>
+          <a:prstGeom prst="straightConnector1">
+            <a:avLst/>
+          </a:prstGeom>
+          <a:ln w="28575">
+            <a:solidFill>
+              <a:schemeClr val="accent6">
+                <a:lumMod val="50000"/>
+              </a:schemeClr>
+            </a:solidFill>
+            <a:headEnd type="arrow" w="med" len="med"/>
+            <a:tailEnd type="none" w="med" len="med"/>
+          </a:ln>
+        </p:spPr>
+        <p:style>
+          <a:lnRef idx="1">
+            <a:schemeClr val="accent1"/>
+          </a:lnRef>
+          <a:fillRef idx="0">
+            <a:schemeClr val="accent1"/>
+          </a:fillRef>
+          <a:effectRef idx="0">
+            <a:schemeClr val="accent1"/>
+          </a:effectRef>
+          <a:fontRef idx="minor">
+            <a:schemeClr val="tx1"/>
+          </a:fontRef>
+        </p:style>
+      </p:cxnSp>
+      <p:sp>
+        <p:nvSpPr>
+          <p:cNvPr id="64" name="모서리가 둥근 직사각형 18">
+            <a:extLst>
+              <a:ext uri="{FF2B5EF4-FFF2-40B4-BE49-F238E27FC236}">
+                <a16:creationId xmlns:a16="http://schemas.microsoft.com/office/drawing/2014/main" id="{B8EAEBA2-C282-4679-956B-9A9B2BDC28EC}"/>
+              </a:ext>
+            </a:extLst>
+          </p:cNvPr>
+          <p:cNvSpPr/>
+          <p:nvPr/>
+        </p:nvSpPr>
+        <p:spPr>
+          <a:xfrm>
+            <a:off x="2966933" y="2062965"/>
+            <a:ext cx="1120351" cy="222217"/>
+          </a:xfrm>
+          <a:prstGeom prst="roundRect">
+            <a:avLst>
+              <a:gd name="adj" fmla="val 20279"/>
+            </a:avLst>
+          </a:prstGeom>
+          <a:noFill/>
+        </p:spPr>
+        <p:style>
+          <a:lnRef idx="2">
+            <a:schemeClr val="dk1"/>
+          </a:lnRef>
+          <a:fillRef idx="1">
+            <a:schemeClr val="lt1"/>
+          </a:fillRef>
+          <a:effectRef idx="0">
+            <a:schemeClr val="dk1"/>
+          </a:effectRef>
+          <a:fontRef idx="minor">
+            <a:schemeClr val="dk1"/>
+          </a:fontRef>
+        </p:style>
+        <p:txBody>
+          <a:bodyPr rtlCol="0" anchor="ctr"/>
+          <a:lstStyle/>
+          <a:p>
+            <a:pPr algn="ctr"/>
+            <a:r>
+              <a:rPr lang="en-US" altLang="ko-KR" sz="1100"/>
+              <a:t>Agent</a:t>
+            </a:r>
+            <a:endParaRPr lang="en-US" altLang="ko-KR" sz="1100" dirty="0"/>
+          </a:p>
+        </p:txBody>
+      </p:sp>
+      <p:sp>
+        <p:nvSpPr>
+          <p:cNvPr id="75" name="모서리가 둥근 직사각형 18">
+            <a:extLst>
+              <a:ext uri="{FF2B5EF4-FFF2-40B4-BE49-F238E27FC236}">
+                <a16:creationId xmlns:a16="http://schemas.microsoft.com/office/drawing/2014/main" id="{F8864180-73C1-4361-98EA-41DE19048D0F}"/>
+              </a:ext>
+            </a:extLst>
+          </p:cNvPr>
+          <p:cNvSpPr/>
+          <p:nvPr/>
+        </p:nvSpPr>
+        <p:spPr>
+          <a:xfrm>
+            <a:off x="4434465" y="2062965"/>
+            <a:ext cx="1125480" cy="222217"/>
+          </a:xfrm>
+          <a:prstGeom prst="roundRect">
+            <a:avLst>
+              <a:gd name="adj" fmla="val 20279"/>
+            </a:avLst>
+          </a:prstGeom>
+          <a:noFill/>
+        </p:spPr>
+        <p:style>
+          <a:lnRef idx="2">
+            <a:schemeClr val="dk1"/>
+          </a:lnRef>
+          <a:fillRef idx="1">
+            <a:schemeClr val="lt1"/>
+          </a:fillRef>
+          <a:effectRef idx="0">
+            <a:schemeClr val="dk1"/>
+          </a:effectRef>
+          <a:fontRef idx="minor">
+            <a:schemeClr val="dk1"/>
+          </a:fontRef>
+        </p:style>
+        <p:txBody>
+          <a:bodyPr rtlCol="0" anchor="ctr"/>
+          <a:lstStyle/>
+          <a:p>
+            <a:pPr algn="ctr"/>
+            <a:r>
+              <a:rPr lang="en-US" altLang="ko-KR" sz="1100"/>
+              <a:t>Agent</a:t>
+            </a:r>
+            <a:endParaRPr lang="en-US" altLang="ko-KR" sz="1100" dirty="0"/>
+          </a:p>
+        </p:txBody>
+      </p:sp>
+      <p:sp>
+        <p:nvSpPr>
+          <p:cNvPr id="76" name="모서리가 둥근 직사각형 18">
+            <a:extLst>
+              <a:ext uri="{FF2B5EF4-FFF2-40B4-BE49-F238E27FC236}">
+                <a16:creationId xmlns:a16="http://schemas.microsoft.com/office/drawing/2014/main" id="{C2578D8A-679E-4493-82F9-2C371AAD9C8E}"/>
+              </a:ext>
+            </a:extLst>
+          </p:cNvPr>
+          <p:cNvSpPr/>
+          <p:nvPr/>
+        </p:nvSpPr>
+        <p:spPr>
+          <a:xfrm>
+            <a:off x="6144345" y="2062965"/>
+            <a:ext cx="1120352" cy="222217"/>
+          </a:xfrm>
+          <a:prstGeom prst="roundRect">
+            <a:avLst>
+              <a:gd name="adj" fmla="val 20279"/>
+            </a:avLst>
+          </a:prstGeom>
+          <a:noFill/>
+        </p:spPr>
+        <p:style>
+          <a:lnRef idx="2">
+            <a:schemeClr val="dk1"/>
+          </a:lnRef>
+          <a:fillRef idx="1">
+            <a:schemeClr val="lt1"/>
+          </a:fillRef>
+          <a:effectRef idx="0">
+            <a:schemeClr val="dk1"/>
+          </a:effectRef>
+          <a:fontRef idx="minor">
+            <a:schemeClr val="dk1"/>
+          </a:fontRef>
+        </p:style>
+        <p:txBody>
+          <a:bodyPr rtlCol="0" anchor="ctr"/>
+          <a:lstStyle/>
+          <a:p>
+            <a:pPr algn="ctr"/>
+            <a:r>
+              <a:rPr lang="en-US" altLang="ko-KR" sz="1100"/>
+              <a:t>Agent</a:t>
+            </a:r>
+            <a:endParaRPr lang="en-US" altLang="ko-KR" sz="1100" dirty="0"/>
+          </a:p>
+        </p:txBody>
+      </p:sp>
+      <p:sp>
+        <p:nvSpPr>
+          <p:cNvPr id="77" name="모서리가 둥근 직사각형 18">
+            <a:extLst>
+              <a:ext uri="{FF2B5EF4-FFF2-40B4-BE49-F238E27FC236}">
+                <a16:creationId xmlns:a16="http://schemas.microsoft.com/office/drawing/2014/main" id="{F6D2D722-0983-4259-97E0-F5BEE423FF9A}"/>
+              </a:ext>
+            </a:extLst>
+          </p:cNvPr>
+          <p:cNvSpPr/>
+          <p:nvPr/>
+        </p:nvSpPr>
+        <p:spPr>
+          <a:xfrm>
+            <a:off x="7619619" y="2062965"/>
+            <a:ext cx="1120352" cy="222217"/>
+          </a:xfrm>
+          <a:prstGeom prst="roundRect">
+            <a:avLst>
+              <a:gd name="adj" fmla="val 20279"/>
+            </a:avLst>
+          </a:prstGeom>
+          <a:noFill/>
+        </p:spPr>
+        <p:style>
+          <a:lnRef idx="2">
+            <a:schemeClr val="dk1"/>
+          </a:lnRef>
+          <a:fillRef idx="1">
+            <a:schemeClr val="lt1"/>
+          </a:fillRef>
+          <a:effectRef idx="0">
+            <a:schemeClr val="dk1"/>
+          </a:effectRef>
+          <a:fontRef idx="minor">
+            <a:schemeClr val="dk1"/>
+          </a:fontRef>
+        </p:style>
+        <p:txBody>
+          <a:bodyPr rtlCol="0" anchor="ctr"/>
+          <a:lstStyle/>
+          <a:p>
+            <a:pPr algn="ctr"/>
+            <a:r>
+              <a:rPr lang="en-US" altLang="ko-KR" sz="1100"/>
+              <a:t>Agent</a:t>
+            </a:r>
+            <a:endParaRPr lang="en-US" altLang="ko-KR" sz="1100" dirty="0"/>
+          </a:p>
+        </p:txBody>
+      </p:sp>
+      <p:cxnSp>
+        <p:nvCxnSpPr>
+          <p:cNvPr id="68" name="직선 화살표 연결선 67">
+            <a:extLst>
+              <a:ext uri="{FF2B5EF4-FFF2-40B4-BE49-F238E27FC236}">
+                <a16:creationId xmlns:a16="http://schemas.microsoft.com/office/drawing/2014/main" id="{DB34E385-3BB6-4925-BB9D-13C266DF41D8}"/>
+              </a:ext>
+            </a:extLst>
+          </p:cNvPr>
+          <p:cNvCxnSpPr>
+            <a:cxnSpLocks/>
+            <a:stCxn id="296" idx="2"/>
+            <a:endCxn id="55" idx="0"/>
+          </p:cNvCxnSpPr>
+          <p:nvPr/>
+        </p:nvCxnSpPr>
+        <p:spPr>
+          <a:xfrm flipH="1">
+            <a:off x="1799227" y="2839924"/>
+            <a:ext cx="6380569" cy="806535"/>
+          </a:xfrm>
+          <a:prstGeom prst="straightConnector1">
+            <a:avLst/>
+          </a:prstGeom>
+          <a:ln w="28575">
+            <a:solidFill>
+              <a:schemeClr val="accent6">
+                <a:lumMod val="75000"/>
+              </a:schemeClr>
+            </a:solidFill>
+            <a:headEnd type="arrow" w="med" len="med"/>
+            <a:tailEnd type="none" w="med" len="med"/>
+          </a:ln>
+        </p:spPr>
+        <p:style>
+          <a:lnRef idx="1">
+            <a:schemeClr val="accent1"/>
+          </a:lnRef>
+          <a:fillRef idx="0">
+            <a:schemeClr val="accent1"/>
+          </a:fillRef>
+          <a:effectRef idx="0">
+            <a:schemeClr val="accent1"/>
+          </a:effectRef>
+          <a:fontRef idx="minor">
+            <a:schemeClr val="tx1"/>
+          </a:fontRef>
+        </p:style>
+      </p:cxnSp>
+      <p:cxnSp>
+        <p:nvCxnSpPr>
+          <p:cNvPr id="71" name="직선 화살표 연결선 70">
+            <a:extLst>
+              <a:ext uri="{FF2B5EF4-FFF2-40B4-BE49-F238E27FC236}">
+                <a16:creationId xmlns:a16="http://schemas.microsoft.com/office/drawing/2014/main" id="{52B5864A-90E7-498D-988B-EDF26C5329CF}"/>
+              </a:ext>
+            </a:extLst>
+          </p:cNvPr>
+          <p:cNvCxnSpPr>
+            <a:cxnSpLocks/>
+          </p:cNvCxnSpPr>
+          <p:nvPr/>
+        </p:nvCxnSpPr>
+        <p:spPr>
+          <a:xfrm flipV="1">
+            <a:off x="4637748" y="3048170"/>
+            <a:ext cx="0" cy="155660"/>
+          </a:xfrm>
+          <a:prstGeom prst="straightConnector1">
+            <a:avLst/>
+          </a:prstGeom>
+          <a:ln w="28575">
+            <a:solidFill>
+              <a:schemeClr val="accent6">
+                <a:lumMod val="50000"/>
+              </a:schemeClr>
+            </a:solidFill>
+            <a:headEnd type="arrow" w="med" len="med"/>
+            <a:tailEnd type="none" w="med" len="med"/>
+          </a:ln>
+        </p:spPr>
+        <p:style>
+          <a:lnRef idx="1">
+            <a:schemeClr val="accent1"/>
+          </a:lnRef>
+          <a:fillRef idx="0">
+            <a:schemeClr val="accent1"/>
+          </a:fillRef>
+          <a:effectRef idx="0">
+            <a:schemeClr val="accent1"/>
+          </a:effectRef>
+          <a:fontRef idx="minor">
+            <a:schemeClr val="tx1"/>
+          </a:fontRef>
+        </p:style>
+      </p:cxnSp>
+      <p:cxnSp>
+        <p:nvCxnSpPr>
+          <p:cNvPr id="79" name="직선 화살표 연결선 78">
+            <a:extLst>
+              <a:ext uri="{FF2B5EF4-FFF2-40B4-BE49-F238E27FC236}">
+                <a16:creationId xmlns:a16="http://schemas.microsoft.com/office/drawing/2014/main" id="{16DD3A40-9645-45A9-AB0F-ED7C9DC940AB}"/>
+              </a:ext>
+            </a:extLst>
+          </p:cNvPr>
+          <p:cNvCxnSpPr>
+            <a:cxnSpLocks/>
+          </p:cNvCxnSpPr>
+          <p:nvPr/>
+        </p:nvCxnSpPr>
+        <p:spPr>
+          <a:xfrm flipV="1">
+            <a:off x="6372200" y="3048170"/>
+            <a:ext cx="0" cy="155660"/>
+          </a:xfrm>
+          <a:prstGeom prst="straightConnector1">
+            <a:avLst/>
+          </a:prstGeom>
+          <a:ln w="28575">
+            <a:solidFill>
+              <a:schemeClr val="accent6">
+                <a:lumMod val="50000"/>
+              </a:schemeClr>
+            </a:solidFill>
+            <a:headEnd type="arrow" w="med" len="med"/>
+            <a:tailEnd type="none" w="med" len="med"/>
+          </a:ln>
+        </p:spPr>
+        <p:style>
+          <a:lnRef idx="1">
+            <a:schemeClr val="accent1"/>
+          </a:lnRef>
+          <a:fillRef idx="0">
+            <a:schemeClr val="accent1"/>
+          </a:fillRef>
+          <a:effectRef idx="0">
+            <a:schemeClr val="accent1"/>
+          </a:effectRef>
+          <a:fontRef idx="minor">
+            <a:schemeClr val="tx1"/>
+          </a:fontRef>
+        </p:style>
+      </p:cxnSp>
+      <p:cxnSp>
+        <p:nvCxnSpPr>
+          <p:cNvPr id="81" name="직선 화살표 연결선 80">
+            <a:extLst>
+              <a:ext uri="{FF2B5EF4-FFF2-40B4-BE49-F238E27FC236}">
+                <a16:creationId xmlns:a16="http://schemas.microsoft.com/office/drawing/2014/main" id="{32852052-08B4-44B6-84A9-BE1F59022109}"/>
+              </a:ext>
+            </a:extLst>
+          </p:cNvPr>
+          <p:cNvCxnSpPr>
+            <a:cxnSpLocks/>
+          </p:cNvCxnSpPr>
+          <p:nvPr/>
+        </p:nvCxnSpPr>
+        <p:spPr>
+          <a:xfrm flipV="1">
+            <a:off x="7884368" y="3048170"/>
+            <a:ext cx="0" cy="155660"/>
+          </a:xfrm>
+          <a:prstGeom prst="straightConnector1">
+            <a:avLst/>
+          </a:prstGeom>
+          <a:ln w="28575">
+            <a:solidFill>
+              <a:schemeClr val="accent6">
+                <a:lumMod val="50000"/>
+              </a:schemeClr>
+            </a:solidFill>
+            <a:headEnd type="arrow" w="med" len="med"/>
+            <a:tailEnd type="none" w="med" len="med"/>
+          </a:ln>
+        </p:spPr>
+        <p:style>
+          <a:lnRef idx="1">
+            <a:schemeClr val="accent1"/>
+          </a:lnRef>
+          <a:fillRef idx="0">
+            <a:schemeClr val="accent1"/>
+          </a:fillRef>
+          <a:effectRef idx="0">
+            <a:schemeClr val="accent1"/>
+          </a:effectRef>
+          <a:fontRef idx="minor">
+            <a:schemeClr val="tx1"/>
+          </a:fontRef>
+        </p:style>
+      </p:cxnSp>
+      <p:cxnSp>
+        <p:nvCxnSpPr>
+          <p:cNvPr id="12" name="직선 연결선 11">
+            <a:extLst>
+              <a:ext uri="{FF2B5EF4-FFF2-40B4-BE49-F238E27FC236}">
+                <a16:creationId xmlns:a16="http://schemas.microsoft.com/office/drawing/2014/main" id="{706BB454-2220-4F7B-BC7A-5B9CE8325837}"/>
+              </a:ext>
+            </a:extLst>
+          </p:cNvPr>
+          <p:cNvCxnSpPr>
+            <a:cxnSpLocks/>
+          </p:cNvCxnSpPr>
+          <p:nvPr/>
+        </p:nvCxnSpPr>
+        <p:spPr>
+          <a:xfrm flipH="1">
+            <a:off x="3517902" y="3059406"/>
+            <a:ext cx="4378323" cy="0"/>
+          </a:xfrm>
+          <a:prstGeom prst="line">
+            <a:avLst/>
+          </a:prstGeom>
+          <a:ln w="28575">
+            <a:solidFill>
+              <a:schemeClr val="accent6">
+                <a:lumMod val="50000"/>
+              </a:schemeClr>
+            </a:solidFill>
+          </a:ln>
+        </p:spPr>
+        <p:style>
+          <a:lnRef idx="1">
+            <a:schemeClr val="accent1"/>
+          </a:lnRef>
+          <a:fillRef idx="0">
+            <a:schemeClr val="accent1"/>
+          </a:fillRef>
+          <a:effectRef idx="0">
+            <a:schemeClr val="accent1"/>
+          </a:effectRef>
+          <a:fontRef idx="minor">
+            <a:schemeClr val="tx1"/>
+          </a:fontRef>
+        </p:style>
+      </p:cxnSp>
+      <p:cxnSp>
+        <p:nvCxnSpPr>
+          <p:cNvPr id="85" name="직선 연결선 84">
+            <a:extLst>
+              <a:ext uri="{FF2B5EF4-FFF2-40B4-BE49-F238E27FC236}">
+                <a16:creationId xmlns:a16="http://schemas.microsoft.com/office/drawing/2014/main" id="{3FA01052-D40E-4AFD-A559-B4C48996D065}"/>
+              </a:ext>
+            </a:extLst>
+          </p:cNvPr>
+          <p:cNvCxnSpPr>
+            <a:cxnSpLocks/>
+            <a:endCxn id="287" idx="2"/>
+          </p:cNvCxnSpPr>
+          <p:nvPr/>
+        </p:nvCxnSpPr>
+        <p:spPr>
+          <a:xfrm flipV="1">
+            <a:off x="3527109" y="2839923"/>
+            <a:ext cx="0" cy="228190"/>
+          </a:xfrm>
+          <a:prstGeom prst="line">
+            <a:avLst/>
+          </a:prstGeom>
+          <a:ln w="28575">
+            <a:solidFill>
+              <a:schemeClr val="accent6">
+                <a:lumMod val="50000"/>
+              </a:schemeClr>
+            </a:solidFill>
+          </a:ln>
+        </p:spPr>
+        <p:style>
+          <a:lnRef idx="1">
+            <a:schemeClr val="accent1"/>
+          </a:lnRef>
+          <a:fillRef idx="0">
+            <a:schemeClr val="accent1"/>
+          </a:fillRef>
+          <a:effectRef idx="0">
+            <a:schemeClr val="accent1"/>
+          </a:effectRef>
+          <a:fontRef idx="minor">
+            <a:schemeClr val="tx1"/>
+          </a:fontRef>
+        </p:style>
+      </p:cxnSp>
+      <p:cxnSp>
+        <p:nvCxnSpPr>
+          <p:cNvPr id="100" name="직선 화살표 연결선 99">
+            <a:extLst>
+              <a:ext uri="{FF2B5EF4-FFF2-40B4-BE49-F238E27FC236}">
+                <a16:creationId xmlns:a16="http://schemas.microsoft.com/office/drawing/2014/main" id="{47210A37-4BD6-4477-9913-937F64D1B87A}"/>
+              </a:ext>
+            </a:extLst>
+          </p:cNvPr>
+          <p:cNvCxnSpPr>
+            <a:cxnSpLocks/>
+          </p:cNvCxnSpPr>
+          <p:nvPr/>
+        </p:nvCxnSpPr>
+        <p:spPr>
+          <a:xfrm flipV="1">
+            <a:off x="4997788" y="2983867"/>
+            <a:ext cx="0" cy="219963"/>
+          </a:xfrm>
+          <a:prstGeom prst="straightConnector1">
+            <a:avLst/>
+          </a:prstGeom>
+          <a:ln w="28575">
+            <a:solidFill>
+              <a:schemeClr val="accent6">
+                <a:lumMod val="75000"/>
+              </a:schemeClr>
+            </a:solidFill>
+            <a:headEnd type="arrow" w="med" len="med"/>
+            <a:tailEnd type="none" w="med" len="med"/>
+          </a:ln>
+        </p:spPr>
+        <p:style>
+          <a:lnRef idx="1">
+            <a:schemeClr val="accent1"/>
+          </a:lnRef>
+          <a:fillRef idx="0">
+            <a:schemeClr val="accent1"/>
+          </a:fillRef>
+          <a:effectRef idx="0">
+            <a:schemeClr val="accent1"/>
+          </a:effectRef>
+          <a:fontRef idx="minor">
+            <a:schemeClr val="tx1"/>
+          </a:fontRef>
+        </p:style>
+      </p:cxnSp>
+      <p:cxnSp>
+        <p:nvCxnSpPr>
+          <p:cNvPr id="105" name="직선 화살표 연결선 104">
+            <a:extLst>
+              <a:ext uri="{FF2B5EF4-FFF2-40B4-BE49-F238E27FC236}">
+                <a16:creationId xmlns:a16="http://schemas.microsoft.com/office/drawing/2014/main" id="{2D3BEB7A-F227-4CF9-B68A-7F4129786EFA}"/>
+              </a:ext>
+            </a:extLst>
+          </p:cNvPr>
+          <p:cNvCxnSpPr>
+            <a:cxnSpLocks/>
+          </p:cNvCxnSpPr>
+          <p:nvPr/>
+        </p:nvCxnSpPr>
+        <p:spPr>
+          <a:xfrm flipV="1">
+            <a:off x="6732240" y="2983867"/>
+            <a:ext cx="0" cy="219963"/>
+          </a:xfrm>
+          <a:prstGeom prst="straightConnector1">
+            <a:avLst/>
+          </a:prstGeom>
+          <a:ln w="28575">
+            <a:solidFill>
+              <a:schemeClr val="accent6">
+                <a:lumMod val="75000"/>
+              </a:schemeClr>
+            </a:solidFill>
+            <a:headEnd type="arrow" w="med" len="med"/>
+            <a:tailEnd type="none" w="med" len="med"/>
+          </a:ln>
+        </p:spPr>
+        <p:style>
+          <a:lnRef idx="1">
+            <a:schemeClr val="accent1"/>
+          </a:lnRef>
+          <a:fillRef idx="0">
+            <a:schemeClr val="accent1"/>
+          </a:fillRef>
+          <a:effectRef idx="0">
+            <a:schemeClr val="accent1"/>
+          </a:effectRef>
+          <a:fontRef idx="minor">
+            <a:schemeClr val="tx1"/>
+          </a:fontRef>
+        </p:style>
+      </p:cxnSp>
+      <p:cxnSp>
+        <p:nvCxnSpPr>
+          <p:cNvPr id="109" name="직선 화살표 연결선 108">
+            <a:extLst>
+              <a:ext uri="{FF2B5EF4-FFF2-40B4-BE49-F238E27FC236}">
+                <a16:creationId xmlns:a16="http://schemas.microsoft.com/office/drawing/2014/main" id="{387BD2EF-8AF0-4A16-902D-B918BB76B91D}"/>
+              </a:ext>
+            </a:extLst>
+          </p:cNvPr>
+          <p:cNvCxnSpPr>
+            <a:cxnSpLocks/>
+          </p:cNvCxnSpPr>
+          <p:nvPr/>
+        </p:nvCxnSpPr>
+        <p:spPr>
+          <a:xfrm flipV="1">
+            <a:off x="8244408" y="2983867"/>
+            <a:ext cx="0" cy="219963"/>
+          </a:xfrm>
+          <a:prstGeom prst="straightConnector1">
+            <a:avLst/>
+          </a:prstGeom>
+          <a:ln w="28575">
+            <a:solidFill>
+              <a:schemeClr val="accent6">
+                <a:lumMod val="75000"/>
+              </a:schemeClr>
+            </a:solidFill>
+            <a:headEnd type="arrow" w="med" len="med"/>
+            <a:tailEnd type="none" w="med" len="med"/>
+          </a:ln>
+        </p:spPr>
+        <p:style>
+          <a:lnRef idx="1">
+            <a:schemeClr val="accent1"/>
+          </a:lnRef>
+          <a:fillRef idx="0">
+            <a:schemeClr val="accent1"/>
+          </a:fillRef>
+          <a:effectRef idx="0">
+            <a:schemeClr val="accent1"/>
+          </a:effectRef>
+          <a:fontRef idx="minor">
+            <a:schemeClr val="tx1"/>
+          </a:fontRef>
+        </p:style>
+      </p:cxnSp>
+      <p:cxnSp>
+        <p:nvCxnSpPr>
+          <p:cNvPr id="110" name="직선 연결선 109">
+            <a:extLst>
+              <a:ext uri="{FF2B5EF4-FFF2-40B4-BE49-F238E27FC236}">
+                <a16:creationId xmlns:a16="http://schemas.microsoft.com/office/drawing/2014/main" id="{88CD330A-F91B-4B3C-9D8D-5B182D99BA72}"/>
+              </a:ext>
+            </a:extLst>
+          </p:cNvPr>
+          <p:cNvCxnSpPr>
+            <a:cxnSpLocks/>
+          </p:cNvCxnSpPr>
+          <p:nvPr/>
+        </p:nvCxnSpPr>
+        <p:spPr>
+          <a:xfrm flipH="1">
+            <a:off x="4991100" y="2998387"/>
+            <a:ext cx="3263900" cy="0"/>
+          </a:xfrm>
+          <a:prstGeom prst="line">
+            <a:avLst/>
+          </a:prstGeom>
+          <a:ln w="28575">
+            <a:solidFill>
+              <a:schemeClr val="accent6">
+                <a:lumMod val="75000"/>
+              </a:schemeClr>
+            </a:solidFill>
+          </a:ln>
+        </p:spPr>
+        <p:style>
+          <a:lnRef idx="1">
+            <a:schemeClr val="accent1"/>
+          </a:lnRef>
+          <a:fillRef idx="0">
+            <a:schemeClr val="accent1"/>
+          </a:fillRef>
+          <a:effectRef idx="0">
+            <a:schemeClr val="accent1"/>
+          </a:effectRef>
+          <a:fontRef idx="minor">
+            <a:schemeClr val="tx1"/>
+          </a:fontRef>
+        </p:style>
+      </p:cxnSp>
+      <p:cxnSp>
+        <p:nvCxnSpPr>
+          <p:cNvPr id="111" name="직선 연결선 110">
+            <a:extLst>
+              <a:ext uri="{FF2B5EF4-FFF2-40B4-BE49-F238E27FC236}">
+                <a16:creationId xmlns:a16="http://schemas.microsoft.com/office/drawing/2014/main" id="{3440DF58-9AF5-4B90-A9C5-029095684E56}"/>
+              </a:ext>
+            </a:extLst>
+          </p:cNvPr>
+          <p:cNvCxnSpPr>
+            <a:cxnSpLocks/>
+            <a:endCxn id="296" idx="2"/>
+          </p:cNvCxnSpPr>
+          <p:nvPr/>
+        </p:nvCxnSpPr>
+        <p:spPr>
+          <a:xfrm flipV="1">
+            <a:off x="8179796" y="2839924"/>
+            <a:ext cx="0" cy="149969"/>
+          </a:xfrm>
+          <a:prstGeom prst="line">
+            <a:avLst/>
+          </a:prstGeom>
+          <a:ln w="28575">
+            <a:solidFill>
+              <a:schemeClr val="accent6">
+                <a:lumMod val="75000"/>
+              </a:schemeClr>
+            </a:solidFill>
+          </a:ln>
+        </p:spPr>
+        <p:style>
+          <a:lnRef idx="1">
+            <a:schemeClr val="accent1"/>
+          </a:lnRef>
+          <a:fillRef idx="0">
+            <a:schemeClr val="accent1"/>
+          </a:fillRef>
+          <a:effectRef idx="0">
+            <a:schemeClr val="accent1"/>
+          </a:effectRef>
+          <a:fontRef idx="minor">
+            <a:schemeClr val="tx1"/>
+          </a:fontRef>
+        </p:style>
+      </p:cxnSp>
+      <p:cxnSp>
+        <p:nvCxnSpPr>
+          <p:cNvPr id="118" name="직선 화살표 연결선 117">
+            <a:extLst>
+              <a:ext uri="{FF2B5EF4-FFF2-40B4-BE49-F238E27FC236}">
+                <a16:creationId xmlns:a16="http://schemas.microsoft.com/office/drawing/2014/main" id="{281CFEB4-011B-4BC4-A0CB-6D8D1493B664}"/>
+              </a:ext>
+            </a:extLst>
+          </p:cNvPr>
+          <p:cNvCxnSpPr>
+            <a:cxnSpLocks/>
+          </p:cNvCxnSpPr>
+          <p:nvPr/>
+        </p:nvCxnSpPr>
+        <p:spPr>
+          <a:xfrm flipV="1">
+            <a:off x="2486437" y="1789276"/>
+            <a:ext cx="5228813" cy="10946"/>
+          </a:xfrm>
+          <a:prstGeom prst="straightConnector1">
+            <a:avLst/>
+          </a:prstGeom>
+          <a:ln w="28575">
+            <a:solidFill>
+              <a:schemeClr val="accent4">
+                <a:lumMod val="75000"/>
+              </a:schemeClr>
+            </a:solidFill>
+            <a:prstDash val="solid"/>
+            <a:headEnd type="arrow" w="med" len="med"/>
+            <a:tailEnd type="none" w="med" len="med"/>
+          </a:ln>
+        </p:spPr>
+        <p:style>
+          <a:lnRef idx="1">
+            <a:schemeClr val="accent1"/>
+          </a:lnRef>
+          <a:fillRef idx="0">
+            <a:schemeClr val="accent1"/>
+          </a:fillRef>
+          <a:effectRef idx="0">
+            <a:schemeClr val="accent1"/>
+          </a:effectRef>
+          <a:fontRef idx="minor">
+            <a:schemeClr val="tx1"/>
+          </a:fontRef>
+        </p:style>
+      </p:cxnSp>
+      <p:cxnSp>
+        <p:nvCxnSpPr>
+          <p:cNvPr id="119" name="직선 화살표 연결선 118">
+            <a:extLst>
+              <a:ext uri="{FF2B5EF4-FFF2-40B4-BE49-F238E27FC236}">
+                <a16:creationId xmlns:a16="http://schemas.microsoft.com/office/drawing/2014/main" id="{FC595AB5-A2BB-4151-A088-4AB1911964DE}"/>
+              </a:ext>
+            </a:extLst>
+          </p:cNvPr>
+          <p:cNvCxnSpPr>
+            <a:cxnSpLocks/>
+          </p:cNvCxnSpPr>
+          <p:nvPr/>
+        </p:nvCxnSpPr>
+        <p:spPr>
+          <a:xfrm flipV="1">
+            <a:off x="3059832" y="1821519"/>
+            <a:ext cx="0" cy="241446"/>
+          </a:xfrm>
+          <a:prstGeom prst="straightConnector1">
+            <a:avLst/>
+          </a:prstGeom>
+          <a:ln w="28575">
+            <a:solidFill>
+              <a:schemeClr val="accent4">
+                <a:lumMod val="75000"/>
+              </a:schemeClr>
+            </a:solidFill>
+            <a:prstDash val="solid"/>
+            <a:headEnd type="none" w="med" len="med"/>
+            <a:tailEnd type="none" w="med" len="med"/>
+          </a:ln>
+        </p:spPr>
+        <p:style>
+          <a:lnRef idx="1">
+            <a:schemeClr val="accent1"/>
+          </a:lnRef>
+          <a:fillRef idx="0">
+            <a:schemeClr val="accent1"/>
+          </a:fillRef>
+          <a:effectRef idx="0">
+            <a:schemeClr val="accent1"/>
+          </a:effectRef>
+          <a:fontRef idx="minor">
+            <a:schemeClr val="tx1"/>
+          </a:fontRef>
+        </p:style>
+      </p:cxnSp>
+      <p:cxnSp>
+        <p:nvCxnSpPr>
+          <p:cNvPr id="125" name="직선 화살표 연결선 124">
+            <a:extLst>
+              <a:ext uri="{FF2B5EF4-FFF2-40B4-BE49-F238E27FC236}">
+                <a16:creationId xmlns:a16="http://schemas.microsoft.com/office/drawing/2014/main" id="{5D769F89-C426-4541-B014-DB59A1A4BF92}"/>
+              </a:ext>
+            </a:extLst>
+          </p:cNvPr>
+          <p:cNvCxnSpPr>
+            <a:cxnSpLocks/>
+          </p:cNvCxnSpPr>
+          <p:nvPr/>
+        </p:nvCxnSpPr>
+        <p:spPr>
+          <a:xfrm flipV="1">
+            <a:off x="4508955" y="1821519"/>
+            <a:ext cx="0" cy="241446"/>
+          </a:xfrm>
+          <a:prstGeom prst="straightConnector1">
+            <a:avLst/>
+          </a:prstGeom>
+          <a:ln w="28575">
+            <a:solidFill>
+              <a:schemeClr val="accent4">
+                <a:lumMod val="75000"/>
+              </a:schemeClr>
+            </a:solidFill>
+            <a:prstDash val="solid"/>
+            <a:headEnd type="none" w="med" len="med"/>
+            <a:tailEnd type="none" w="med" len="med"/>
+          </a:ln>
+        </p:spPr>
+        <p:style>
+          <a:lnRef idx="1">
+            <a:schemeClr val="accent1"/>
+          </a:lnRef>
+          <a:fillRef idx="0">
+            <a:schemeClr val="accent1"/>
+          </a:fillRef>
+          <a:effectRef idx="0">
+            <a:schemeClr val="accent1"/>
+          </a:effectRef>
+          <a:fontRef idx="minor">
+            <a:schemeClr val="tx1"/>
+          </a:fontRef>
+        </p:style>
+      </p:cxnSp>
+      <p:cxnSp>
+        <p:nvCxnSpPr>
+          <p:cNvPr id="126" name="직선 화살표 연결선 125">
+            <a:extLst>
+              <a:ext uri="{FF2B5EF4-FFF2-40B4-BE49-F238E27FC236}">
+                <a16:creationId xmlns:a16="http://schemas.microsoft.com/office/drawing/2014/main" id="{4329C6E2-F129-4190-85C8-781CCAC9843C}"/>
+              </a:ext>
+            </a:extLst>
+          </p:cNvPr>
+          <p:cNvCxnSpPr>
+            <a:cxnSpLocks/>
+          </p:cNvCxnSpPr>
+          <p:nvPr/>
+        </p:nvCxnSpPr>
+        <p:spPr>
+          <a:xfrm flipV="1">
+            <a:off x="6218095" y="1821519"/>
+            <a:ext cx="0" cy="241446"/>
+          </a:xfrm>
+          <a:prstGeom prst="straightConnector1">
+            <a:avLst/>
+          </a:prstGeom>
+          <a:ln w="28575">
+            <a:solidFill>
+              <a:schemeClr val="accent4">
+                <a:lumMod val="75000"/>
+              </a:schemeClr>
+            </a:solidFill>
+            <a:prstDash val="solid"/>
+            <a:headEnd type="none" w="med" len="med"/>
+            <a:tailEnd type="none" w="med" len="med"/>
+          </a:ln>
+        </p:spPr>
+        <p:style>
+          <a:lnRef idx="1">
+            <a:schemeClr val="accent1"/>
+          </a:lnRef>
+          <a:fillRef idx="0">
+            <a:schemeClr val="accent1"/>
+          </a:fillRef>
+          <a:effectRef idx="0">
+            <a:schemeClr val="accent1"/>
+          </a:effectRef>
+          <a:fontRef idx="minor">
+            <a:schemeClr val="tx1"/>
+          </a:fontRef>
+        </p:style>
+      </p:cxnSp>
+      <p:cxnSp>
+        <p:nvCxnSpPr>
+          <p:cNvPr id="128" name="직선 화살표 연결선 127">
+            <a:extLst>
+              <a:ext uri="{FF2B5EF4-FFF2-40B4-BE49-F238E27FC236}">
+                <a16:creationId xmlns:a16="http://schemas.microsoft.com/office/drawing/2014/main" id="{CF5B679D-F4AF-499A-B2D7-CAD670FC95F7}"/>
+              </a:ext>
+            </a:extLst>
+          </p:cNvPr>
+          <p:cNvCxnSpPr>
+            <a:cxnSpLocks/>
+          </p:cNvCxnSpPr>
+          <p:nvPr/>
+        </p:nvCxnSpPr>
+        <p:spPr>
+          <a:xfrm flipV="1">
+            <a:off x="7706448" y="1821519"/>
+            <a:ext cx="0" cy="241446"/>
+          </a:xfrm>
+          <a:prstGeom prst="straightConnector1">
+            <a:avLst/>
+          </a:prstGeom>
+          <a:ln w="28575">
+            <a:solidFill>
+              <a:schemeClr val="accent4">
+                <a:lumMod val="75000"/>
+              </a:schemeClr>
+            </a:solidFill>
+            <a:prstDash val="solid"/>
+            <a:headEnd type="none" w="med" len="med"/>
+            <a:tailEnd type="none" w="med" len="med"/>
+          </a:ln>
+        </p:spPr>
+        <p:style>
+          <a:lnRef idx="1">
+            <a:schemeClr val="accent1"/>
+          </a:lnRef>
+          <a:fillRef idx="0">
+            <a:schemeClr val="accent1"/>
+          </a:fillRef>
+          <a:effectRef idx="0">
+            <a:schemeClr val="accent1"/>
+          </a:effectRef>
+          <a:fontRef idx="minor">
+            <a:schemeClr val="tx1"/>
+          </a:fontRef>
+        </p:style>
+      </p:cxnSp>
+      <p:cxnSp>
+        <p:nvCxnSpPr>
+          <p:cNvPr id="135" name="직선 화살표 연결선 134">
+            <a:extLst>
+              <a:ext uri="{FF2B5EF4-FFF2-40B4-BE49-F238E27FC236}">
+                <a16:creationId xmlns:a16="http://schemas.microsoft.com/office/drawing/2014/main" id="{3E5A0C61-A25A-4EBB-BA45-66872575E911}"/>
+              </a:ext>
+            </a:extLst>
+          </p:cNvPr>
+          <p:cNvCxnSpPr>
+            <a:cxnSpLocks/>
+          </p:cNvCxnSpPr>
+          <p:nvPr/>
+        </p:nvCxnSpPr>
+        <p:spPr>
+          <a:xfrm>
+            <a:off x="4232275" y="2939075"/>
+            <a:ext cx="4664075" cy="0"/>
+          </a:xfrm>
+          <a:prstGeom prst="straightConnector1">
+            <a:avLst/>
+          </a:prstGeom>
+          <a:ln w="28575">
+            <a:solidFill>
+              <a:schemeClr val="accent5">
+                <a:lumMod val="50000"/>
+              </a:schemeClr>
+            </a:solidFill>
+            <a:prstDash val="solid"/>
+            <a:headEnd type="none" w="med" len="med"/>
+            <a:tailEnd type="none" w="med" len="med"/>
+          </a:ln>
+        </p:spPr>
+        <p:style>
+          <a:lnRef idx="1">
+            <a:schemeClr val="accent1"/>
+          </a:lnRef>
+          <a:fillRef idx="0">
+            <a:schemeClr val="accent1"/>
+          </a:fillRef>
+          <a:effectRef idx="0">
+            <a:schemeClr val="accent1"/>
+          </a:effectRef>
+          <a:fontRef idx="minor">
+            <a:schemeClr val="tx1"/>
+          </a:fontRef>
+        </p:style>
+      </p:cxnSp>
+      <p:cxnSp>
+        <p:nvCxnSpPr>
+          <p:cNvPr id="140" name="직선 화살표 연결선 139">
+            <a:extLst>
+              <a:ext uri="{FF2B5EF4-FFF2-40B4-BE49-F238E27FC236}">
+                <a16:creationId xmlns:a16="http://schemas.microsoft.com/office/drawing/2014/main" id="{31A99E58-9420-49CE-BD37-B5B4A970CCA0}"/>
+              </a:ext>
+            </a:extLst>
+          </p:cNvPr>
+          <p:cNvCxnSpPr>
+            <a:cxnSpLocks/>
+          </p:cNvCxnSpPr>
+          <p:nvPr/>
+        </p:nvCxnSpPr>
+        <p:spPr>
+          <a:xfrm flipV="1">
+            <a:off x="8600206" y="2929835"/>
+            <a:ext cx="2025" cy="273997"/>
+          </a:xfrm>
+          <a:prstGeom prst="straightConnector1">
+            <a:avLst/>
+          </a:prstGeom>
+          <a:ln w="28575">
+            <a:solidFill>
+              <a:schemeClr val="accent5">
+                <a:lumMod val="50000"/>
+              </a:schemeClr>
+            </a:solidFill>
+            <a:headEnd type="none" w="med" len="med"/>
+            <a:tailEnd type="none" w="med" len="med"/>
+          </a:ln>
+        </p:spPr>
+        <p:style>
+          <a:lnRef idx="1">
+            <a:schemeClr val="accent1"/>
+          </a:lnRef>
+          <a:fillRef idx="0">
+            <a:schemeClr val="accent1"/>
+          </a:fillRef>
+          <a:effectRef idx="0">
+            <a:schemeClr val="accent1"/>
+          </a:effectRef>
+          <a:fontRef idx="minor">
+            <a:schemeClr val="tx1"/>
+          </a:fontRef>
+        </p:style>
+      </p:cxnSp>
+      <p:cxnSp>
+        <p:nvCxnSpPr>
+          <p:cNvPr id="141" name="직선 화살표 연결선 140">
+            <a:extLst>
+              <a:ext uri="{FF2B5EF4-FFF2-40B4-BE49-F238E27FC236}">
+                <a16:creationId xmlns:a16="http://schemas.microsoft.com/office/drawing/2014/main" id="{1076969E-9CE5-4724-92B6-2FB618433276}"/>
+              </a:ext>
+            </a:extLst>
+          </p:cNvPr>
+          <p:cNvCxnSpPr>
+            <a:cxnSpLocks/>
+          </p:cNvCxnSpPr>
+          <p:nvPr/>
+        </p:nvCxnSpPr>
+        <p:spPr>
+          <a:xfrm flipV="1">
+            <a:off x="7035368" y="2929835"/>
+            <a:ext cx="2025" cy="273997"/>
+          </a:xfrm>
+          <a:prstGeom prst="straightConnector1">
+            <a:avLst/>
+          </a:prstGeom>
+          <a:ln w="28575">
+            <a:solidFill>
+              <a:schemeClr val="accent5">
+                <a:lumMod val="50000"/>
+              </a:schemeClr>
+            </a:solidFill>
+            <a:headEnd type="none" w="med" len="med"/>
+            <a:tailEnd type="none" w="med" len="med"/>
+          </a:ln>
+        </p:spPr>
+        <p:style>
+          <a:lnRef idx="1">
+            <a:schemeClr val="accent1"/>
+          </a:lnRef>
+          <a:fillRef idx="0">
+            <a:schemeClr val="accent1"/>
+          </a:fillRef>
+          <a:effectRef idx="0">
+            <a:schemeClr val="accent1"/>
+          </a:effectRef>
+          <a:fontRef idx="minor">
+            <a:schemeClr val="tx1"/>
+          </a:fontRef>
+        </p:style>
+      </p:cxnSp>
+      <p:cxnSp>
+        <p:nvCxnSpPr>
+          <p:cNvPr id="142" name="직선 화살표 연결선 141">
+            <a:extLst>
+              <a:ext uri="{FF2B5EF4-FFF2-40B4-BE49-F238E27FC236}">
+                <a16:creationId xmlns:a16="http://schemas.microsoft.com/office/drawing/2014/main" id="{6F2C9AD5-F183-4C9D-9CB5-CBE9E89E460D}"/>
+              </a:ext>
+            </a:extLst>
+          </p:cNvPr>
+          <p:cNvCxnSpPr>
+            <a:cxnSpLocks/>
+          </p:cNvCxnSpPr>
+          <p:nvPr/>
+        </p:nvCxnSpPr>
+        <p:spPr>
+          <a:xfrm flipV="1">
+            <a:off x="5320959" y="2929835"/>
+            <a:ext cx="2025" cy="273997"/>
+          </a:xfrm>
+          <a:prstGeom prst="straightConnector1">
+            <a:avLst/>
+          </a:prstGeom>
+          <a:ln w="28575">
+            <a:solidFill>
+              <a:schemeClr val="accent5">
+                <a:lumMod val="50000"/>
+              </a:schemeClr>
+            </a:solidFill>
+            <a:headEnd type="none" w="med" len="med"/>
+            <a:tailEnd type="none" w="med" len="med"/>
+          </a:ln>
+        </p:spPr>
+        <p:style>
+          <a:lnRef idx="1">
+            <a:schemeClr val="accent1"/>
+          </a:lnRef>
+          <a:fillRef idx="0">
+            <a:schemeClr val="accent1"/>
+          </a:fillRef>
+          <a:effectRef idx="0">
+            <a:schemeClr val="accent1"/>
+          </a:effectRef>
+          <a:fontRef idx="minor">
+            <a:schemeClr val="tx1"/>
+          </a:fontRef>
+        </p:style>
+      </p:cxnSp>
+      <p:cxnSp>
+        <p:nvCxnSpPr>
+          <p:cNvPr id="240" name="직선 화살표 연결선 239">
+            <a:extLst>
+              <a:ext uri="{FF2B5EF4-FFF2-40B4-BE49-F238E27FC236}">
+                <a16:creationId xmlns:a16="http://schemas.microsoft.com/office/drawing/2014/main" id="{29C61F80-7642-4D87-8EF0-82074BD1916B}"/>
+              </a:ext>
+            </a:extLst>
+          </p:cNvPr>
+          <p:cNvCxnSpPr>
+            <a:cxnSpLocks/>
+            <a:stCxn id="287" idx="2"/>
+            <a:endCxn id="55" idx="0"/>
+          </p:cNvCxnSpPr>
+          <p:nvPr/>
+        </p:nvCxnSpPr>
+        <p:spPr>
+          <a:xfrm flipH="1">
+            <a:off x="1799227" y="2839923"/>
+            <a:ext cx="1727882" cy="806536"/>
+          </a:xfrm>
+          <a:prstGeom prst="straightConnector1">
+            <a:avLst/>
+          </a:prstGeom>
+          <a:ln w="28575">
+            <a:solidFill>
+              <a:schemeClr val="accent6">
+                <a:lumMod val="50000"/>
+              </a:schemeClr>
+            </a:solidFill>
+            <a:headEnd type="arrow" w="med" len="med"/>
+            <a:tailEnd type="none" w="med" len="med"/>
+          </a:ln>
+        </p:spPr>
+        <p:style>
+          <a:lnRef idx="1">
+            <a:schemeClr val="accent1"/>
+          </a:lnRef>
+          <a:fillRef idx="0">
+            <a:schemeClr val="accent1"/>
+          </a:fillRef>
+          <a:effectRef idx="0">
+            <a:schemeClr val="accent1"/>
+          </a:effectRef>
+          <a:fontRef idx="minor">
+            <a:schemeClr val="tx1"/>
+          </a:fontRef>
+        </p:style>
+      </p:cxnSp>
+      <p:sp>
+        <p:nvSpPr>
+          <p:cNvPr id="149" name="자유형: 도형 148">
+            <a:extLst>
+              <a:ext uri="{FF2B5EF4-FFF2-40B4-BE49-F238E27FC236}">
+                <a16:creationId xmlns:a16="http://schemas.microsoft.com/office/drawing/2014/main" id="{648E10C7-111C-43D8-A28A-C2AC8B554E24}"/>
+              </a:ext>
+            </a:extLst>
+          </p:cNvPr>
+          <p:cNvSpPr/>
+          <p:nvPr/>
+        </p:nvSpPr>
+        <p:spPr>
+          <a:xfrm>
+            <a:off x="5554967" y="2166897"/>
+            <a:ext cx="154258" cy="771249"/>
+          </a:xfrm>
+          <a:custGeom>
+            <a:avLst/>
+            <a:gdLst>
+              <a:gd name="connsiteX0" fmla="*/ 0 w 204788"/>
+              <a:gd name="connsiteY0" fmla="*/ 0 h 495300"/>
+              <a:gd name="connsiteX1" fmla="*/ 204788 w 204788"/>
+              <a:gd name="connsiteY1" fmla="*/ 0 h 495300"/>
+              <a:gd name="connsiteX2" fmla="*/ 204788 w 204788"/>
+              <a:gd name="connsiteY2" fmla="*/ 495300 h 495300"/>
+            </a:gdLst>
+            <a:ahLst/>
+            <a:cxnLst>
+              <a:cxn ang="0">
+                <a:pos x="connsiteX0" y="connsiteY0"/>
+              </a:cxn>
+              <a:cxn ang="0">
+                <a:pos x="connsiteX1" y="connsiteY1"/>
+              </a:cxn>
+              <a:cxn ang="0">
+                <a:pos x="connsiteX2" y="connsiteY2"/>
+              </a:cxn>
+            </a:cxnLst>
+            <a:rect l="l" t="t" r="r" b="b"/>
+            <a:pathLst>
+              <a:path w="204788" h="495300">
+                <a:moveTo>
+                  <a:pt x="0" y="0"/>
+                </a:moveTo>
+                <a:lnTo>
+                  <a:pt x="204788" y="0"/>
+                </a:lnTo>
+                <a:lnTo>
+                  <a:pt x="204788" y="495300"/>
+                </a:lnTo>
+              </a:path>
+            </a:pathLst>
+          </a:custGeom>
+          <a:noFill/>
+          <a:ln w="28575">
+            <a:solidFill>
+              <a:schemeClr val="accent5">
+                <a:lumMod val="50000"/>
+              </a:schemeClr>
+            </a:solidFill>
+            <a:headEnd type="arrow" w="med" len="med"/>
+            <a:tailEnd type="none" w="med" len="med"/>
+          </a:ln>
+        </p:spPr>
+        <p:style>
+          <a:lnRef idx="2">
+            <a:schemeClr val="accent1">
+              <a:shade val="50000"/>
+            </a:schemeClr>
+          </a:lnRef>
+          <a:fillRef idx="1">
+            <a:schemeClr val="accent1"/>
+          </a:fillRef>
+          <a:effectRef idx="0">
+            <a:schemeClr val="accent1"/>
+          </a:effectRef>
+          <a:fontRef idx="minor">
+            <a:schemeClr val="lt1"/>
+          </a:fontRef>
+        </p:style>
+        <p:txBody>
+          <a:bodyPr rtlCol="0" anchor="ctr"/>
+          <a:lstStyle/>
+          <a:p>
+            <a:pPr algn="ctr"/>
+            <a:endParaRPr lang="ko-KR" altLang="en-US"/>
+          </a:p>
+        </p:txBody>
+      </p:sp>
+      <p:sp>
+        <p:nvSpPr>
+          <p:cNvPr id="152" name="자유형: 도형 151">
+            <a:extLst>
+              <a:ext uri="{FF2B5EF4-FFF2-40B4-BE49-F238E27FC236}">
+                <a16:creationId xmlns:a16="http://schemas.microsoft.com/office/drawing/2014/main" id="{64E4F8B2-842F-448C-8F9C-E291B86DC696}"/>
+              </a:ext>
+            </a:extLst>
+          </p:cNvPr>
+          <p:cNvSpPr/>
+          <p:nvPr/>
+        </p:nvSpPr>
+        <p:spPr>
+          <a:xfrm>
+            <a:off x="8738957" y="2166897"/>
+            <a:ext cx="154258" cy="771249"/>
+          </a:xfrm>
+          <a:custGeom>
+            <a:avLst/>
+            <a:gdLst>
+              <a:gd name="connsiteX0" fmla="*/ 0 w 204788"/>
+              <a:gd name="connsiteY0" fmla="*/ 0 h 495300"/>
+              <a:gd name="connsiteX1" fmla="*/ 204788 w 204788"/>
+              <a:gd name="connsiteY1" fmla="*/ 0 h 495300"/>
+              <a:gd name="connsiteX2" fmla="*/ 204788 w 204788"/>
+              <a:gd name="connsiteY2" fmla="*/ 495300 h 495300"/>
+            </a:gdLst>
+            <a:ahLst/>
+            <a:cxnLst>
+              <a:cxn ang="0">
+                <a:pos x="connsiteX0" y="connsiteY0"/>
+              </a:cxn>
+              <a:cxn ang="0">
+                <a:pos x="connsiteX1" y="connsiteY1"/>
+              </a:cxn>
+              <a:cxn ang="0">
+                <a:pos x="connsiteX2" y="connsiteY2"/>
+              </a:cxn>
+            </a:cxnLst>
+            <a:rect l="l" t="t" r="r" b="b"/>
+            <a:pathLst>
+              <a:path w="204788" h="495300">
+                <a:moveTo>
+                  <a:pt x="0" y="0"/>
+                </a:moveTo>
+                <a:lnTo>
+                  <a:pt x="204788" y="0"/>
+                </a:lnTo>
+                <a:lnTo>
+                  <a:pt x="204788" y="495300"/>
+                </a:lnTo>
+              </a:path>
+            </a:pathLst>
+          </a:custGeom>
+          <a:noFill/>
+          <a:ln w="28575">
+            <a:solidFill>
+              <a:schemeClr val="accent5">
+                <a:lumMod val="50000"/>
+              </a:schemeClr>
+            </a:solidFill>
+            <a:headEnd type="arrow" w="med" len="med"/>
+            <a:tailEnd type="none" w="med" len="med"/>
+          </a:ln>
+        </p:spPr>
+        <p:style>
+          <a:lnRef idx="2">
+            <a:schemeClr val="accent1">
+              <a:shade val="50000"/>
+            </a:schemeClr>
+          </a:lnRef>
+          <a:fillRef idx="1">
+            <a:schemeClr val="accent1"/>
+          </a:fillRef>
+          <a:effectRef idx="0">
+            <a:schemeClr val="accent1"/>
+          </a:effectRef>
+          <a:fontRef idx="minor">
+            <a:schemeClr val="lt1"/>
+          </a:fontRef>
+        </p:style>
+        <p:txBody>
+          <a:bodyPr rtlCol="0" anchor="ctr"/>
+          <a:lstStyle/>
+          <a:p>
+            <a:pPr algn="ctr"/>
+            <a:endParaRPr lang="ko-KR" altLang="en-US"/>
+          </a:p>
+        </p:txBody>
+      </p:sp>
+      <p:sp>
+        <p:nvSpPr>
+          <p:cNvPr id="155" name="자유형: 도형 154">
+            <a:extLst>
+              <a:ext uri="{FF2B5EF4-FFF2-40B4-BE49-F238E27FC236}">
+                <a16:creationId xmlns:a16="http://schemas.microsoft.com/office/drawing/2014/main" id="{5505429F-6DF5-4F2F-8141-114E294E4214}"/>
+              </a:ext>
+            </a:extLst>
+          </p:cNvPr>
+          <p:cNvSpPr/>
+          <p:nvPr/>
+        </p:nvSpPr>
+        <p:spPr>
+          <a:xfrm>
+            <a:off x="7266255" y="2166897"/>
+            <a:ext cx="154258" cy="771249"/>
+          </a:xfrm>
+          <a:custGeom>
+            <a:avLst/>
+            <a:gdLst>
+              <a:gd name="connsiteX0" fmla="*/ 0 w 204788"/>
+              <a:gd name="connsiteY0" fmla="*/ 0 h 495300"/>
+              <a:gd name="connsiteX1" fmla="*/ 204788 w 204788"/>
+              <a:gd name="connsiteY1" fmla="*/ 0 h 495300"/>
+              <a:gd name="connsiteX2" fmla="*/ 204788 w 204788"/>
+              <a:gd name="connsiteY2" fmla="*/ 495300 h 495300"/>
+            </a:gdLst>
+            <a:ahLst/>
+            <a:cxnLst>
+              <a:cxn ang="0">
+                <a:pos x="connsiteX0" y="connsiteY0"/>
+              </a:cxn>
+              <a:cxn ang="0">
+                <a:pos x="connsiteX1" y="connsiteY1"/>
+              </a:cxn>
+              <a:cxn ang="0">
+                <a:pos x="connsiteX2" y="connsiteY2"/>
+              </a:cxn>
+            </a:cxnLst>
+            <a:rect l="l" t="t" r="r" b="b"/>
+            <a:pathLst>
+              <a:path w="204788" h="495300">
+                <a:moveTo>
+                  <a:pt x="0" y="0"/>
+                </a:moveTo>
+                <a:lnTo>
+                  <a:pt x="204788" y="0"/>
+                </a:lnTo>
+                <a:lnTo>
+                  <a:pt x="204788" y="495300"/>
+                </a:lnTo>
+              </a:path>
+            </a:pathLst>
+          </a:custGeom>
+          <a:noFill/>
+          <a:ln w="28575">
+            <a:solidFill>
+              <a:schemeClr val="accent5">
+                <a:lumMod val="50000"/>
+              </a:schemeClr>
+            </a:solidFill>
+            <a:headEnd type="arrow" w="med" len="med"/>
+            <a:tailEnd type="none" w="med" len="med"/>
+          </a:ln>
+        </p:spPr>
+        <p:style>
+          <a:lnRef idx="2">
+            <a:schemeClr val="accent1">
+              <a:shade val="50000"/>
+            </a:schemeClr>
+          </a:lnRef>
+          <a:fillRef idx="1">
+            <a:schemeClr val="accent1"/>
+          </a:fillRef>
+          <a:effectRef idx="0">
+            <a:schemeClr val="accent1"/>
+          </a:effectRef>
+          <a:fontRef idx="minor">
+            <a:schemeClr val="lt1"/>
+          </a:fontRef>
+        </p:style>
+        <p:txBody>
+          <a:bodyPr rtlCol="0" anchor="ctr"/>
+          <a:lstStyle/>
+          <a:p>
+            <a:pPr algn="ctr"/>
+            <a:endParaRPr lang="ko-KR" altLang="en-US"/>
+          </a:p>
+        </p:txBody>
+      </p:sp>
+      <p:sp>
+        <p:nvSpPr>
+          <p:cNvPr id="156" name="자유형: 도형 155">
+            <a:extLst>
+              <a:ext uri="{FF2B5EF4-FFF2-40B4-BE49-F238E27FC236}">
+                <a16:creationId xmlns:a16="http://schemas.microsoft.com/office/drawing/2014/main" id="{E20E4952-E0B2-48A9-A890-7BDC17CC80EE}"/>
+              </a:ext>
+            </a:extLst>
+          </p:cNvPr>
+          <p:cNvSpPr/>
+          <p:nvPr/>
+        </p:nvSpPr>
+        <p:spPr>
+          <a:xfrm>
+            <a:off x="4082085" y="2166897"/>
+            <a:ext cx="154258" cy="771249"/>
+          </a:xfrm>
+          <a:custGeom>
+            <a:avLst/>
+            <a:gdLst>
+              <a:gd name="connsiteX0" fmla="*/ 0 w 204788"/>
+              <a:gd name="connsiteY0" fmla="*/ 0 h 495300"/>
+              <a:gd name="connsiteX1" fmla="*/ 204788 w 204788"/>
+              <a:gd name="connsiteY1" fmla="*/ 0 h 495300"/>
+              <a:gd name="connsiteX2" fmla="*/ 204788 w 204788"/>
+              <a:gd name="connsiteY2" fmla="*/ 495300 h 495300"/>
+            </a:gdLst>
+            <a:ahLst/>
+            <a:cxnLst>
+              <a:cxn ang="0">
+                <a:pos x="connsiteX0" y="connsiteY0"/>
+              </a:cxn>
+              <a:cxn ang="0">
+                <a:pos x="connsiteX1" y="connsiteY1"/>
+              </a:cxn>
+              <a:cxn ang="0">
+                <a:pos x="connsiteX2" y="connsiteY2"/>
+              </a:cxn>
+            </a:cxnLst>
+            <a:rect l="l" t="t" r="r" b="b"/>
+            <a:pathLst>
+              <a:path w="204788" h="495300">
+                <a:moveTo>
+                  <a:pt x="0" y="0"/>
+                </a:moveTo>
+                <a:lnTo>
+                  <a:pt x="204788" y="0"/>
+                </a:lnTo>
+                <a:lnTo>
+                  <a:pt x="204788" y="495300"/>
+                </a:lnTo>
+              </a:path>
+            </a:pathLst>
+          </a:custGeom>
+          <a:noFill/>
+          <a:ln w="28575">
+            <a:solidFill>
+              <a:schemeClr val="accent5">
+                <a:lumMod val="50000"/>
+              </a:schemeClr>
+            </a:solidFill>
+            <a:headEnd type="arrow" w="med" len="med"/>
+            <a:tailEnd type="none" w="med" len="med"/>
+          </a:ln>
+        </p:spPr>
+        <p:style>
+          <a:lnRef idx="2">
+            <a:schemeClr val="accent1">
+              <a:shade val="50000"/>
+            </a:schemeClr>
+          </a:lnRef>
+          <a:fillRef idx="1">
+            <a:schemeClr val="accent1"/>
+          </a:fillRef>
+          <a:effectRef idx="0">
+            <a:schemeClr val="accent1"/>
+          </a:effectRef>
+          <a:fontRef idx="minor">
+            <a:schemeClr val="lt1"/>
+          </a:fontRef>
+        </p:style>
+        <p:txBody>
+          <a:bodyPr rtlCol="0" anchor="ctr"/>
+          <a:lstStyle/>
+          <a:p>
+            <a:pPr algn="ctr"/>
+            <a:endParaRPr lang="ko-KR" altLang="en-US"/>
+          </a:p>
+        </p:txBody>
+      </p:sp>
+      <p:sp>
+        <p:nvSpPr>
+          <p:cNvPr id="158" name="TextBox 157">
+            <a:extLst>
+              <a:ext uri="{FF2B5EF4-FFF2-40B4-BE49-F238E27FC236}">
+                <a16:creationId xmlns:a16="http://schemas.microsoft.com/office/drawing/2014/main" id="{258386D0-E681-434C-923B-314708AFFB77}"/>
+              </a:ext>
+            </a:extLst>
+          </p:cNvPr>
+          <p:cNvSpPr txBox="1"/>
+          <p:nvPr/>
+        </p:nvSpPr>
+        <p:spPr>
+          <a:xfrm>
+            <a:off x="395536" y="802465"/>
+            <a:ext cx="5526159" cy="261610"/>
+          </a:xfrm>
+          <a:prstGeom prst="rect">
+            <a:avLst/>
+          </a:prstGeom>
+          <a:noFill/>
+        </p:spPr>
+        <p:txBody>
+          <a:bodyPr wrap="square" rtlCol="0">
+            <a:spAutoFit/>
+          </a:bodyPr>
+          <a:lstStyle/>
+          <a:p>
+            <a:r>
+              <a:rPr lang="en-US" altLang="ko-KR" sz="1100" b="1"/>
+              <a:t>Service B - Service Port : 443 / NodePort : 32000 / External IP : 192.168.0.200</a:t>
+            </a:r>
+            <a:endParaRPr lang="ko-KR" altLang="en-US" sz="1100" b="1"/>
+          </a:p>
+        </p:txBody>
+      </p:sp>
+      <p:sp>
+        <p:nvSpPr>
+          <p:cNvPr id="159" name="TextBox 158">
+            <a:extLst>
+              <a:ext uri="{FF2B5EF4-FFF2-40B4-BE49-F238E27FC236}">
+                <a16:creationId xmlns:a16="http://schemas.microsoft.com/office/drawing/2014/main" id="{64A58627-27DF-4FDC-BC0F-C9B80AE283C0}"/>
+              </a:ext>
+            </a:extLst>
+          </p:cNvPr>
+          <p:cNvSpPr txBox="1"/>
+          <p:nvPr/>
+        </p:nvSpPr>
+        <p:spPr>
+          <a:xfrm>
+            <a:off x="395536" y="439873"/>
+            <a:ext cx="5526159" cy="261610"/>
+          </a:xfrm>
+          <a:prstGeom prst="rect">
+            <a:avLst/>
+          </a:prstGeom>
+          <a:noFill/>
+        </p:spPr>
+        <p:txBody>
+          <a:bodyPr wrap="square" rtlCol="0">
+            <a:spAutoFit/>
+          </a:bodyPr>
+          <a:lstStyle/>
+          <a:p>
+            <a:r>
+              <a:rPr lang="en-US" altLang="ko-KR" sz="1100" b="1"/>
+              <a:t>Octavia Member Health</a:t>
+            </a:r>
+          </a:p>
+        </p:txBody>
+      </p:sp>
+      <p:cxnSp>
+        <p:nvCxnSpPr>
+          <p:cNvPr id="161" name="직선 화살표 연결선 160">
+            <a:extLst>
+              <a:ext uri="{FF2B5EF4-FFF2-40B4-BE49-F238E27FC236}">
+                <a16:creationId xmlns:a16="http://schemas.microsoft.com/office/drawing/2014/main" id="{823CB693-2A20-4E82-83BF-F620E443B710}"/>
+              </a:ext>
+            </a:extLst>
+          </p:cNvPr>
+          <p:cNvCxnSpPr>
+            <a:cxnSpLocks/>
+            <a:stCxn id="159" idx="1"/>
+          </p:cNvCxnSpPr>
+          <p:nvPr/>
+        </p:nvCxnSpPr>
+        <p:spPr>
+          <a:xfrm flipH="1" flipV="1">
+            <a:off x="137504" y="570342"/>
+            <a:ext cx="258032" cy="336"/>
+          </a:xfrm>
+          <a:prstGeom prst="straightConnector1">
+            <a:avLst/>
+          </a:prstGeom>
+          <a:ln w="28575">
+            <a:solidFill>
+              <a:schemeClr val="accent5">
+                <a:lumMod val="50000"/>
+              </a:schemeClr>
+            </a:solidFill>
+            <a:headEnd type="arrow" w="med" len="med"/>
+            <a:tailEnd type="none" w="med" len="med"/>
+          </a:ln>
+        </p:spPr>
+        <p:style>
+          <a:lnRef idx="1">
+            <a:schemeClr val="accent1"/>
+          </a:lnRef>
+          <a:fillRef idx="0">
+            <a:schemeClr val="accent1"/>
+          </a:fillRef>
+          <a:effectRef idx="0">
+            <a:schemeClr val="accent1"/>
+          </a:effectRef>
+          <a:fontRef idx="minor">
+            <a:schemeClr val="tx1"/>
+          </a:fontRef>
+        </p:style>
+      </p:cxnSp>
+      <p:sp>
+        <p:nvSpPr>
+          <p:cNvPr id="162" name="TextBox 161">
+            <a:extLst>
+              <a:ext uri="{FF2B5EF4-FFF2-40B4-BE49-F238E27FC236}">
+                <a16:creationId xmlns:a16="http://schemas.microsoft.com/office/drawing/2014/main" id="{58AC4D1D-B939-4588-9C3E-7F19913C2CB9}"/>
+              </a:ext>
+            </a:extLst>
+          </p:cNvPr>
+          <p:cNvSpPr txBox="1"/>
+          <p:nvPr/>
+        </p:nvSpPr>
+        <p:spPr>
+          <a:xfrm>
+            <a:off x="395536" y="261825"/>
+            <a:ext cx="5526159" cy="261610"/>
+          </a:xfrm>
+          <a:prstGeom prst="rect">
+            <a:avLst/>
+          </a:prstGeom>
+          <a:noFill/>
+        </p:spPr>
+        <p:txBody>
+          <a:bodyPr wrap="square" rtlCol="0">
+            <a:spAutoFit/>
+          </a:bodyPr>
+          <a:lstStyle/>
+          <a:p>
+            <a:r>
+              <a:rPr lang="en-US" altLang="ko-KR" sz="1100" b="1"/>
+              <a:t>HAProxy (LB VM) Health, Octavia Member Health</a:t>
+            </a:r>
+          </a:p>
+        </p:txBody>
+      </p:sp>
+      <p:cxnSp>
+        <p:nvCxnSpPr>
+          <p:cNvPr id="163" name="직선 화살표 연결선 162">
+            <a:extLst>
+              <a:ext uri="{FF2B5EF4-FFF2-40B4-BE49-F238E27FC236}">
+                <a16:creationId xmlns:a16="http://schemas.microsoft.com/office/drawing/2014/main" id="{42D55D90-FF89-4404-8E63-75C5E282D261}"/>
+              </a:ext>
+            </a:extLst>
+          </p:cNvPr>
+          <p:cNvCxnSpPr>
+            <a:cxnSpLocks/>
+            <a:stCxn id="162" idx="1"/>
+          </p:cNvCxnSpPr>
+          <p:nvPr/>
+        </p:nvCxnSpPr>
+        <p:spPr>
+          <a:xfrm flipH="1" flipV="1">
+            <a:off x="137505" y="392295"/>
+            <a:ext cx="258032" cy="335"/>
+          </a:xfrm>
+          <a:prstGeom prst="straightConnector1">
+            <a:avLst/>
+          </a:prstGeom>
+          <a:ln w="28575">
+            <a:solidFill>
+              <a:schemeClr val="accent4"/>
+            </a:solidFill>
+            <a:headEnd type="arrow" w="med" len="med"/>
+            <a:tailEnd type="none" w="med" len="med"/>
+          </a:ln>
+        </p:spPr>
+        <p:style>
+          <a:lnRef idx="1">
+            <a:schemeClr val="accent1"/>
+          </a:lnRef>
+          <a:fillRef idx="0">
+            <a:schemeClr val="accent1"/>
+          </a:fillRef>
+          <a:effectRef idx="0">
+            <a:schemeClr val="accent1"/>
+          </a:effectRef>
+          <a:fontRef idx="minor">
+            <a:schemeClr val="tx1"/>
+          </a:fontRef>
+        </p:style>
+      </p:cxnSp>
+      <p:sp>
+        <p:nvSpPr>
+          <p:cNvPr id="164" name="TextBox 163">
+            <a:extLst>
+              <a:ext uri="{FF2B5EF4-FFF2-40B4-BE49-F238E27FC236}">
+                <a16:creationId xmlns:a16="http://schemas.microsoft.com/office/drawing/2014/main" id="{DD5A43F8-0227-4905-B00A-5ED5FCE7DA0A}"/>
+              </a:ext>
+            </a:extLst>
+          </p:cNvPr>
+          <p:cNvSpPr txBox="1"/>
+          <p:nvPr/>
+        </p:nvSpPr>
+        <p:spPr>
+          <a:xfrm>
+            <a:off x="395537" y="77154"/>
+            <a:ext cx="936104" cy="261610"/>
+          </a:xfrm>
+          <a:prstGeom prst="rect">
+            <a:avLst/>
+          </a:prstGeom>
+          <a:noFill/>
+        </p:spPr>
+        <p:txBody>
+          <a:bodyPr wrap="square" rtlCol="0">
+            <a:spAutoFit/>
+          </a:bodyPr>
+          <a:lstStyle/>
+          <a:p>
+            <a:r>
+              <a:rPr lang="en-US" altLang="ko-KR" sz="1100" b="1"/>
+              <a:t>Request LB</a:t>
+            </a:r>
+          </a:p>
+        </p:txBody>
+      </p:sp>
+      <p:cxnSp>
+        <p:nvCxnSpPr>
+          <p:cNvPr id="165" name="직선 화살표 연결선 164">
+            <a:extLst>
+              <a:ext uri="{FF2B5EF4-FFF2-40B4-BE49-F238E27FC236}">
+                <a16:creationId xmlns:a16="http://schemas.microsoft.com/office/drawing/2014/main" id="{66607690-5D2D-468E-A5BD-42173AD64EE2}"/>
+              </a:ext>
+            </a:extLst>
+          </p:cNvPr>
+          <p:cNvCxnSpPr>
+            <a:cxnSpLocks/>
+            <a:stCxn id="164" idx="1"/>
+          </p:cNvCxnSpPr>
+          <p:nvPr/>
+        </p:nvCxnSpPr>
+        <p:spPr>
+          <a:xfrm flipH="1" flipV="1">
+            <a:off x="137505" y="207623"/>
+            <a:ext cx="258032" cy="336"/>
+          </a:xfrm>
+          <a:prstGeom prst="straightConnector1">
+            <a:avLst/>
+          </a:prstGeom>
+          <a:ln w="28575">
+            <a:solidFill>
+              <a:schemeClr val="tx1"/>
+            </a:solidFill>
+            <a:headEnd type="arrow" w="med" len="med"/>
+            <a:tailEnd type="none" w="med" len="med"/>
+          </a:ln>
+        </p:spPr>
+        <p:style>
+          <a:lnRef idx="1">
+            <a:schemeClr val="accent1"/>
+          </a:lnRef>
+          <a:fillRef idx="0">
+            <a:schemeClr val="accent1"/>
+          </a:fillRef>
+          <a:effectRef idx="0">
+            <a:schemeClr val="accent1"/>
+          </a:effectRef>
+          <a:fontRef idx="minor">
+            <a:schemeClr val="tx1"/>
+          </a:fontRef>
+        </p:style>
+      </p:cxnSp>
+      <p:sp>
+        <p:nvSpPr>
+          <p:cNvPr id="93" name="TextBox 92">
+            <a:extLst>
+              <a:ext uri="{FF2B5EF4-FFF2-40B4-BE49-F238E27FC236}">
+                <a16:creationId xmlns:a16="http://schemas.microsoft.com/office/drawing/2014/main" id="{B47B6F5B-53F9-423D-B492-7EE2D5922437}"/>
+              </a:ext>
+            </a:extLst>
+          </p:cNvPr>
+          <p:cNvSpPr txBox="1"/>
+          <p:nvPr/>
+        </p:nvSpPr>
+        <p:spPr>
+          <a:xfrm>
+            <a:off x="1589673" y="77154"/>
+            <a:ext cx="1280396" cy="261610"/>
+          </a:xfrm>
+          <a:prstGeom prst="rect">
+            <a:avLst/>
+          </a:prstGeom>
+          <a:noFill/>
+        </p:spPr>
+        <p:txBody>
+          <a:bodyPr wrap="square" rtlCol="0">
+            <a:spAutoFit/>
+          </a:bodyPr>
+          <a:lstStyle/>
+          <a:p>
+            <a:r>
+              <a:rPr lang="en-US" altLang="ko-KR" sz="1100" b="1"/>
+              <a:t>HAProxy Config</a:t>
+            </a:r>
+          </a:p>
+        </p:txBody>
+      </p:sp>
+      <p:cxnSp>
+        <p:nvCxnSpPr>
+          <p:cNvPr id="94" name="직선 화살표 연결선 93">
+            <a:extLst>
+              <a:ext uri="{FF2B5EF4-FFF2-40B4-BE49-F238E27FC236}">
+                <a16:creationId xmlns:a16="http://schemas.microsoft.com/office/drawing/2014/main" id="{16016B57-0ACE-43BE-9314-61930ADA6A86}"/>
+              </a:ext>
+            </a:extLst>
+          </p:cNvPr>
+          <p:cNvCxnSpPr>
+            <a:cxnSpLocks/>
+            <a:stCxn id="93" idx="1"/>
+          </p:cNvCxnSpPr>
+          <p:nvPr/>
+        </p:nvCxnSpPr>
+        <p:spPr>
+          <a:xfrm flipH="1" flipV="1">
+            <a:off x="1331641" y="207625"/>
+            <a:ext cx="258032" cy="334"/>
+          </a:xfrm>
+          <a:prstGeom prst="straightConnector1">
+            <a:avLst/>
+          </a:prstGeom>
+          <a:ln w="28575">
+            <a:solidFill>
+              <a:schemeClr val="accent4">
+                <a:lumMod val="60000"/>
+                <a:lumOff val="40000"/>
+              </a:schemeClr>
+            </a:solidFill>
+            <a:headEnd type="arrow" w="med" len="med"/>
+            <a:tailEnd type="none" w="med" len="med"/>
+          </a:ln>
+        </p:spPr>
+        <p:style>
+          <a:lnRef idx="1">
+            <a:schemeClr val="accent1"/>
+          </a:lnRef>
+          <a:fillRef idx="0">
+            <a:schemeClr val="accent1"/>
+          </a:fillRef>
+          <a:effectRef idx="0">
+            <a:schemeClr val="accent1"/>
+          </a:effectRef>
+          <a:fontRef idx="minor">
+            <a:schemeClr val="tx1"/>
+          </a:fontRef>
+        </p:style>
+      </p:cxnSp>
+      <p:cxnSp>
+        <p:nvCxnSpPr>
+          <p:cNvPr id="117" name="직선 화살표 연결선 116">
+            <a:extLst>
+              <a:ext uri="{FF2B5EF4-FFF2-40B4-BE49-F238E27FC236}">
+                <a16:creationId xmlns:a16="http://schemas.microsoft.com/office/drawing/2014/main" id="{F86C8A18-92DB-42A5-A92B-2878A1C3FF9B}"/>
+              </a:ext>
+            </a:extLst>
+          </p:cNvPr>
+          <p:cNvCxnSpPr>
+            <a:cxnSpLocks/>
+          </p:cNvCxnSpPr>
+          <p:nvPr/>
+        </p:nvCxnSpPr>
+        <p:spPr>
+          <a:xfrm flipV="1">
+            <a:off x="2486437" y="1816485"/>
+            <a:ext cx="6190838" cy="12961"/>
+          </a:xfrm>
+          <a:prstGeom prst="straightConnector1">
+            <a:avLst/>
+          </a:prstGeom>
+          <a:ln w="28575">
+            <a:solidFill>
+              <a:schemeClr val="accent4">
+                <a:lumMod val="60000"/>
+                <a:lumOff val="40000"/>
+              </a:schemeClr>
+            </a:solidFill>
+            <a:prstDash val="solid"/>
+            <a:headEnd type="none" w="med" len="med"/>
+            <a:tailEnd type="none" w="med" len="med"/>
+          </a:ln>
+        </p:spPr>
+        <p:style>
+          <a:lnRef idx="1">
+            <a:schemeClr val="accent1"/>
+          </a:lnRef>
+          <a:fillRef idx="0">
+            <a:schemeClr val="accent1"/>
+          </a:fillRef>
+          <a:effectRef idx="0">
+            <a:schemeClr val="accent1"/>
+          </a:effectRef>
+          <a:fontRef idx="minor">
+            <a:schemeClr val="tx1"/>
+          </a:fontRef>
+        </p:style>
+      </p:cxnSp>
+      <p:cxnSp>
+        <p:nvCxnSpPr>
+          <p:cNvPr id="129" name="직선 화살표 연결선 128">
+            <a:extLst>
+              <a:ext uri="{FF2B5EF4-FFF2-40B4-BE49-F238E27FC236}">
+                <a16:creationId xmlns:a16="http://schemas.microsoft.com/office/drawing/2014/main" id="{5BB829A0-19A4-4CD4-A5BF-D737FA1FDF24}"/>
+              </a:ext>
+            </a:extLst>
+          </p:cNvPr>
+          <p:cNvCxnSpPr>
+            <a:cxnSpLocks/>
+          </p:cNvCxnSpPr>
+          <p:nvPr/>
+        </p:nvCxnSpPr>
+        <p:spPr>
+          <a:xfrm flipV="1">
+            <a:off x="3995936" y="1829445"/>
+            <a:ext cx="0" cy="233521"/>
+          </a:xfrm>
+          <a:prstGeom prst="straightConnector1">
+            <a:avLst/>
+          </a:prstGeom>
+          <a:ln w="28575">
+            <a:solidFill>
+              <a:schemeClr val="accent4">
+                <a:lumMod val="60000"/>
+                <a:lumOff val="40000"/>
+              </a:schemeClr>
+            </a:solidFill>
+            <a:prstDash val="solid"/>
+            <a:headEnd type="arrow" w="med" len="med"/>
+            <a:tailEnd type="none" w="med" len="med"/>
+          </a:ln>
+        </p:spPr>
+        <p:style>
+          <a:lnRef idx="1">
+            <a:schemeClr val="accent1"/>
+          </a:lnRef>
+          <a:fillRef idx="0">
+            <a:schemeClr val="accent1"/>
+          </a:fillRef>
+          <a:effectRef idx="0">
+            <a:schemeClr val="accent1"/>
+          </a:effectRef>
+          <a:fontRef idx="minor">
+            <a:schemeClr val="tx1"/>
+          </a:fontRef>
+        </p:style>
+      </p:cxnSp>
+      <p:cxnSp>
+        <p:nvCxnSpPr>
+          <p:cNvPr id="130" name="직선 화살표 연결선 129">
+            <a:extLst>
+              <a:ext uri="{FF2B5EF4-FFF2-40B4-BE49-F238E27FC236}">
+                <a16:creationId xmlns:a16="http://schemas.microsoft.com/office/drawing/2014/main" id="{2A248476-0AAD-4B51-B9AE-F5FFB823D3D7}"/>
+              </a:ext>
+            </a:extLst>
+          </p:cNvPr>
+          <p:cNvCxnSpPr>
+            <a:cxnSpLocks/>
+          </p:cNvCxnSpPr>
+          <p:nvPr/>
+        </p:nvCxnSpPr>
+        <p:spPr>
+          <a:xfrm flipV="1">
+            <a:off x="5508104" y="1829445"/>
+            <a:ext cx="0" cy="233521"/>
+          </a:xfrm>
+          <a:prstGeom prst="straightConnector1">
+            <a:avLst/>
+          </a:prstGeom>
+          <a:ln w="28575">
+            <a:solidFill>
+              <a:schemeClr val="accent4">
+                <a:lumMod val="60000"/>
+                <a:lumOff val="40000"/>
+              </a:schemeClr>
+            </a:solidFill>
+            <a:prstDash val="solid"/>
+            <a:headEnd type="arrow" w="med" len="med"/>
+            <a:tailEnd type="none" w="med" len="med"/>
+          </a:ln>
+        </p:spPr>
+        <p:style>
+          <a:lnRef idx="1">
+            <a:schemeClr val="accent1"/>
+          </a:lnRef>
+          <a:fillRef idx="0">
+            <a:schemeClr val="accent1"/>
+          </a:fillRef>
+          <a:effectRef idx="0">
+            <a:schemeClr val="accent1"/>
+          </a:effectRef>
+          <a:fontRef idx="minor">
+            <a:schemeClr val="tx1"/>
+          </a:fontRef>
+        </p:style>
+      </p:cxnSp>
+      <p:cxnSp>
+        <p:nvCxnSpPr>
+          <p:cNvPr id="132" name="직선 화살표 연결선 131">
+            <a:extLst>
+              <a:ext uri="{FF2B5EF4-FFF2-40B4-BE49-F238E27FC236}">
+                <a16:creationId xmlns:a16="http://schemas.microsoft.com/office/drawing/2014/main" id="{67BFB328-D722-4AAA-AFA3-50DE6A2C2F57}"/>
+              </a:ext>
+            </a:extLst>
+          </p:cNvPr>
+          <p:cNvCxnSpPr>
+            <a:cxnSpLocks/>
+          </p:cNvCxnSpPr>
+          <p:nvPr/>
+        </p:nvCxnSpPr>
+        <p:spPr>
+          <a:xfrm flipV="1">
+            <a:off x="7209904" y="1829445"/>
+            <a:ext cx="0" cy="233521"/>
+          </a:xfrm>
+          <a:prstGeom prst="straightConnector1">
+            <a:avLst/>
+          </a:prstGeom>
+          <a:ln w="28575">
+            <a:solidFill>
+              <a:schemeClr val="accent4">
+                <a:lumMod val="60000"/>
+                <a:lumOff val="40000"/>
+              </a:schemeClr>
+            </a:solidFill>
+            <a:prstDash val="solid"/>
+            <a:headEnd type="arrow" w="med" len="med"/>
+            <a:tailEnd type="none" w="med" len="med"/>
+          </a:ln>
+        </p:spPr>
+        <p:style>
+          <a:lnRef idx="1">
+            <a:schemeClr val="accent1"/>
+          </a:lnRef>
+          <a:fillRef idx="0">
+            <a:schemeClr val="accent1"/>
+          </a:fillRef>
+          <a:effectRef idx="0">
+            <a:schemeClr val="accent1"/>
+          </a:effectRef>
+          <a:fontRef idx="minor">
+            <a:schemeClr val="tx1"/>
+          </a:fontRef>
+        </p:style>
+      </p:cxnSp>
+      <p:cxnSp>
+        <p:nvCxnSpPr>
+          <p:cNvPr id="134" name="직선 화살표 연결선 133">
+            <a:extLst>
+              <a:ext uri="{FF2B5EF4-FFF2-40B4-BE49-F238E27FC236}">
+                <a16:creationId xmlns:a16="http://schemas.microsoft.com/office/drawing/2014/main" id="{B3ACF72A-FC96-4D6A-8E3C-4DEC429EB410}"/>
+              </a:ext>
+            </a:extLst>
+          </p:cNvPr>
+          <p:cNvCxnSpPr>
+            <a:cxnSpLocks/>
+          </p:cNvCxnSpPr>
+          <p:nvPr/>
+        </p:nvCxnSpPr>
+        <p:spPr>
+          <a:xfrm flipV="1">
+            <a:off x="8667229" y="1829445"/>
+            <a:ext cx="0" cy="233521"/>
+          </a:xfrm>
+          <a:prstGeom prst="straightConnector1">
+            <a:avLst/>
+          </a:prstGeom>
+          <a:ln w="28575">
+            <a:solidFill>
+              <a:schemeClr val="accent4">
+                <a:lumMod val="60000"/>
+                <a:lumOff val="40000"/>
+              </a:schemeClr>
+            </a:solidFill>
+            <a:prstDash val="solid"/>
+            <a:headEnd type="arrow" w="med" len="med"/>
+            <a:tailEnd type="none" w="med" len="med"/>
+          </a:ln>
+        </p:spPr>
+        <p:style>
+          <a:lnRef idx="1">
+            <a:schemeClr val="accent1"/>
+          </a:lnRef>
+          <a:fillRef idx="0">
+            <a:schemeClr val="accent1"/>
+          </a:fillRef>
+          <a:effectRef idx="0">
+            <a:schemeClr val="accent1"/>
+          </a:effectRef>
+          <a:fontRef idx="minor">
+            <a:schemeClr val="tx1"/>
+          </a:fontRef>
+        </p:style>
+      </p:cxnSp>
+      <p:sp>
+        <p:nvSpPr>
+          <p:cNvPr id="9" name="TextBox 8">
+            <a:extLst>
+              <a:ext uri="{FF2B5EF4-FFF2-40B4-BE49-F238E27FC236}">
+                <a16:creationId xmlns:a16="http://schemas.microsoft.com/office/drawing/2014/main" id="{239199D5-55A5-42C6-B447-3469235321C2}"/>
+              </a:ext>
+            </a:extLst>
+          </p:cNvPr>
+          <p:cNvSpPr txBox="1"/>
+          <p:nvPr/>
+        </p:nvSpPr>
+        <p:spPr>
+          <a:xfrm>
+            <a:off x="4580151" y="3540953"/>
+            <a:ext cx="1143977" cy="830997"/>
+          </a:xfrm>
+          <a:prstGeom prst="rect">
+            <a:avLst/>
+          </a:prstGeom>
+          <a:noFill/>
+        </p:spPr>
+        <p:txBody>
+          <a:bodyPr wrap="square" rtlCol="0">
+            <a:spAutoFit/>
+          </a:bodyPr>
+          <a:lstStyle/>
+          <a:p>
+            <a:pPr algn="just"/>
+            <a:r>
+              <a:rPr lang="en-US" altLang="ko-KR" sz="1200"/>
+              <a:t>Port 31000 </a:t>
+            </a:r>
+          </a:p>
+          <a:p>
+            <a:pPr marL="171450" indent="-171450" algn="just">
+              <a:buFont typeface="Wingdings" panose="05000000000000000000" pitchFamily="2" charset="2"/>
+              <a:buChar char="à"/>
+            </a:pPr>
+            <a:r>
+              <a:rPr lang="en-US" altLang="ko-KR" sz="1200">
+                <a:sym typeface="Wingdings" panose="05000000000000000000" pitchFamily="2" charset="2"/>
+              </a:rPr>
+              <a:t>Service A</a:t>
+            </a:r>
+          </a:p>
+          <a:p>
+            <a:pPr algn="just"/>
+            <a:r>
+              <a:rPr lang="en-US" altLang="ko-KR" sz="1200">
+                <a:sym typeface="Wingdings" panose="05000000000000000000" pitchFamily="2" charset="2"/>
+              </a:rPr>
+              <a:t>Port 32000</a:t>
+            </a:r>
+          </a:p>
+          <a:p>
+            <a:pPr algn="just"/>
+            <a:r>
+              <a:rPr lang="en-US" altLang="ko-KR" sz="1200">
+                <a:sym typeface="Wingdings" panose="05000000000000000000" pitchFamily="2" charset="2"/>
+              </a:rPr>
+              <a:t> Service B</a:t>
+            </a:r>
+          </a:p>
+        </p:txBody>
+      </p:sp>
+      <p:sp>
+        <p:nvSpPr>
+          <p:cNvPr id="144" name="모서리가 둥근 직사각형 18">
+            <a:extLst>
+              <a:ext uri="{FF2B5EF4-FFF2-40B4-BE49-F238E27FC236}">
+                <a16:creationId xmlns:a16="http://schemas.microsoft.com/office/drawing/2014/main" id="{CB909264-D379-474D-AD6C-C6174DD55FB2}"/>
+              </a:ext>
+            </a:extLst>
+          </p:cNvPr>
+          <p:cNvSpPr/>
+          <p:nvPr/>
+        </p:nvSpPr>
+        <p:spPr>
+          <a:xfrm>
+            <a:off x="3059832" y="4015273"/>
+            <a:ext cx="1521126" cy="254999"/>
+          </a:xfrm>
+          <a:prstGeom prst="roundRect">
+            <a:avLst>
+              <a:gd name="adj" fmla="val 11578"/>
+            </a:avLst>
+          </a:prstGeom>
+          <a:noFill/>
+        </p:spPr>
+        <p:style>
+          <a:lnRef idx="2">
+            <a:schemeClr val="dk1"/>
+          </a:lnRef>
+          <a:fillRef idx="1">
+            <a:schemeClr val="lt1"/>
+          </a:fillRef>
+          <a:effectRef idx="0">
+            <a:schemeClr val="dk1"/>
+          </a:effectRef>
+          <a:fontRef idx="minor">
+            <a:schemeClr val="dk1"/>
+          </a:fontRef>
+        </p:style>
+        <p:txBody>
+          <a:bodyPr rtlCol="0" anchor="ctr"/>
+          <a:lstStyle/>
+          <a:p>
+            <a:pPr algn="ctr"/>
+            <a:r>
+              <a:rPr lang="en-US" altLang="ko-KR" sz="1100" b="1"/>
+              <a:t>cloud_conf</a:t>
+            </a:r>
+            <a:endParaRPr lang="en-US" altLang="ko-KR" sz="1100" b="1" dirty="0"/>
+          </a:p>
+        </p:txBody>
+      </p:sp>
+      <p:sp>
+        <p:nvSpPr>
+          <p:cNvPr id="145" name="모서리가 둥근 직사각형 18">
+            <a:extLst>
+              <a:ext uri="{FF2B5EF4-FFF2-40B4-BE49-F238E27FC236}">
+                <a16:creationId xmlns:a16="http://schemas.microsoft.com/office/drawing/2014/main" id="{E1005E5E-04F6-4290-BEDB-C1DAF1989ADC}"/>
+              </a:ext>
+            </a:extLst>
+          </p:cNvPr>
+          <p:cNvSpPr/>
+          <p:nvPr/>
+        </p:nvSpPr>
+        <p:spPr>
+          <a:xfrm>
+            <a:off x="3059832" y="3652540"/>
+            <a:ext cx="1521130" cy="361808"/>
+          </a:xfrm>
+          <a:prstGeom prst="roundRect">
+            <a:avLst>
+              <a:gd name="adj" fmla="val 11578"/>
+            </a:avLst>
+          </a:prstGeom>
+          <a:noFill/>
+        </p:spPr>
+        <p:style>
+          <a:lnRef idx="2">
+            <a:schemeClr val="dk1"/>
+          </a:lnRef>
+          <a:fillRef idx="1">
+            <a:schemeClr val="lt1"/>
+          </a:fillRef>
+          <a:effectRef idx="0">
+            <a:schemeClr val="dk1"/>
+          </a:effectRef>
+          <a:fontRef idx="minor">
+            <a:schemeClr val="dk1"/>
+          </a:fontRef>
+        </p:style>
+        <p:txBody>
+          <a:bodyPr rtlCol="0" anchor="ctr"/>
+          <a:lstStyle/>
+          <a:p>
+            <a:pPr algn="ctr"/>
+            <a:r>
+              <a:rPr lang="en-US" altLang="ko-KR" sz="1100" b="1"/>
+              <a:t>OpenStack Cloud Controller Manager</a:t>
+            </a:r>
+            <a:endParaRPr lang="en-US" altLang="ko-KR" sz="1100" b="1" dirty="0"/>
+          </a:p>
+        </p:txBody>
+      </p:sp>
+    </p:spTree>
+    <p:extLst>
+      <p:ext uri="{BB962C8B-B14F-4D97-AF65-F5344CB8AC3E}">
+        <p14:creationId xmlns:p14="http://schemas.microsoft.com/office/powerpoint/2010/main" val="1362578311"/>
+      </p:ext>
+    </p:extLst>
+  </p:cSld>
+  <p:clrMapOvr>
+    <a:masterClrMapping/>
+  </p:clrMapOvr>
+</p:sld>
+</file>
+
+<file path=ppt/slides/slide3.xml><?xml version="1.0" encoding="utf-8"?>
+<p:sld xmlns:a="http://schemas.openxmlformats.org/drawingml/2006/main" xmlns:r="http://schemas.openxmlformats.org/officeDocument/2006/relationships" xmlns:p="http://schemas.openxmlformats.org/presentationml/2006/main">
+  <p:cSld>
+    <p:spTree>
+      <p:nvGrpSpPr>
+        <p:cNvPr id="1" name=""/>
+        <p:cNvGrpSpPr/>
+        <p:nvPr/>
+      </p:nvGrpSpPr>
+      <p:grpSpPr>
+        <a:xfrm>
+          <a:off x="0" y="0"/>
+          <a:ext cx="0" cy="0"/>
+          <a:chOff x="0" y="0"/>
+          <a:chExt cx="0" cy="0"/>
+        </a:xfrm>
+      </p:grpSpPr>
+    </p:spTree>
+    <p:extLst>
+      <p:ext uri="{BB962C8B-B14F-4D97-AF65-F5344CB8AC3E}">
+        <p14:creationId xmlns:p14="http://schemas.microsoft.com/office/powerpoint/2010/main" val="3687385559"/>
+      </p:ext>
+    </p:extLst>
+  </p:cSld>
+  <p:clrMapOvr>
+    <a:masterClrMapping/>
+  </p:clrMapOvr>
+</p:sld>
+</file>
+
+<file path=ppt/slides/slide4.xml><?xml version="1.0" encoding="utf-8"?>
 <p:sld xmlns:a="http://schemas.openxmlformats.org/drawingml/2006/main" xmlns:r="http://schemas.openxmlformats.org/officeDocument/2006/relationships" xmlns:p="http://schemas.openxmlformats.org/presentationml/2006/main">
   <p:cSld>
     <p:spTree>

--- a/images/theory_analysis/Kubernetes_OpenStack_Octavia/Kubernetes_OpenStack_Octavia.pptx
+++ b/images/theory_analysis/Kubernetes_OpenStack_Octavia/Kubernetes_OpenStack_Octavia.pptx
@@ -216,7 +216,7 @@
           <a:p>
             <a:fld id="{6CD5550B-26C4-49A9-A5BA-636EF7BE6CE9}" type="datetimeFigureOut">
               <a:rPr lang="ko-KR" altLang="en-US" smtClean="0"/>
-              <a:t>2019-10-13</a:t>
+              <a:t>2020-03-28</a:t>
             </a:fld>
             <a:endParaRPr lang="ko-KR" altLang="en-US"/>
           </a:p>
@@ -914,7 +914,7 @@
           <a:p>
             <a:fld id="{FB30EDBD-1C2D-4C1E-B459-B60219FAB484}" type="datetimeFigureOut">
               <a:rPr lang="ko-KR" altLang="en-US" smtClean="0"/>
-              <a:t>2019-10-13</a:t>
+              <a:t>2020-03-28</a:t>
             </a:fld>
             <a:endParaRPr lang="ko-KR" altLang="en-US"/>
           </a:p>
@@ -1077,7 +1077,7 @@
           <a:p>
             <a:fld id="{FB30EDBD-1C2D-4C1E-B459-B60219FAB484}" type="datetimeFigureOut">
               <a:rPr lang="ko-KR" altLang="en-US" smtClean="0"/>
-              <a:t>2019-10-13</a:t>
+              <a:t>2020-03-28</a:t>
             </a:fld>
             <a:endParaRPr lang="ko-KR" altLang="en-US"/>
           </a:p>
@@ -1250,7 +1250,7 @@
           <a:p>
             <a:fld id="{FB30EDBD-1C2D-4C1E-B459-B60219FAB484}" type="datetimeFigureOut">
               <a:rPr lang="ko-KR" altLang="en-US" smtClean="0"/>
-              <a:t>2019-10-13</a:t>
+              <a:t>2020-03-28</a:t>
             </a:fld>
             <a:endParaRPr lang="ko-KR" altLang="en-US"/>
           </a:p>
@@ -1413,7 +1413,7 @@
           <a:p>
             <a:fld id="{FB30EDBD-1C2D-4C1E-B459-B60219FAB484}" type="datetimeFigureOut">
               <a:rPr lang="ko-KR" altLang="en-US" smtClean="0"/>
-              <a:t>2019-10-13</a:t>
+              <a:t>2020-03-28</a:t>
             </a:fld>
             <a:endParaRPr lang="ko-KR" altLang="en-US"/>
           </a:p>
@@ -1653,7 +1653,7 @@
           <a:p>
             <a:fld id="{FB30EDBD-1C2D-4C1E-B459-B60219FAB484}" type="datetimeFigureOut">
               <a:rPr lang="ko-KR" altLang="en-US" smtClean="0"/>
-              <a:t>2019-10-13</a:t>
+              <a:t>2020-03-28</a:t>
             </a:fld>
             <a:endParaRPr lang="ko-KR" altLang="en-US"/>
           </a:p>
@@ -1933,7 +1933,7 @@
           <a:p>
             <a:fld id="{FB30EDBD-1C2D-4C1E-B459-B60219FAB484}" type="datetimeFigureOut">
               <a:rPr lang="ko-KR" altLang="en-US" smtClean="0"/>
-              <a:t>2019-10-13</a:t>
+              <a:t>2020-03-28</a:t>
             </a:fld>
             <a:endParaRPr lang="ko-KR" altLang="en-US"/>
           </a:p>
@@ -2347,7 +2347,7 @@
           <a:p>
             <a:fld id="{FB30EDBD-1C2D-4C1E-B459-B60219FAB484}" type="datetimeFigureOut">
               <a:rPr lang="ko-KR" altLang="en-US" smtClean="0"/>
-              <a:t>2019-10-13</a:t>
+              <a:t>2020-03-28</a:t>
             </a:fld>
             <a:endParaRPr lang="ko-KR" altLang="en-US"/>
           </a:p>
@@ -2459,7 +2459,7 @@
           <a:p>
             <a:fld id="{FB30EDBD-1C2D-4C1E-B459-B60219FAB484}" type="datetimeFigureOut">
               <a:rPr lang="ko-KR" altLang="en-US" smtClean="0"/>
-              <a:t>2019-10-13</a:t>
+              <a:t>2020-03-28</a:t>
             </a:fld>
             <a:endParaRPr lang="ko-KR" altLang="en-US"/>
           </a:p>
@@ -2549,7 +2549,7 @@
           <a:p>
             <a:fld id="{FB30EDBD-1C2D-4C1E-B459-B60219FAB484}" type="datetimeFigureOut">
               <a:rPr lang="ko-KR" altLang="en-US" smtClean="0"/>
-              <a:t>2019-10-13</a:t>
+              <a:t>2020-03-28</a:t>
             </a:fld>
             <a:endParaRPr lang="ko-KR" altLang="en-US"/>
           </a:p>
@@ -2819,7 +2819,7 @@
           <a:p>
             <a:fld id="{FB30EDBD-1C2D-4C1E-B459-B60219FAB484}" type="datetimeFigureOut">
               <a:rPr lang="ko-KR" altLang="en-US" smtClean="0"/>
-              <a:t>2019-10-13</a:t>
+              <a:t>2020-03-28</a:t>
             </a:fld>
             <a:endParaRPr lang="ko-KR" altLang="en-US"/>
           </a:p>
@@ -3066,7 +3066,7 @@
           <a:p>
             <a:fld id="{FB30EDBD-1C2D-4C1E-B459-B60219FAB484}" type="datetimeFigureOut">
               <a:rPr lang="ko-KR" altLang="en-US" smtClean="0"/>
-              <a:t>2019-10-13</a:t>
+              <a:t>2020-03-28</a:t>
             </a:fld>
             <a:endParaRPr lang="ko-KR" altLang="en-US"/>
           </a:p>
@@ -3272,7 +3272,7 @@
           <a:p>
             <a:fld id="{FB30EDBD-1C2D-4C1E-B459-B60219FAB484}" type="datetimeFigureOut">
               <a:rPr lang="ko-KR" altLang="en-US" smtClean="0"/>
-              <a:t>2019-10-13</a:t>
+              <a:t>2020-03-28</a:t>
             </a:fld>
             <a:endParaRPr lang="ko-KR" altLang="en-US"/>
           </a:p>
@@ -5583,12 +5583,12 @@
         </p:nvSpPr>
         <p:spPr>
           <a:xfrm>
-            <a:off x="2973083" y="3652540"/>
-            <a:ext cx="1120351" cy="361808"/>
+            <a:off x="2973083" y="3492888"/>
+            <a:ext cx="1120351" cy="521460"/>
           </a:xfrm>
           <a:prstGeom prst="roundRect">
             <a:avLst>
-              <a:gd name="adj" fmla="val 11578"/>
+              <a:gd name="adj" fmla="val 7623"/>
             </a:avLst>
           </a:prstGeom>
           <a:noFill/>
@@ -5614,14 +5614,7 @@
             <a:pPr algn="ctr"/>
             <a:r>
               <a:rPr lang="en-US" altLang="ko-KR" sz="1100" b="1"/>
-              <a:t>K8s API</a:t>
-            </a:r>
-          </a:p>
-          <a:p>
-            <a:pPr algn="ctr"/>
-            <a:r>
-              <a:rPr lang="en-US" altLang="ko-KR" sz="1100" b="1"/>
-              <a:t>Server</a:t>
+              <a:t>K8s Controller Manager</a:t>
             </a:r>
             <a:endParaRPr lang="en-US" altLang="ko-KR" sz="1100" b="1" dirty="0"/>
           </a:p>
@@ -5803,8 +5796,8 @@
         </p:nvCxnSpPr>
         <p:spPr>
           <a:xfrm>
-            <a:off x="1798777" y="2134291"/>
-            <a:ext cx="1174305" cy="1699153"/>
+            <a:off x="1798778" y="2134291"/>
+            <a:ext cx="1174305" cy="1619327"/>
           </a:xfrm>
           <a:prstGeom prst="straightConnector1">
             <a:avLst/>
@@ -7503,8 +7496,8 @@
         </p:nvSpPr>
         <p:spPr>
           <a:xfrm>
-            <a:off x="5554967" y="2166897"/>
-            <a:ext cx="154258" cy="771249"/>
+            <a:off x="5554967" y="2571750"/>
+            <a:ext cx="153993" cy="366396"/>
           </a:xfrm>
           <a:custGeom>
             <a:avLst/>
@@ -7593,8 +7586,8 @@
         </p:nvSpPr>
         <p:spPr>
           <a:xfrm>
-            <a:off x="8738957" y="2166897"/>
-            <a:ext cx="154258" cy="771249"/>
+            <a:off x="8738957" y="2571750"/>
+            <a:ext cx="153993" cy="366396"/>
           </a:xfrm>
           <a:custGeom>
             <a:avLst/>
@@ -7683,8 +7676,8 @@
         </p:nvSpPr>
         <p:spPr>
           <a:xfrm>
-            <a:off x="7266255" y="2166897"/>
-            <a:ext cx="154258" cy="771249"/>
+            <a:off x="7266255" y="2571750"/>
+            <a:ext cx="153993" cy="366396"/>
           </a:xfrm>
           <a:custGeom>
             <a:avLst/>
@@ -7773,8 +7766,8 @@
         </p:nvSpPr>
         <p:spPr>
           <a:xfrm>
-            <a:off x="4082085" y="2166897"/>
-            <a:ext cx="154258" cy="771249"/>
+            <a:off x="4082085" y="2571750"/>
+            <a:ext cx="153993" cy="366396"/>
           </a:xfrm>
           <a:custGeom>
             <a:avLst/>
@@ -9039,7 +9032,7 @@
             <a:pPr algn="ctr"/>
             <a:r>
               <a:rPr lang="en-US" altLang="ko-KR" sz="1200"/>
-              <a:t>K8s Slave VM</a:t>
+              <a:t>K8s Master/Slave VM</a:t>
             </a:r>
           </a:p>
           <a:p>
@@ -12168,8 +12161,8 @@
         </p:nvSpPr>
         <p:spPr>
           <a:xfrm>
-            <a:off x="5554967" y="2166897"/>
-            <a:ext cx="154258" cy="771249"/>
+            <a:off x="5554967" y="2571750"/>
+            <a:ext cx="147918" cy="366396"/>
           </a:xfrm>
           <a:custGeom>
             <a:avLst/>
@@ -12258,8 +12251,8 @@
         </p:nvSpPr>
         <p:spPr>
           <a:xfrm>
-            <a:off x="8738957" y="2166897"/>
-            <a:ext cx="154258" cy="771249"/>
+            <a:off x="8738957" y="2571750"/>
+            <a:ext cx="147918" cy="366396"/>
           </a:xfrm>
           <a:custGeom>
             <a:avLst/>
@@ -12348,8 +12341,8 @@
         </p:nvSpPr>
         <p:spPr>
           <a:xfrm>
-            <a:off x="7266255" y="2166897"/>
-            <a:ext cx="154258" cy="771249"/>
+            <a:off x="7266255" y="2571750"/>
+            <a:ext cx="147918" cy="366396"/>
           </a:xfrm>
           <a:custGeom>
             <a:avLst/>
@@ -12438,8 +12431,8 @@
         </p:nvSpPr>
         <p:spPr>
           <a:xfrm>
-            <a:off x="4082085" y="2166897"/>
-            <a:ext cx="154258" cy="771249"/>
+            <a:off x="4082085" y="2571750"/>
+            <a:ext cx="147918" cy="366396"/>
           </a:xfrm>
           <a:custGeom>
             <a:avLst/>
